--- a/powerpoints/keras.pptx
+++ b/powerpoints/keras.pptx
@@ -324,12 +324,12 @@
   <pc:docChgLst>
     <pc:chgData name="Andrie de Vries" userId="38bc69793eb5a597" providerId="LiveId" clId="{2CEA7A8A-E1D7-4D57-B7B5-DD3D91B7588E}"/>
     <pc:docChg chg="undo redo custSel addSld delSld modSld">
-      <pc:chgData name="Andrie de Vries" userId="38bc69793eb5a597" providerId="LiveId" clId="{2CEA7A8A-E1D7-4D57-B7B5-DD3D91B7588E}" dt="2017-12-21T16:10:30.108" v="4957" actId="20577"/>
+      <pc:chgData name="Andrie de Vries" userId="38bc69793eb5a597" providerId="LiveId" clId="{2CEA7A8A-E1D7-4D57-B7B5-DD3D91B7588E}" dt="2017-12-21T20:42:36.896" v="5132"/>
       <pc:docMkLst>
         <pc:docMk/>
       </pc:docMkLst>
       <pc:sldChg chg="addSp delSp modSp">
-        <pc:chgData name="Andrie de Vries" userId="38bc69793eb5a597" providerId="LiveId" clId="{2CEA7A8A-E1D7-4D57-B7B5-DD3D91B7588E}" dt="2017-12-21T16:10:30.108" v="4957" actId="20577"/>
+        <pc:chgData name="Andrie de Vries" userId="38bc69793eb5a597" providerId="LiveId" clId="{2CEA7A8A-E1D7-4D57-B7B5-DD3D91B7588E}" dt="2017-12-21T20:42:36.896" v="5132"/>
         <pc:sldMkLst>
           <pc:docMk/>
           <pc:sldMk cId="0" sldId="256"/>
@@ -342,6 +342,14 @@
             <ac:spMk id="2" creationId="{37485815-8221-4AA3-AA1B-99B227B63B42}"/>
           </ac:spMkLst>
         </pc:spChg>
+        <pc:spChg chg="add del">
+          <ac:chgData name="Andrie de Vries" userId="38bc69793eb5a597" providerId="LiveId" clId="{2CEA7A8A-E1D7-4D57-B7B5-DD3D91B7588E}" dt="2017-12-20T16:26:50.324" v="2849" actId="313"/>
+          <ac:spMkLst>
+            <pc:docMk/>
+            <pc:sldMk cId="0" sldId="256"/>
+            <ac:spMk id="2" creationId="{45E5AAE9-3E0F-4EDD-8200-9F13EB3CD66F}"/>
+          </ac:spMkLst>
+        </pc:spChg>
         <pc:spChg chg="add del mod">
           <ac:chgData name="Andrie de Vries" userId="38bc69793eb5a597" providerId="LiveId" clId="{2CEA7A8A-E1D7-4D57-B7B5-DD3D91B7588E}" dt="2017-12-20T07:57:52.935" v="1048" actId="478"/>
           <ac:spMkLst>
@@ -351,14 +359,6 @@
           </ac:spMkLst>
         </pc:spChg>
         <pc:spChg chg="add del">
-          <ac:chgData name="Andrie de Vries" userId="38bc69793eb5a597" providerId="LiveId" clId="{2CEA7A8A-E1D7-4D57-B7B5-DD3D91B7588E}" dt="2017-12-20T16:26:50.324" v="2849" actId="313"/>
-          <ac:spMkLst>
-            <pc:docMk/>
-            <pc:sldMk cId="0" sldId="256"/>
-            <ac:spMk id="2" creationId="{45E5AAE9-3E0F-4EDD-8200-9F13EB3CD66F}"/>
-          </ac:spMkLst>
-        </pc:spChg>
-        <pc:spChg chg="add del">
           <ac:chgData name="Andrie de Vries" userId="38bc69793eb5a597" providerId="LiveId" clId="{2CEA7A8A-E1D7-4D57-B7B5-DD3D91B7588E}" dt="2017-12-20T07:57:55.515" v="1049" actId="478"/>
           <ac:spMkLst>
             <pc:docMk/>
@@ -366,24 +366,24 @@
             <ac:spMk id="3" creationId="{CEC8949F-828C-41C2-AA12-E869A406B5F9}"/>
           </ac:spMkLst>
         </pc:spChg>
+        <pc:spChg chg="add del">
+          <ac:chgData name="Andrie de Vries" userId="38bc69793eb5a597" providerId="LiveId" clId="{2CEA7A8A-E1D7-4D57-B7B5-DD3D91B7588E}" dt="2017-12-20T08:00:19.328" v="1107" actId="1076"/>
+          <ac:spMkLst>
+            <pc:docMk/>
+            <pc:sldMk cId="0" sldId="256"/>
+            <ac:spMk id="4" creationId="{A7D181D3-E1F3-4005-9678-173D7C148D2A}"/>
+          </ac:spMkLst>
+        </pc:spChg>
         <pc:spChg chg="add mod">
-          <ac:chgData name="Andrie de Vries" userId="38bc69793eb5a597" providerId="LiveId" clId="{2CEA7A8A-E1D7-4D57-B7B5-DD3D91B7588E}" dt="2017-12-20T17:23:03.984" v="3532" actId="1038"/>
+          <ac:chgData name="Andrie de Vries" userId="38bc69793eb5a597" providerId="LiveId" clId="{2CEA7A8A-E1D7-4D57-B7B5-DD3D91B7588E}" dt="2017-12-21T20:42:21.464" v="5131" actId="1035"/>
           <ac:spMkLst>
             <pc:docMk/>
             <pc:sldMk cId="0" sldId="256"/>
             <ac:spMk id="4" creationId="{28668812-3004-4B9F-B42D-6E8DAA5EE5C0}"/>
           </ac:spMkLst>
         </pc:spChg>
-        <pc:spChg chg="add del">
-          <ac:chgData name="Andrie de Vries" userId="38bc69793eb5a597" providerId="LiveId" clId="{2CEA7A8A-E1D7-4D57-B7B5-DD3D91B7588E}" dt="2017-12-20T08:00:19.328" v="1107" actId="1076"/>
-          <ac:spMkLst>
-            <pc:docMk/>
-            <pc:sldMk cId="0" sldId="256"/>
-            <ac:spMk id="4" creationId="{A7D181D3-E1F3-4005-9678-173D7C148D2A}"/>
-          </ac:spMkLst>
-        </pc:spChg>
         <pc:spChg chg="add mod">
-          <ac:chgData name="Andrie de Vries" userId="38bc69793eb5a597" providerId="LiveId" clId="{2CEA7A8A-E1D7-4D57-B7B5-DD3D91B7588E}" dt="2017-12-21T15:57:57.907" v="4935" actId="14100"/>
+          <ac:chgData name="Andrie de Vries" userId="38bc69793eb5a597" providerId="LiveId" clId="{2CEA7A8A-E1D7-4D57-B7B5-DD3D91B7588E}" dt="2017-12-21T20:42:17.499" v="5126" actId="1036"/>
           <ac:spMkLst>
             <pc:docMk/>
             <pc:sldMk cId="0" sldId="256"/>
@@ -406,6 +406,14 @@
             <ac:spMk id="6" creationId="{686E24F8-C4B5-4126-9F27-E9FC7CE8BFB3}"/>
           </ac:spMkLst>
         </pc:spChg>
+        <pc:spChg chg="add mod">
+          <ac:chgData name="Andrie de Vries" userId="38bc69793eb5a597" providerId="LiveId" clId="{2CEA7A8A-E1D7-4D57-B7B5-DD3D91B7588E}" dt="2017-12-21T20:33:33.690" v="5087"/>
+          <ac:spMkLst>
+            <pc:docMk/>
+            <pc:sldMk cId="0" sldId="256"/>
+            <ac:spMk id="6" creationId="{A5521C64-E8BB-47D4-B363-D8CB301E34E0}"/>
+          </ac:spMkLst>
+        </pc:spChg>
         <pc:spChg chg="add del">
           <ac:chgData name="Andrie de Vries" userId="38bc69793eb5a597" providerId="LiveId" clId="{2CEA7A8A-E1D7-4D57-B7B5-DD3D91B7588E}" dt="2017-12-20T16:56:07.492" v="3263" actId="313"/>
           <ac:spMkLst>
@@ -455,6 +463,14 @@
           </ac:spMkLst>
         </pc:spChg>
         <pc:spChg chg="add del">
+          <ac:chgData name="Andrie de Vries" userId="38bc69793eb5a597" providerId="LiveId" clId="{2CEA7A8A-E1D7-4D57-B7B5-DD3D91B7588E}" dt="2017-12-21T20:34:17.781" v="5093"/>
+          <ac:spMkLst>
+            <pc:docMk/>
+            <pc:sldMk cId="0" sldId="256"/>
+            <ac:spMk id="11" creationId="{D4332A6B-7DE6-4240-BC84-CD14DC879812}"/>
+          </ac:spMkLst>
+        </pc:spChg>
+        <pc:spChg chg="add del">
           <ac:chgData name="Andrie de Vries" userId="38bc69793eb5a597" providerId="LiveId" clId="{2CEA7A8A-E1D7-4D57-B7B5-DD3D91B7588E}" dt="2017-12-20T16:58:23.468" v="3312" actId="313"/>
           <ac:spMkLst>
             <pc:docMk/>
@@ -463,6 +479,14 @@
           </ac:spMkLst>
         </pc:spChg>
         <pc:spChg chg="add del">
+          <ac:chgData name="Andrie de Vries" userId="38bc69793eb5a597" providerId="LiveId" clId="{2CEA7A8A-E1D7-4D57-B7B5-DD3D91B7588E}" dt="2017-12-21T20:34:16.451" v="5092"/>
+          <ac:spMkLst>
+            <pc:docMk/>
+            <pc:sldMk cId="0" sldId="256"/>
+            <ac:spMk id="12" creationId="{3B6A5051-A320-45C4-8330-2464DEBD1128}"/>
+          </ac:spMkLst>
+        </pc:spChg>
+        <pc:spChg chg="add del">
           <ac:chgData name="Andrie de Vries" userId="38bc69793eb5a597" providerId="LiveId" clId="{2CEA7A8A-E1D7-4D57-B7B5-DD3D91B7588E}" dt="2017-12-20T16:58:34.074" v="3317" actId="313"/>
           <ac:spMkLst>
             <pc:docMk/>
@@ -470,6 +494,22 @@
             <ac:spMk id="13" creationId="{EAF7BC35-3696-429F-8CB8-6B0354DE732D}"/>
           </ac:spMkLst>
         </pc:spChg>
+        <pc:spChg chg="add">
+          <ac:chgData name="Andrie de Vries" userId="38bc69793eb5a597" providerId="LiveId" clId="{2CEA7A8A-E1D7-4D57-B7B5-DD3D91B7588E}" dt="2017-12-21T20:34:19.863" v="5094"/>
+          <ac:spMkLst>
+            <pc:docMk/>
+            <pc:sldMk cId="0" sldId="256"/>
+            <ac:spMk id="13" creationId="{D84AF96F-57A4-45EA-8BF1-999B6E24B0BC}"/>
+          </ac:spMkLst>
+        </pc:spChg>
+        <pc:spChg chg="add">
+          <ac:chgData name="Andrie de Vries" userId="38bc69793eb5a597" providerId="LiveId" clId="{2CEA7A8A-E1D7-4D57-B7B5-DD3D91B7588E}" dt="2017-12-21T20:34:26.382" v="5095"/>
+          <ac:spMkLst>
+            <pc:docMk/>
+            <pc:sldMk cId="0" sldId="256"/>
+            <ac:spMk id="14" creationId="{6E4959B0-73CD-428D-BBD2-AED57E1D5CC7}"/>
+          </ac:spMkLst>
+        </pc:spChg>
         <pc:spChg chg="add del">
           <ac:chgData name="Andrie de Vries" userId="38bc69793eb5a597" providerId="LiveId" clId="{2CEA7A8A-E1D7-4D57-B7B5-DD3D91B7588E}" dt="2017-12-20T17:24:03.012" v="3535" actId="313"/>
           <ac:spMkLst>
@@ -486,6 +526,14 @@
             <ac:spMk id="15" creationId="{6B572B70-C079-41F9-994D-400144371762}"/>
           </ac:spMkLst>
         </pc:spChg>
+        <pc:spChg chg="add del">
+          <ac:chgData name="Andrie de Vries" userId="38bc69793eb5a597" providerId="LiveId" clId="{2CEA7A8A-E1D7-4D57-B7B5-DD3D91B7588E}" dt="2017-12-21T20:34:41.719" v="5099"/>
+          <ac:spMkLst>
+            <pc:docMk/>
+            <pc:sldMk cId="0" sldId="256"/>
+            <ac:spMk id="16" creationId="{4B0770CD-BBDF-4F6A-9D37-62636D18AC23}"/>
+          </ac:spMkLst>
+        </pc:spChg>
         <pc:spChg chg="add del mod">
           <ac:chgData name="Andrie de Vries" userId="38bc69793eb5a597" providerId="LiveId" clId="{2CEA7A8A-E1D7-4D57-B7B5-DD3D91B7588E}" dt="2017-12-20T07:22:59.446" v="749" actId="1076"/>
           <ac:spMkLst>
@@ -903,13 +951,21 @@
           </ac:spMkLst>
         </pc:spChg>
         <pc:spChg chg="mod">
-          <ac:chgData name="Andrie de Vries" userId="38bc69793eb5a597" providerId="LiveId" clId="{2CEA7A8A-E1D7-4D57-B7B5-DD3D91B7588E}" dt="2017-12-20T16:24:54.520" v="2766" actId="20577"/>
+          <ac:chgData name="Andrie de Vries" userId="38bc69793eb5a597" providerId="LiveId" clId="{2CEA7A8A-E1D7-4D57-B7B5-DD3D91B7588E}" dt="2017-12-21T20:29:22.146" v="5052" actId="108"/>
           <ac:spMkLst>
             <pc:docMk/>
             <pc:sldMk cId="0" sldId="256"/>
             <ac:spMk id="133" creationId="{00000000-0000-0000-0000-000000000000}"/>
           </ac:spMkLst>
         </pc:spChg>
+        <pc:spChg chg="add del mod">
+          <ac:chgData name="Andrie de Vries" userId="38bc69793eb5a597" providerId="LiveId" clId="{2CEA7A8A-E1D7-4D57-B7B5-DD3D91B7588E}" dt="2017-12-20T07:24:29.683" v="761" actId="478"/>
+          <ac:spMkLst>
+            <pc:docMk/>
+            <pc:sldMk cId="0" sldId="256"/>
+            <ac:spMk id="134" creationId="{E65EB69E-53DD-42EF-802A-8C5FB7A13C3D}"/>
+          </ac:spMkLst>
+        </pc:spChg>
         <pc:spChg chg="add mod">
           <ac:chgData name="Andrie de Vries" userId="38bc69793eb5a597" providerId="LiveId" clId="{2CEA7A8A-E1D7-4D57-B7B5-DD3D91B7588E}" dt="2017-12-21T14:08:28.774" v="4893" actId="20577"/>
           <ac:spMkLst>
@@ -918,16 +974,8 @@
             <ac:spMk id="134" creationId="{DB54C784-23ED-4D2C-B7DC-58A374DF2EFB}"/>
           </ac:spMkLst>
         </pc:spChg>
-        <pc:spChg chg="add del mod">
-          <ac:chgData name="Andrie de Vries" userId="38bc69793eb5a597" providerId="LiveId" clId="{2CEA7A8A-E1D7-4D57-B7B5-DD3D91B7588E}" dt="2017-12-20T07:24:29.683" v="761" actId="478"/>
-          <ac:spMkLst>
-            <pc:docMk/>
-            <pc:sldMk cId="0" sldId="256"/>
-            <ac:spMk id="134" creationId="{E65EB69E-53DD-42EF-802A-8C5FB7A13C3D}"/>
-          </ac:spMkLst>
-        </pc:spChg>
         <pc:spChg chg="add mod">
-          <ac:chgData name="Andrie de Vries" userId="38bc69793eb5a597" providerId="LiveId" clId="{2CEA7A8A-E1D7-4D57-B7B5-DD3D91B7588E}" dt="2017-12-21T11:59:11.625" v="4449" actId="20577"/>
+          <ac:chgData name="Andrie de Vries" userId="38bc69793eb5a597" providerId="LiveId" clId="{2CEA7A8A-E1D7-4D57-B7B5-DD3D91B7588E}" dt="2017-12-21T20:42:36.896" v="5132"/>
           <ac:spMkLst>
             <pc:docMk/>
             <pc:sldMk cId="0" sldId="256"/>
@@ -966,6 +1014,14 @@
             <ac:spMk id="139" creationId="{0AE581C5-158F-4A2B-8FE3-17D4FC167EF0}"/>
           </ac:spMkLst>
         </pc:spChg>
+        <pc:spChg chg="add mod">
+          <ac:chgData name="Andrie de Vries" userId="38bc69793eb5a597" providerId="LiveId" clId="{2CEA7A8A-E1D7-4D57-B7B5-DD3D91B7588E}" dt="2017-12-20T16:41:13.699" v="2915" actId="1076"/>
+          <ac:spMkLst>
+            <pc:docMk/>
+            <pc:sldMk cId="0" sldId="256"/>
+            <ac:spMk id="140" creationId="{DB1EC5D6-D494-495C-9CA9-AA9FFC77AF91}"/>
+          </ac:spMkLst>
+        </pc:spChg>
         <pc:spChg chg="add del mod">
           <ac:chgData name="Andrie de Vries" userId="38bc69793eb5a597" providerId="LiveId" clId="{2CEA7A8A-E1D7-4D57-B7B5-DD3D91B7588E}" dt="2017-12-20T07:24:13.042" v="758" actId="1076"/>
           <ac:spMkLst>
@@ -974,14 +1030,6 @@
             <ac:spMk id="140" creationId="{F72D7748-B4D7-4BAA-A93A-14AC1A44CCA6}"/>
           </ac:spMkLst>
         </pc:spChg>
-        <pc:spChg chg="add mod">
-          <ac:chgData name="Andrie de Vries" userId="38bc69793eb5a597" providerId="LiveId" clId="{2CEA7A8A-E1D7-4D57-B7B5-DD3D91B7588E}" dt="2017-12-20T16:41:13.699" v="2915" actId="1076"/>
-          <ac:spMkLst>
-            <pc:docMk/>
-            <pc:sldMk cId="0" sldId="256"/>
-            <ac:spMk id="140" creationId="{DB1EC5D6-D494-495C-9CA9-AA9FFC77AF91}"/>
-          </ac:spMkLst>
-        </pc:spChg>
         <pc:spChg chg="add mod topLvl">
           <ac:chgData name="Andrie de Vries" userId="38bc69793eb5a597" providerId="LiveId" clId="{2CEA7A8A-E1D7-4D57-B7B5-DD3D91B7588E}" dt="2017-12-20T23:07:20.839" v="3699" actId="165"/>
           <ac:spMkLst>
@@ -998,6 +1046,14 @@
             <ac:spMk id="142" creationId="{764BED6B-BE9C-43FC-8676-B704EBDE422D}"/>
           </ac:spMkLst>
         </pc:spChg>
+        <pc:spChg chg="add mod">
+          <ac:chgData name="Andrie de Vries" userId="38bc69793eb5a597" providerId="LiveId" clId="{2CEA7A8A-E1D7-4D57-B7B5-DD3D91B7588E}" dt="2017-12-21T20:35:13.629" v="5103"/>
+          <ac:spMkLst>
+            <pc:docMk/>
+            <pc:sldMk cId="0" sldId="256"/>
+            <ac:spMk id="142" creationId="{BA7AC56D-ECD0-4417-B9EE-D9200726799E}"/>
+          </ac:spMkLst>
+        </pc:spChg>
         <pc:spChg chg="add del mod">
           <ac:chgData name="Andrie de Vries" userId="38bc69793eb5a597" providerId="LiveId" clId="{2CEA7A8A-E1D7-4D57-B7B5-DD3D91B7588E}" dt="2017-12-20T17:01:02.069" v="3451" actId="478"/>
           <ac:spMkLst>
@@ -1039,6 +1095,14 @@
           </ac:spMkLst>
         </pc:spChg>
         <pc:spChg chg="add del mod">
+          <ac:chgData name="Andrie de Vries" userId="38bc69793eb5a597" providerId="LiveId" clId="{2CEA7A8A-E1D7-4D57-B7B5-DD3D91B7588E}" dt="2017-12-20T08:17:26.102" v="1286" actId="478"/>
+          <ac:spMkLst>
+            <pc:docMk/>
+            <pc:sldMk cId="0" sldId="256"/>
+            <ac:spMk id="145" creationId="{013F8937-3C41-49A0-AB8B-ED82C7F2A44D}"/>
+          </ac:spMkLst>
+        </pc:spChg>
+        <pc:spChg chg="add del mod">
           <ac:chgData name="Andrie de Vries" userId="38bc69793eb5a597" providerId="LiveId" clId="{2CEA7A8A-E1D7-4D57-B7B5-DD3D91B7588E}" dt="2017-12-20T16:48:33.441" v="3046" actId="478"/>
           <ac:spMkLst>
             <pc:docMk/>
@@ -1046,14 +1110,6 @@
             <ac:spMk id="145" creationId="{831FF807-F9C5-406E-BD89-07008A7BC082}"/>
           </ac:spMkLst>
         </pc:spChg>
-        <pc:spChg chg="add del mod">
-          <ac:chgData name="Andrie de Vries" userId="38bc69793eb5a597" providerId="LiveId" clId="{2CEA7A8A-E1D7-4D57-B7B5-DD3D91B7588E}" dt="2017-12-20T08:17:26.102" v="1286" actId="478"/>
-          <ac:spMkLst>
-            <pc:docMk/>
-            <pc:sldMk cId="0" sldId="256"/>
-            <ac:spMk id="145" creationId="{013F8937-3C41-49A0-AB8B-ED82C7F2A44D}"/>
-          </ac:spMkLst>
-        </pc:spChg>
         <pc:spChg chg="add mod topLvl">
           <ac:chgData name="Andrie de Vries" userId="38bc69793eb5a597" providerId="LiveId" clId="{2CEA7A8A-E1D7-4D57-B7B5-DD3D91B7588E}" dt="2017-12-20T23:07:20.839" v="3699" actId="165"/>
           <ac:spMkLst>
@@ -1087,7 +1143,7 @@
           </ac:spMkLst>
         </pc:spChg>
         <pc:spChg chg="mod">
-          <ac:chgData name="Andrie de Vries" userId="38bc69793eb5a597" providerId="LiveId" clId="{2CEA7A8A-E1D7-4D57-B7B5-DD3D91B7588E}" dt="2017-12-21T15:56:50.583" v="4928" actId="20577"/>
+          <ac:chgData name="Andrie de Vries" userId="38bc69793eb5a597" providerId="LiveId" clId="{2CEA7A8A-E1D7-4D57-B7B5-DD3D91B7588E}" dt="2017-12-21T20:41:46.498" v="5118" actId="20577"/>
           <ac:spMkLst>
             <pc:docMk/>
             <pc:sldMk cId="0" sldId="256"/>
@@ -1166,6 +1222,14 @@
             <ac:spMk id="167" creationId="{D4B2EC24-7E3F-4B99-9AF5-C1F297968985}"/>
           </ac:spMkLst>
         </pc:spChg>
+        <pc:spChg chg="del">
+          <ac:chgData name="Andrie de Vries" userId="38bc69793eb5a597" providerId="LiveId" clId="{2CEA7A8A-E1D7-4D57-B7B5-DD3D91B7588E}" dt="2017-12-19T16:46:55.990" v="13" actId="478"/>
+          <ac:spMkLst>
+            <pc:docMk/>
+            <pc:sldMk cId="0" sldId="256"/>
+            <ac:spMk id="168" creationId="{00000000-0000-0000-0000-000000000000}"/>
+          </ac:spMkLst>
+        </pc:spChg>
         <pc:spChg chg="add mod topLvl">
           <ac:chgData name="Andrie de Vries" userId="38bc69793eb5a597" providerId="LiveId" clId="{2CEA7A8A-E1D7-4D57-B7B5-DD3D91B7588E}" dt="2017-12-20T23:07:20.839" v="3699" actId="165"/>
           <ac:spMkLst>
@@ -1174,20 +1238,76 @@
             <ac:spMk id="168" creationId="{15B52B32-252D-4F4C-BC5D-B84732DFD02C}"/>
           </ac:spMkLst>
         </pc:spChg>
+        <pc:spChg chg="add mod ord topLvl">
+          <ac:chgData name="Andrie de Vries" userId="38bc69793eb5a597" providerId="LiveId" clId="{2CEA7A8A-E1D7-4D57-B7B5-DD3D91B7588E}" dt="2017-12-20T23:07:20.839" v="3699" actId="165"/>
+          <ac:spMkLst>
+            <pc:docMk/>
+            <pc:sldMk cId="0" sldId="256"/>
+            <ac:spMk id="169" creationId="{C01C9066-211A-4274-86D2-9ABC4E2F9331}"/>
+          </ac:spMkLst>
+        </pc:spChg>
+        <pc:spChg chg="add mod topLvl">
+          <ac:chgData name="Andrie de Vries" userId="38bc69793eb5a597" providerId="LiveId" clId="{2CEA7A8A-E1D7-4D57-B7B5-DD3D91B7588E}" dt="2017-12-20T23:07:20.839" v="3699" actId="165"/>
+          <ac:spMkLst>
+            <pc:docMk/>
+            <pc:sldMk cId="0" sldId="256"/>
+            <ac:spMk id="170" creationId="{3CC8501E-E69C-4D64-B4A5-A799DCBFC13A}"/>
+          </ac:spMkLst>
+        </pc:spChg>
+        <pc:spChg chg="add mod topLvl">
+          <ac:chgData name="Andrie de Vries" userId="38bc69793eb5a597" providerId="LiveId" clId="{2CEA7A8A-E1D7-4D57-B7B5-DD3D91B7588E}" dt="2017-12-20T23:07:20.839" v="3699" actId="165"/>
+          <ac:spMkLst>
+            <pc:docMk/>
+            <pc:sldMk cId="0" sldId="256"/>
+            <ac:spMk id="171" creationId="{BD551515-FCCE-4071-B7AB-BCA2D677F9A8}"/>
+          </ac:spMkLst>
+        </pc:spChg>
+        <pc:spChg chg="mod">
+          <ac:chgData name="Andrie de Vries" userId="38bc69793eb5a597" providerId="LiveId" clId="{2CEA7A8A-E1D7-4D57-B7B5-DD3D91B7588E}" dt="2017-12-21T20:42:07.308" v="5119" actId="948"/>
+          <ac:spMkLst>
+            <pc:docMk/>
+            <pc:sldMk cId="0" sldId="256"/>
+            <ac:spMk id="172" creationId="{9F02F3D9-1A9A-4D6B-B1F7-BA2FE6491352}"/>
+          </ac:spMkLst>
+        </pc:spChg>
+        <pc:spChg chg="mod">
+          <ac:chgData name="Andrie de Vries" userId="38bc69793eb5a597" providerId="LiveId" clId="{2CEA7A8A-E1D7-4D57-B7B5-DD3D91B7588E}" dt="2017-12-21T20:42:17.499" v="5126" actId="1036"/>
+          <ac:spMkLst>
+            <pc:docMk/>
+            <pc:sldMk cId="0" sldId="256"/>
+            <ac:spMk id="173" creationId="{4C501901-917F-42FA-AF37-4B13C43E3EEE}"/>
+          </ac:spMkLst>
+        </pc:spChg>
+        <pc:spChg chg="add mod topLvl">
+          <ac:chgData name="Andrie de Vries" userId="38bc69793eb5a597" providerId="LiveId" clId="{2CEA7A8A-E1D7-4D57-B7B5-DD3D91B7588E}" dt="2017-12-20T23:07:20.839" v="3699" actId="165"/>
+          <ac:spMkLst>
+            <pc:docMk/>
+            <pc:sldMk cId="0" sldId="256"/>
+            <ac:spMk id="174" creationId="{6EE64FBF-B172-43E3-A488-C2124856A51A}"/>
+          </ac:spMkLst>
+        </pc:spChg>
         <pc:spChg chg="del">
           <ac:chgData name="Andrie de Vries" userId="38bc69793eb5a597" providerId="LiveId" clId="{2CEA7A8A-E1D7-4D57-B7B5-DD3D91B7588E}" dt="2017-12-19T16:46:55.990" v="13" actId="478"/>
           <ac:spMkLst>
             <pc:docMk/>
             <pc:sldMk cId="0" sldId="256"/>
-            <ac:spMk id="168" creationId="{00000000-0000-0000-0000-000000000000}"/>
-          </ac:spMkLst>
-        </pc:spChg>
-        <pc:spChg chg="add mod ord topLvl">
-          <ac:chgData name="Andrie de Vries" userId="38bc69793eb5a597" providerId="LiveId" clId="{2CEA7A8A-E1D7-4D57-B7B5-DD3D91B7588E}" dt="2017-12-20T23:07:20.839" v="3699" actId="165"/>
+            <ac:spMk id="174" creationId="{00000000-0000-0000-0000-000000000000}"/>
+          </ac:spMkLst>
+        </pc:spChg>
+        <pc:spChg chg="mod">
+          <ac:chgData name="Andrie de Vries" userId="38bc69793eb5a597" providerId="LiveId" clId="{2CEA7A8A-E1D7-4D57-B7B5-DD3D91B7588E}" dt="2017-12-21T20:42:17.499" v="5126" actId="1036"/>
           <ac:spMkLst>
             <pc:docMk/>
             <pc:sldMk cId="0" sldId="256"/>
-            <ac:spMk id="169" creationId="{C01C9066-211A-4274-86D2-9ABC4E2F9331}"/>
+            <ac:spMk id="175" creationId="{25D0D6A3-24C4-4E13-8937-C80E00B2A631}"/>
+          </ac:spMkLst>
+        </pc:spChg>
+        <pc:spChg chg="mod">
+          <ac:chgData name="Andrie de Vries" userId="38bc69793eb5a597" providerId="LiveId" clId="{2CEA7A8A-E1D7-4D57-B7B5-DD3D91B7588E}" dt="2017-12-20T17:23:03.984" v="3532" actId="1038"/>
+          <ac:spMkLst>
+            <pc:docMk/>
+            <pc:sldMk cId="0" sldId="256"/>
+            <ac:spMk id="176" creationId="{4CB6339D-0B1F-499E-90B0-25F8E4EB8145}"/>
           </ac:spMkLst>
         </pc:spChg>
         <pc:spChg chg="add mod topLvl">
@@ -1195,7 +1315,7 @@
           <ac:spMkLst>
             <pc:docMk/>
             <pc:sldMk cId="0" sldId="256"/>
-            <ac:spMk id="170" creationId="{3CC8501E-E69C-4D64-B4A5-A799DCBFC13A}"/>
+            <ac:spMk id="177" creationId="{D36AB8DA-A633-404A-BAF0-275C81D7F98D}"/>
           </ac:spMkLst>
         </pc:spChg>
         <pc:spChg chg="add mod topLvl">
@@ -1203,23 +1323,7 @@
           <ac:spMkLst>
             <pc:docMk/>
             <pc:sldMk cId="0" sldId="256"/>
-            <ac:spMk id="171" creationId="{BD551515-FCCE-4071-B7AB-BCA2D677F9A8}"/>
-          </ac:spMkLst>
-        </pc:spChg>
-        <pc:spChg chg="mod">
-          <ac:chgData name="Andrie de Vries" userId="38bc69793eb5a597" providerId="LiveId" clId="{2CEA7A8A-E1D7-4D57-B7B5-DD3D91B7588E}" dt="2017-12-20T23:16:22.570" v="3820" actId="1038"/>
-          <ac:spMkLst>
-            <pc:docMk/>
-            <pc:sldMk cId="0" sldId="256"/>
-            <ac:spMk id="172" creationId="{9F02F3D9-1A9A-4D6B-B1F7-BA2FE6491352}"/>
-          </ac:spMkLst>
-        </pc:spChg>
-        <pc:spChg chg="mod">
-          <ac:chgData name="Andrie de Vries" userId="38bc69793eb5a597" providerId="LiveId" clId="{2CEA7A8A-E1D7-4D57-B7B5-DD3D91B7588E}" dt="2017-12-20T17:23:03.984" v="3532" actId="1038"/>
-          <ac:spMkLst>
-            <pc:docMk/>
-            <pc:sldMk cId="0" sldId="256"/>
-            <ac:spMk id="173" creationId="{4C501901-917F-42FA-AF37-4B13C43E3EEE}"/>
+            <ac:spMk id="178" creationId="{CE81EF51-361C-44DD-8E65-AC0274826508}"/>
           </ac:spMkLst>
         </pc:spChg>
         <pc:spChg chg="add mod topLvl">
@@ -1227,7 +1331,71 @@
           <ac:spMkLst>
             <pc:docMk/>
             <pc:sldMk cId="0" sldId="256"/>
-            <ac:spMk id="174" creationId="{6EE64FBF-B172-43E3-A488-C2124856A51A}"/>
+            <ac:spMk id="179" creationId="{C6C93A54-8F29-40A9-B1F4-623369C24217}"/>
+          </ac:spMkLst>
+        </pc:spChg>
+        <pc:spChg chg="add mod topLvl">
+          <ac:chgData name="Andrie de Vries" userId="38bc69793eb5a597" providerId="LiveId" clId="{2CEA7A8A-E1D7-4D57-B7B5-DD3D91B7588E}" dt="2017-12-20T23:07:20.839" v="3699" actId="165"/>
+          <ac:spMkLst>
+            <pc:docMk/>
+            <pc:sldMk cId="0" sldId="256"/>
+            <ac:spMk id="180" creationId="{BDC36BF7-A0E6-414B-9496-B442A10BB486}"/>
+          </ac:spMkLst>
+        </pc:spChg>
+        <pc:spChg chg="add mod topLvl">
+          <ac:chgData name="Andrie de Vries" userId="38bc69793eb5a597" providerId="LiveId" clId="{2CEA7A8A-E1D7-4D57-B7B5-DD3D91B7588E}" dt="2017-12-20T23:07:20.839" v="3699" actId="165"/>
+          <ac:spMkLst>
+            <pc:docMk/>
+            <pc:sldMk cId="0" sldId="256"/>
+            <ac:spMk id="181" creationId="{EAE715FA-2F66-44EB-A122-982A2DED18B2}"/>
+          </ac:spMkLst>
+        </pc:spChg>
+        <pc:spChg chg="add mod topLvl">
+          <ac:chgData name="Andrie de Vries" userId="38bc69793eb5a597" providerId="LiveId" clId="{2CEA7A8A-E1D7-4D57-B7B5-DD3D91B7588E}" dt="2017-12-20T23:07:20.839" v="3699" actId="165"/>
+          <ac:spMkLst>
+            <pc:docMk/>
+            <pc:sldMk cId="0" sldId="256"/>
+            <ac:spMk id="182" creationId="{9F95BE65-CCA0-496F-BBB9-C6ABEF6D4DB9}"/>
+          </ac:spMkLst>
+        </pc:spChg>
+        <pc:spChg chg="add mod topLvl">
+          <ac:chgData name="Andrie de Vries" userId="38bc69793eb5a597" providerId="LiveId" clId="{2CEA7A8A-E1D7-4D57-B7B5-DD3D91B7588E}" dt="2017-12-20T23:07:20.839" v="3699" actId="165"/>
+          <ac:spMkLst>
+            <pc:docMk/>
+            <pc:sldMk cId="0" sldId="256"/>
+            <ac:spMk id="183" creationId="{2B05E8EE-E848-440F-9C08-F31D334E3EC9}"/>
+          </ac:spMkLst>
+        </pc:spChg>
+        <pc:spChg chg="mod topLvl">
+          <ac:chgData name="Andrie de Vries" userId="38bc69793eb5a597" providerId="LiveId" clId="{2CEA7A8A-E1D7-4D57-B7B5-DD3D91B7588E}" dt="2017-12-20T16:37:58.071" v="2895" actId="1076"/>
+          <ac:spMkLst>
+            <pc:docMk/>
+            <pc:sldMk cId="0" sldId="256"/>
+            <ac:spMk id="184" creationId="{00000000-0000-0000-0000-000000000000}"/>
+          </ac:spMkLst>
+        </pc:spChg>
+        <pc:spChg chg="mod topLvl">
+          <ac:chgData name="Andrie de Vries" userId="38bc69793eb5a597" providerId="LiveId" clId="{2CEA7A8A-E1D7-4D57-B7B5-DD3D91B7588E}" dt="2017-12-20T16:45:15.912" v="3008" actId="14100"/>
+          <ac:spMkLst>
+            <pc:docMk/>
+            <pc:sldMk cId="0" sldId="256"/>
+            <ac:spMk id="185" creationId="{00000000-0000-0000-0000-000000000000}"/>
+          </ac:spMkLst>
+        </pc:spChg>
+        <pc:spChg chg="add mod ord">
+          <ac:chgData name="Andrie de Vries" userId="38bc69793eb5a597" providerId="LiveId" clId="{2CEA7A8A-E1D7-4D57-B7B5-DD3D91B7588E}" dt="2017-12-20T16:52:05.210" v="3137" actId="554"/>
+          <ac:spMkLst>
+            <pc:docMk/>
+            <pc:sldMk cId="0" sldId="256"/>
+            <ac:spMk id="186" creationId="{C7202A59-2DC8-42A3-ADB8-6D03856B4AA8}"/>
+          </ac:spMkLst>
+        </pc:spChg>
+        <pc:spChg chg="add mod topLvl">
+          <ac:chgData name="Andrie de Vries" userId="38bc69793eb5a597" providerId="LiveId" clId="{2CEA7A8A-E1D7-4D57-B7B5-DD3D91B7588E}" dt="2017-12-20T23:07:20.839" v="3699" actId="165"/>
+          <ac:spMkLst>
+            <pc:docMk/>
+            <pc:sldMk cId="0" sldId="256"/>
+            <ac:spMk id="187" creationId="{D8F47502-AA58-4078-AF36-2FF7B1D724E4}"/>
           </ac:spMkLst>
         </pc:spChg>
         <pc:spChg chg="del">
@@ -1235,23 +1403,47 @@
           <ac:spMkLst>
             <pc:docMk/>
             <pc:sldMk cId="0" sldId="256"/>
-            <ac:spMk id="174" creationId="{00000000-0000-0000-0000-000000000000}"/>
-          </ac:spMkLst>
-        </pc:spChg>
-        <pc:spChg chg="mod">
-          <ac:chgData name="Andrie de Vries" userId="38bc69793eb5a597" providerId="LiveId" clId="{2CEA7A8A-E1D7-4D57-B7B5-DD3D91B7588E}" dt="2017-12-21T15:51:45.850" v="4918" actId="2711"/>
+            <ac:spMk id="187" creationId="{00000000-0000-0000-0000-000000000000}"/>
+          </ac:spMkLst>
+        </pc:spChg>
+        <pc:spChg chg="del mod">
+          <ac:chgData name="Andrie de Vries" userId="38bc69793eb5a597" providerId="LiveId" clId="{2CEA7A8A-E1D7-4D57-B7B5-DD3D91B7588E}" dt="2017-12-20T16:39:18.761" v="2900" actId="478"/>
           <ac:spMkLst>
             <pc:docMk/>
             <pc:sldMk cId="0" sldId="256"/>
-            <ac:spMk id="175" creationId="{25D0D6A3-24C4-4E13-8937-C80E00B2A631}"/>
-          </ac:spMkLst>
-        </pc:spChg>
-        <pc:spChg chg="mod">
-          <ac:chgData name="Andrie de Vries" userId="38bc69793eb5a597" providerId="LiveId" clId="{2CEA7A8A-E1D7-4D57-B7B5-DD3D91B7588E}" dt="2017-12-20T17:23:03.984" v="3532" actId="1038"/>
+            <ac:spMk id="188" creationId="{00000000-0000-0000-0000-000000000000}"/>
+          </ac:spMkLst>
+        </pc:spChg>
+        <pc:spChg chg="add mod ord">
+          <ac:chgData name="Andrie de Vries" userId="38bc69793eb5a597" providerId="LiveId" clId="{2CEA7A8A-E1D7-4D57-B7B5-DD3D91B7588E}" dt="2017-12-20T16:52:05.210" v="3137" actId="554"/>
           <ac:spMkLst>
             <pc:docMk/>
             <pc:sldMk cId="0" sldId="256"/>
-            <ac:spMk id="176" creationId="{4CB6339D-0B1F-499E-90B0-25F8E4EB8145}"/>
+            <ac:spMk id="189" creationId="{384D5398-2828-44E1-9545-670C1186BB8D}"/>
+          </ac:spMkLst>
+        </pc:spChg>
+        <pc:spChg chg="add mod">
+          <ac:chgData name="Andrie de Vries" userId="38bc69793eb5a597" providerId="LiveId" clId="{2CEA7A8A-E1D7-4D57-B7B5-DD3D91B7588E}" dt="2017-12-20T10:19:29.730" v="1814" actId="571"/>
+          <ac:spMkLst>
+            <pc:docMk/>
+            <pc:sldMk cId="0" sldId="256"/>
+            <ac:spMk id="189" creationId="{200E5A04-D01F-4B48-85E9-7E2FB3AEBDB5}"/>
+          </ac:spMkLst>
+        </pc:spChg>
+        <pc:spChg chg="add mod">
+          <ac:chgData name="Andrie de Vries" userId="38bc69793eb5a597" providerId="LiveId" clId="{2CEA7A8A-E1D7-4D57-B7B5-DD3D91B7588E}" dt="2017-12-20T10:19:29.730" v="1814" actId="571"/>
+          <ac:spMkLst>
+            <pc:docMk/>
+            <pc:sldMk cId="0" sldId="256"/>
+            <ac:spMk id="190" creationId="{C6BAFE60-1A32-40FC-A282-7FB828BCE819}"/>
+          </ac:spMkLst>
+        </pc:spChg>
+        <pc:spChg chg="add mod ord">
+          <ac:chgData name="Andrie de Vries" userId="38bc69793eb5a597" providerId="LiveId" clId="{2CEA7A8A-E1D7-4D57-B7B5-DD3D91B7588E}" dt="2017-12-21T15:57:12.053" v="4929" actId="1076"/>
+          <ac:spMkLst>
+            <pc:docMk/>
+            <pc:sldMk cId="0" sldId="256"/>
+            <ac:spMk id="190" creationId="{E887947C-E1A5-40FE-9A01-68DB5E91D5AB}"/>
           </ac:spMkLst>
         </pc:spChg>
         <pc:spChg chg="add mod topLvl">
@@ -1259,87 +1451,7 @@
           <ac:spMkLst>
             <pc:docMk/>
             <pc:sldMk cId="0" sldId="256"/>
-            <ac:spMk id="177" creationId="{D36AB8DA-A633-404A-BAF0-275C81D7F98D}"/>
-          </ac:spMkLst>
-        </pc:spChg>
-        <pc:spChg chg="add mod topLvl">
-          <ac:chgData name="Andrie de Vries" userId="38bc69793eb5a597" providerId="LiveId" clId="{2CEA7A8A-E1D7-4D57-B7B5-DD3D91B7588E}" dt="2017-12-20T23:07:20.839" v="3699" actId="165"/>
-          <ac:spMkLst>
-            <pc:docMk/>
-            <pc:sldMk cId="0" sldId="256"/>
-            <ac:spMk id="178" creationId="{CE81EF51-361C-44DD-8E65-AC0274826508}"/>
-          </ac:spMkLst>
-        </pc:spChg>
-        <pc:spChg chg="add mod topLvl">
-          <ac:chgData name="Andrie de Vries" userId="38bc69793eb5a597" providerId="LiveId" clId="{2CEA7A8A-E1D7-4D57-B7B5-DD3D91B7588E}" dt="2017-12-20T23:07:20.839" v="3699" actId="165"/>
-          <ac:spMkLst>
-            <pc:docMk/>
-            <pc:sldMk cId="0" sldId="256"/>
-            <ac:spMk id="179" creationId="{C6C93A54-8F29-40A9-B1F4-623369C24217}"/>
-          </ac:spMkLst>
-        </pc:spChg>
-        <pc:spChg chg="add mod topLvl">
-          <ac:chgData name="Andrie de Vries" userId="38bc69793eb5a597" providerId="LiveId" clId="{2CEA7A8A-E1D7-4D57-B7B5-DD3D91B7588E}" dt="2017-12-20T23:07:20.839" v="3699" actId="165"/>
-          <ac:spMkLst>
-            <pc:docMk/>
-            <pc:sldMk cId="0" sldId="256"/>
-            <ac:spMk id="180" creationId="{BDC36BF7-A0E6-414B-9496-B442A10BB486}"/>
-          </ac:spMkLst>
-        </pc:spChg>
-        <pc:spChg chg="add mod topLvl">
-          <ac:chgData name="Andrie de Vries" userId="38bc69793eb5a597" providerId="LiveId" clId="{2CEA7A8A-E1D7-4D57-B7B5-DD3D91B7588E}" dt="2017-12-20T23:07:20.839" v="3699" actId="165"/>
-          <ac:spMkLst>
-            <pc:docMk/>
-            <pc:sldMk cId="0" sldId="256"/>
-            <ac:spMk id="181" creationId="{EAE715FA-2F66-44EB-A122-982A2DED18B2}"/>
-          </ac:spMkLst>
-        </pc:spChg>
-        <pc:spChg chg="add mod topLvl">
-          <ac:chgData name="Andrie de Vries" userId="38bc69793eb5a597" providerId="LiveId" clId="{2CEA7A8A-E1D7-4D57-B7B5-DD3D91B7588E}" dt="2017-12-20T23:07:20.839" v="3699" actId="165"/>
-          <ac:spMkLst>
-            <pc:docMk/>
-            <pc:sldMk cId="0" sldId="256"/>
-            <ac:spMk id="182" creationId="{9F95BE65-CCA0-496F-BBB9-C6ABEF6D4DB9}"/>
-          </ac:spMkLst>
-        </pc:spChg>
-        <pc:spChg chg="add mod topLvl">
-          <ac:chgData name="Andrie de Vries" userId="38bc69793eb5a597" providerId="LiveId" clId="{2CEA7A8A-E1D7-4D57-B7B5-DD3D91B7588E}" dt="2017-12-20T23:07:20.839" v="3699" actId="165"/>
-          <ac:spMkLst>
-            <pc:docMk/>
-            <pc:sldMk cId="0" sldId="256"/>
-            <ac:spMk id="183" creationId="{2B05E8EE-E848-440F-9C08-F31D334E3EC9}"/>
-          </ac:spMkLst>
-        </pc:spChg>
-        <pc:spChg chg="mod topLvl">
-          <ac:chgData name="Andrie de Vries" userId="38bc69793eb5a597" providerId="LiveId" clId="{2CEA7A8A-E1D7-4D57-B7B5-DD3D91B7588E}" dt="2017-12-20T16:37:58.071" v="2895" actId="1076"/>
-          <ac:spMkLst>
-            <pc:docMk/>
-            <pc:sldMk cId="0" sldId="256"/>
-            <ac:spMk id="184" creationId="{00000000-0000-0000-0000-000000000000}"/>
-          </ac:spMkLst>
-        </pc:spChg>
-        <pc:spChg chg="mod topLvl">
-          <ac:chgData name="Andrie de Vries" userId="38bc69793eb5a597" providerId="LiveId" clId="{2CEA7A8A-E1D7-4D57-B7B5-DD3D91B7588E}" dt="2017-12-20T16:45:15.912" v="3008" actId="14100"/>
-          <ac:spMkLst>
-            <pc:docMk/>
-            <pc:sldMk cId="0" sldId="256"/>
-            <ac:spMk id="185" creationId="{00000000-0000-0000-0000-000000000000}"/>
-          </ac:spMkLst>
-        </pc:spChg>
-        <pc:spChg chg="add mod ord">
-          <ac:chgData name="Andrie de Vries" userId="38bc69793eb5a597" providerId="LiveId" clId="{2CEA7A8A-E1D7-4D57-B7B5-DD3D91B7588E}" dt="2017-12-20T16:52:05.210" v="3137" actId="554"/>
-          <ac:spMkLst>
-            <pc:docMk/>
-            <pc:sldMk cId="0" sldId="256"/>
-            <ac:spMk id="186" creationId="{C7202A59-2DC8-42A3-ADB8-6D03856B4AA8}"/>
-          </ac:spMkLst>
-        </pc:spChg>
-        <pc:spChg chg="add mod topLvl">
-          <ac:chgData name="Andrie de Vries" userId="38bc69793eb5a597" providerId="LiveId" clId="{2CEA7A8A-E1D7-4D57-B7B5-DD3D91B7588E}" dt="2017-12-20T23:07:20.839" v="3699" actId="165"/>
-          <ac:spMkLst>
-            <pc:docMk/>
-            <pc:sldMk cId="0" sldId="256"/>
-            <ac:spMk id="187" creationId="{D8F47502-AA58-4078-AF36-2FF7B1D724E4}"/>
+            <ac:spMk id="191" creationId="{9A19B411-91A2-4967-80A3-C763BD19B5A0}"/>
           </ac:spMkLst>
         </pc:spChg>
         <pc:spChg chg="del">
@@ -1347,55 +1459,7 @@
           <ac:spMkLst>
             <pc:docMk/>
             <pc:sldMk cId="0" sldId="256"/>
-            <ac:spMk id="187" creationId="{00000000-0000-0000-0000-000000000000}"/>
-          </ac:spMkLst>
-        </pc:spChg>
-        <pc:spChg chg="del mod">
-          <ac:chgData name="Andrie de Vries" userId="38bc69793eb5a597" providerId="LiveId" clId="{2CEA7A8A-E1D7-4D57-B7B5-DD3D91B7588E}" dt="2017-12-20T16:39:18.761" v="2900" actId="478"/>
-          <ac:spMkLst>
-            <pc:docMk/>
-            <pc:sldMk cId="0" sldId="256"/>
-            <ac:spMk id="188" creationId="{00000000-0000-0000-0000-000000000000}"/>
-          </ac:spMkLst>
-        </pc:spChg>
-        <pc:spChg chg="add mod ord">
-          <ac:chgData name="Andrie de Vries" userId="38bc69793eb5a597" providerId="LiveId" clId="{2CEA7A8A-E1D7-4D57-B7B5-DD3D91B7588E}" dt="2017-12-20T16:52:05.210" v="3137" actId="554"/>
-          <ac:spMkLst>
-            <pc:docMk/>
-            <pc:sldMk cId="0" sldId="256"/>
-            <ac:spMk id="189" creationId="{384D5398-2828-44E1-9545-670C1186BB8D}"/>
-          </ac:spMkLst>
-        </pc:spChg>
-        <pc:spChg chg="add mod">
-          <ac:chgData name="Andrie de Vries" userId="38bc69793eb5a597" providerId="LiveId" clId="{2CEA7A8A-E1D7-4D57-B7B5-DD3D91B7588E}" dt="2017-12-20T10:19:29.730" v="1814" actId="571"/>
-          <ac:spMkLst>
-            <pc:docMk/>
-            <pc:sldMk cId="0" sldId="256"/>
-            <ac:spMk id="189" creationId="{200E5A04-D01F-4B48-85E9-7E2FB3AEBDB5}"/>
-          </ac:spMkLst>
-        </pc:spChg>
-        <pc:spChg chg="add mod ord">
-          <ac:chgData name="Andrie de Vries" userId="38bc69793eb5a597" providerId="LiveId" clId="{2CEA7A8A-E1D7-4D57-B7B5-DD3D91B7588E}" dt="2017-12-21T15:57:12.053" v="4929" actId="1076"/>
-          <ac:spMkLst>
-            <pc:docMk/>
-            <pc:sldMk cId="0" sldId="256"/>
-            <ac:spMk id="190" creationId="{E887947C-E1A5-40FE-9A01-68DB5E91D5AB}"/>
-          </ac:spMkLst>
-        </pc:spChg>
-        <pc:spChg chg="add mod">
-          <ac:chgData name="Andrie de Vries" userId="38bc69793eb5a597" providerId="LiveId" clId="{2CEA7A8A-E1D7-4D57-B7B5-DD3D91B7588E}" dt="2017-12-20T10:19:29.730" v="1814" actId="571"/>
-          <ac:spMkLst>
-            <pc:docMk/>
-            <pc:sldMk cId="0" sldId="256"/>
-            <ac:spMk id="190" creationId="{C6BAFE60-1A32-40FC-A282-7FB828BCE819}"/>
-          </ac:spMkLst>
-        </pc:spChg>
-        <pc:spChg chg="add mod topLvl">
-          <ac:chgData name="Andrie de Vries" userId="38bc69793eb5a597" providerId="LiveId" clId="{2CEA7A8A-E1D7-4D57-B7B5-DD3D91B7588E}" dt="2017-12-20T23:07:20.839" v="3699" actId="165"/>
-          <ac:spMkLst>
-            <pc:docMk/>
-            <pc:sldMk cId="0" sldId="256"/>
-            <ac:spMk id="191" creationId="{9A19B411-91A2-4967-80A3-C763BD19B5A0}"/>
+            <ac:spMk id="191" creationId="{00000000-0000-0000-0000-000000000000}"/>
           </ac:spMkLst>
         </pc:spChg>
         <pc:spChg chg="del">
@@ -1403,7 +1467,15 @@
           <ac:spMkLst>
             <pc:docMk/>
             <pc:sldMk cId="0" sldId="256"/>
-            <ac:spMk id="191" creationId="{00000000-0000-0000-0000-000000000000}"/>
+            <ac:spMk id="192" creationId="{00000000-0000-0000-0000-000000000000}"/>
+          </ac:spMkLst>
+        </pc:spChg>
+        <pc:spChg chg="add del mod">
+          <ac:chgData name="Andrie de Vries" userId="38bc69793eb5a597" providerId="LiveId" clId="{2CEA7A8A-E1D7-4D57-B7B5-DD3D91B7588E}" dt="2017-12-20T10:21:47.509" v="1833" actId="478"/>
+          <ac:spMkLst>
+            <pc:docMk/>
+            <pc:sldMk cId="0" sldId="256"/>
+            <ac:spMk id="192" creationId="{1F6035BB-3382-4535-AA29-1453408834FB}"/>
           </ac:spMkLst>
         </pc:spChg>
         <pc:spChg chg="add mod ord">
@@ -1412,22 +1484,6 @@
             <pc:docMk/>
             <pc:sldMk cId="0" sldId="256"/>
             <ac:spMk id="192" creationId="{5506CC39-F159-45FA-913B-9116B06A5E85}"/>
-          </ac:spMkLst>
-        </pc:spChg>
-        <pc:spChg chg="del">
-          <ac:chgData name="Andrie de Vries" userId="38bc69793eb5a597" providerId="LiveId" clId="{2CEA7A8A-E1D7-4D57-B7B5-DD3D91B7588E}" dt="2017-12-19T16:46:55.990" v="13" actId="478"/>
-          <ac:spMkLst>
-            <pc:docMk/>
-            <pc:sldMk cId="0" sldId="256"/>
-            <ac:spMk id="192" creationId="{00000000-0000-0000-0000-000000000000}"/>
-          </ac:spMkLst>
-        </pc:spChg>
-        <pc:spChg chg="add del mod">
-          <ac:chgData name="Andrie de Vries" userId="38bc69793eb5a597" providerId="LiveId" clId="{2CEA7A8A-E1D7-4D57-B7B5-DD3D91B7588E}" dt="2017-12-20T10:21:47.509" v="1833" actId="478"/>
-          <ac:spMkLst>
-            <pc:docMk/>
-            <pc:sldMk cId="0" sldId="256"/>
-            <ac:spMk id="192" creationId="{1F6035BB-3382-4535-AA29-1453408834FB}"/>
           </ac:spMkLst>
         </pc:spChg>
         <pc:spChg chg="add del">
@@ -1862,12 +1918,44 @@
             <ac:grpSpMk id="7" creationId="{8740E203-8A99-46FF-8CC2-8DD08AC63D71}"/>
           </ac:grpSpMkLst>
         </pc:grpChg>
+        <pc:grpChg chg="add mod">
+          <ac:chgData name="Andrie de Vries" userId="38bc69793eb5a597" providerId="LiveId" clId="{2CEA7A8A-E1D7-4D57-B7B5-DD3D91B7588E}" dt="2017-12-21T19:56:14.192" v="5047" actId="164"/>
+          <ac:grpSpMkLst>
+            <pc:docMk/>
+            <pc:sldMk cId="0" sldId="256"/>
+            <ac:grpSpMk id="7" creationId="{27CF6FEA-B75A-4354-9015-0F118833C5DA}"/>
+          </ac:grpSpMkLst>
+        </pc:grpChg>
+        <pc:grpChg chg="add mod">
+          <ac:chgData name="Andrie de Vries" userId="38bc69793eb5a597" providerId="LiveId" clId="{2CEA7A8A-E1D7-4D57-B7B5-DD3D91B7588E}" dt="2017-12-21T19:56:14.192" v="5047" actId="164"/>
+          <ac:grpSpMkLst>
+            <pc:docMk/>
+            <pc:sldMk cId="0" sldId="256"/>
+            <ac:grpSpMk id="8" creationId="{C9355B5F-823F-46DC-BB7B-E2ACEFF6E9AF}"/>
+          </ac:grpSpMkLst>
+        </pc:grpChg>
+        <pc:grpChg chg="add del mod">
+          <ac:chgData name="Andrie de Vries" userId="38bc69793eb5a597" providerId="LiveId" clId="{2CEA7A8A-E1D7-4D57-B7B5-DD3D91B7588E}" dt="2017-12-21T20:40:09.432" v="5108" actId="478"/>
+          <ac:grpSpMkLst>
+            <pc:docMk/>
+            <pc:sldMk cId="0" sldId="256"/>
+            <ac:grpSpMk id="10" creationId="{9FF22C0D-2519-4F3F-8CED-F5B76CBC26D7}"/>
+          </ac:grpSpMkLst>
+        </pc:grpChg>
         <pc:grpChg chg="add del mod">
           <ac:chgData name="Andrie de Vries" userId="38bc69793eb5a597" providerId="LiveId" clId="{2CEA7A8A-E1D7-4D57-B7B5-DD3D91B7588E}" dt="2017-12-20T23:07:20.839" v="3699" actId="165"/>
           <ac:grpSpMkLst>
             <pc:docMk/>
             <pc:sldMk cId="0" sldId="256"/>
             <ac:grpSpMk id="16" creationId="{2BA7F19F-69AB-4A23-AD10-EFF6DF1103E8}"/>
+          </ac:grpSpMkLst>
+        </pc:grpChg>
+        <pc:grpChg chg="add">
+          <ac:chgData name="Andrie de Vries" userId="38bc69793eb5a597" providerId="LiveId" clId="{2CEA7A8A-E1D7-4D57-B7B5-DD3D91B7588E}" dt="2017-12-21T20:40:09.934" v="5109"/>
+          <ac:grpSpMkLst>
+            <pc:docMk/>
+            <pc:sldMk cId="0" sldId="256"/>
+            <ac:grpSpMk id="158" creationId="{5ADF2E71-2C2F-4152-B295-CCD099174FFE}"/>
           </ac:grpSpMkLst>
         </pc:grpChg>
         <pc:grpChg chg="del">
@@ -2015,11 +2103,35 @@
           </ac:graphicFrameMkLst>
         </pc:graphicFrameChg>
         <pc:picChg chg="add mod">
-          <ac:chgData name="Andrie de Vries" userId="38bc69793eb5a597" providerId="LiveId" clId="{2CEA7A8A-E1D7-4D57-B7B5-DD3D91B7588E}" dt="2017-12-20T16:27:08.934" v="2854" actId="1076"/>
+          <ac:chgData name="Andrie de Vries" userId="38bc69793eb5a597" providerId="LiveId" clId="{2CEA7A8A-E1D7-4D57-B7B5-DD3D91B7588E}" dt="2017-12-21T19:56:11.928" v="5046" actId="164"/>
+          <ac:picMkLst>
+            <pc:docMk/>
+            <pc:sldMk cId="0" sldId="256"/>
+            <ac:picMk id="2" creationId="{CF172014-BCE5-4E7B-AEAE-96748C8F0F7F}"/>
+          </ac:picMkLst>
+        </pc:picChg>
+        <pc:picChg chg="add del mod">
+          <ac:chgData name="Andrie de Vries" userId="38bc69793eb5a597" providerId="LiveId" clId="{2CEA7A8A-E1D7-4D57-B7B5-DD3D91B7588E}" dt="2017-12-21T19:51:16.671" v="4978" actId="478"/>
           <ac:picMkLst>
             <pc:docMk/>
             <pc:sldMk cId="0" sldId="256"/>
             <ac:picMk id="3" creationId="{16E49FB6-FB27-4445-92DE-89A7A5389481}"/>
+          </ac:picMkLst>
+        </pc:picChg>
+        <pc:picChg chg="add del mod">
+          <ac:chgData name="Andrie de Vries" userId="38bc69793eb5a597" providerId="LiveId" clId="{2CEA7A8A-E1D7-4D57-B7B5-DD3D91B7588E}" dt="2017-12-21T20:35:18.027" v="5104" actId="478"/>
+          <ac:picMkLst>
+            <pc:docMk/>
+            <pc:sldMk cId="0" sldId="256"/>
+            <ac:picMk id="17" creationId="{72600F15-8E88-4E4A-9876-FB318D4D37DD}"/>
+          </ac:picMkLst>
+        </pc:picChg>
+        <pc:picChg chg="add mod ord modCrop">
+          <ac:chgData name="Andrie de Vries" userId="38bc69793eb5a597" providerId="LiveId" clId="{2CEA7A8A-E1D7-4D57-B7B5-DD3D91B7588E}" dt="2017-12-21T19:55:53.070" v="5044" actId="732"/>
+          <ac:picMkLst>
+            <pc:docMk/>
+            <pc:sldMk cId="0" sldId="256"/>
+            <ac:picMk id="138" creationId="{C5CA9C06-B866-43EF-9441-3055FFCDD942}"/>
           </ac:picMkLst>
         </pc:picChg>
         <pc:picChg chg="del">
@@ -2078,6 +2190,14 @@
             <ac:picMk id="1026" creationId="{486B4882-664C-4F88-B5FF-2253DA110050}"/>
           </ac:picMkLst>
         </pc:picChg>
+        <pc:picChg chg="add mod">
+          <ac:chgData name="Andrie de Vries" userId="38bc69793eb5a597" providerId="LiveId" clId="{2CEA7A8A-E1D7-4D57-B7B5-DD3D91B7588E}" dt="2017-12-21T19:56:08.437" v="5045" actId="164"/>
+          <ac:picMkLst>
+            <pc:docMk/>
+            <pc:sldMk cId="0" sldId="256"/>
+            <ac:picMk id="1028" creationId="{F00D9714-AB99-4974-8761-7C802E3E941D}"/>
+          </ac:picMkLst>
+        </pc:picChg>
         <pc:cxnChg chg="add del mod">
           <ac:chgData name="Andrie de Vries" userId="38bc69793eb5a597" providerId="LiveId" clId="{2CEA7A8A-E1D7-4D57-B7B5-DD3D91B7588E}" dt="2017-12-20T10:21:52.137" v="1835" actId="478"/>
           <ac:cxnSpMkLst>
@@ -2160,7 +2280,7 @@
         </pc:cxnChg>
       </pc:sldChg>
       <pc:sldChg chg="addSp delSp modSp add">
-        <pc:chgData name="Andrie de Vries" userId="38bc69793eb5a597" providerId="LiveId" clId="{2CEA7A8A-E1D7-4D57-B7B5-DD3D91B7588E}" dt="2017-12-21T16:01:10.202" v="4955" actId="1076"/>
+        <pc:chgData name="Andrie de Vries" userId="38bc69793eb5a597" providerId="LiveId" clId="{2CEA7A8A-E1D7-4D57-B7B5-DD3D91B7588E}" dt="2017-12-21T20:39:58.373" v="5107"/>
         <pc:sldMkLst>
           <pc:docMk/>
           <pc:sldMk cId="102100164" sldId="257"/>
@@ -2885,6 +3005,14 @@
             <ac:spMk id="126" creationId="{B2052B96-D543-4311-AB24-4A54631D5D06}"/>
           </ac:spMkLst>
         </pc:spChg>
+        <pc:spChg chg="del">
+          <ac:chgData name="Andrie de Vries" userId="38bc69793eb5a597" providerId="LiveId" clId="{2CEA7A8A-E1D7-4D57-B7B5-DD3D91B7588E}" dt="2017-12-19T20:21:44.342" v="340" actId="478"/>
+          <ac:spMkLst>
+            <pc:docMk/>
+            <pc:sldMk cId="102100164" sldId="257"/>
+            <ac:spMk id="127" creationId="{4086AC89-70B3-41A4-B5BE-0C623706CB80}"/>
+          </ac:spMkLst>
+        </pc:spChg>
         <pc:spChg chg="mod topLvl">
           <ac:chgData name="Andrie de Vries" userId="38bc69793eb5a597" providerId="LiveId" clId="{2CEA7A8A-E1D7-4D57-B7B5-DD3D91B7588E}" dt="2017-12-21T12:12:47.522" v="4752" actId="1035"/>
           <ac:spMkLst>
@@ -2893,12 +3021,28 @@
             <ac:spMk id="127" creationId="{8827B27D-D3F8-45D5-8A2F-6FF22FDD9A07}"/>
           </ac:spMkLst>
         </pc:spChg>
+        <pc:spChg chg="mod topLvl">
+          <ac:chgData name="Andrie de Vries" userId="38bc69793eb5a597" providerId="LiveId" clId="{2CEA7A8A-E1D7-4D57-B7B5-DD3D91B7588E}" dt="2017-12-21T12:12:47.522" v="4752" actId="1035"/>
+          <ac:spMkLst>
+            <pc:docMk/>
+            <pc:sldMk cId="102100164" sldId="257"/>
+            <ac:spMk id="129" creationId="{3CC1E365-913E-46BC-8645-6532082B6F66}"/>
+          </ac:spMkLst>
+        </pc:spChg>
         <pc:spChg chg="del">
           <ac:chgData name="Andrie de Vries" userId="38bc69793eb5a597" providerId="LiveId" clId="{2CEA7A8A-E1D7-4D57-B7B5-DD3D91B7588E}" dt="2017-12-19T20:21:44.342" v="340" actId="478"/>
           <ac:spMkLst>
             <pc:docMk/>
             <pc:sldMk cId="102100164" sldId="257"/>
-            <ac:spMk id="127" creationId="{4086AC89-70B3-41A4-B5BE-0C623706CB80}"/>
+            <ac:spMk id="129" creationId="{2BEF4E97-E2C0-47BE-8EA5-2EE3D798BE6F}"/>
+          </ac:spMkLst>
+        </pc:spChg>
+        <pc:spChg chg="mod topLvl">
+          <ac:chgData name="Andrie de Vries" userId="38bc69793eb5a597" providerId="LiveId" clId="{2CEA7A8A-E1D7-4D57-B7B5-DD3D91B7588E}" dt="2017-12-21T12:12:47.522" v="4752" actId="1035"/>
+          <ac:spMkLst>
+            <pc:docMk/>
+            <pc:sldMk cId="102100164" sldId="257"/>
+            <ac:spMk id="130" creationId="{B1F9CB3E-7400-43F5-BE9E-6D962B945661}"/>
           </ac:spMkLst>
         </pc:spChg>
         <pc:spChg chg="del">
@@ -2906,7 +3050,23 @@
           <ac:spMkLst>
             <pc:docMk/>
             <pc:sldMk cId="102100164" sldId="257"/>
-            <ac:spMk id="129" creationId="{2BEF4E97-E2C0-47BE-8EA5-2EE3D798BE6F}"/>
+            <ac:spMk id="130" creationId="{BC2F214F-2C9A-4D2D-A507-AE87155048DE}"/>
+          </ac:spMkLst>
+        </pc:spChg>
+        <pc:spChg chg="mod">
+          <ac:chgData name="Andrie de Vries" userId="38bc69793eb5a597" providerId="LiveId" clId="{2CEA7A8A-E1D7-4D57-B7B5-DD3D91B7588E}" dt="2017-12-20T13:32:45.740" v="2458" actId="20577"/>
+          <ac:spMkLst>
+            <pc:docMk/>
+            <pc:sldMk cId="102100164" sldId="257"/>
+            <ac:spMk id="131" creationId="{00000000-0000-0000-0000-000000000000}"/>
+          </ac:spMkLst>
+        </pc:spChg>
+        <pc:spChg chg="mod">
+          <ac:chgData name="Andrie de Vries" userId="38bc69793eb5a597" providerId="LiveId" clId="{2CEA7A8A-E1D7-4D57-B7B5-DD3D91B7588E}" dt="2017-12-19T20:21:31.268" v="338" actId="1036"/>
+          <ac:spMkLst>
+            <pc:docMk/>
+            <pc:sldMk cId="102100164" sldId="257"/>
+            <ac:spMk id="132" creationId="{00000000-0000-0000-0000-000000000000}"/>
           </ac:spMkLst>
         </pc:spChg>
         <pc:spChg chg="mod topLvl">
@@ -2914,7 +3074,23 @@
           <ac:spMkLst>
             <pc:docMk/>
             <pc:sldMk cId="102100164" sldId="257"/>
-            <ac:spMk id="129" creationId="{3CC1E365-913E-46BC-8645-6532082B6F66}"/>
+            <ac:spMk id="133" creationId="{2A8BDD32-37C3-45A0-B3A2-24851DF61E8B}"/>
+          </ac:spMkLst>
+        </pc:spChg>
+        <pc:spChg chg="del">
+          <ac:chgData name="Andrie de Vries" userId="38bc69793eb5a597" providerId="LiveId" clId="{2CEA7A8A-E1D7-4D57-B7B5-DD3D91B7588E}" dt="2017-12-19T20:21:14.141" v="303" actId="478"/>
+          <ac:spMkLst>
+            <pc:docMk/>
+            <pc:sldMk cId="102100164" sldId="257"/>
+            <ac:spMk id="133" creationId="{00000000-0000-0000-0000-000000000000}"/>
+          </ac:spMkLst>
+        </pc:spChg>
+        <pc:spChg chg="del">
+          <ac:chgData name="Andrie de Vries" userId="38bc69793eb5a597" providerId="LiveId" clId="{2CEA7A8A-E1D7-4D57-B7B5-DD3D91B7588E}" dt="2017-12-19T20:21:44.342" v="340" actId="478"/>
+          <ac:spMkLst>
+            <pc:docMk/>
+            <pc:sldMk cId="102100164" sldId="257"/>
+            <ac:spMk id="134" creationId="{E65EB69E-53DD-42EF-802A-8C5FB7A13C3D}"/>
           </ac:spMkLst>
         </pc:spChg>
         <pc:spChg chg="mod topLvl">
@@ -2922,7 +3098,31 @@
           <ac:spMkLst>
             <pc:docMk/>
             <pc:sldMk cId="102100164" sldId="257"/>
-            <ac:spMk id="130" creationId="{B1F9CB3E-7400-43F5-BE9E-6D962B945661}"/>
+            <ac:spMk id="134" creationId="{E5B16020-64D3-4BD7-989C-20F36DE34A61}"/>
+          </ac:spMkLst>
+        </pc:spChg>
+        <pc:spChg chg="mod">
+          <ac:chgData name="Andrie de Vries" userId="38bc69793eb5a597" providerId="LiveId" clId="{2CEA7A8A-E1D7-4D57-B7B5-DD3D91B7588E}" dt="2017-12-20T16:06:16.875" v="2764" actId="14100"/>
+          <ac:spMkLst>
+            <pc:docMk/>
+            <pc:sldMk cId="102100164" sldId="257"/>
+            <ac:spMk id="135" creationId="{00000000-0000-0000-0000-000000000000}"/>
+          </ac:spMkLst>
+        </pc:spChg>
+        <pc:spChg chg="mod topLvl">
+          <ac:chgData name="Andrie de Vries" userId="38bc69793eb5a597" providerId="LiveId" clId="{2CEA7A8A-E1D7-4D57-B7B5-DD3D91B7588E}" dt="2017-12-21T12:12:47.522" v="4752" actId="1035"/>
+          <ac:spMkLst>
+            <pc:docMk/>
+            <pc:sldMk cId="102100164" sldId="257"/>
+            <ac:spMk id="136" creationId="{3F40C991-E4DC-46A7-BE31-5A4DD73F38E2}"/>
+          </ac:spMkLst>
+        </pc:spChg>
+        <pc:spChg chg="mod topLvl">
+          <ac:chgData name="Andrie de Vries" userId="38bc69793eb5a597" providerId="LiveId" clId="{2CEA7A8A-E1D7-4D57-B7B5-DD3D91B7588E}" dt="2017-12-21T12:12:47.522" v="4752" actId="1035"/>
+          <ac:spMkLst>
+            <pc:docMk/>
+            <pc:sldMk cId="102100164" sldId="257"/>
+            <ac:spMk id="137" creationId="{D09C0FD2-7EA2-4B09-AE57-D2634019286F}"/>
           </ac:spMkLst>
         </pc:spChg>
         <pc:spChg chg="del">
@@ -2930,23 +3130,7 @@
           <ac:spMkLst>
             <pc:docMk/>
             <pc:sldMk cId="102100164" sldId="257"/>
-            <ac:spMk id="130" creationId="{BC2F214F-2C9A-4D2D-A507-AE87155048DE}"/>
-          </ac:spMkLst>
-        </pc:spChg>
-        <pc:spChg chg="mod">
-          <ac:chgData name="Andrie de Vries" userId="38bc69793eb5a597" providerId="LiveId" clId="{2CEA7A8A-E1D7-4D57-B7B5-DD3D91B7588E}" dt="2017-12-20T13:32:45.740" v="2458" actId="20577"/>
-          <ac:spMkLst>
-            <pc:docMk/>
-            <pc:sldMk cId="102100164" sldId="257"/>
-            <ac:spMk id="131" creationId="{00000000-0000-0000-0000-000000000000}"/>
-          </ac:spMkLst>
-        </pc:spChg>
-        <pc:spChg chg="mod">
-          <ac:chgData name="Andrie de Vries" userId="38bc69793eb5a597" providerId="LiveId" clId="{2CEA7A8A-E1D7-4D57-B7B5-DD3D91B7588E}" dt="2017-12-19T20:21:31.268" v="338" actId="1036"/>
-          <ac:spMkLst>
-            <pc:docMk/>
-            <pc:sldMk cId="102100164" sldId="257"/>
-            <ac:spMk id="132" creationId="{00000000-0000-0000-0000-000000000000}"/>
+            <ac:spMk id="137" creationId="{5D2AD491-3362-4B56-B9F0-B5137E2425D3}"/>
           </ac:spMkLst>
         </pc:spChg>
         <pc:spChg chg="mod topLvl">
@@ -2954,15 +3138,15 @@
           <ac:spMkLst>
             <pc:docMk/>
             <pc:sldMk cId="102100164" sldId="257"/>
-            <ac:spMk id="133" creationId="{2A8BDD32-37C3-45A0-B3A2-24851DF61E8B}"/>
+            <ac:spMk id="138" creationId="{0697E916-A49D-4BC6-9398-28673645B40A}"/>
           </ac:spMkLst>
         </pc:spChg>
         <pc:spChg chg="del">
-          <ac:chgData name="Andrie de Vries" userId="38bc69793eb5a597" providerId="LiveId" clId="{2CEA7A8A-E1D7-4D57-B7B5-DD3D91B7588E}" dt="2017-12-19T20:21:14.141" v="303" actId="478"/>
+          <ac:chgData name="Andrie de Vries" userId="38bc69793eb5a597" providerId="LiveId" clId="{2CEA7A8A-E1D7-4D57-B7B5-DD3D91B7588E}" dt="2017-12-19T20:21:44.342" v="340" actId="478"/>
           <ac:spMkLst>
             <pc:docMk/>
             <pc:sldMk cId="102100164" sldId="257"/>
-            <ac:spMk id="133" creationId="{00000000-0000-0000-0000-000000000000}"/>
+            <ac:spMk id="138" creationId="{EFC8E0CE-7074-4823-99A3-739B33BCA94F}"/>
           </ac:spMkLst>
         </pc:spChg>
         <pc:spChg chg="mod topLvl">
@@ -2970,7 +3154,15 @@
           <ac:spMkLst>
             <pc:docMk/>
             <pc:sldMk cId="102100164" sldId="257"/>
-            <ac:spMk id="134" creationId="{E5B16020-64D3-4BD7-989C-20F36DE34A61}"/>
+            <ac:spMk id="139" creationId="{07DF604A-8732-4B9C-9F36-68F74426B23A}"/>
+          </ac:spMkLst>
+        </pc:spChg>
+        <pc:spChg chg="mod topLvl">
+          <ac:chgData name="Andrie de Vries" userId="38bc69793eb5a597" providerId="LiveId" clId="{2CEA7A8A-E1D7-4D57-B7B5-DD3D91B7588E}" dt="2017-12-21T12:12:47.522" v="4752" actId="1035"/>
+          <ac:spMkLst>
+            <pc:docMk/>
+            <pc:sldMk cId="102100164" sldId="257"/>
+            <ac:spMk id="140" creationId="{83111312-88D5-4A4D-8DC0-2C67459A88A8}"/>
           </ac:spMkLst>
         </pc:spChg>
         <pc:spChg chg="del">
@@ -2978,15 +3170,7 @@
           <ac:spMkLst>
             <pc:docMk/>
             <pc:sldMk cId="102100164" sldId="257"/>
-            <ac:spMk id="134" creationId="{E65EB69E-53DD-42EF-802A-8C5FB7A13C3D}"/>
-          </ac:spMkLst>
-        </pc:spChg>
-        <pc:spChg chg="mod">
-          <ac:chgData name="Andrie de Vries" userId="38bc69793eb5a597" providerId="LiveId" clId="{2CEA7A8A-E1D7-4D57-B7B5-DD3D91B7588E}" dt="2017-12-20T16:06:16.875" v="2764" actId="14100"/>
-          <ac:spMkLst>
-            <pc:docMk/>
-            <pc:sldMk cId="102100164" sldId="257"/>
-            <ac:spMk id="135" creationId="{00000000-0000-0000-0000-000000000000}"/>
+            <ac:spMk id="140" creationId="{F72D7748-B4D7-4BAA-A93A-14AC1A44CCA6}"/>
           </ac:spMkLst>
         </pc:spChg>
         <pc:spChg chg="mod topLvl">
@@ -2994,7 +3178,71 @@
           <ac:spMkLst>
             <pc:docMk/>
             <pc:sldMk cId="102100164" sldId="257"/>
-            <ac:spMk id="136" creationId="{3F40C991-E4DC-46A7-BE31-5A4DD73F38E2}"/>
+            <ac:spMk id="141" creationId="{29876CFF-9EBF-4977-BECE-40D9416A927B}"/>
+          </ac:spMkLst>
+        </pc:spChg>
+        <pc:spChg chg="add mod topLvl">
+          <ac:chgData name="Andrie de Vries" userId="38bc69793eb5a597" providerId="LiveId" clId="{2CEA7A8A-E1D7-4D57-B7B5-DD3D91B7588E}" dt="2017-12-21T12:12:41.904" v="4737" actId="1035"/>
+          <ac:spMkLst>
+            <pc:docMk/>
+            <pc:sldMk cId="102100164" sldId="257"/>
+            <ac:spMk id="142" creationId="{21680F7B-4612-4F4D-ADD0-FC06A274BFAC}"/>
+          </ac:spMkLst>
+        </pc:spChg>
+        <pc:spChg chg="add mod topLvl">
+          <ac:chgData name="Andrie de Vries" userId="38bc69793eb5a597" providerId="LiveId" clId="{2CEA7A8A-E1D7-4D57-B7B5-DD3D91B7588E}" dt="2017-12-21T12:12:41.904" v="4737" actId="1035"/>
+          <ac:spMkLst>
+            <pc:docMk/>
+            <pc:sldMk cId="102100164" sldId="257"/>
+            <ac:spMk id="143" creationId="{ABC199D2-7FC8-42F1-A9A7-2D5153C04B69}"/>
+          </ac:spMkLst>
+        </pc:spChg>
+        <pc:spChg chg="add mod topLvl">
+          <ac:chgData name="Andrie de Vries" userId="38bc69793eb5a597" providerId="LiveId" clId="{2CEA7A8A-E1D7-4D57-B7B5-DD3D91B7588E}" dt="2017-12-21T12:12:41.904" v="4737" actId="1035"/>
+          <ac:spMkLst>
+            <pc:docMk/>
+            <pc:sldMk cId="102100164" sldId="257"/>
+            <ac:spMk id="144" creationId="{4A0106BE-0B35-4062-AC44-1712E29E596A}"/>
+          </ac:spMkLst>
+        </pc:spChg>
+        <pc:spChg chg="add mod topLvl">
+          <ac:chgData name="Andrie de Vries" userId="38bc69793eb5a597" providerId="LiveId" clId="{2CEA7A8A-E1D7-4D57-B7B5-DD3D91B7588E}" dt="2017-12-21T12:12:41.904" v="4737" actId="1035"/>
+          <ac:spMkLst>
+            <pc:docMk/>
+            <pc:sldMk cId="102100164" sldId="257"/>
+            <ac:spMk id="145" creationId="{AF507573-8035-49D8-BE7C-712BCBDDC53A}"/>
+          </ac:spMkLst>
+        </pc:spChg>
+        <pc:spChg chg="add mod topLvl">
+          <ac:chgData name="Andrie de Vries" userId="38bc69793eb5a597" providerId="LiveId" clId="{2CEA7A8A-E1D7-4D57-B7B5-DD3D91B7588E}" dt="2017-12-21T12:12:41.904" v="4737" actId="1035"/>
+          <ac:spMkLst>
+            <pc:docMk/>
+            <pc:sldMk cId="102100164" sldId="257"/>
+            <ac:spMk id="146" creationId="{84585645-857E-47ED-A4E7-B1D72DC78E99}"/>
+          </ac:spMkLst>
+        </pc:spChg>
+        <pc:spChg chg="add mod topLvl">
+          <ac:chgData name="Andrie de Vries" userId="38bc69793eb5a597" providerId="LiveId" clId="{2CEA7A8A-E1D7-4D57-B7B5-DD3D91B7588E}" dt="2017-12-21T12:12:41.904" v="4737" actId="1035"/>
+          <ac:spMkLst>
+            <pc:docMk/>
+            <pc:sldMk cId="102100164" sldId="257"/>
+            <ac:spMk id="147" creationId="{C3552633-89CE-4ACC-9414-84218DFE4FED}"/>
+          </ac:spMkLst>
+        </pc:spChg>
+        <pc:spChg chg="add mod topLvl">
+          <ac:chgData name="Andrie de Vries" userId="38bc69793eb5a597" providerId="LiveId" clId="{2CEA7A8A-E1D7-4D57-B7B5-DD3D91B7588E}" dt="2017-12-21T12:12:41.904" v="4737" actId="1035"/>
+          <ac:spMkLst>
+            <pc:docMk/>
+            <pc:sldMk cId="102100164" sldId="257"/>
+            <ac:spMk id="148" creationId="{EB04CF9A-8DFA-4BA5-8420-7DF46CAE46DC}"/>
+          </ac:spMkLst>
+        </pc:spChg>
+        <pc:spChg chg="add mod topLvl">
+          <ac:chgData name="Andrie de Vries" userId="38bc69793eb5a597" providerId="LiveId" clId="{2CEA7A8A-E1D7-4D57-B7B5-DD3D91B7588E}" dt="2017-12-21T12:12:41.904" v="4737" actId="1035"/>
+          <ac:spMkLst>
+            <pc:docMk/>
+            <pc:sldMk cId="102100164" sldId="257"/>
+            <ac:spMk id="149" creationId="{C15D698C-7A07-4A7F-844D-36745C68D8DC}"/>
           </ac:spMkLst>
         </pc:spChg>
         <pc:spChg chg="del">
@@ -3002,23 +3250,183 @@
           <ac:spMkLst>
             <pc:docMk/>
             <pc:sldMk cId="102100164" sldId="257"/>
-            <ac:spMk id="137" creationId="{5D2AD491-3362-4B56-B9F0-B5137E2425D3}"/>
-          </ac:spMkLst>
-        </pc:spChg>
-        <pc:spChg chg="mod topLvl">
-          <ac:chgData name="Andrie de Vries" userId="38bc69793eb5a597" providerId="LiveId" clId="{2CEA7A8A-E1D7-4D57-B7B5-DD3D91B7588E}" dt="2017-12-21T12:12:47.522" v="4752" actId="1035"/>
+            <ac:spMk id="150" creationId="{00000000-0000-0000-0000-000000000000}"/>
+          </ac:spMkLst>
+        </pc:spChg>
+        <pc:spChg chg="add mod topLvl">
+          <ac:chgData name="Andrie de Vries" userId="38bc69793eb5a597" providerId="LiveId" clId="{2CEA7A8A-E1D7-4D57-B7B5-DD3D91B7588E}" dt="2017-12-21T12:12:41.904" v="4737" actId="1035"/>
           <ac:spMkLst>
             <pc:docMk/>
             <pc:sldMk cId="102100164" sldId="257"/>
-            <ac:spMk id="137" creationId="{D09C0FD2-7EA2-4B09-AE57-D2634019286F}"/>
-          </ac:spMkLst>
-        </pc:spChg>
-        <pc:spChg chg="mod topLvl">
-          <ac:chgData name="Andrie de Vries" userId="38bc69793eb5a597" providerId="LiveId" clId="{2CEA7A8A-E1D7-4D57-B7B5-DD3D91B7588E}" dt="2017-12-21T12:12:47.522" v="4752" actId="1035"/>
+            <ac:spMk id="150" creationId="{D9C3D76F-0A91-4AD1-A4C9-A33F6D6DE924}"/>
+          </ac:spMkLst>
+        </pc:spChg>
+        <pc:spChg chg="add mod topLvl">
+          <ac:chgData name="Andrie de Vries" userId="38bc69793eb5a597" providerId="LiveId" clId="{2CEA7A8A-E1D7-4D57-B7B5-DD3D91B7588E}" dt="2017-12-21T12:12:41.904" v="4737" actId="1035"/>
           <ac:spMkLst>
             <pc:docMk/>
             <pc:sldMk cId="102100164" sldId="257"/>
-            <ac:spMk id="138" creationId="{0697E916-A49D-4BC6-9398-28673645B40A}"/>
+            <ac:spMk id="151" creationId="{8811BF59-56CD-4E14-A67B-6934B67C47AB}"/>
+          </ac:spMkLst>
+        </pc:spChg>
+        <pc:spChg chg="add mod topLvl">
+          <ac:chgData name="Andrie de Vries" userId="38bc69793eb5a597" providerId="LiveId" clId="{2CEA7A8A-E1D7-4D57-B7B5-DD3D91B7588E}" dt="2017-12-21T12:12:41.904" v="4737" actId="1035"/>
+          <ac:spMkLst>
+            <pc:docMk/>
+            <pc:sldMk cId="102100164" sldId="257"/>
+            <ac:spMk id="152" creationId="{8D90864A-27E4-4D7C-89D5-B22939726D84}"/>
+          </ac:spMkLst>
+        </pc:spChg>
+        <pc:spChg chg="add mod topLvl">
+          <ac:chgData name="Andrie de Vries" userId="38bc69793eb5a597" providerId="LiveId" clId="{2CEA7A8A-E1D7-4D57-B7B5-DD3D91B7588E}" dt="2017-12-21T12:12:41.904" v="4737" actId="1035"/>
+          <ac:spMkLst>
+            <pc:docMk/>
+            <pc:sldMk cId="102100164" sldId="257"/>
+            <ac:spMk id="153" creationId="{40B1FDC2-20F6-44EB-A4D3-B91B59CA9AF6}"/>
+          </ac:spMkLst>
+        </pc:spChg>
+        <pc:spChg chg="add mod topLvl">
+          <ac:chgData name="Andrie de Vries" userId="38bc69793eb5a597" providerId="LiveId" clId="{2CEA7A8A-E1D7-4D57-B7B5-DD3D91B7588E}" dt="2017-12-21T12:12:41.904" v="4737" actId="1035"/>
+          <ac:spMkLst>
+            <pc:docMk/>
+            <pc:sldMk cId="102100164" sldId="257"/>
+            <ac:spMk id="154" creationId="{C61D825C-DD78-4A15-9F4B-725E53D275E8}"/>
+          </ac:spMkLst>
+        </pc:spChg>
+        <pc:spChg chg="add mod topLvl">
+          <ac:chgData name="Andrie de Vries" userId="38bc69793eb5a597" providerId="LiveId" clId="{2CEA7A8A-E1D7-4D57-B7B5-DD3D91B7588E}" dt="2017-12-21T12:12:41.904" v="4737" actId="1035"/>
+          <ac:spMkLst>
+            <pc:docMk/>
+            <pc:sldMk cId="102100164" sldId="257"/>
+            <ac:spMk id="155" creationId="{C32E5AD7-C08D-4249-8062-405D0BE40F2E}"/>
+          </ac:spMkLst>
+        </pc:spChg>
+        <pc:spChg chg="add mod">
+          <ac:chgData name="Andrie de Vries" userId="38bc69793eb5a597" providerId="LiveId" clId="{2CEA7A8A-E1D7-4D57-B7B5-DD3D91B7588E}" dt="2017-12-21T12:15:05.740" v="4794" actId="1037"/>
+          <ac:spMkLst>
+            <pc:docMk/>
+            <pc:sldMk cId="102100164" sldId="257"/>
+            <ac:spMk id="156" creationId="{CF91B006-4051-4DC3-A3CB-4F0CAD4694D2}"/>
+          </ac:spMkLst>
+        </pc:spChg>
+        <pc:spChg chg="add del mod">
+          <ac:chgData name="Andrie de Vries" userId="38bc69793eb5a597" providerId="LiveId" clId="{2CEA7A8A-E1D7-4D57-B7B5-DD3D91B7588E}" dt="2017-12-20T13:10:10.960" v="2288" actId="478"/>
+          <ac:spMkLst>
+            <pc:docMk/>
+            <pc:sldMk cId="102100164" sldId="257"/>
+            <ac:spMk id="157" creationId="{F00893DE-95D9-42BF-BFDA-7907B51E57AC}"/>
+          </ac:spMkLst>
+        </pc:spChg>
+        <pc:spChg chg="add del mod">
+          <ac:chgData name="Andrie de Vries" userId="38bc69793eb5a597" providerId="LiveId" clId="{2CEA7A8A-E1D7-4D57-B7B5-DD3D91B7588E}" dt="2017-12-20T13:10:10.335" v="2287" actId="478"/>
+          <ac:spMkLst>
+            <pc:docMk/>
+            <pc:sldMk cId="102100164" sldId="257"/>
+            <ac:spMk id="158" creationId="{78B150C4-CA1F-4F6B-8609-0CF82259C8EF}"/>
+          </ac:spMkLst>
+        </pc:spChg>
+        <pc:spChg chg="add mod">
+          <ac:chgData name="Andrie de Vries" userId="38bc69793eb5a597" providerId="LiveId" clId="{2CEA7A8A-E1D7-4D57-B7B5-DD3D91B7588E}" dt="2017-12-21T12:15:00.013" v="4789" actId="1037"/>
+          <ac:spMkLst>
+            <pc:docMk/>
+            <pc:sldMk cId="102100164" sldId="257"/>
+            <ac:spMk id="159" creationId="{609BDAEF-711B-46BC-BCDC-B4D9A2F6F0C7}"/>
+          </ac:spMkLst>
+        </pc:spChg>
+        <pc:spChg chg="add del mod">
+          <ac:chgData name="Andrie de Vries" userId="38bc69793eb5a597" providerId="LiveId" clId="{2CEA7A8A-E1D7-4D57-B7B5-DD3D91B7588E}" dt="2017-12-20T13:10:12.149" v="2289" actId="478"/>
+          <ac:spMkLst>
+            <pc:docMk/>
+            <pc:sldMk cId="102100164" sldId="257"/>
+            <ac:spMk id="160" creationId="{25958A99-370D-4F9A-A2BC-0F90DE0A2EDD}"/>
+          </ac:spMkLst>
+        </pc:spChg>
+        <pc:spChg chg="add mod">
+          <ac:chgData name="Andrie de Vries" userId="38bc69793eb5a597" providerId="LiveId" clId="{2CEA7A8A-E1D7-4D57-B7B5-DD3D91B7588E}" dt="2017-12-21T12:15:00.013" v="4789" actId="1037"/>
+          <ac:spMkLst>
+            <pc:docMk/>
+            <pc:sldMk cId="102100164" sldId="257"/>
+            <ac:spMk id="161" creationId="{A44B8748-890B-4A88-9AED-D0CEF4FFE3A1}"/>
+          </ac:spMkLst>
+        </pc:spChg>
+        <pc:spChg chg="add mod">
+          <ac:chgData name="Andrie de Vries" userId="38bc69793eb5a597" providerId="LiveId" clId="{2CEA7A8A-E1D7-4D57-B7B5-DD3D91B7588E}" dt="2017-12-21T12:15:00.013" v="4789" actId="1037"/>
+          <ac:spMkLst>
+            <pc:docMk/>
+            <pc:sldMk cId="102100164" sldId="257"/>
+            <ac:spMk id="162" creationId="{AEEBF042-C9EA-44F9-A27D-ABB26E74925C}"/>
+          </ac:spMkLst>
+        </pc:spChg>
+        <pc:spChg chg="add mod">
+          <ac:chgData name="Andrie de Vries" userId="38bc69793eb5a597" providerId="LiveId" clId="{2CEA7A8A-E1D7-4D57-B7B5-DD3D91B7588E}" dt="2017-12-21T12:15:00.013" v="4789" actId="1037"/>
+          <ac:spMkLst>
+            <pc:docMk/>
+            <pc:sldMk cId="102100164" sldId="257"/>
+            <ac:spMk id="163" creationId="{88FC330F-17F7-44CB-B687-666573D9B2A8}"/>
+          </ac:spMkLst>
+        </pc:spChg>
+        <pc:spChg chg="add mod">
+          <ac:chgData name="Andrie de Vries" userId="38bc69793eb5a597" providerId="LiveId" clId="{2CEA7A8A-E1D7-4D57-B7B5-DD3D91B7588E}" dt="2017-12-21T12:15:00.013" v="4789" actId="1037"/>
+          <ac:spMkLst>
+            <pc:docMk/>
+            <pc:sldMk cId="102100164" sldId="257"/>
+            <ac:spMk id="164" creationId="{4CF67298-1EE6-40E6-9739-7CF1076F78FA}"/>
+          </ac:spMkLst>
+        </pc:spChg>
+        <pc:spChg chg="add mod">
+          <ac:chgData name="Andrie de Vries" userId="38bc69793eb5a597" providerId="LiveId" clId="{2CEA7A8A-E1D7-4D57-B7B5-DD3D91B7588E}" dt="2017-12-21T12:15:00.013" v="4789" actId="1037"/>
+          <ac:spMkLst>
+            <pc:docMk/>
+            <pc:sldMk cId="102100164" sldId="257"/>
+            <ac:spMk id="165" creationId="{C15E7250-48DE-4881-977B-37D8085EEA25}"/>
+          </ac:spMkLst>
+        </pc:spChg>
+        <pc:spChg chg="add mod">
+          <ac:chgData name="Andrie de Vries" userId="38bc69793eb5a597" providerId="LiveId" clId="{2CEA7A8A-E1D7-4D57-B7B5-DD3D91B7588E}" dt="2017-12-21T12:15:00.013" v="4789" actId="1037"/>
+          <ac:spMkLst>
+            <pc:docMk/>
+            <pc:sldMk cId="102100164" sldId="257"/>
+            <ac:spMk id="166" creationId="{F3A98D13-438A-41D6-A01B-9C6160DBC7D5}"/>
+          </ac:spMkLst>
+        </pc:spChg>
+        <pc:spChg chg="add mod">
+          <ac:chgData name="Andrie de Vries" userId="38bc69793eb5a597" providerId="LiveId" clId="{2CEA7A8A-E1D7-4D57-B7B5-DD3D91B7588E}" dt="2017-12-21T12:15:00.013" v="4789" actId="1037"/>
+          <ac:spMkLst>
+            <pc:docMk/>
+            <pc:sldMk cId="102100164" sldId="257"/>
+            <ac:spMk id="167" creationId="{7FD8FE39-5645-4775-862F-D88CC582AE5E}"/>
+          </ac:spMkLst>
+        </pc:spChg>
+        <pc:spChg chg="add mod">
+          <ac:chgData name="Andrie de Vries" userId="38bc69793eb5a597" providerId="LiveId" clId="{2CEA7A8A-E1D7-4D57-B7B5-DD3D91B7588E}" dt="2017-12-21T12:15:00.013" v="4789" actId="1037"/>
+          <ac:spMkLst>
+            <pc:docMk/>
+            <pc:sldMk cId="102100164" sldId="257"/>
+            <ac:spMk id="168" creationId="{762424F2-9828-4964-A732-44BD44013132}"/>
+          </ac:spMkLst>
+        </pc:spChg>
+        <pc:spChg chg="add mod">
+          <ac:chgData name="Andrie de Vries" userId="38bc69793eb5a597" providerId="LiveId" clId="{2CEA7A8A-E1D7-4D57-B7B5-DD3D91B7588E}" dt="2017-12-21T12:15:00.013" v="4789" actId="1037"/>
+          <ac:spMkLst>
+            <pc:docMk/>
+            <pc:sldMk cId="102100164" sldId="257"/>
+            <ac:spMk id="169" creationId="{B7240C80-5AB6-4A75-AC69-EA03D0575981}"/>
+          </ac:spMkLst>
+        </pc:spChg>
+        <pc:spChg chg="add mod">
+          <ac:chgData name="Andrie de Vries" userId="38bc69793eb5a597" providerId="LiveId" clId="{2CEA7A8A-E1D7-4D57-B7B5-DD3D91B7588E}" dt="2017-12-21T12:15:00.013" v="4789" actId="1037"/>
+          <ac:spMkLst>
+            <pc:docMk/>
+            <pc:sldMk cId="102100164" sldId="257"/>
+            <ac:spMk id="170" creationId="{515EC7D0-AB7D-4B83-A1C6-27A79C2E99F1}"/>
+          </ac:spMkLst>
+        </pc:spChg>
+        <pc:spChg chg="add mod">
+          <ac:chgData name="Andrie de Vries" userId="38bc69793eb5a597" providerId="LiveId" clId="{2CEA7A8A-E1D7-4D57-B7B5-DD3D91B7588E}" dt="2017-12-21T12:15:00.013" v="4789" actId="1037"/>
+          <ac:spMkLst>
+            <pc:docMk/>
+            <pc:sldMk cId="102100164" sldId="257"/>
+            <ac:spMk id="171" creationId="{FED81393-1A7B-476A-9BF7-4D3F2CE9F94A}"/>
           </ac:spMkLst>
         </pc:spChg>
         <pc:spChg chg="del">
@@ -3026,23 +3434,15 @@
           <ac:spMkLst>
             <pc:docMk/>
             <pc:sldMk cId="102100164" sldId="257"/>
-            <ac:spMk id="138" creationId="{EFC8E0CE-7074-4823-99A3-739B33BCA94F}"/>
-          </ac:spMkLst>
-        </pc:spChg>
-        <pc:spChg chg="mod topLvl">
-          <ac:chgData name="Andrie de Vries" userId="38bc69793eb5a597" providerId="LiveId" clId="{2CEA7A8A-E1D7-4D57-B7B5-DD3D91B7588E}" dt="2017-12-21T12:12:47.522" v="4752" actId="1035"/>
+            <ac:spMk id="172" creationId="{9F02F3D9-1A9A-4D6B-B1F7-BA2FE6491352}"/>
+          </ac:spMkLst>
+        </pc:spChg>
+        <pc:spChg chg="add mod">
+          <ac:chgData name="Andrie de Vries" userId="38bc69793eb5a597" providerId="LiveId" clId="{2CEA7A8A-E1D7-4D57-B7B5-DD3D91B7588E}" dt="2017-12-21T12:15:00.013" v="4789" actId="1037"/>
           <ac:spMkLst>
             <pc:docMk/>
             <pc:sldMk cId="102100164" sldId="257"/>
-            <ac:spMk id="139" creationId="{07DF604A-8732-4B9C-9F36-68F74426B23A}"/>
-          </ac:spMkLst>
-        </pc:spChg>
-        <pc:spChg chg="mod topLvl">
-          <ac:chgData name="Andrie de Vries" userId="38bc69793eb5a597" providerId="LiveId" clId="{2CEA7A8A-E1D7-4D57-B7B5-DD3D91B7588E}" dt="2017-12-21T12:12:47.522" v="4752" actId="1035"/>
-          <ac:spMkLst>
-            <pc:docMk/>
-            <pc:sldMk cId="102100164" sldId="257"/>
-            <ac:spMk id="140" creationId="{83111312-88D5-4A4D-8DC0-2C67459A88A8}"/>
+            <ac:spMk id="172" creationId="{425A0749-A68D-49D5-B09D-433885FEABAB}"/>
           </ac:spMkLst>
         </pc:spChg>
         <pc:spChg chg="del">
@@ -3050,79 +3450,31 @@
           <ac:spMkLst>
             <pc:docMk/>
             <pc:sldMk cId="102100164" sldId="257"/>
-            <ac:spMk id="140" creationId="{F72D7748-B4D7-4BAA-A93A-14AC1A44CCA6}"/>
-          </ac:spMkLst>
-        </pc:spChg>
-        <pc:spChg chg="mod topLvl">
-          <ac:chgData name="Andrie de Vries" userId="38bc69793eb5a597" providerId="LiveId" clId="{2CEA7A8A-E1D7-4D57-B7B5-DD3D91B7588E}" dt="2017-12-21T12:12:47.522" v="4752" actId="1035"/>
+            <ac:spMk id="173" creationId="{4C501901-917F-42FA-AF37-4B13C43E3EEE}"/>
+          </ac:spMkLst>
+        </pc:spChg>
+        <pc:spChg chg="add mod">
+          <ac:chgData name="Andrie de Vries" userId="38bc69793eb5a597" providerId="LiveId" clId="{2CEA7A8A-E1D7-4D57-B7B5-DD3D91B7588E}" dt="2017-12-21T12:15:00.013" v="4789" actId="1037"/>
           <ac:spMkLst>
             <pc:docMk/>
             <pc:sldMk cId="102100164" sldId="257"/>
-            <ac:spMk id="141" creationId="{29876CFF-9EBF-4977-BECE-40D9416A927B}"/>
-          </ac:spMkLst>
-        </pc:spChg>
-        <pc:spChg chg="add mod topLvl">
-          <ac:chgData name="Andrie de Vries" userId="38bc69793eb5a597" providerId="LiveId" clId="{2CEA7A8A-E1D7-4D57-B7B5-DD3D91B7588E}" dt="2017-12-21T12:12:41.904" v="4737" actId="1035"/>
+            <ac:spMk id="173" creationId="{D36BA3CF-DD03-437C-8157-F959390AA0FE}"/>
+          </ac:spMkLst>
+        </pc:spChg>
+        <pc:spChg chg="add mod">
+          <ac:chgData name="Andrie de Vries" userId="38bc69793eb5a597" providerId="LiveId" clId="{2CEA7A8A-E1D7-4D57-B7B5-DD3D91B7588E}" dt="2017-12-21T12:15:00.013" v="4789" actId="1037"/>
           <ac:spMkLst>
             <pc:docMk/>
             <pc:sldMk cId="102100164" sldId="257"/>
-            <ac:spMk id="142" creationId="{21680F7B-4612-4F4D-ADD0-FC06A274BFAC}"/>
-          </ac:spMkLst>
-        </pc:spChg>
-        <pc:spChg chg="add mod topLvl">
-          <ac:chgData name="Andrie de Vries" userId="38bc69793eb5a597" providerId="LiveId" clId="{2CEA7A8A-E1D7-4D57-B7B5-DD3D91B7588E}" dt="2017-12-21T12:12:41.904" v="4737" actId="1035"/>
+            <ac:spMk id="174" creationId="{7BF04B3B-8E89-4C51-BD95-9AF7682C2CF5}"/>
+          </ac:spMkLst>
+        </pc:spChg>
+        <pc:spChg chg="add mod">
+          <ac:chgData name="Andrie de Vries" userId="38bc69793eb5a597" providerId="LiveId" clId="{2CEA7A8A-E1D7-4D57-B7B5-DD3D91B7588E}" dt="2017-12-21T12:15:00.013" v="4789" actId="1037"/>
           <ac:spMkLst>
             <pc:docMk/>
             <pc:sldMk cId="102100164" sldId="257"/>
-            <ac:spMk id="143" creationId="{ABC199D2-7FC8-42F1-A9A7-2D5153C04B69}"/>
-          </ac:spMkLst>
-        </pc:spChg>
-        <pc:spChg chg="add mod topLvl">
-          <ac:chgData name="Andrie de Vries" userId="38bc69793eb5a597" providerId="LiveId" clId="{2CEA7A8A-E1D7-4D57-B7B5-DD3D91B7588E}" dt="2017-12-21T12:12:41.904" v="4737" actId="1035"/>
-          <ac:spMkLst>
-            <pc:docMk/>
-            <pc:sldMk cId="102100164" sldId="257"/>
-            <ac:spMk id="144" creationId="{4A0106BE-0B35-4062-AC44-1712E29E596A}"/>
-          </ac:spMkLst>
-        </pc:spChg>
-        <pc:spChg chg="add mod topLvl">
-          <ac:chgData name="Andrie de Vries" userId="38bc69793eb5a597" providerId="LiveId" clId="{2CEA7A8A-E1D7-4D57-B7B5-DD3D91B7588E}" dt="2017-12-21T12:12:41.904" v="4737" actId="1035"/>
-          <ac:spMkLst>
-            <pc:docMk/>
-            <pc:sldMk cId="102100164" sldId="257"/>
-            <ac:spMk id="145" creationId="{AF507573-8035-49D8-BE7C-712BCBDDC53A}"/>
-          </ac:spMkLst>
-        </pc:spChg>
-        <pc:spChg chg="add mod topLvl">
-          <ac:chgData name="Andrie de Vries" userId="38bc69793eb5a597" providerId="LiveId" clId="{2CEA7A8A-E1D7-4D57-B7B5-DD3D91B7588E}" dt="2017-12-21T12:12:41.904" v="4737" actId="1035"/>
-          <ac:spMkLst>
-            <pc:docMk/>
-            <pc:sldMk cId="102100164" sldId="257"/>
-            <ac:spMk id="146" creationId="{84585645-857E-47ED-A4E7-B1D72DC78E99}"/>
-          </ac:spMkLst>
-        </pc:spChg>
-        <pc:spChg chg="add mod topLvl">
-          <ac:chgData name="Andrie de Vries" userId="38bc69793eb5a597" providerId="LiveId" clId="{2CEA7A8A-E1D7-4D57-B7B5-DD3D91B7588E}" dt="2017-12-21T12:12:41.904" v="4737" actId="1035"/>
-          <ac:spMkLst>
-            <pc:docMk/>
-            <pc:sldMk cId="102100164" sldId="257"/>
-            <ac:spMk id="147" creationId="{C3552633-89CE-4ACC-9414-84218DFE4FED}"/>
-          </ac:spMkLst>
-        </pc:spChg>
-        <pc:spChg chg="add mod topLvl">
-          <ac:chgData name="Andrie de Vries" userId="38bc69793eb5a597" providerId="LiveId" clId="{2CEA7A8A-E1D7-4D57-B7B5-DD3D91B7588E}" dt="2017-12-21T12:12:41.904" v="4737" actId="1035"/>
-          <ac:spMkLst>
-            <pc:docMk/>
-            <pc:sldMk cId="102100164" sldId="257"/>
-            <ac:spMk id="148" creationId="{EB04CF9A-8DFA-4BA5-8420-7DF46CAE46DC}"/>
-          </ac:spMkLst>
-        </pc:spChg>
-        <pc:spChg chg="add mod topLvl">
-          <ac:chgData name="Andrie de Vries" userId="38bc69793eb5a597" providerId="LiveId" clId="{2CEA7A8A-E1D7-4D57-B7B5-DD3D91B7588E}" dt="2017-12-21T12:12:41.904" v="4737" actId="1035"/>
-          <ac:spMkLst>
-            <pc:docMk/>
-            <pc:sldMk cId="102100164" sldId="257"/>
-            <ac:spMk id="149" creationId="{C15D698C-7A07-4A7F-844D-36745C68D8DC}"/>
+            <ac:spMk id="175" creationId="{3A6E8FE6-4FFC-446F-B195-568A78D56E9C}"/>
           </ac:spMkLst>
         </pc:spChg>
         <pc:spChg chg="del">
@@ -3130,79 +3482,15 @@
           <ac:spMkLst>
             <pc:docMk/>
             <pc:sldMk cId="102100164" sldId="257"/>
-            <ac:spMk id="150" creationId="{00000000-0000-0000-0000-000000000000}"/>
-          </ac:spMkLst>
-        </pc:spChg>
-        <pc:spChg chg="add mod topLvl">
-          <ac:chgData name="Andrie de Vries" userId="38bc69793eb5a597" providerId="LiveId" clId="{2CEA7A8A-E1D7-4D57-B7B5-DD3D91B7588E}" dt="2017-12-21T12:12:41.904" v="4737" actId="1035"/>
+            <ac:spMk id="175" creationId="{25D0D6A3-24C4-4E13-8937-C80E00B2A631}"/>
+          </ac:spMkLst>
+        </pc:spChg>
+        <pc:spChg chg="del">
+          <ac:chgData name="Andrie de Vries" userId="38bc69793eb5a597" providerId="LiveId" clId="{2CEA7A8A-E1D7-4D57-B7B5-DD3D91B7588E}" dt="2017-12-19T20:21:44.342" v="340" actId="478"/>
           <ac:spMkLst>
             <pc:docMk/>
             <pc:sldMk cId="102100164" sldId="257"/>
-            <ac:spMk id="150" creationId="{D9C3D76F-0A91-4AD1-A4C9-A33F6D6DE924}"/>
-          </ac:spMkLst>
-        </pc:spChg>
-        <pc:spChg chg="add mod topLvl">
-          <ac:chgData name="Andrie de Vries" userId="38bc69793eb5a597" providerId="LiveId" clId="{2CEA7A8A-E1D7-4D57-B7B5-DD3D91B7588E}" dt="2017-12-21T12:12:41.904" v="4737" actId="1035"/>
-          <ac:spMkLst>
-            <pc:docMk/>
-            <pc:sldMk cId="102100164" sldId="257"/>
-            <ac:spMk id="151" creationId="{8811BF59-56CD-4E14-A67B-6934B67C47AB}"/>
-          </ac:spMkLst>
-        </pc:spChg>
-        <pc:spChg chg="add mod topLvl">
-          <ac:chgData name="Andrie de Vries" userId="38bc69793eb5a597" providerId="LiveId" clId="{2CEA7A8A-E1D7-4D57-B7B5-DD3D91B7588E}" dt="2017-12-21T12:12:41.904" v="4737" actId="1035"/>
-          <ac:spMkLst>
-            <pc:docMk/>
-            <pc:sldMk cId="102100164" sldId="257"/>
-            <ac:spMk id="152" creationId="{8D90864A-27E4-4D7C-89D5-B22939726D84}"/>
-          </ac:spMkLst>
-        </pc:spChg>
-        <pc:spChg chg="add mod topLvl">
-          <ac:chgData name="Andrie de Vries" userId="38bc69793eb5a597" providerId="LiveId" clId="{2CEA7A8A-E1D7-4D57-B7B5-DD3D91B7588E}" dt="2017-12-21T12:12:41.904" v="4737" actId="1035"/>
-          <ac:spMkLst>
-            <pc:docMk/>
-            <pc:sldMk cId="102100164" sldId="257"/>
-            <ac:spMk id="153" creationId="{40B1FDC2-20F6-44EB-A4D3-B91B59CA9AF6}"/>
-          </ac:spMkLst>
-        </pc:spChg>
-        <pc:spChg chg="add mod topLvl">
-          <ac:chgData name="Andrie de Vries" userId="38bc69793eb5a597" providerId="LiveId" clId="{2CEA7A8A-E1D7-4D57-B7B5-DD3D91B7588E}" dt="2017-12-21T12:12:41.904" v="4737" actId="1035"/>
-          <ac:spMkLst>
-            <pc:docMk/>
-            <pc:sldMk cId="102100164" sldId="257"/>
-            <ac:spMk id="154" creationId="{C61D825C-DD78-4A15-9F4B-725E53D275E8}"/>
-          </ac:spMkLst>
-        </pc:spChg>
-        <pc:spChg chg="add mod topLvl">
-          <ac:chgData name="Andrie de Vries" userId="38bc69793eb5a597" providerId="LiveId" clId="{2CEA7A8A-E1D7-4D57-B7B5-DD3D91B7588E}" dt="2017-12-21T12:12:41.904" v="4737" actId="1035"/>
-          <ac:spMkLst>
-            <pc:docMk/>
-            <pc:sldMk cId="102100164" sldId="257"/>
-            <ac:spMk id="155" creationId="{C32E5AD7-C08D-4249-8062-405D0BE40F2E}"/>
-          </ac:spMkLst>
-        </pc:spChg>
-        <pc:spChg chg="add mod">
-          <ac:chgData name="Andrie de Vries" userId="38bc69793eb5a597" providerId="LiveId" clId="{2CEA7A8A-E1D7-4D57-B7B5-DD3D91B7588E}" dt="2017-12-21T12:15:05.740" v="4794" actId="1037"/>
-          <ac:spMkLst>
-            <pc:docMk/>
-            <pc:sldMk cId="102100164" sldId="257"/>
-            <ac:spMk id="156" creationId="{CF91B006-4051-4DC3-A3CB-4F0CAD4694D2}"/>
-          </ac:spMkLst>
-        </pc:spChg>
-        <pc:spChg chg="add del mod">
-          <ac:chgData name="Andrie de Vries" userId="38bc69793eb5a597" providerId="LiveId" clId="{2CEA7A8A-E1D7-4D57-B7B5-DD3D91B7588E}" dt="2017-12-20T13:10:10.960" v="2288" actId="478"/>
-          <ac:spMkLst>
-            <pc:docMk/>
-            <pc:sldMk cId="102100164" sldId="257"/>
-            <ac:spMk id="157" creationId="{F00893DE-95D9-42BF-BFDA-7907B51E57AC}"/>
-          </ac:spMkLst>
-        </pc:spChg>
-        <pc:spChg chg="add del mod">
-          <ac:chgData name="Andrie de Vries" userId="38bc69793eb5a597" providerId="LiveId" clId="{2CEA7A8A-E1D7-4D57-B7B5-DD3D91B7588E}" dt="2017-12-20T13:10:10.335" v="2287" actId="478"/>
-          <ac:spMkLst>
-            <pc:docMk/>
-            <pc:sldMk cId="102100164" sldId="257"/>
-            <ac:spMk id="158" creationId="{78B150C4-CA1F-4F6B-8609-0CF82259C8EF}"/>
+            <ac:spMk id="176" creationId="{4CB6339D-0B1F-499E-90B0-25F8E4EB8145}"/>
           </ac:spMkLst>
         </pc:spChg>
         <pc:spChg chg="add mod">
@@ -3210,15 +3498,7 @@
           <ac:spMkLst>
             <pc:docMk/>
             <pc:sldMk cId="102100164" sldId="257"/>
-            <ac:spMk id="159" creationId="{609BDAEF-711B-46BC-BCDC-B4D9A2F6F0C7}"/>
-          </ac:spMkLst>
-        </pc:spChg>
-        <pc:spChg chg="add del mod">
-          <ac:chgData name="Andrie de Vries" userId="38bc69793eb5a597" providerId="LiveId" clId="{2CEA7A8A-E1D7-4D57-B7B5-DD3D91B7588E}" dt="2017-12-20T13:10:12.149" v="2289" actId="478"/>
-          <ac:spMkLst>
-            <pc:docMk/>
-            <pc:sldMk cId="102100164" sldId="257"/>
-            <ac:spMk id="160" creationId="{25958A99-370D-4F9A-A2BC-0F90DE0A2EDD}"/>
+            <ac:spMk id="176" creationId="{4B122F1B-EFEF-44FF-967A-C119CEF49D6C}"/>
           </ac:spMkLst>
         </pc:spChg>
         <pc:spChg chg="add mod">
@@ -3226,7 +3506,7 @@
           <ac:spMkLst>
             <pc:docMk/>
             <pc:sldMk cId="102100164" sldId="257"/>
-            <ac:spMk id="161" creationId="{A44B8748-890B-4A88-9AED-D0CEF4FFE3A1}"/>
+            <ac:spMk id="177" creationId="{0C6D2A08-55EF-45B7-B881-0135A16E644B}"/>
           </ac:spMkLst>
         </pc:spChg>
         <pc:spChg chg="add mod">
@@ -3234,7 +3514,7 @@
           <ac:spMkLst>
             <pc:docMk/>
             <pc:sldMk cId="102100164" sldId="257"/>
-            <ac:spMk id="162" creationId="{AEEBF042-C9EA-44F9-A27D-ABB26E74925C}"/>
+            <ac:spMk id="178" creationId="{28B3F012-6419-4EB3-AC0A-56548C849900}"/>
           </ac:spMkLst>
         </pc:spChg>
         <pc:spChg chg="add mod">
@@ -3242,7 +3522,7 @@
           <ac:spMkLst>
             <pc:docMk/>
             <pc:sldMk cId="102100164" sldId="257"/>
-            <ac:spMk id="163" creationId="{88FC330F-17F7-44CB-B687-666573D9B2A8}"/>
+            <ac:spMk id="179" creationId="{0D430DD3-AD73-4283-9269-C8F126DE15FD}"/>
           </ac:spMkLst>
         </pc:spChg>
         <pc:spChg chg="add mod">
@@ -3250,7 +3530,7 @@
           <ac:spMkLst>
             <pc:docMk/>
             <pc:sldMk cId="102100164" sldId="257"/>
-            <ac:spMk id="164" creationId="{4CF67298-1EE6-40E6-9739-7CF1076F78FA}"/>
+            <ac:spMk id="180" creationId="{29CFB865-E3C6-4BDB-9B4E-186B3DB01ABA}"/>
           </ac:spMkLst>
         </pc:spChg>
         <pc:spChg chg="add mod">
@@ -3258,55 +3538,631 @@
           <ac:spMkLst>
             <pc:docMk/>
             <pc:sldMk cId="102100164" sldId="257"/>
-            <ac:spMk id="165" creationId="{C15E7250-48DE-4881-977B-37D8085EEA25}"/>
+            <ac:spMk id="181" creationId="{DEB5CDFE-EB4E-4765-8843-6AB80F344601}"/>
           </ac:spMkLst>
         </pc:spChg>
         <pc:spChg chg="add mod">
-          <ac:chgData name="Andrie de Vries" userId="38bc69793eb5a597" providerId="LiveId" clId="{2CEA7A8A-E1D7-4D57-B7B5-DD3D91B7588E}" dt="2017-12-21T12:15:00.013" v="4789" actId="1037"/>
+          <ac:chgData name="Andrie de Vries" userId="38bc69793eb5a597" providerId="LiveId" clId="{2CEA7A8A-E1D7-4D57-B7B5-DD3D91B7588E}" dt="2017-12-21T12:15:22.265" v="4822" actId="1036"/>
           <ac:spMkLst>
             <pc:docMk/>
             <pc:sldMk cId="102100164" sldId="257"/>
-            <ac:spMk id="166" creationId="{F3A98D13-438A-41D6-A01B-9C6160DBC7D5}"/>
+            <ac:spMk id="182" creationId="{4BCE71EB-EB95-4FBA-BA6B-2FB4DDC72588}"/>
           </ac:spMkLst>
         </pc:spChg>
         <pc:spChg chg="add mod">
-          <ac:chgData name="Andrie de Vries" userId="38bc69793eb5a597" providerId="LiveId" clId="{2CEA7A8A-E1D7-4D57-B7B5-DD3D91B7588E}" dt="2017-12-21T12:15:00.013" v="4789" actId="1037"/>
+          <ac:chgData name="Andrie de Vries" userId="38bc69793eb5a597" providerId="LiveId" clId="{2CEA7A8A-E1D7-4D57-B7B5-DD3D91B7588E}" dt="2017-12-21T12:15:22.265" v="4822" actId="1036"/>
           <ac:spMkLst>
             <pc:docMk/>
             <pc:sldMk cId="102100164" sldId="257"/>
-            <ac:spMk id="167" creationId="{7FD8FE39-5645-4775-862F-D88CC582AE5E}"/>
+            <ac:spMk id="183" creationId="{403EB52B-A7F7-4D13-9EA1-11B5364D042D}"/>
           </ac:spMkLst>
         </pc:spChg>
         <pc:spChg chg="add mod">
-          <ac:chgData name="Andrie de Vries" userId="38bc69793eb5a597" providerId="LiveId" clId="{2CEA7A8A-E1D7-4D57-B7B5-DD3D91B7588E}" dt="2017-12-21T12:15:00.013" v="4789" actId="1037"/>
+          <ac:chgData name="Andrie de Vries" userId="38bc69793eb5a597" providerId="LiveId" clId="{2CEA7A8A-E1D7-4D57-B7B5-DD3D91B7588E}" dt="2017-12-21T12:15:22.265" v="4822" actId="1036"/>
           <ac:spMkLst>
             <pc:docMk/>
             <pc:sldMk cId="102100164" sldId="257"/>
-            <ac:spMk id="168" creationId="{762424F2-9828-4964-A732-44BD44013132}"/>
+            <ac:spMk id="184" creationId="{B7D6903A-6BB6-4E0F-B613-C6D2BC2D008D}"/>
           </ac:spMkLst>
         </pc:spChg>
         <pc:spChg chg="add mod">
-          <ac:chgData name="Andrie de Vries" userId="38bc69793eb5a597" providerId="LiveId" clId="{2CEA7A8A-E1D7-4D57-B7B5-DD3D91B7588E}" dt="2017-12-21T12:15:00.013" v="4789" actId="1037"/>
+          <ac:chgData name="Andrie de Vries" userId="38bc69793eb5a597" providerId="LiveId" clId="{2CEA7A8A-E1D7-4D57-B7B5-DD3D91B7588E}" dt="2017-12-21T12:15:22.265" v="4822" actId="1036"/>
           <ac:spMkLst>
             <pc:docMk/>
             <pc:sldMk cId="102100164" sldId="257"/>
-            <ac:spMk id="169" creationId="{B7240C80-5AB6-4A75-AC69-EA03D0575981}"/>
+            <ac:spMk id="185" creationId="{B4998B2C-8CCF-4006-95A4-8ED3A3259BB8}"/>
           </ac:spMkLst>
         </pc:spChg>
         <pc:spChg chg="add mod">
-          <ac:chgData name="Andrie de Vries" userId="38bc69793eb5a597" providerId="LiveId" clId="{2CEA7A8A-E1D7-4D57-B7B5-DD3D91B7588E}" dt="2017-12-21T12:15:00.013" v="4789" actId="1037"/>
+          <ac:chgData name="Andrie de Vries" userId="38bc69793eb5a597" providerId="LiveId" clId="{2CEA7A8A-E1D7-4D57-B7B5-DD3D91B7588E}" dt="2017-12-21T12:15:22.265" v="4822" actId="1036"/>
           <ac:spMkLst>
             <pc:docMk/>
             <pc:sldMk cId="102100164" sldId="257"/>
-            <ac:spMk id="170" creationId="{515EC7D0-AB7D-4B83-A1C6-27A79C2E99F1}"/>
+            <ac:spMk id="186" creationId="{DF4B17CE-7182-4A0A-8348-83AB98D24437}"/>
           </ac:spMkLst>
         </pc:spChg>
         <pc:spChg chg="add mod">
-          <ac:chgData name="Andrie de Vries" userId="38bc69793eb5a597" providerId="LiveId" clId="{2CEA7A8A-E1D7-4D57-B7B5-DD3D91B7588E}" dt="2017-12-21T12:15:00.013" v="4789" actId="1037"/>
+          <ac:chgData name="Andrie de Vries" userId="38bc69793eb5a597" providerId="LiveId" clId="{2CEA7A8A-E1D7-4D57-B7B5-DD3D91B7588E}" dt="2017-12-21T12:15:22.265" v="4822" actId="1036"/>
           <ac:spMkLst>
             <pc:docMk/>
             <pc:sldMk cId="102100164" sldId="257"/>
-            <ac:spMk id="171" creationId="{FED81393-1A7B-476A-9BF7-4D3F2CE9F94A}"/>
+            <ac:spMk id="187" creationId="{B1EB848E-B507-4965-96B2-2A1D2727477A}"/>
+          </ac:spMkLst>
+        </pc:spChg>
+        <pc:spChg chg="add mod ord">
+          <ac:chgData name="Andrie de Vries" userId="38bc69793eb5a597" providerId="LiveId" clId="{2CEA7A8A-E1D7-4D57-B7B5-DD3D91B7588E}" dt="2017-12-20T17:04:18.597" v="3515" actId="167"/>
+          <ac:spMkLst>
+            <pc:docMk/>
+            <pc:sldMk cId="102100164" sldId="257"/>
+            <ac:spMk id="188" creationId="{8185AA5F-DB5B-4C9B-A40B-AEDB8AA5A297}"/>
+          </ac:spMkLst>
+        </pc:spChg>
+        <pc:spChg chg="del mod">
+          <ac:chgData name="Andrie de Vries" userId="38bc69793eb5a597" providerId="LiveId" clId="{2CEA7A8A-E1D7-4D57-B7B5-DD3D91B7588E}" dt="2017-12-20T13:32:41.100" v="2447" actId="478"/>
+          <ac:spMkLst>
+            <pc:docMk/>
+            <pc:sldMk cId="102100164" sldId="257"/>
+            <ac:spMk id="188" creationId="{00000000-0000-0000-0000-000000000000}"/>
+          </ac:spMkLst>
+        </pc:spChg>
+        <pc:spChg chg="add mod">
+          <ac:chgData name="Andrie de Vries" userId="38bc69793eb5a597" providerId="LiveId" clId="{2CEA7A8A-E1D7-4D57-B7B5-DD3D91B7588E}" dt="2017-12-21T12:15:22.265" v="4822" actId="1036"/>
+          <ac:spMkLst>
+            <pc:docMk/>
+            <pc:sldMk cId="102100164" sldId="257"/>
+            <ac:spMk id="189" creationId="{8F23405C-55D1-429F-99BB-980EE0D6E25B}"/>
+          </ac:spMkLst>
+        </pc:spChg>
+        <pc:spChg chg="add mod">
+          <ac:chgData name="Andrie de Vries" userId="38bc69793eb5a597" providerId="LiveId" clId="{2CEA7A8A-E1D7-4D57-B7B5-DD3D91B7588E}" dt="2017-12-21T12:15:22.265" v="4822" actId="1036"/>
+          <ac:spMkLst>
+            <pc:docMk/>
+            <pc:sldMk cId="102100164" sldId="257"/>
+            <ac:spMk id="190" creationId="{2EFC6BBF-D8E4-494A-AECB-9A2D603CC8BD}"/>
+          </ac:spMkLst>
+        </pc:spChg>
+        <pc:spChg chg="add mod">
+          <ac:chgData name="Andrie de Vries" userId="38bc69793eb5a597" providerId="LiveId" clId="{2CEA7A8A-E1D7-4D57-B7B5-DD3D91B7588E}" dt="2017-12-21T12:15:22.265" v="4822" actId="1036"/>
+          <ac:spMkLst>
+            <pc:docMk/>
+            <pc:sldMk cId="102100164" sldId="257"/>
+            <ac:spMk id="191" creationId="{95C1AFAD-75D5-49E6-9011-8ABA382B2CE4}"/>
+          </ac:spMkLst>
+        </pc:spChg>
+        <pc:spChg chg="add mod">
+          <ac:chgData name="Andrie de Vries" userId="38bc69793eb5a597" providerId="LiveId" clId="{2CEA7A8A-E1D7-4D57-B7B5-DD3D91B7588E}" dt="2017-12-21T12:15:22.265" v="4822" actId="1036"/>
+          <ac:spMkLst>
+            <pc:docMk/>
+            <pc:sldMk cId="102100164" sldId="257"/>
+            <ac:spMk id="192" creationId="{9FA8B661-4F1E-4FA4-8D77-5AA8623DA602}"/>
+          </ac:spMkLst>
+        </pc:spChg>
+        <pc:spChg chg="add mod">
+          <ac:chgData name="Andrie de Vries" userId="38bc69793eb5a597" providerId="LiveId" clId="{2CEA7A8A-E1D7-4D57-B7B5-DD3D91B7588E}" dt="2017-12-21T12:16:07.082" v="4826" actId="1037"/>
+          <ac:spMkLst>
+            <pc:docMk/>
+            <pc:sldMk cId="102100164" sldId="257"/>
+            <ac:spMk id="193" creationId="{2ACE50FB-B325-4FCE-B349-32F85D187D30}"/>
+          </ac:spMkLst>
+        </pc:spChg>
+        <pc:spChg chg="add mod">
+          <ac:chgData name="Andrie de Vries" userId="38bc69793eb5a597" providerId="LiveId" clId="{2CEA7A8A-E1D7-4D57-B7B5-DD3D91B7588E}" dt="2017-12-20T13:46:25.014" v="2497" actId="1076"/>
+          <ac:spMkLst>
+            <pc:docMk/>
+            <pc:sldMk cId="102100164" sldId="257"/>
+            <ac:spMk id="194" creationId="{9EDBC949-2074-44F9-9378-EF0A803C47E0}"/>
+          </ac:spMkLst>
+        </pc:spChg>
+        <pc:spChg chg="add mod">
+          <ac:chgData name="Andrie de Vries" userId="38bc69793eb5a597" providerId="LiveId" clId="{2CEA7A8A-E1D7-4D57-B7B5-DD3D91B7588E}" dt="2017-12-21T16:00:51.001" v="4952" actId="1076"/>
+          <ac:spMkLst>
+            <pc:docMk/>
+            <pc:sldMk cId="102100164" sldId="257"/>
+            <ac:spMk id="195" creationId="{3890997C-3426-4546-9D4E-AF7A4A77D619}"/>
+          </ac:spMkLst>
+        </pc:spChg>
+        <pc:spChg chg="add mod">
+          <ac:chgData name="Andrie de Vries" userId="38bc69793eb5a597" providerId="LiveId" clId="{2CEA7A8A-E1D7-4D57-B7B5-DD3D91B7588E}" dt="2017-12-21T16:00:51.001" v="4952" actId="1076"/>
+          <ac:spMkLst>
+            <pc:docMk/>
+            <pc:sldMk cId="102100164" sldId="257"/>
+            <ac:spMk id="196" creationId="{A66B198B-1112-4CCB-8C96-F805D5661150}"/>
+          </ac:spMkLst>
+        </pc:spChg>
+        <pc:spChg chg="add mod">
+          <ac:chgData name="Andrie de Vries" userId="38bc69793eb5a597" providerId="LiveId" clId="{2CEA7A8A-E1D7-4D57-B7B5-DD3D91B7588E}" dt="2017-12-21T16:00:58.962" v="4953" actId="1076"/>
+          <ac:spMkLst>
+            <pc:docMk/>
+            <pc:sldMk cId="102100164" sldId="257"/>
+            <ac:spMk id="197" creationId="{7019E19B-7726-4B6B-A332-6DD3ECBE8FE9}"/>
+          </ac:spMkLst>
+        </pc:spChg>
+        <pc:spChg chg="del mod">
+          <ac:chgData name="Andrie de Vries" userId="38bc69793eb5a597" providerId="LiveId" clId="{2CEA7A8A-E1D7-4D57-B7B5-DD3D91B7588E}" dt="2017-12-20T17:04:33.136" v="3516" actId="478"/>
+          <ac:spMkLst>
+            <pc:docMk/>
+            <pc:sldMk cId="102100164" sldId="257"/>
+            <ac:spMk id="198" creationId="{00000000-0000-0000-0000-000000000000}"/>
+          </ac:spMkLst>
+        </pc:spChg>
+        <pc:spChg chg="add mod">
+          <ac:chgData name="Andrie de Vries" userId="38bc69793eb5a597" providerId="LiveId" clId="{2CEA7A8A-E1D7-4D57-B7B5-DD3D91B7588E}" dt="2017-12-21T12:11:43.603" v="4721" actId="1036"/>
+          <ac:spMkLst>
+            <pc:docMk/>
+            <pc:sldMk cId="102100164" sldId="257"/>
+            <ac:spMk id="198" creationId="{13BEE9E0-1193-42F7-983D-176E676001DB}"/>
+          </ac:spMkLst>
+        </pc:spChg>
+        <pc:spChg chg="del mod">
+          <ac:chgData name="Andrie de Vries" userId="38bc69793eb5a597" providerId="LiveId" clId="{2CEA7A8A-E1D7-4D57-B7B5-DD3D91B7588E}" dt="2017-12-21T19:56:27.812" v="5051" actId="478"/>
+          <ac:spMkLst>
+            <pc:docMk/>
+            <pc:sldMk cId="102100164" sldId="257"/>
+            <ac:spMk id="199" creationId="{00000000-0000-0000-0000-000000000000}"/>
+          </ac:spMkLst>
+        </pc:spChg>
+        <pc:spChg chg="add mod">
+          <ac:chgData name="Andrie de Vries" userId="38bc69793eb5a597" providerId="LiveId" clId="{2CEA7A8A-E1D7-4D57-B7B5-DD3D91B7588E}" dt="2017-12-21T16:00:58.962" v="4953" actId="1076"/>
+          <ac:spMkLst>
+            <pc:docMk/>
+            <pc:sldMk cId="102100164" sldId="257"/>
+            <ac:spMk id="200" creationId="{3DF6CB42-4181-4032-8EAB-B0ED02D52124}"/>
+          </ac:spMkLst>
+        </pc:spChg>
+        <pc:spChg chg="add mod">
+          <ac:chgData name="Andrie de Vries" userId="38bc69793eb5a597" providerId="LiveId" clId="{2CEA7A8A-E1D7-4D57-B7B5-DD3D91B7588E}" dt="2017-12-21T16:01:04.165" v="4954" actId="1076"/>
+          <ac:spMkLst>
+            <pc:docMk/>
+            <pc:sldMk cId="102100164" sldId="257"/>
+            <ac:spMk id="201" creationId="{DDFC99B8-4573-4810-AB2F-793A5C310B84}"/>
+          </ac:spMkLst>
+        </pc:spChg>
+        <pc:spChg chg="add mod">
+          <ac:chgData name="Andrie de Vries" userId="38bc69793eb5a597" providerId="LiveId" clId="{2CEA7A8A-E1D7-4D57-B7B5-DD3D91B7588E}" dt="2017-12-21T16:01:04.165" v="4954" actId="1076"/>
+          <ac:spMkLst>
+            <pc:docMk/>
+            <pc:sldMk cId="102100164" sldId="257"/>
+            <ac:spMk id="202" creationId="{0394D10E-16CA-483D-918B-49EE82A63702}"/>
+          </ac:spMkLst>
+        </pc:spChg>
+        <pc:spChg chg="add mod">
+          <ac:chgData name="Andrie de Vries" userId="38bc69793eb5a597" providerId="LiveId" clId="{2CEA7A8A-E1D7-4D57-B7B5-DD3D91B7588E}" dt="2017-12-21T16:00:41.951" v="4951" actId="1076"/>
+          <ac:spMkLst>
+            <pc:docMk/>
+            <pc:sldMk cId="102100164" sldId="257"/>
+            <ac:spMk id="204" creationId="{DEC82CCD-DFF4-4401-B82C-0C0F103A854D}"/>
+          </ac:spMkLst>
+        </pc:spChg>
+        <pc:spChg chg="add mod">
+          <ac:chgData name="Andrie de Vries" userId="38bc69793eb5a597" providerId="LiveId" clId="{2CEA7A8A-E1D7-4D57-B7B5-DD3D91B7588E}" dt="2017-12-21T16:01:10.202" v="4955" actId="1076"/>
+          <ac:spMkLst>
+            <pc:docMk/>
+            <pc:sldMk cId="102100164" sldId="257"/>
+            <ac:spMk id="205" creationId="{8F1FD319-8A64-411F-BB1C-FF6DD9BB9C99}"/>
+          </ac:spMkLst>
+        </pc:spChg>
+        <pc:spChg chg="add mod">
+          <ac:chgData name="Andrie de Vries" userId="38bc69793eb5a597" providerId="LiveId" clId="{2CEA7A8A-E1D7-4D57-B7B5-DD3D91B7588E}" dt="2017-12-21T16:01:10.202" v="4955" actId="1076"/>
+          <ac:spMkLst>
+            <pc:docMk/>
+            <pc:sldMk cId="102100164" sldId="257"/>
+            <ac:spMk id="206" creationId="{2969C9C7-F676-4767-B0B6-9642E444D034}"/>
+          </ac:spMkLst>
+        </pc:spChg>
+        <pc:spChg chg="add mod">
+          <ac:chgData name="Andrie de Vries" userId="38bc69793eb5a597" providerId="LiveId" clId="{2CEA7A8A-E1D7-4D57-B7B5-DD3D91B7588E}" dt="2017-12-21T12:16:07.082" v="4826" actId="1037"/>
+          <ac:spMkLst>
+            <pc:docMk/>
+            <pc:sldMk cId="102100164" sldId="257"/>
+            <ac:spMk id="207" creationId="{B96BA7AF-1FB8-41F2-AFF7-AE5C0AA5584D}"/>
+          </ac:spMkLst>
+        </pc:spChg>
+        <pc:spChg chg="add mod">
+          <ac:chgData name="Andrie de Vries" userId="38bc69793eb5a597" providerId="LiveId" clId="{2CEA7A8A-E1D7-4D57-B7B5-DD3D91B7588E}" dt="2017-12-21T14:01:00.381" v="4873" actId="20577"/>
+          <ac:spMkLst>
+            <pc:docMk/>
+            <pc:sldMk cId="102100164" sldId="257"/>
+            <ac:spMk id="208" creationId="{01EF1BAF-9917-4B00-8670-D285A44290D0}"/>
+          </ac:spMkLst>
+        </pc:spChg>
+        <pc:spChg chg="add mod">
+          <ac:chgData name="Andrie de Vries" userId="38bc69793eb5a597" providerId="LiveId" clId="{2CEA7A8A-E1D7-4D57-B7B5-DD3D91B7588E}" dt="2017-12-21T15:59:26.423" v="4948" actId="1036"/>
+          <ac:spMkLst>
+            <pc:docMk/>
+            <pc:sldMk cId="102100164" sldId="257"/>
+            <ac:spMk id="209" creationId="{4F732C03-7A26-402E-9191-CFDFB094B31C}"/>
+          </ac:spMkLst>
+        </pc:spChg>
+        <pc:spChg chg="add mod">
+          <ac:chgData name="Andrie de Vries" userId="38bc69793eb5a597" providerId="LiveId" clId="{2CEA7A8A-E1D7-4D57-B7B5-DD3D91B7588E}" dt="2017-12-21T15:59:28.685" v="4949" actId="6549"/>
+          <ac:spMkLst>
+            <pc:docMk/>
+            <pc:sldMk cId="102100164" sldId="257"/>
+            <ac:spMk id="210" creationId="{ED37CFA7-AF86-4E6F-B3ED-AE257CCC4C02}"/>
+          </ac:spMkLst>
+        </pc:spChg>
+        <pc:spChg chg="add mod">
+          <ac:chgData name="Andrie de Vries" userId="38bc69793eb5a597" providerId="LiveId" clId="{2CEA7A8A-E1D7-4D57-B7B5-DD3D91B7588E}" dt="2017-12-21T12:16:07.082" v="4826" actId="1037"/>
+          <ac:spMkLst>
+            <pc:docMk/>
+            <pc:sldMk cId="102100164" sldId="257"/>
+            <ac:spMk id="211" creationId="{D8936A5D-7840-46D0-923B-23C521337031}"/>
+          </ac:spMkLst>
+        </pc:spChg>
+        <pc:spChg chg="add mod">
+          <ac:chgData name="Andrie de Vries" userId="38bc69793eb5a597" providerId="LiveId" clId="{2CEA7A8A-E1D7-4D57-B7B5-DD3D91B7588E}" dt="2017-12-21T14:01:09.275" v="4877" actId="6549"/>
+          <ac:spMkLst>
+            <pc:docMk/>
+            <pc:sldMk cId="102100164" sldId="257"/>
+            <ac:spMk id="212" creationId="{CD8EB881-FAF5-4EAE-8DFE-A0777639C8DA}"/>
+          </ac:spMkLst>
+        </pc:spChg>
+        <pc:spChg chg="add mod">
+          <ac:chgData name="Andrie de Vries" userId="38bc69793eb5a597" providerId="LiveId" clId="{2CEA7A8A-E1D7-4D57-B7B5-DD3D91B7588E}" dt="2017-12-20T15:53:45.867" v="2663" actId="20577"/>
+          <ac:spMkLst>
+            <pc:docMk/>
+            <pc:sldMk cId="102100164" sldId="257"/>
+            <ac:spMk id="213" creationId="{C00A73D9-0980-4982-AA90-E994586AD51B}"/>
+          </ac:spMkLst>
+        </pc:spChg>
+        <pc:spChg chg="add mod ord">
+          <ac:chgData name="Andrie de Vries" userId="38bc69793eb5a597" providerId="LiveId" clId="{2CEA7A8A-E1D7-4D57-B7B5-DD3D91B7588E}" dt="2017-12-20T17:04:18.597" v="3515" actId="167"/>
+          <ac:spMkLst>
+            <pc:docMk/>
+            <pc:sldMk cId="102100164" sldId="257"/>
+            <ac:spMk id="214" creationId="{41A2F129-A605-4872-B66A-DE9771F13B2B}"/>
+          </ac:spMkLst>
+        </pc:spChg>
+        <pc:spChg chg="add del mod">
+          <ac:chgData name="Andrie de Vries" userId="38bc69793eb5a597" providerId="LiveId" clId="{2CEA7A8A-E1D7-4D57-B7B5-DD3D91B7588E}" dt="2017-12-20T16:06:11.932" v="2763" actId="478"/>
+          <ac:spMkLst>
+            <pc:docMk/>
+            <pc:sldMk cId="102100164" sldId="257"/>
+            <ac:spMk id="214" creationId="{A7675372-2418-40AA-A151-156FC88F56BA}"/>
+          </ac:spMkLst>
+        </pc:spChg>
+        <pc:spChg chg="add mod">
+          <ac:chgData name="Andrie de Vries" userId="38bc69793eb5a597" providerId="LiveId" clId="{2CEA7A8A-E1D7-4D57-B7B5-DD3D91B7588E}" dt="2017-12-20T15:53:33.367" v="2640" actId="571"/>
+          <ac:spMkLst>
+            <pc:docMk/>
+            <pc:sldMk cId="102100164" sldId="257"/>
+            <ac:spMk id="215" creationId="{56FF42A1-43E3-4A52-AC1A-AB45D863EF60}"/>
+          </ac:spMkLst>
+        </pc:spChg>
+        <pc:spChg chg="add mod">
+          <ac:chgData name="Andrie de Vries" userId="38bc69793eb5a597" providerId="LiveId" clId="{2CEA7A8A-E1D7-4D57-B7B5-DD3D91B7588E}" dt="2017-12-20T15:54:09.451" v="2688" actId="20577"/>
+          <ac:spMkLst>
+            <pc:docMk/>
+            <pc:sldMk cId="102100164" sldId="257"/>
+            <ac:spMk id="216" creationId="{59E867AB-779A-42DA-B587-E1E3CDCA3D45}"/>
+          </ac:spMkLst>
+        </pc:spChg>
+        <pc:spChg chg="add mod">
+          <ac:chgData name="Andrie de Vries" userId="38bc69793eb5a597" providerId="LiveId" clId="{2CEA7A8A-E1D7-4D57-B7B5-DD3D91B7588E}" dt="2017-12-21T11:52:15.009" v="4305" actId="20577"/>
+          <ac:spMkLst>
+            <pc:docMk/>
+            <pc:sldMk cId="102100164" sldId="257"/>
+            <ac:spMk id="217" creationId="{C44C7F26-2681-4713-A164-20570E82053A}"/>
+          </ac:spMkLst>
+        </pc:spChg>
+        <pc:spChg chg="add mod">
+          <ac:chgData name="Andrie de Vries" userId="38bc69793eb5a597" providerId="LiveId" clId="{2CEA7A8A-E1D7-4D57-B7B5-DD3D91B7588E}" dt="2017-12-21T12:11:56.174" v="4725" actId="1036"/>
+          <ac:spMkLst>
+            <pc:docMk/>
+            <pc:sldMk cId="102100164" sldId="257"/>
+            <ac:spMk id="218" creationId="{D07D74E1-96B9-459F-98C0-3D889CBC3C35}"/>
+          </ac:spMkLst>
+        </pc:spChg>
+        <pc:spChg chg="add mod">
+          <ac:chgData name="Andrie de Vries" userId="38bc69793eb5a597" providerId="LiveId" clId="{2CEA7A8A-E1D7-4D57-B7B5-DD3D91B7588E}" dt="2017-12-21T12:11:56.174" v="4725" actId="1036"/>
+          <ac:spMkLst>
+            <pc:docMk/>
+            <pc:sldMk cId="102100164" sldId="257"/>
+            <ac:spMk id="219" creationId="{21C7A5DB-67B2-40E8-ABBD-214FB23774A7}"/>
+          </ac:spMkLst>
+        </pc:spChg>
+        <pc:spChg chg="add mod ord">
+          <ac:chgData name="Andrie de Vries" userId="38bc69793eb5a597" providerId="LiveId" clId="{2CEA7A8A-E1D7-4D57-B7B5-DD3D91B7588E}" dt="2017-12-20T23:20:58.280" v="3917" actId="108"/>
+          <ac:spMkLst>
+            <pc:docMk/>
+            <pc:sldMk cId="102100164" sldId="257"/>
+            <ac:spMk id="220" creationId="{7309FCFF-89AC-4425-B7F7-D1D7BC5BC6BC}"/>
+          </ac:spMkLst>
+        </pc:spChg>
+        <pc:spChg chg="add mod ord">
+          <ac:chgData name="Andrie de Vries" userId="38bc69793eb5a597" providerId="LiveId" clId="{2CEA7A8A-E1D7-4D57-B7B5-DD3D91B7588E}" dt="2017-12-21T12:12:58.678" v="4765" actId="1035"/>
+          <ac:spMkLst>
+            <pc:docMk/>
+            <pc:sldMk cId="102100164" sldId="257"/>
+            <ac:spMk id="221" creationId="{0ECE7E50-8A9A-4B8C-9DB5-2910C08A8710}"/>
+          </ac:spMkLst>
+        </pc:spChg>
+        <pc:spChg chg="add mod ord">
+          <ac:chgData name="Andrie de Vries" userId="38bc69793eb5a597" providerId="LiveId" clId="{2CEA7A8A-E1D7-4D57-B7B5-DD3D91B7588E}" dt="2017-12-20T17:04:18.597" v="3515" actId="167"/>
+          <ac:spMkLst>
+            <pc:docMk/>
+            <pc:sldMk cId="102100164" sldId="257"/>
+            <ac:spMk id="222" creationId="{2DA647B8-4D68-4065-8AF0-9B6368E4730F}"/>
+          </ac:spMkLst>
+        </pc:spChg>
+        <pc:spChg chg="add mod ord">
+          <ac:chgData name="Andrie de Vries" userId="38bc69793eb5a597" providerId="LiveId" clId="{2CEA7A8A-E1D7-4D57-B7B5-DD3D91B7588E}" dt="2017-12-21T15:59:26.423" v="4948" actId="1036"/>
+          <ac:spMkLst>
+            <pc:docMk/>
+            <pc:sldMk cId="102100164" sldId="257"/>
+            <ac:spMk id="223" creationId="{5E5B4460-F11E-49BB-BDD8-42DDBC793812}"/>
+          </ac:spMkLst>
+        </pc:spChg>
+        <pc:spChg chg="add mod ord">
+          <ac:chgData name="Andrie de Vries" userId="38bc69793eb5a597" providerId="LiveId" clId="{2CEA7A8A-E1D7-4D57-B7B5-DD3D91B7588E}" dt="2017-12-21T12:13:49.231" v="4768" actId="1076"/>
+          <ac:spMkLst>
+            <pc:docMk/>
+            <pc:sldMk cId="102100164" sldId="257"/>
+            <ac:spMk id="224" creationId="{6B3F8B79-AF6B-414D-B0A1-2EA82142ABD7}"/>
+          </ac:spMkLst>
+        </pc:spChg>
+        <pc:spChg chg="add mod ord">
+          <ac:chgData name="Andrie de Vries" userId="38bc69793eb5a597" providerId="LiveId" clId="{2CEA7A8A-E1D7-4D57-B7B5-DD3D91B7588E}" dt="2017-12-21T12:11:56.174" v="4725" actId="1036"/>
+          <ac:spMkLst>
+            <pc:docMk/>
+            <pc:sldMk cId="102100164" sldId="257"/>
+            <ac:spMk id="225" creationId="{F385EA7B-ED21-4AE4-B2B4-B4AEA7A23219}"/>
+          </ac:spMkLst>
+        </pc:spChg>
+        <pc:spChg chg="add mod">
+          <ac:chgData name="Andrie de Vries" userId="38bc69793eb5a597" providerId="LiveId" clId="{2CEA7A8A-E1D7-4D57-B7B5-DD3D91B7588E}" dt="2017-12-21T12:11:43.603" v="4721" actId="1036"/>
+          <ac:spMkLst>
+            <pc:docMk/>
+            <pc:sldMk cId="102100164" sldId="257"/>
+            <ac:spMk id="226" creationId="{4C62863D-9C3E-44B8-86D3-324E5E5603C0}"/>
+          </ac:spMkLst>
+        </pc:spChg>
+        <pc:spChg chg="add mod">
+          <ac:chgData name="Andrie de Vries" userId="38bc69793eb5a597" providerId="LiveId" clId="{2CEA7A8A-E1D7-4D57-B7B5-DD3D91B7588E}" dt="2017-12-21T14:00:30.812" v="4863" actId="6549"/>
+          <ac:spMkLst>
+            <pc:docMk/>
+            <pc:sldMk cId="102100164" sldId="257"/>
+            <ac:spMk id="227" creationId="{FF3F30CC-F1A0-4696-B926-70690B9F503F}"/>
+          </ac:spMkLst>
+        </pc:spChg>
+        <pc:spChg chg="add mod">
+          <ac:chgData name="Andrie de Vries" userId="38bc69793eb5a597" providerId="LiveId" clId="{2CEA7A8A-E1D7-4D57-B7B5-DD3D91B7588E}" dt="2017-12-20T23:08:05.439" v="3702" actId="1076"/>
+          <ac:spMkLst>
+            <pc:docMk/>
+            <pc:sldMk cId="102100164" sldId="257"/>
+            <ac:spMk id="228" creationId="{17CF30CA-41A4-4F8F-A3F0-17CAD3AD836E}"/>
+          </ac:spMkLst>
+        </pc:spChg>
+        <pc:spChg chg="add mod">
+          <ac:chgData name="Andrie de Vries" userId="38bc69793eb5a597" providerId="LiveId" clId="{2CEA7A8A-E1D7-4D57-B7B5-DD3D91B7588E}" dt="2017-12-20T23:08:05.439" v="3702" actId="1076"/>
+          <ac:spMkLst>
+            <pc:docMk/>
+            <pc:sldMk cId="102100164" sldId="257"/>
+            <ac:spMk id="229" creationId="{DB79AD48-5264-48B9-BD29-D17C9B51C824}"/>
+          </ac:spMkLst>
+        </pc:spChg>
+        <pc:spChg chg="add mod">
+          <ac:chgData name="Andrie de Vries" userId="38bc69793eb5a597" providerId="LiveId" clId="{2CEA7A8A-E1D7-4D57-B7B5-DD3D91B7588E}" dt="2017-12-20T23:08:05.439" v="3702" actId="1076"/>
+          <ac:spMkLst>
+            <pc:docMk/>
+            <pc:sldMk cId="102100164" sldId="257"/>
+            <ac:spMk id="230" creationId="{6DDC1A49-F0AC-4544-8B66-0890C954AA4F}"/>
+          </ac:spMkLst>
+        </pc:spChg>
+        <pc:spChg chg="add mod">
+          <ac:chgData name="Andrie de Vries" userId="38bc69793eb5a597" providerId="LiveId" clId="{2CEA7A8A-E1D7-4D57-B7B5-DD3D91B7588E}" dt="2017-12-20T23:08:05.439" v="3702" actId="1076"/>
+          <ac:spMkLst>
+            <pc:docMk/>
+            <pc:sldMk cId="102100164" sldId="257"/>
+            <ac:spMk id="231" creationId="{C19BA4BD-B682-4C1F-ABF5-19BBC64F65A7}"/>
+          </ac:spMkLst>
+        </pc:spChg>
+        <pc:spChg chg="add mod">
+          <ac:chgData name="Andrie de Vries" userId="38bc69793eb5a597" providerId="LiveId" clId="{2CEA7A8A-E1D7-4D57-B7B5-DD3D91B7588E}" dt="2017-12-20T23:08:05.439" v="3702" actId="1076"/>
+          <ac:spMkLst>
+            <pc:docMk/>
+            <pc:sldMk cId="102100164" sldId="257"/>
+            <ac:spMk id="232" creationId="{F389C65F-A227-4876-8533-E8BC2B956135}"/>
+          </ac:spMkLst>
+        </pc:spChg>
+        <pc:spChg chg="add mod">
+          <ac:chgData name="Andrie de Vries" userId="38bc69793eb5a597" providerId="LiveId" clId="{2CEA7A8A-E1D7-4D57-B7B5-DD3D91B7588E}" dt="2017-12-20T23:08:05.439" v="3702" actId="1076"/>
+          <ac:spMkLst>
+            <pc:docMk/>
+            <pc:sldMk cId="102100164" sldId="257"/>
+            <ac:spMk id="233" creationId="{58CA4A23-EF3F-44E2-BE80-6B225E5CDF92}"/>
+          </ac:spMkLst>
+        </pc:spChg>
+        <pc:spChg chg="add mod">
+          <ac:chgData name="Andrie de Vries" userId="38bc69793eb5a597" providerId="LiveId" clId="{2CEA7A8A-E1D7-4D57-B7B5-DD3D91B7588E}" dt="2017-12-20T23:09:00.109" v="3741" actId="1035"/>
+          <ac:spMkLst>
+            <pc:docMk/>
+            <pc:sldMk cId="102100164" sldId="257"/>
+            <ac:spMk id="236" creationId="{B1CEC21C-7350-4523-B90A-C24081CE0AD1}"/>
+          </ac:spMkLst>
+        </pc:spChg>
+        <pc:spChg chg="add mod">
+          <ac:chgData name="Andrie de Vries" userId="38bc69793eb5a597" providerId="LiveId" clId="{2CEA7A8A-E1D7-4D57-B7B5-DD3D91B7588E}" dt="2017-12-20T23:09:00.109" v="3741" actId="1035"/>
+          <ac:spMkLst>
+            <pc:docMk/>
+            <pc:sldMk cId="102100164" sldId="257"/>
+            <ac:spMk id="237" creationId="{EC17D3F2-9525-485E-B48E-1FCF61143150}"/>
+          </ac:spMkLst>
+        </pc:spChg>
+        <pc:spChg chg="add mod">
+          <ac:chgData name="Andrie de Vries" userId="38bc69793eb5a597" providerId="LiveId" clId="{2CEA7A8A-E1D7-4D57-B7B5-DD3D91B7588E}" dt="2017-12-20T23:09:00.109" v="3741" actId="1035"/>
+          <ac:spMkLst>
+            <pc:docMk/>
+            <pc:sldMk cId="102100164" sldId="257"/>
+            <ac:spMk id="238" creationId="{0DA8A561-BEFC-4187-A552-2E3D047E1BBC}"/>
+          </ac:spMkLst>
+        </pc:spChg>
+        <pc:spChg chg="add mod">
+          <ac:chgData name="Andrie de Vries" userId="38bc69793eb5a597" providerId="LiveId" clId="{2CEA7A8A-E1D7-4D57-B7B5-DD3D91B7588E}" dt="2017-12-20T23:09:42.258" v="3759" actId="1036"/>
+          <ac:spMkLst>
+            <pc:docMk/>
+            <pc:sldMk cId="102100164" sldId="257"/>
+            <ac:spMk id="239" creationId="{FE93D30A-E255-409E-86F8-310345CBF17C}"/>
+          </ac:spMkLst>
+        </pc:spChg>
+        <pc:spChg chg="add mod">
+          <ac:chgData name="Andrie de Vries" userId="38bc69793eb5a597" providerId="LiveId" clId="{2CEA7A8A-E1D7-4D57-B7B5-DD3D91B7588E}" dt="2017-12-20T23:09:42.258" v="3759" actId="1036"/>
+          <ac:spMkLst>
+            <pc:docMk/>
+            <pc:sldMk cId="102100164" sldId="257"/>
+            <ac:spMk id="240" creationId="{10C50DC9-5D6B-4571-BF5A-07E841FFE15B}"/>
+          </ac:spMkLst>
+        </pc:spChg>
+        <pc:spChg chg="add mod">
+          <ac:chgData name="Andrie de Vries" userId="38bc69793eb5a597" providerId="LiveId" clId="{2CEA7A8A-E1D7-4D57-B7B5-DD3D91B7588E}" dt="2017-12-20T23:09:00.109" v="3741" actId="1035"/>
+          <ac:spMkLst>
+            <pc:docMk/>
+            <pc:sldMk cId="102100164" sldId="257"/>
+            <ac:spMk id="241" creationId="{1C19DB12-6BA8-473C-A7C3-E9804B3F8A45}"/>
+          </ac:spMkLst>
+        </pc:spChg>
+        <pc:spChg chg="del">
+          <ac:chgData name="Andrie de Vries" userId="38bc69793eb5a597" providerId="LiveId" clId="{2CEA7A8A-E1D7-4D57-B7B5-DD3D91B7588E}" dt="2017-12-20T13:32:51.011" v="2459" actId="478"/>
+          <ac:spMkLst>
+            <pc:docMk/>
+            <pc:sldMk cId="102100164" sldId="257"/>
+            <ac:spMk id="242" creationId="{00000000-0000-0000-0000-000000000000}"/>
+          </ac:spMkLst>
+        </pc:spChg>
+        <pc:spChg chg="add mod">
+          <ac:chgData name="Andrie de Vries" userId="38bc69793eb5a597" providerId="LiveId" clId="{2CEA7A8A-E1D7-4D57-B7B5-DD3D91B7588E}" dt="2017-12-21T15:59:14.012" v="4942" actId="1036"/>
+          <ac:spMkLst>
+            <pc:docMk/>
+            <pc:sldMk cId="102100164" sldId="257"/>
+            <ac:spMk id="244" creationId="{5214C115-BBA8-4A8E-A690-5521D6E897F4}"/>
+          </ac:spMkLst>
+        </pc:spChg>
+        <pc:spChg chg="add mod">
+          <ac:chgData name="Andrie de Vries" userId="38bc69793eb5a597" providerId="LiveId" clId="{2CEA7A8A-E1D7-4D57-B7B5-DD3D91B7588E}" dt="2017-12-21T15:59:14.012" v="4942" actId="1036"/>
+          <ac:spMkLst>
+            <pc:docMk/>
+            <pc:sldMk cId="102100164" sldId="257"/>
+            <ac:spMk id="245" creationId="{24DA4E5F-6598-4B17-BED4-494C6F6CEB11}"/>
+          </ac:spMkLst>
+        </pc:spChg>
+        <pc:spChg chg="add mod">
+          <ac:chgData name="Andrie de Vries" userId="38bc69793eb5a597" providerId="LiveId" clId="{2CEA7A8A-E1D7-4D57-B7B5-DD3D91B7588E}" dt="2017-12-21T15:59:14.012" v="4942" actId="1036"/>
+          <ac:spMkLst>
+            <pc:docMk/>
+            <pc:sldMk cId="102100164" sldId="257"/>
+            <ac:spMk id="246" creationId="{2883D69D-68DC-48E8-86D2-588ED155C2D2}"/>
+          </ac:spMkLst>
+        </pc:spChg>
+        <pc:spChg chg="add mod">
+          <ac:chgData name="Andrie de Vries" userId="38bc69793eb5a597" providerId="LiveId" clId="{2CEA7A8A-E1D7-4D57-B7B5-DD3D91B7588E}" dt="2017-12-21T15:59:14.012" v="4942" actId="1036"/>
+          <ac:spMkLst>
+            <pc:docMk/>
+            <pc:sldMk cId="102100164" sldId="257"/>
+            <ac:spMk id="247" creationId="{2A197C2E-FF60-4B5B-BB1F-22A096D7CAD1}"/>
+          </ac:spMkLst>
+        </pc:spChg>
+        <pc:spChg chg="add mod">
+          <ac:chgData name="Andrie de Vries" userId="38bc69793eb5a597" providerId="LiveId" clId="{2CEA7A8A-E1D7-4D57-B7B5-DD3D91B7588E}" dt="2017-12-21T15:59:14.012" v="4942" actId="1036"/>
+          <ac:spMkLst>
+            <pc:docMk/>
+            <pc:sldMk cId="102100164" sldId="257"/>
+            <ac:spMk id="248" creationId="{1F3D2547-BE47-4C4E-9DF7-7BCCAA0D7BBD}"/>
+          </ac:spMkLst>
+        </pc:spChg>
+        <pc:spChg chg="add mod">
+          <ac:chgData name="Andrie de Vries" userId="38bc69793eb5a597" providerId="LiveId" clId="{2CEA7A8A-E1D7-4D57-B7B5-DD3D91B7588E}" dt="2017-12-21T15:59:14.012" v="4942" actId="1036"/>
+          <ac:spMkLst>
+            <pc:docMk/>
+            <pc:sldMk cId="102100164" sldId="257"/>
+            <ac:spMk id="249" creationId="{93A76AD9-80AC-4794-B62A-107EED71FFC1}"/>
+          </ac:spMkLst>
+        </pc:spChg>
+        <pc:spChg chg="add mod">
+          <ac:chgData name="Andrie de Vries" userId="38bc69793eb5a597" providerId="LiveId" clId="{2CEA7A8A-E1D7-4D57-B7B5-DD3D91B7588E}" dt="2017-12-21T12:10:13.223" v="4655" actId="1076"/>
+          <ac:spMkLst>
+            <pc:docMk/>
+            <pc:sldMk cId="102100164" sldId="257"/>
+            <ac:spMk id="250" creationId="{34AB2DB4-CBFD-46D4-972E-12BB42244C7E}"/>
+          </ac:spMkLst>
+        </pc:spChg>
+        <pc:spChg chg="add mod">
+          <ac:chgData name="Andrie de Vries" userId="38bc69793eb5a597" providerId="LiveId" clId="{2CEA7A8A-E1D7-4D57-B7B5-DD3D91B7588E}" dt="2017-12-21T12:08:37.917" v="4636" actId="1035"/>
+          <ac:spMkLst>
+            <pc:docMk/>
+            <pc:sldMk cId="102100164" sldId="257"/>
+            <ac:spMk id="251" creationId="{DA797AF6-6D3B-41AC-8EEB-CD5E0625D630}"/>
+          </ac:spMkLst>
+        </pc:spChg>
+        <pc:spChg chg="add del mod">
+          <ac:chgData name="Andrie de Vries" userId="38bc69793eb5a597" providerId="LiveId" clId="{2CEA7A8A-E1D7-4D57-B7B5-DD3D91B7588E}" dt="2017-12-21T12:11:08.601" v="4702" actId="478"/>
+          <ac:spMkLst>
+            <pc:docMk/>
+            <pc:sldMk cId="102100164" sldId="257"/>
+            <ac:spMk id="252" creationId="{806ED13E-C7BC-47D4-9039-DBE1147F1365}"/>
+          </ac:spMkLst>
+        </pc:spChg>
+        <pc:spChg chg="add mod">
+          <ac:chgData name="Andrie de Vries" userId="38bc69793eb5a597" providerId="LiveId" clId="{2CEA7A8A-E1D7-4D57-B7B5-DD3D91B7588E}" dt="2017-12-21T14:01:43.809" v="4879" actId="113"/>
+          <ac:spMkLst>
+            <pc:docMk/>
+            <pc:sldMk cId="102100164" sldId="257"/>
+            <ac:spMk id="253" creationId="{F1CF8700-981A-44B6-8F96-1941DCF324B9}"/>
+          </ac:spMkLst>
+        </pc:spChg>
+        <pc:spChg chg="add mod">
+          <ac:chgData name="Andrie de Vries" userId="38bc69793eb5a597" providerId="LiveId" clId="{2CEA7A8A-E1D7-4D57-B7B5-DD3D91B7588E}" dt="2017-12-21T12:11:26.124" v="4709" actId="1036"/>
+          <ac:spMkLst>
+            <pc:docMk/>
+            <pc:sldMk cId="102100164" sldId="257"/>
+            <ac:spMk id="254" creationId="{0AA2894E-01D2-4F93-88D6-222C6E198B9B}"/>
+          </ac:spMkLst>
+        </pc:spChg>
+        <pc:spChg chg="add del mod">
+          <ac:chgData name="Andrie de Vries" userId="38bc69793eb5a597" providerId="LiveId" clId="{2CEA7A8A-E1D7-4D57-B7B5-DD3D91B7588E}" dt="2017-12-21T12:11:08.601" v="4702" actId="478"/>
+          <ac:spMkLst>
+            <pc:docMk/>
+            <pc:sldMk cId="102100164" sldId="257"/>
+            <ac:spMk id="255" creationId="{CB1F0D4B-3E72-4CFB-91A0-7373495897D7}"/>
+          </ac:spMkLst>
+        </pc:spChg>
+        <pc:spChg chg="add mod">
+          <ac:chgData name="Andrie de Vries" userId="38bc69793eb5a597" providerId="LiveId" clId="{2CEA7A8A-E1D7-4D57-B7B5-DD3D91B7588E}" dt="2017-12-21T12:11:26.124" v="4709" actId="1036"/>
+          <ac:spMkLst>
+            <pc:docMk/>
+            <pc:sldMk cId="102100164" sldId="257"/>
+            <ac:spMk id="256" creationId="{89ABD04A-6626-4B16-9D9C-44F51655FEEA}"/>
+          </ac:spMkLst>
+        </pc:spChg>
+        <pc:spChg chg="del">
+          <ac:chgData name="Andrie de Vries" userId="38bc69793eb5a597" providerId="LiveId" clId="{2CEA7A8A-E1D7-4D57-B7B5-DD3D91B7588E}" dt="2017-12-20T16:47:01.252" v="3037" actId="478"/>
+          <ac:spMkLst>
+            <pc:docMk/>
+            <pc:sldMk cId="102100164" sldId="257"/>
+            <ac:spMk id="256" creationId="{00000000-0000-0000-0000-000000000000}"/>
+          </ac:spMkLst>
+        </pc:spChg>
+        <pc:spChg chg="add del mod">
+          <ac:chgData name="Andrie de Vries" userId="38bc69793eb5a597" providerId="LiveId" clId="{2CEA7A8A-E1D7-4D57-B7B5-DD3D91B7588E}" dt="2017-12-21T12:08:53.491" v="4645" actId="478"/>
+          <ac:spMkLst>
+            <pc:docMk/>
+            <pc:sldMk cId="102100164" sldId="257"/>
+            <ac:spMk id="257" creationId="{742AA2C7-E388-4498-ADB9-28BABA9C85C4}"/>
+          </ac:spMkLst>
+        </pc:spChg>
+        <pc:spChg chg="add mod">
+          <ac:chgData name="Andrie de Vries" userId="38bc69793eb5a597" providerId="LiveId" clId="{2CEA7A8A-E1D7-4D57-B7B5-DD3D91B7588E}" dt="2017-12-21T12:10:52.649" v="4691" actId="6549"/>
+          <ac:spMkLst>
+            <pc:docMk/>
+            <pc:sldMk cId="102100164" sldId="257"/>
+            <ac:spMk id="258" creationId="{28E1174C-8B53-4CB8-881C-9CB22DC13AE0}"/>
+          </ac:spMkLst>
+        </pc:spChg>
+        <pc:spChg chg="add mod">
+          <ac:chgData name="Andrie de Vries" userId="38bc69793eb5a597" providerId="LiveId" clId="{2CEA7A8A-E1D7-4D57-B7B5-DD3D91B7588E}" dt="2017-12-21T12:11:30.391" v="4712" actId="1036"/>
+          <ac:spMkLst>
+            <pc:docMk/>
+            <pc:sldMk cId="102100164" sldId="257"/>
+            <ac:spMk id="259" creationId="{81E4E75D-AC60-4F62-8275-A05BA217F355}"/>
           </ac:spMkLst>
         </pc:spChg>
         <pc:spChg chg="del">
@@ -3314,15 +4170,7 @@
           <ac:spMkLst>
             <pc:docMk/>
             <pc:sldMk cId="102100164" sldId="257"/>
-            <ac:spMk id="172" creationId="{9F02F3D9-1A9A-4D6B-B1F7-BA2FE6491352}"/>
-          </ac:spMkLst>
-        </pc:spChg>
-        <pc:spChg chg="add mod">
-          <ac:chgData name="Andrie de Vries" userId="38bc69793eb5a597" providerId="LiveId" clId="{2CEA7A8A-E1D7-4D57-B7B5-DD3D91B7588E}" dt="2017-12-21T12:15:00.013" v="4789" actId="1037"/>
-          <ac:spMkLst>
-            <pc:docMk/>
-            <pc:sldMk cId="102100164" sldId="257"/>
-            <ac:spMk id="172" creationId="{425A0749-A68D-49D5-B09D-433885FEABAB}"/>
+            <ac:spMk id="263" creationId="{00000000-0000-0000-0000-000000000000}"/>
           </ac:spMkLst>
         </pc:spChg>
         <pc:spChg chg="del">
@@ -3330,31 +4178,7 @@
           <ac:spMkLst>
             <pc:docMk/>
             <pc:sldMk cId="102100164" sldId="257"/>
-            <ac:spMk id="173" creationId="{4C501901-917F-42FA-AF37-4B13C43E3EEE}"/>
-          </ac:spMkLst>
-        </pc:spChg>
-        <pc:spChg chg="add mod">
-          <ac:chgData name="Andrie de Vries" userId="38bc69793eb5a597" providerId="LiveId" clId="{2CEA7A8A-E1D7-4D57-B7B5-DD3D91B7588E}" dt="2017-12-21T12:15:00.013" v="4789" actId="1037"/>
-          <ac:spMkLst>
-            <pc:docMk/>
-            <pc:sldMk cId="102100164" sldId="257"/>
-            <ac:spMk id="173" creationId="{D36BA3CF-DD03-437C-8157-F959390AA0FE}"/>
-          </ac:spMkLst>
-        </pc:spChg>
-        <pc:spChg chg="add mod">
-          <ac:chgData name="Andrie de Vries" userId="38bc69793eb5a597" providerId="LiveId" clId="{2CEA7A8A-E1D7-4D57-B7B5-DD3D91B7588E}" dt="2017-12-21T12:15:00.013" v="4789" actId="1037"/>
-          <ac:spMkLst>
-            <pc:docMk/>
-            <pc:sldMk cId="102100164" sldId="257"/>
-            <ac:spMk id="174" creationId="{7BF04B3B-8E89-4C51-BD95-9AF7682C2CF5}"/>
-          </ac:spMkLst>
-        </pc:spChg>
-        <pc:spChg chg="add mod">
-          <ac:chgData name="Andrie de Vries" userId="38bc69793eb5a597" providerId="LiveId" clId="{2CEA7A8A-E1D7-4D57-B7B5-DD3D91B7588E}" dt="2017-12-21T12:15:00.013" v="4789" actId="1037"/>
-          <ac:spMkLst>
-            <pc:docMk/>
-            <pc:sldMk cId="102100164" sldId="257"/>
-            <ac:spMk id="175" creationId="{3A6E8FE6-4FFC-446F-B195-568A78D56E9C}"/>
+            <ac:spMk id="264" creationId="{00000000-0000-0000-0000-000000000000}"/>
           </ac:spMkLst>
         </pc:spChg>
         <pc:spChg chg="del">
@@ -3362,7 +4186,7 @@
           <ac:spMkLst>
             <pc:docMk/>
             <pc:sldMk cId="102100164" sldId="257"/>
-            <ac:spMk id="175" creationId="{25D0D6A3-24C4-4E13-8937-C80E00B2A631}"/>
+            <ac:spMk id="265" creationId="{00000000-0000-0000-0000-000000000000}"/>
           </ac:spMkLst>
         </pc:spChg>
         <pc:spChg chg="del">
@@ -3370,679 +4194,7 @@
           <ac:spMkLst>
             <pc:docMk/>
             <pc:sldMk cId="102100164" sldId="257"/>
-            <ac:spMk id="176" creationId="{4CB6339D-0B1F-499E-90B0-25F8E4EB8145}"/>
-          </ac:spMkLst>
-        </pc:spChg>
-        <pc:spChg chg="add mod">
-          <ac:chgData name="Andrie de Vries" userId="38bc69793eb5a597" providerId="LiveId" clId="{2CEA7A8A-E1D7-4D57-B7B5-DD3D91B7588E}" dt="2017-12-21T12:15:00.013" v="4789" actId="1037"/>
-          <ac:spMkLst>
-            <pc:docMk/>
-            <pc:sldMk cId="102100164" sldId="257"/>
-            <ac:spMk id="176" creationId="{4B122F1B-EFEF-44FF-967A-C119CEF49D6C}"/>
-          </ac:spMkLst>
-        </pc:spChg>
-        <pc:spChg chg="add mod">
-          <ac:chgData name="Andrie de Vries" userId="38bc69793eb5a597" providerId="LiveId" clId="{2CEA7A8A-E1D7-4D57-B7B5-DD3D91B7588E}" dt="2017-12-21T12:15:00.013" v="4789" actId="1037"/>
-          <ac:spMkLst>
-            <pc:docMk/>
-            <pc:sldMk cId="102100164" sldId="257"/>
-            <ac:spMk id="177" creationId="{0C6D2A08-55EF-45B7-B881-0135A16E644B}"/>
-          </ac:spMkLst>
-        </pc:spChg>
-        <pc:spChg chg="add mod">
-          <ac:chgData name="Andrie de Vries" userId="38bc69793eb5a597" providerId="LiveId" clId="{2CEA7A8A-E1D7-4D57-B7B5-DD3D91B7588E}" dt="2017-12-21T12:15:00.013" v="4789" actId="1037"/>
-          <ac:spMkLst>
-            <pc:docMk/>
-            <pc:sldMk cId="102100164" sldId="257"/>
-            <ac:spMk id="178" creationId="{28B3F012-6419-4EB3-AC0A-56548C849900}"/>
-          </ac:spMkLst>
-        </pc:spChg>
-        <pc:spChg chg="add mod">
-          <ac:chgData name="Andrie de Vries" userId="38bc69793eb5a597" providerId="LiveId" clId="{2CEA7A8A-E1D7-4D57-B7B5-DD3D91B7588E}" dt="2017-12-21T12:15:00.013" v="4789" actId="1037"/>
-          <ac:spMkLst>
-            <pc:docMk/>
-            <pc:sldMk cId="102100164" sldId="257"/>
-            <ac:spMk id="179" creationId="{0D430DD3-AD73-4283-9269-C8F126DE15FD}"/>
-          </ac:spMkLst>
-        </pc:spChg>
-        <pc:spChg chg="add mod">
-          <ac:chgData name="Andrie de Vries" userId="38bc69793eb5a597" providerId="LiveId" clId="{2CEA7A8A-E1D7-4D57-B7B5-DD3D91B7588E}" dt="2017-12-21T12:15:00.013" v="4789" actId="1037"/>
-          <ac:spMkLst>
-            <pc:docMk/>
-            <pc:sldMk cId="102100164" sldId="257"/>
-            <ac:spMk id="180" creationId="{29CFB865-E3C6-4BDB-9B4E-186B3DB01ABA}"/>
-          </ac:spMkLst>
-        </pc:spChg>
-        <pc:spChg chg="add mod">
-          <ac:chgData name="Andrie de Vries" userId="38bc69793eb5a597" providerId="LiveId" clId="{2CEA7A8A-E1D7-4D57-B7B5-DD3D91B7588E}" dt="2017-12-21T12:15:00.013" v="4789" actId="1037"/>
-          <ac:spMkLst>
-            <pc:docMk/>
-            <pc:sldMk cId="102100164" sldId="257"/>
-            <ac:spMk id="181" creationId="{DEB5CDFE-EB4E-4765-8843-6AB80F344601}"/>
-          </ac:spMkLst>
-        </pc:spChg>
-        <pc:spChg chg="add mod">
-          <ac:chgData name="Andrie de Vries" userId="38bc69793eb5a597" providerId="LiveId" clId="{2CEA7A8A-E1D7-4D57-B7B5-DD3D91B7588E}" dt="2017-12-21T12:15:22.265" v="4822" actId="1036"/>
-          <ac:spMkLst>
-            <pc:docMk/>
-            <pc:sldMk cId="102100164" sldId="257"/>
-            <ac:spMk id="182" creationId="{4BCE71EB-EB95-4FBA-BA6B-2FB4DDC72588}"/>
-          </ac:spMkLst>
-        </pc:spChg>
-        <pc:spChg chg="add mod">
-          <ac:chgData name="Andrie de Vries" userId="38bc69793eb5a597" providerId="LiveId" clId="{2CEA7A8A-E1D7-4D57-B7B5-DD3D91B7588E}" dt="2017-12-21T12:15:22.265" v="4822" actId="1036"/>
-          <ac:spMkLst>
-            <pc:docMk/>
-            <pc:sldMk cId="102100164" sldId="257"/>
-            <ac:spMk id="183" creationId="{403EB52B-A7F7-4D13-9EA1-11B5364D042D}"/>
-          </ac:spMkLst>
-        </pc:spChg>
-        <pc:spChg chg="add mod">
-          <ac:chgData name="Andrie de Vries" userId="38bc69793eb5a597" providerId="LiveId" clId="{2CEA7A8A-E1D7-4D57-B7B5-DD3D91B7588E}" dt="2017-12-21T12:15:22.265" v="4822" actId="1036"/>
-          <ac:spMkLst>
-            <pc:docMk/>
-            <pc:sldMk cId="102100164" sldId="257"/>
-            <ac:spMk id="184" creationId="{B7D6903A-6BB6-4E0F-B613-C6D2BC2D008D}"/>
-          </ac:spMkLst>
-        </pc:spChg>
-        <pc:spChg chg="add mod">
-          <ac:chgData name="Andrie de Vries" userId="38bc69793eb5a597" providerId="LiveId" clId="{2CEA7A8A-E1D7-4D57-B7B5-DD3D91B7588E}" dt="2017-12-21T12:15:22.265" v="4822" actId="1036"/>
-          <ac:spMkLst>
-            <pc:docMk/>
-            <pc:sldMk cId="102100164" sldId="257"/>
-            <ac:spMk id="185" creationId="{B4998B2C-8CCF-4006-95A4-8ED3A3259BB8}"/>
-          </ac:spMkLst>
-        </pc:spChg>
-        <pc:spChg chg="add mod">
-          <ac:chgData name="Andrie de Vries" userId="38bc69793eb5a597" providerId="LiveId" clId="{2CEA7A8A-E1D7-4D57-B7B5-DD3D91B7588E}" dt="2017-12-21T12:15:22.265" v="4822" actId="1036"/>
-          <ac:spMkLst>
-            <pc:docMk/>
-            <pc:sldMk cId="102100164" sldId="257"/>
-            <ac:spMk id="186" creationId="{DF4B17CE-7182-4A0A-8348-83AB98D24437}"/>
-          </ac:spMkLst>
-        </pc:spChg>
-        <pc:spChg chg="add mod">
-          <ac:chgData name="Andrie de Vries" userId="38bc69793eb5a597" providerId="LiveId" clId="{2CEA7A8A-E1D7-4D57-B7B5-DD3D91B7588E}" dt="2017-12-21T12:15:22.265" v="4822" actId="1036"/>
-          <ac:spMkLst>
-            <pc:docMk/>
-            <pc:sldMk cId="102100164" sldId="257"/>
-            <ac:spMk id="187" creationId="{B1EB848E-B507-4965-96B2-2A1D2727477A}"/>
-          </ac:spMkLst>
-        </pc:spChg>
-        <pc:spChg chg="add mod ord">
-          <ac:chgData name="Andrie de Vries" userId="38bc69793eb5a597" providerId="LiveId" clId="{2CEA7A8A-E1D7-4D57-B7B5-DD3D91B7588E}" dt="2017-12-20T17:04:18.597" v="3515" actId="167"/>
-          <ac:spMkLst>
-            <pc:docMk/>
-            <pc:sldMk cId="102100164" sldId="257"/>
-            <ac:spMk id="188" creationId="{8185AA5F-DB5B-4C9B-A40B-AEDB8AA5A297}"/>
-          </ac:spMkLst>
-        </pc:spChg>
-        <pc:spChg chg="del mod">
-          <ac:chgData name="Andrie de Vries" userId="38bc69793eb5a597" providerId="LiveId" clId="{2CEA7A8A-E1D7-4D57-B7B5-DD3D91B7588E}" dt="2017-12-20T13:32:41.100" v="2447" actId="478"/>
-          <ac:spMkLst>
-            <pc:docMk/>
-            <pc:sldMk cId="102100164" sldId="257"/>
-            <ac:spMk id="188" creationId="{00000000-0000-0000-0000-000000000000}"/>
-          </ac:spMkLst>
-        </pc:spChg>
-        <pc:spChg chg="add mod">
-          <ac:chgData name="Andrie de Vries" userId="38bc69793eb5a597" providerId="LiveId" clId="{2CEA7A8A-E1D7-4D57-B7B5-DD3D91B7588E}" dt="2017-12-21T12:15:22.265" v="4822" actId="1036"/>
-          <ac:spMkLst>
-            <pc:docMk/>
-            <pc:sldMk cId="102100164" sldId="257"/>
-            <ac:spMk id="189" creationId="{8F23405C-55D1-429F-99BB-980EE0D6E25B}"/>
-          </ac:spMkLst>
-        </pc:spChg>
-        <pc:spChg chg="add mod">
-          <ac:chgData name="Andrie de Vries" userId="38bc69793eb5a597" providerId="LiveId" clId="{2CEA7A8A-E1D7-4D57-B7B5-DD3D91B7588E}" dt="2017-12-21T12:15:22.265" v="4822" actId="1036"/>
-          <ac:spMkLst>
-            <pc:docMk/>
-            <pc:sldMk cId="102100164" sldId="257"/>
-            <ac:spMk id="190" creationId="{2EFC6BBF-D8E4-494A-AECB-9A2D603CC8BD}"/>
-          </ac:spMkLst>
-        </pc:spChg>
-        <pc:spChg chg="add mod">
-          <ac:chgData name="Andrie de Vries" userId="38bc69793eb5a597" providerId="LiveId" clId="{2CEA7A8A-E1D7-4D57-B7B5-DD3D91B7588E}" dt="2017-12-21T12:15:22.265" v="4822" actId="1036"/>
-          <ac:spMkLst>
-            <pc:docMk/>
-            <pc:sldMk cId="102100164" sldId="257"/>
-            <ac:spMk id="191" creationId="{95C1AFAD-75D5-49E6-9011-8ABA382B2CE4}"/>
-          </ac:spMkLst>
-        </pc:spChg>
-        <pc:spChg chg="add mod">
-          <ac:chgData name="Andrie de Vries" userId="38bc69793eb5a597" providerId="LiveId" clId="{2CEA7A8A-E1D7-4D57-B7B5-DD3D91B7588E}" dt="2017-12-21T12:15:22.265" v="4822" actId="1036"/>
-          <ac:spMkLst>
-            <pc:docMk/>
-            <pc:sldMk cId="102100164" sldId="257"/>
-            <ac:spMk id="192" creationId="{9FA8B661-4F1E-4FA4-8D77-5AA8623DA602}"/>
-          </ac:spMkLst>
-        </pc:spChg>
-        <pc:spChg chg="add mod">
-          <ac:chgData name="Andrie de Vries" userId="38bc69793eb5a597" providerId="LiveId" clId="{2CEA7A8A-E1D7-4D57-B7B5-DD3D91B7588E}" dt="2017-12-21T12:16:07.082" v="4826" actId="1037"/>
-          <ac:spMkLst>
-            <pc:docMk/>
-            <pc:sldMk cId="102100164" sldId="257"/>
-            <ac:spMk id="193" creationId="{2ACE50FB-B325-4FCE-B349-32F85D187D30}"/>
-          </ac:spMkLst>
-        </pc:spChg>
-        <pc:spChg chg="add mod">
-          <ac:chgData name="Andrie de Vries" userId="38bc69793eb5a597" providerId="LiveId" clId="{2CEA7A8A-E1D7-4D57-B7B5-DD3D91B7588E}" dt="2017-12-20T13:46:25.014" v="2497" actId="1076"/>
-          <ac:spMkLst>
-            <pc:docMk/>
-            <pc:sldMk cId="102100164" sldId="257"/>
-            <ac:spMk id="194" creationId="{9EDBC949-2074-44F9-9378-EF0A803C47E0}"/>
-          </ac:spMkLst>
-        </pc:spChg>
-        <pc:spChg chg="add mod">
-          <ac:chgData name="Andrie de Vries" userId="38bc69793eb5a597" providerId="LiveId" clId="{2CEA7A8A-E1D7-4D57-B7B5-DD3D91B7588E}" dt="2017-12-21T16:00:51.001" v="4952" actId="1076"/>
-          <ac:spMkLst>
-            <pc:docMk/>
-            <pc:sldMk cId="102100164" sldId="257"/>
-            <ac:spMk id="195" creationId="{3890997C-3426-4546-9D4E-AF7A4A77D619}"/>
-          </ac:spMkLst>
-        </pc:spChg>
-        <pc:spChg chg="add mod">
-          <ac:chgData name="Andrie de Vries" userId="38bc69793eb5a597" providerId="LiveId" clId="{2CEA7A8A-E1D7-4D57-B7B5-DD3D91B7588E}" dt="2017-12-21T16:00:51.001" v="4952" actId="1076"/>
-          <ac:spMkLst>
-            <pc:docMk/>
-            <pc:sldMk cId="102100164" sldId="257"/>
-            <ac:spMk id="196" creationId="{A66B198B-1112-4CCB-8C96-F805D5661150}"/>
-          </ac:spMkLst>
-        </pc:spChg>
-        <pc:spChg chg="add mod">
-          <ac:chgData name="Andrie de Vries" userId="38bc69793eb5a597" providerId="LiveId" clId="{2CEA7A8A-E1D7-4D57-B7B5-DD3D91B7588E}" dt="2017-12-21T16:00:58.962" v="4953" actId="1076"/>
-          <ac:spMkLst>
-            <pc:docMk/>
-            <pc:sldMk cId="102100164" sldId="257"/>
-            <ac:spMk id="197" creationId="{7019E19B-7726-4B6B-A332-6DD3ECBE8FE9}"/>
-          </ac:spMkLst>
-        </pc:spChg>
-        <pc:spChg chg="del mod">
-          <ac:chgData name="Andrie de Vries" userId="38bc69793eb5a597" providerId="LiveId" clId="{2CEA7A8A-E1D7-4D57-B7B5-DD3D91B7588E}" dt="2017-12-20T17:04:33.136" v="3516" actId="478"/>
-          <ac:spMkLst>
-            <pc:docMk/>
-            <pc:sldMk cId="102100164" sldId="257"/>
-            <ac:spMk id="198" creationId="{00000000-0000-0000-0000-000000000000}"/>
-          </ac:spMkLst>
-        </pc:spChg>
-        <pc:spChg chg="add mod">
-          <ac:chgData name="Andrie de Vries" userId="38bc69793eb5a597" providerId="LiveId" clId="{2CEA7A8A-E1D7-4D57-B7B5-DD3D91B7588E}" dt="2017-12-21T12:11:43.603" v="4721" actId="1036"/>
-          <ac:spMkLst>
-            <pc:docMk/>
-            <pc:sldMk cId="102100164" sldId="257"/>
-            <ac:spMk id="198" creationId="{13BEE9E0-1193-42F7-983D-176E676001DB}"/>
-          </ac:spMkLst>
-        </pc:spChg>
-        <pc:spChg chg="mod">
-          <ac:chgData name="Andrie de Vries" userId="38bc69793eb5a597" providerId="LiveId" clId="{2CEA7A8A-E1D7-4D57-B7B5-DD3D91B7588E}" dt="2017-12-19T20:21:36.892" v="339" actId="14100"/>
-          <ac:spMkLst>
-            <pc:docMk/>
-            <pc:sldMk cId="102100164" sldId="257"/>
-            <ac:spMk id="199" creationId="{00000000-0000-0000-0000-000000000000}"/>
-          </ac:spMkLst>
-        </pc:spChg>
-        <pc:spChg chg="add mod">
-          <ac:chgData name="Andrie de Vries" userId="38bc69793eb5a597" providerId="LiveId" clId="{2CEA7A8A-E1D7-4D57-B7B5-DD3D91B7588E}" dt="2017-12-21T16:00:58.962" v="4953" actId="1076"/>
-          <ac:spMkLst>
-            <pc:docMk/>
-            <pc:sldMk cId="102100164" sldId="257"/>
-            <ac:spMk id="200" creationId="{3DF6CB42-4181-4032-8EAB-B0ED02D52124}"/>
-          </ac:spMkLst>
-        </pc:spChg>
-        <pc:spChg chg="add mod">
-          <ac:chgData name="Andrie de Vries" userId="38bc69793eb5a597" providerId="LiveId" clId="{2CEA7A8A-E1D7-4D57-B7B5-DD3D91B7588E}" dt="2017-12-21T16:01:04.165" v="4954" actId="1076"/>
-          <ac:spMkLst>
-            <pc:docMk/>
-            <pc:sldMk cId="102100164" sldId="257"/>
-            <ac:spMk id="201" creationId="{DDFC99B8-4573-4810-AB2F-793A5C310B84}"/>
-          </ac:spMkLst>
-        </pc:spChg>
-        <pc:spChg chg="add mod">
-          <ac:chgData name="Andrie de Vries" userId="38bc69793eb5a597" providerId="LiveId" clId="{2CEA7A8A-E1D7-4D57-B7B5-DD3D91B7588E}" dt="2017-12-21T16:01:04.165" v="4954" actId="1076"/>
-          <ac:spMkLst>
-            <pc:docMk/>
-            <pc:sldMk cId="102100164" sldId="257"/>
-            <ac:spMk id="202" creationId="{0394D10E-16CA-483D-918B-49EE82A63702}"/>
-          </ac:spMkLst>
-        </pc:spChg>
-        <pc:spChg chg="add mod">
-          <ac:chgData name="Andrie de Vries" userId="38bc69793eb5a597" providerId="LiveId" clId="{2CEA7A8A-E1D7-4D57-B7B5-DD3D91B7588E}" dt="2017-12-21T16:00:41.951" v="4951" actId="1076"/>
-          <ac:spMkLst>
-            <pc:docMk/>
-            <pc:sldMk cId="102100164" sldId="257"/>
-            <ac:spMk id="204" creationId="{DEC82CCD-DFF4-4401-B82C-0C0F103A854D}"/>
-          </ac:spMkLst>
-        </pc:spChg>
-        <pc:spChg chg="add mod">
-          <ac:chgData name="Andrie de Vries" userId="38bc69793eb5a597" providerId="LiveId" clId="{2CEA7A8A-E1D7-4D57-B7B5-DD3D91B7588E}" dt="2017-12-21T16:01:10.202" v="4955" actId="1076"/>
-          <ac:spMkLst>
-            <pc:docMk/>
-            <pc:sldMk cId="102100164" sldId="257"/>
-            <ac:spMk id="205" creationId="{8F1FD319-8A64-411F-BB1C-FF6DD9BB9C99}"/>
-          </ac:spMkLst>
-        </pc:spChg>
-        <pc:spChg chg="add mod">
-          <ac:chgData name="Andrie de Vries" userId="38bc69793eb5a597" providerId="LiveId" clId="{2CEA7A8A-E1D7-4D57-B7B5-DD3D91B7588E}" dt="2017-12-21T16:01:10.202" v="4955" actId="1076"/>
-          <ac:spMkLst>
-            <pc:docMk/>
-            <pc:sldMk cId="102100164" sldId="257"/>
-            <ac:spMk id="206" creationId="{2969C9C7-F676-4767-B0B6-9642E444D034}"/>
-          </ac:spMkLst>
-        </pc:spChg>
-        <pc:spChg chg="add mod">
-          <ac:chgData name="Andrie de Vries" userId="38bc69793eb5a597" providerId="LiveId" clId="{2CEA7A8A-E1D7-4D57-B7B5-DD3D91B7588E}" dt="2017-12-21T12:16:07.082" v="4826" actId="1037"/>
-          <ac:spMkLst>
-            <pc:docMk/>
-            <pc:sldMk cId="102100164" sldId="257"/>
-            <ac:spMk id="207" creationId="{B96BA7AF-1FB8-41F2-AFF7-AE5C0AA5584D}"/>
-          </ac:spMkLst>
-        </pc:spChg>
-        <pc:spChg chg="add mod">
-          <ac:chgData name="Andrie de Vries" userId="38bc69793eb5a597" providerId="LiveId" clId="{2CEA7A8A-E1D7-4D57-B7B5-DD3D91B7588E}" dt="2017-12-21T14:01:00.381" v="4873" actId="20577"/>
-          <ac:spMkLst>
-            <pc:docMk/>
-            <pc:sldMk cId="102100164" sldId="257"/>
-            <ac:spMk id="208" creationId="{01EF1BAF-9917-4B00-8670-D285A44290D0}"/>
-          </ac:spMkLst>
-        </pc:spChg>
-        <pc:spChg chg="add mod">
-          <ac:chgData name="Andrie de Vries" userId="38bc69793eb5a597" providerId="LiveId" clId="{2CEA7A8A-E1D7-4D57-B7B5-DD3D91B7588E}" dt="2017-12-21T15:59:26.423" v="4948" actId="1036"/>
-          <ac:spMkLst>
-            <pc:docMk/>
-            <pc:sldMk cId="102100164" sldId="257"/>
-            <ac:spMk id="209" creationId="{4F732C03-7A26-402E-9191-CFDFB094B31C}"/>
-          </ac:spMkLst>
-        </pc:spChg>
-        <pc:spChg chg="add mod">
-          <ac:chgData name="Andrie de Vries" userId="38bc69793eb5a597" providerId="LiveId" clId="{2CEA7A8A-E1D7-4D57-B7B5-DD3D91B7588E}" dt="2017-12-21T15:59:28.685" v="4949" actId="6549"/>
-          <ac:spMkLst>
-            <pc:docMk/>
-            <pc:sldMk cId="102100164" sldId="257"/>
-            <ac:spMk id="210" creationId="{ED37CFA7-AF86-4E6F-B3ED-AE257CCC4C02}"/>
-          </ac:spMkLst>
-        </pc:spChg>
-        <pc:spChg chg="add mod">
-          <ac:chgData name="Andrie de Vries" userId="38bc69793eb5a597" providerId="LiveId" clId="{2CEA7A8A-E1D7-4D57-B7B5-DD3D91B7588E}" dt="2017-12-21T12:16:07.082" v="4826" actId="1037"/>
-          <ac:spMkLst>
-            <pc:docMk/>
-            <pc:sldMk cId="102100164" sldId="257"/>
-            <ac:spMk id="211" creationId="{D8936A5D-7840-46D0-923B-23C521337031}"/>
-          </ac:spMkLst>
-        </pc:spChg>
-        <pc:spChg chg="add mod">
-          <ac:chgData name="Andrie de Vries" userId="38bc69793eb5a597" providerId="LiveId" clId="{2CEA7A8A-E1D7-4D57-B7B5-DD3D91B7588E}" dt="2017-12-21T14:01:09.275" v="4877" actId="6549"/>
-          <ac:spMkLst>
-            <pc:docMk/>
-            <pc:sldMk cId="102100164" sldId="257"/>
-            <ac:spMk id="212" creationId="{CD8EB881-FAF5-4EAE-8DFE-A0777639C8DA}"/>
-          </ac:spMkLst>
-        </pc:spChg>
-        <pc:spChg chg="add mod">
-          <ac:chgData name="Andrie de Vries" userId="38bc69793eb5a597" providerId="LiveId" clId="{2CEA7A8A-E1D7-4D57-B7B5-DD3D91B7588E}" dt="2017-12-20T15:53:45.867" v="2663" actId="20577"/>
-          <ac:spMkLst>
-            <pc:docMk/>
-            <pc:sldMk cId="102100164" sldId="257"/>
-            <ac:spMk id="213" creationId="{C00A73D9-0980-4982-AA90-E994586AD51B}"/>
-          </ac:spMkLst>
-        </pc:spChg>
-        <pc:spChg chg="add del mod">
-          <ac:chgData name="Andrie de Vries" userId="38bc69793eb5a597" providerId="LiveId" clId="{2CEA7A8A-E1D7-4D57-B7B5-DD3D91B7588E}" dt="2017-12-20T16:06:11.932" v="2763" actId="478"/>
-          <ac:spMkLst>
-            <pc:docMk/>
-            <pc:sldMk cId="102100164" sldId="257"/>
-            <ac:spMk id="214" creationId="{A7675372-2418-40AA-A151-156FC88F56BA}"/>
-          </ac:spMkLst>
-        </pc:spChg>
-        <pc:spChg chg="add mod ord">
-          <ac:chgData name="Andrie de Vries" userId="38bc69793eb5a597" providerId="LiveId" clId="{2CEA7A8A-E1D7-4D57-B7B5-DD3D91B7588E}" dt="2017-12-20T17:04:18.597" v="3515" actId="167"/>
-          <ac:spMkLst>
-            <pc:docMk/>
-            <pc:sldMk cId="102100164" sldId="257"/>
-            <ac:spMk id="214" creationId="{41A2F129-A605-4872-B66A-DE9771F13B2B}"/>
-          </ac:spMkLst>
-        </pc:spChg>
-        <pc:spChg chg="add mod">
-          <ac:chgData name="Andrie de Vries" userId="38bc69793eb5a597" providerId="LiveId" clId="{2CEA7A8A-E1D7-4D57-B7B5-DD3D91B7588E}" dt="2017-12-20T15:53:33.367" v="2640" actId="571"/>
-          <ac:spMkLst>
-            <pc:docMk/>
-            <pc:sldMk cId="102100164" sldId="257"/>
-            <ac:spMk id="215" creationId="{56FF42A1-43E3-4A52-AC1A-AB45D863EF60}"/>
-          </ac:spMkLst>
-        </pc:spChg>
-        <pc:spChg chg="add mod">
-          <ac:chgData name="Andrie de Vries" userId="38bc69793eb5a597" providerId="LiveId" clId="{2CEA7A8A-E1D7-4D57-B7B5-DD3D91B7588E}" dt="2017-12-20T15:54:09.451" v="2688" actId="20577"/>
-          <ac:spMkLst>
-            <pc:docMk/>
-            <pc:sldMk cId="102100164" sldId="257"/>
-            <ac:spMk id="216" creationId="{59E867AB-779A-42DA-B587-E1E3CDCA3D45}"/>
-          </ac:spMkLst>
-        </pc:spChg>
-        <pc:spChg chg="add mod">
-          <ac:chgData name="Andrie de Vries" userId="38bc69793eb5a597" providerId="LiveId" clId="{2CEA7A8A-E1D7-4D57-B7B5-DD3D91B7588E}" dt="2017-12-21T11:52:15.009" v="4305" actId="20577"/>
-          <ac:spMkLst>
-            <pc:docMk/>
-            <pc:sldMk cId="102100164" sldId="257"/>
-            <ac:spMk id="217" creationId="{C44C7F26-2681-4713-A164-20570E82053A}"/>
-          </ac:spMkLst>
-        </pc:spChg>
-        <pc:spChg chg="add mod">
-          <ac:chgData name="Andrie de Vries" userId="38bc69793eb5a597" providerId="LiveId" clId="{2CEA7A8A-E1D7-4D57-B7B5-DD3D91B7588E}" dt="2017-12-21T12:11:56.174" v="4725" actId="1036"/>
-          <ac:spMkLst>
-            <pc:docMk/>
-            <pc:sldMk cId="102100164" sldId="257"/>
-            <ac:spMk id="218" creationId="{D07D74E1-96B9-459F-98C0-3D889CBC3C35}"/>
-          </ac:spMkLst>
-        </pc:spChg>
-        <pc:spChg chg="add mod">
-          <ac:chgData name="Andrie de Vries" userId="38bc69793eb5a597" providerId="LiveId" clId="{2CEA7A8A-E1D7-4D57-B7B5-DD3D91B7588E}" dt="2017-12-21T12:11:56.174" v="4725" actId="1036"/>
-          <ac:spMkLst>
-            <pc:docMk/>
-            <pc:sldMk cId="102100164" sldId="257"/>
-            <ac:spMk id="219" creationId="{21C7A5DB-67B2-40E8-ABBD-214FB23774A7}"/>
-          </ac:spMkLst>
-        </pc:spChg>
-        <pc:spChg chg="add mod ord">
-          <ac:chgData name="Andrie de Vries" userId="38bc69793eb5a597" providerId="LiveId" clId="{2CEA7A8A-E1D7-4D57-B7B5-DD3D91B7588E}" dt="2017-12-20T23:20:58.280" v="3917" actId="108"/>
-          <ac:spMkLst>
-            <pc:docMk/>
-            <pc:sldMk cId="102100164" sldId="257"/>
-            <ac:spMk id="220" creationId="{7309FCFF-89AC-4425-B7F7-D1D7BC5BC6BC}"/>
-          </ac:spMkLst>
-        </pc:spChg>
-        <pc:spChg chg="add mod ord">
-          <ac:chgData name="Andrie de Vries" userId="38bc69793eb5a597" providerId="LiveId" clId="{2CEA7A8A-E1D7-4D57-B7B5-DD3D91B7588E}" dt="2017-12-21T12:12:58.678" v="4765" actId="1035"/>
-          <ac:spMkLst>
-            <pc:docMk/>
-            <pc:sldMk cId="102100164" sldId="257"/>
-            <ac:spMk id="221" creationId="{0ECE7E50-8A9A-4B8C-9DB5-2910C08A8710}"/>
-          </ac:spMkLst>
-        </pc:spChg>
-        <pc:spChg chg="add mod ord">
-          <ac:chgData name="Andrie de Vries" userId="38bc69793eb5a597" providerId="LiveId" clId="{2CEA7A8A-E1D7-4D57-B7B5-DD3D91B7588E}" dt="2017-12-20T17:04:18.597" v="3515" actId="167"/>
-          <ac:spMkLst>
-            <pc:docMk/>
-            <pc:sldMk cId="102100164" sldId="257"/>
-            <ac:spMk id="222" creationId="{2DA647B8-4D68-4065-8AF0-9B6368E4730F}"/>
-          </ac:spMkLst>
-        </pc:spChg>
-        <pc:spChg chg="add mod ord">
-          <ac:chgData name="Andrie de Vries" userId="38bc69793eb5a597" providerId="LiveId" clId="{2CEA7A8A-E1D7-4D57-B7B5-DD3D91B7588E}" dt="2017-12-21T15:59:26.423" v="4948" actId="1036"/>
-          <ac:spMkLst>
-            <pc:docMk/>
-            <pc:sldMk cId="102100164" sldId="257"/>
-            <ac:spMk id="223" creationId="{5E5B4460-F11E-49BB-BDD8-42DDBC793812}"/>
-          </ac:spMkLst>
-        </pc:spChg>
-        <pc:spChg chg="add mod ord">
-          <ac:chgData name="Andrie de Vries" userId="38bc69793eb5a597" providerId="LiveId" clId="{2CEA7A8A-E1D7-4D57-B7B5-DD3D91B7588E}" dt="2017-12-21T12:13:49.231" v="4768" actId="1076"/>
-          <ac:spMkLst>
-            <pc:docMk/>
-            <pc:sldMk cId="102100164" sldId="257"/>
-            <ac:spMk id="224" creationId="{6B3F8B79-AF6B-414D-B0A1-2EA82142ABD7}"/>
-          </ac:spMkLst>
-        </pc:spChg>
-        <pc:spChg chg="add mod ord">
-          <ac:chgData name="Andrie de Vries" userId="38bc69793eb5a597" providerId="LiveId" clId="{2CEA7A8A-E1D7-4D57-B7B5-DD3D91B7588E}" dt="2017-12-21T12:11:56.174" v="4725" actId="1036"/>
-          <ac:spMkLst>
-            <pc:docMk/>
-            <pc:sldMk cId="102100164" sldId="257"/>
-            <ac:spMk id="225" creationId="{F385EA7B-ED21-4AE4-B2B4-B4AEA7A23219}"/>
-          </ac:spMkLst>
-        </pc:spChg>
-        <pc:spChg chg="add mod">
-          <ac:chgData name="Andrie de Vries" userId="38bc69793eb5a597" providerId="LiveId" clId="{2CEA7A8A-E1D7-4D57-B7B5-DD3D91B7588E}" dt="2017-12-21T12:11:43.603" v="4721" actId="1036"/>
-          <ac:spMkLst>
-            <pc:docMk/>
-            <pc:sldMk cId="102100164" sldId="257"/>
-            <ac:spMk id="226" creationId="{4C62863D-9C3E-44B8-86D3-324E5E5603C0}"/>
-          </ac:spMkLst>
-        </pc:spChg>
-        <pc:spChg chg="add mod">
-          <ac:chgData name="Andrie de Vries" userId="38bc69793eb5a597" providerId="LiveId" clId="{2CEA7A8A-E1D7-4D57-B7B5-DD3D91B7588E}" dt="2017-12-21T14:00:30.812" v="4863" actId="6549"/>
-          <ac:spMkLst>
-            <pc:docMk/>
-            <pc:sldMk cId="102100164" sldId="257"/>
-            <ac:spMk id="227" creationId="{FF3F30CC-F1A0-4696-B926-70690B9F503F}"/>
-          </ac:spMkLst>
-        </pc:spChg>
-        <pc:spChg chg="add mod">
-          <ac:chgData name="Andrie de Vries" userId="38bc69793eb5a597" providerId="LiveId" clId="{2CEA7A8A-E1D7-4D57-B7B5-DD3D91B7588E}" dt="2017-12-20T23:08:05.439" v="3702" actId="1076"/>
-          <ac:spMkLst>
-            <pc:docMk/>
-            <pc:sldMk cId="102100164" sldId="257"/>
-            <ac:spMk id="228" creationId="{17CF30CA-41A4-4F8F-A3F0-17CAD3AD836E}"/>
-          </ac:spMkLst>
-        </pc:spChg>
-        <pc:spChg chg="add mod">
-          <ac:chgData name="Andrie de Vries" userId="38bc69793eb5a597" providerId="LiveId" clId="{2CEA7A8A-E1D7-4D57-B7B5-DD3D91B7588E}" dt="2017-12-20T23:08:05.439" v="3702" actId="1076"/>
-          <ac:spMkLst>
-            <pc:docMk/>
-            <pc:sldMk cId="102100164" sldId="257"/>
-            <ac:spMk id="229" creationId="{DB79AD48-5264-48B9-BD29-D17C9B51C824}"/>
-          </ac:spMkLst>
-        </pc:spChg>
-        <pc:spChg chg="add mod">
-          <ac:chgData name="Andrie de Vries" userId="38bc69793eb5a597" providerId="LiveId" clId="{2CEA7A8A-E1D7-4D57-B7B5-DD3D91B7588E}" dt="2017-12-20T23:08:05.439" v="3702" actId="1076"/>
-          <ac:spMkLst>
-            <pc:docMk/>
-            <pc:sldMk cId="102100164" sldId="257"/>
-            <ac:spMk id="230" creationId="{6DDC1A49-F0AC-4544-8B66-0890C954AA4F}"/>
-          </ac:spMkLst>
-        </pc:spChg>
-        <pc:spChg chg="add mod">
-          <ac:chgData name="Andrie de Vries" userId="38bc69793eb5a597" providerId="LiveId" clId="{2CEA7A8A-E1D7-4D57-B7B5-DD3D91B7588E}" dt="2017-12-20T23:08:05.439" v="3702" actId="1076"/>
-          <ac:spMkLst>
-            <pc:docMk/>
-            <pc:sldMk cId="102100164" sldId="257"/>
-            <ac:spMk id="231" creationId="{C19BA4BD-B682-4C1F-ABF5-19BBC64F65A7}"/>
-          </ac:spMkLst>
-        </pc:spChg>
-        <pc:spChg chg="add mod">
-          <ac:chgData name="Andrie de Vries" userId="38bc69793eb5a597" providerId="LiveId" clId="{2CEA7A8A-E1D7-4D57-B7B5-DD3D91B7588E}" dt="2017-12-20T23:08:05.439" v="3702" actId="1076"/>
-          <ac:spMkLst>
-            <pc:docMk/>
-            <pc:sldMk cId="102100164" sldId="257"/>
-            <ac:spMk id="232" creationId="{F389C65F-A227-4876-8533-E8BC2B956135}"/>
-          </ac:spMkLst>
-        </pc:spChg>
-        <pc:spChg chg="add mod">
-          <ac:chgData name="Andrie de Vries" userId="38bc69793eb5a597" providerId="LiveId" clId="{2CEA7A8A-E1D7-4D57-B7B5-DD3D91B7588E}" dt="2017-12-20T23:08:05.439" v="3702" actId="1076"/>
-          <ac:spMkLst>
-            <pc:docMk/>
-            <pc:sldMk cId="102100164" sldId="257"/>
-            <ac:spMk id="233" creationId="{58CA4A23-EF3F-44E2-BE80-6B225E5CDF92}"/>
-          </ac:spMkLst>
-        </pc:spChg>
-        <pc:spChg chg="add mod">
-          <ac:chgData name="Andrie de Vries" userId="38bc69793eb5a597" providerId="LiveId" clId="{2CEA7A8A-E1D7-4D57-B7B5-DD3D91B7588E}" dt="2017-12-20T23:09:00.109" v="3741" actId="1035"/>
-          <ac:spMkLst>
-            <pc:docMk/>
-            <pc:sldMk cId="102100164" sldId="257"/>
-            <ac:spMk id="236" creationId="{B1CEC21C-7350-4523-B90A-C24081CE0AD1}"/>
-          </ac:spMkLst>
-        </pc:spChg>
-        <pc:spChg chg="add mod">
-          <ac:chgData name="Andrie de Vries" userId="38bc69793eb5a597" providerId="LiveId" clId="{2CEA7A8A-E1D7-4D57-B7B5-DD3D91B7588E}" dt="2017-12-20T23:09:00.109" v="3741" actId="1035"/>
-          <ac:spMkLst>
-            <pc:docMk/>
-            <pc:sldMk cId="102100164" sldId="257"/>
-            <ac:spMk id="237" creationId="{EC17D3F2-9525-485E-B48E-1FCF61143150}"/>
-          </ac:spMkLst>
-        </pc:spChg>
-        <pc:spChg chg="add mod">
-          <ac:chgData name="Andrie de Vries" userId="38bc69793eb5a597" providerId="LiveId" clId="{2CEA7A8A-E1D7-4D57-B7B5-DD3D91B7588E}" dt="2017-12-20T23:09:00.109" v="3741" actId="1035"/>
-          <ac:spMkLst>
-            <pc:docMk/>
-            <pc:sldMk cId="102100164" sldId="257"/>
-            <ac:spMk id="238" creationId="{0DA8A561-BEFC-4187-A552-2E3D047E1BBC}"/>
-          </ac:spMkLst>
-        </pc:spChg>
-        <pc:spChg chg="add mod">
-          <ac:chgData name="Andrie de Vries" userId="38bc69793eb5a597" providerId="LiveId" clId="{2CEA7A8A-E1D7-4D57-B7B5-DD3D91B7588E}" dt="2017-12-20T23:09:42.258" v="3759" actId="1036"/>
-          <ac:spMkLst>
-            <pc:docMk/>
-            <pc:sldMk cId="102100164" sldId="257"/>
-            <ac:spMk id="239" creationId="{FE93D30A-E255-409E-86F8-310345CBF17C}"/>
-          </ac:spMkLst>
-        </pc:spChg>
-        <pc:spChg chg="add mod">
-          <ac:chgData name="Andrie de Vries" userId="38bc69793eb5a597" providerId="LiveId" clId="{2CEA7A8A-E1D7-4D57-B7B5-DD3D91B7588E}" dt="2017-12-20T23:09:42.258" v="3759" actId="1036"/>
-          <ac:spMkLst>
-            <pc:docMk/>
-            <pc:sldMk cId="102100164" sldId="257"/>
-            <ac:spMk id="240" creationId="{10C50DC9-5D6B-4571-BF5A-07E841FFE15B}"/>
-          </ac:spMkLst>
-        </pc:spChg>
-        <pc:spChg chg="add mod">
-          <ac:chgData name="Andrie de Vries" userId="38bc69793eb5a597" providerId="LiveId" clId="{2CEA7A8A-E1D7-4D57-B7B5-DD3D91B7588E}" dt="2017-12-20T23:09:00.109" v="3741" actId="1035"/>
-          <ac:spMkLst>
-            <pc:docMk/>
-            <pc:sldMk cId="102100164" sldId="257"/>
-            <ac:spMk id="241" creationId="{1C19DB12-6BA8-473C-A7C3-E9804B3F8A45}"/>
-          </ac:spMkLst>
-        </pc:spChg>
-        <pc:spChg chg="del">
-          <ac:chgData name="Andrie de Vries" userId="38bc69793eb5a597" providerId="LiveId" clId="{2CEA7A8A-E1D7-4D57-B7B5-DD3D91B7588E}" dt="2017-12-20T13:32:51.011" v="2459" actId="478"/>
-          <ac:spMkLst>
-            <pc:docMk/>
-            <pc:sldMk cId="102100164" sldId="257"/>
-            <ac:spMk id="242" creationId="{00000000-0000-0000-0000-000000000000}"/>
-          </ac:spMkLst>
-        </pc:spChg>
-        <pc:spChg chg="add mod">
-          <ac:chgData name="Andrie de Vries" userId="38bc69793eb5a597" providerId="LiveId" clId="{2CEA7A8A-E1D7-4D57-B7B5-DD3D91B7588E}" dt="2017-12-21T15:59:14.012" v="4942" actId="1036"/>
-          <ac:spMkLst>
-            <pc:docMk/>
-            <pc:sldMk cId="102100164" sldId="257"/>
-            <ac:spMk id="244" creationId="{5214C115-BBA8-4A8E-A690-5521D6E897F4}"/>
-          </ac:spMkLst>
-        </pc:spChg>
-        <pc:spChg chg="add mod">
-          <ac:chgData name="Andrie de Vries" userId="38bc69793eb5a597" providerId="LiveId" clId="{2CEA7A8A-E1D7-4D57-B7B5-DD3D91B7588E}" dt="2017-12-21T15:59:14.012" v="4942" actId="1036"/>
-          <ac:spMkLst>
-            <pc:docMk/>
-            <pc:sldMk cId="102100164" sldId="257"/>
-            <ac:spMk id="245" creationId="{24DA4E5F-6598-4B17-BED4-494C6F6CEB11}"/>
-          </ac:spMkLst>
-        </pc:spChg>
-        <pc:spChg chg="add mod">
-          <ac:chgData name="Andrie de Vries" userId="38bc69793eb5a597" providerId="LiveId" clId="{2CEA7A8A-E1D7-4D57-B7B5-DD3D91B7588E}" dt="2017-12-21T15:59:14.012" v="4942" actId="1036"/>
-          <ac:spMkLst>
-            <pc:docMk/>
-            <pc:sldMk cId="102100164" sldId="257"/>
-            <ac:spMk id="246" creationId="{2883D69D-68DC-48E8-86D2-588ED155C2D2}"/>
-          </ac:spMkLst>
-        </pc:spChg>
-        <pc:spChg chg="add mod">
-          <ac:chgData name="Andrie de Vries" userId="38bc69793eb5a597" providerId="LiveId" clId="{2CEA7A8A-E1D7-4D57-B7B5-DD3D91B7588E}" dt="2017-12-21T15:59:14.012" v="4942" actId="1036"/>
-          <ac:spMkLst>
-            <pc:docMk/>
-            <pc:sldMk cId="102100164" sldId="257"/>
-            <ac:spMk id="247" creationId="{2A197C2E-FF60-4B5B-BB1F-22A096D7CAD1}"/>
-          </ac:spMkLst>
-        </pc:spChg>
-        <pc:spChg chg="add mod">
-          <ac:chgData name="Andrie de Vries" userId="38bc69793eb5a597" providerId="LiveId" clId="{2CEA7A8A-E1D7-4D57-B7B5-DD3D91B7588E}" dt="2017-12-21T15:59:14.012" v="4942" actId="1036"/>
-          <ac:spMkLst>
-            <pc:docMk/>
-            <pc:sldMk cId="102100164" sldId="257"/>
-            <ac:spMk id="248" creationId="{1F3D2547-BE47-4C4E-9DF7-7BCCAA0D7BBD}"/>
-          </ac:spMkLst>
-        </pc:spChg>
-        <pc:spChg chg="add mod">
-          <ac:chgData name="Andrie de Vries" userId="38bc69793eb5a597" providerId="LiveId" clId="{2CEA7A8A-E1D7-4D57-B7B5-DD3D91B7588E}" dt="2017-12-21T15:59:14.012" v="4942" actId="1036"/>
-          <ac:spMkLst>
-            <pc:docMk/>
-            <pc:sldMk cId="102100164" sldId="257"/>
-            <ac:spMk id="249" creationId="{93A76AD9-80AC-4794-B62A-107EED71FFC1}"/>
-          </ac:spMkLst>
-        </pc:spChg>
-        <pc:spChg chg="add mod">
-          <ac:chgData name="Andrie de Vries" userId="38bc69793eb5a597" providerId="LiveId" clId="{2CEA7A8A-E1D7-4D57-B7B5-DD3D91B7588E}" dt="2017-12-21T12:10:13.223" v="4655" actId="1076"/>
-          <ac:spMkLst>
-            <pc:docMk/>
-            <pc:sldMk cId="102100164" sldId="257"/>
-            <ac:spMk id="250" creationId="{34AB2DB4-CBFD-46D4-972E-12BB42244C7E}"/>
-          </ac:spMkLst>
-        </pc:spChg>
-        <pc:spChg chg="add mod">
-          <ac:chgData name="Andrie de Vries" userId="38bc69793eb5a597" providerId="LiveId" clId="{2CEA7A8A-E1D7-4D57-B7B5-DD3D91B7588E}" dt="2017-12-21T12:08:37.917" v="4636" actId="1035"/>
-          <ac:spMkLst>
-            <pc:docMk/>
-            <pc:sldMk cId="102100164" sldId="257"/>
-            <ac:spMk id="251" creationId="{DA797AF6-6D3B-41AC-8EEB-CD5E0625D630}"/>
-          </ac:spMkLst>
-        </pc:spChg>
-        <pc:spChg chg="add del mod">
-          <ac:chgData name="Andrie de Vries" userId="38bc69793eb5a597" providerId="LiveId" clId="{2CEA7A8A-E1D7-4D57-B7B5-DD3D91B7588E}" dt="2017-12-21T12:11:08.601" v="4702" actId="478"/>
-          <ac:spMkLst>
-            <pc:docMk/>
-            <pc:sldMk cId="102100164" sldId="257"/>
-            <ac:spMk id="252" creationId="{806ED13E-C7BC-47D4-9039-DBE1147F1365}"/>
-          </ac:spMkLst>
-        </pc:spChg>
-        <pc:spChg chg="add mod">
-          <ac:chgData name="Andrie de Vries" userId="38bc69793eb5a597" providerId="LiveId" clId="{2CEA7A8A-E1D7-4D57-B7B5-DD3D91B7588E}" dt="2017-12-21T14:01:43.809" v="4879" actId="113"/>
-          <ac:spMkLst>
-            <pc:docMk/>
-            <pc:sldMk cId="102100164" sldId="257"/>
-            <ac:spMk id="253" creationId="{F1CF8700-981A-44B6-8F96-1941DCF324B9}"/>
-          </ac:spMkLst>
-        </pc:spChg>
-        <pc:spChg chg="add mod">
-          <ac:chgData name="Andrie de Vries" userId="38bc69793eb5a597" providerId="LiveId" clId="{2CEA7A8A-E1D7-4D57-B7B5-DD3D91B7588E}" dt="2017-12-21T12:11:26.124" v="4709" actId="1036"/>
-          <ac:spMkLst>
-            <pc:docMk/>
-            <pc:sldMk cId="102100164" sldId="257"/>
-            <ac:spMk id="254" creationId="{0AA2894E-01D2-4F93-88D6-222C6E198B9B}"/>
-          </ac:spMkLst>
-        </pc:spChg>
-        <pc:spChg chg="add del mod">
-          <ac:chgData name="Andrie de Vries" userId="38bc69793eb5a597" providerId="LiveId" clId="{2CEA7A8A-E1D7-4D57-B7B5-DD3D91B7588E}" dt="2017-12-21T12:11:08.601" v="4702" actId="478"/>
-          <ac:spMkLst>
-            <pc:docMk/>
-            <pc:sldMk cId="102100164" sldId="257"/>
-            <ac:spMk id="255" creationId="{CB1F0D4B-3E72-4CFB-91A0-7373495897D7}"/>
-          </ac:spMkLst>
-        </pc:spChg>
-        <pc:spChg chg="del">
-          <ac:chgData name="Andrie de Vries" userId="38bc69793eb5a597" providerId="LiveId" clId="{2CEA7A8A-E1D7-4D57-B7B5-DD3D91B7588E}" dt="2017-12-20T16:47:01.252" v="3037" actId="478"/>
-          <ac:spMkLst>
-            <pc:docMk/>
-            <pc:sldMk cId="102100164" sldId="257"/>
-            <ac:spMk id="256" creationId="{00000000-0000-0000-0000-000000000000}"/>
-          </ac:spMkLst>
-        </pc:spChg>
-        <pc:spChg chg="add mod">
-          <ac:chgData name="Andrie de Vries" userId="38bc69793eb5a597" providerId="LiveId" clId="{2CEA7A8A-E1D7-4D57-B7B5-DD3D91B7588E}" dt="2017-12-21T12:11:26.124" v="4709" actId="1036"/>
-          <ac:spMkLst>
-            <pc:docMk/>
-            <pc:sldMk cId="102100164" sldId="257"/>
-            <ac:spMk id="256" creationId="{89ABD04A-6626-4B16-9D9C-44F51655FEEA}"/>
-          </ac:spMkLst>
-        </pc:spChg>
-        <pc:spChg chg="add del mod">
-          <ac:chgData name="Andrie de Vries" userId="38bc69793eb5a597" providerId="LiveId" clId="{2CEA7A8A-E1D7-4D57-B7B5-DD3D91B7588E}" dt="2017-12-21T12:08:53.491" v="4645" actId="478"/>
-          <ac:spMkLst>
-            <pc:docMk/>
-            <pc:sldMk cId="102100164" sldId="257"/>
-            <ac:spMk id="257" creationId="{742AA2C7-E388-4498-ADB9-28BABA9C85C4}"/>
-          </ac:spMkLst>
-        </pc:spChg>
-        <pc:spChg chg="add mod">
-          <ac:chgData name="Andrie de Vries" userId="38bc69793eb5a597" providerId="LiveId" clId="{2CEA7A8A-E1D7-4D57-B7B5-DD3D91B7588E}" dt="2017-12-21T12:10:52.649" v="4691" actId="6549"/>
-          <ac:spMkLst>
-            <pc:docMk/>
-            <pc:sldMk cId="102100164" sldId="257"/>
-            <ac:spMk id="258" creationId="{28E1174C-8B53-4CB8-881C-9CB22DC13AE0}"/>
-          </ac:spMkLst>
-        </pc:spChg>
-        <pc:spChg chg="add mod">
-          <ac:chgData name="Andrie de Vries" userId="38bc69793eb5a597" providerId="LiveId" clId="{2CEA7A8A-E1D7-4D57-B7B5-DD3D91B7588E}" dt="2017-12-21T12:11:30.391" v="4712" actId="1036"/>
-          <ac:spMkLst>
-            <pc:docMk/>
-            <pc:sldMk cId="102100164" sldId="257"/>
-            <ac:spMk id="259" creationId="{81E4E75D-AC60-4F62-8275-A05BA217F355}"/>
+            <ac:spMk id="266" creationId="{00000000-0000-0000-0000-000000000000}"/>
           </ac:spMkLst>
         </pc:spChg>
         <pc:spChg chg="del">
@@ -4050,7 +4202,7 @@
           <ac:spMkLst>
             <pc:docMk/>
             <pc:sldMk cId="102100164" sldId="257"/>
-            <ac:spMk id="263" creationId="{00000000-0000-0000-0000-000000000000}"/>
+            <ac:spMk id="267" creationId="{00000000-0000-0000-0000-000000000000}"/>
           </ac:spMkLst>
         </pc:spChg>
         <pc:spChg chg="del">
@@ -4058,7 +4210,7 @@
           <ac:spMkLst>
             <pc:docMk/>
             <pc:sldMk cId="102100164" sldId="257"/>
-            <ac:spMk id="264" creationId="{00000000-0000-0000-0000-000000000000}"/>
+            <ac:spMk id="268" creationId="{00000000-0000-0000-0000-000000000000}"/>
           </ac:spMkLst>
         </pc:spChg>
         <pc:spChg chg="del">
@@ -4066,7 +4218,7 @@
           <ac:spMkLst>
             <pc:docMk/>
             <pc:sldMk cId="102100164" sldId="257"/>
-            <ac:spMk id="265" creationId="{00000000-0000-0000-0000-000000000000}"/>
+            <ac:spMk id="269" creationId="{00000000-0000-0000-0000-000000000000}"/>
           </ac:spMkLst>
         </pc:spChg>
         <pc:spChg chg="del">
@@ -4074,7 +4226,7 @@
           <ac:spMkLst>
             <pc:docMk/>
             <pc:sldMk cId="102100164" sldId="257"/>
-            <ac:spMk id="266" creationId="{00000000-0000-0000-0000-000000000000}"/>
+            <ac:spMk id="270" creationId="{00000000-0000-0000-0000-000000000000}"/>
           </ac:spMkLst>
         </pc:spChg>
         <pc:spChg chg="del">
@@ -4082,39 +4234,15 @@
           <ac:spMkLst>
             <pc:docMk/>
             <pc:sldMk cId="102100164" sldId="257"/>
-            <ac:spMk id="267" creationId="{00000000-0000-0000-0000-000000000000}"/>
-          </ac:spMkLst>
-        </pc:spChg>
-        <pc:spChg chg="del">
-          <ac:chgData name="Andrie de Vries" userId="38bc69793eb5a597" providerId="LiveId" clId="{2CEA7A8A-E1D7-4D57-B7B5-DD3D91B7588E}" dt="2017-12-19T20:21:44.342" v="340" actId="478"/>
+            <ac:spMk id="271" creationId="{00000000-0000-0000-0000-000000000000}"/>
+          </ac:spMkLst>
+        </pc:spChg>
+        <pc:spChg chg="mod">
+          <ac:chgData name="Andrie de Vries" userId="38bc69793eb5a597" providerId="LiveId" clId="{2CEA7A8A-E1D7-4D57-B7B5-DD3D91B7588E}" dt="2017-12-21T20:39:58.373" v="5107"/>
           <ac:spMkLst>
             <pc:docMk/>
             <pc:sldMk cId="102100164" sldId="257"/>
-            <ac:spMk id="268" creationId="{00000000-0000-0000-0000-000000000000}"/>
-          </ac:spMkLst>
-        </pc:spChg>
-        <pc:spChg chg="del">
-          <ac:chgData name="Andrie de Vries" userId="38bc69793eb5a597" providerId="LiveId" clId="{2CEA7A8A-E1D7-4D57-B7B5-DD3D91B7588E}" dt="2017-12-19T20:21:44.342" v="340" actId="478"/>
-          <ac:spMkLst>
-            <pc:docMk/>
-            <pc:sldMk cId="102100164" sldId="257"/>
-            <ac:spMk id="269" creationId="{00000000-0000-0000-0000-000000000000}"/>
-          </ac:spMkLst>
-        </pc:spChg>
-        <pc:spChg chg="del">
-          <ac:chgData name="Andrie de Vries" userId="38bc69793eb5a597" providerId="LiveId" clId="{2CEA7A8A-E1D7-4D57-B7B5-DD3D91B7588E}" dt="2017-12-19T20:21:44.342" v="340" actId="478"/>
-          <ac:spMkLst>
-            <pc:docMk/>
-            <pc:sldMk cId="102100164" sldId="257"/>
-            <ac:spMk id="270" creationId="{00000000-0000-0000-0000-000000000000}"/>
-          </ac:spMkLst>
-        </pc:spChg>
-        <pc:spChg chg="del">
-          <ac:chgData name="Andrie de Vries" userId="38bc69793eb5a597" providerId="LiveId" clId="{2CEA7A8A-E1D7-4D57-B7B5-DD3D91B7588E}" dt="2017-12-19T20:21:44.342" v="340" actId="478"/>
-          <ac:spMkLst>
-            <pc:docMk/>
-            <pc:sldMk cId="102100164" sldId="257"/>
-            <ac:spMk id="271" creationId="{00000000-0000-0000-0000-000000000000}"/>
+            <ac:spMk id="272" creationId="{8FE3688A-EDDD-496C-8DBA-CC36E3EA00F0}"/>
           </ac:spMkLst>
         </pc:spChg>
         <pc:spChg chg="del">
@@ -4341,6 +4469,22 @@
             <ac:grpSpMk id="186" creationId="{00000000-0000-0000-0000-000000000000}"/>
           </ac:grpSpMkLst>
         </pc:grpChg>
+        <pc:grpChg chg="add del ord">
+          <ac:chgData name="Andrie de Vries" userId="38bc69793eb5a597" providerId="LiveId" clId="{2CEA7A8A-E1D7-4D57-B7B5-DD3D91B7588E}" dt="2017-12-21T20:36:23.644" v="5105" actId="478"/>
+          <ac:grpSpMkLst>
+            <pc:docMk/>
+            <pc:sldMk cId="102100164" sldId="257"/>
+            <ac:grpSpMk id="257" creationId="{96F0628A-521A-4546-A2D4-DB890706C7E9}"/>
+          </ac:grpSpMkLst>
+        </pc:grpChg>
+        <pc:grpChg chg="add">
+          <ac:chgData name="Andrie de Vries" userId="38bc69793eb5a597" providerId="LiveId" clId="{2CEA7A8A-E1D7-4D57-B7B5-DD3D91B7588E}" dt="2017-12-21T20:36:24.147" v="5106"/>
+          <ac:grpSpMkLst>
+            <pc:docMk/>
+            <pc:sldMk cId="102100164" sldId="257"/>
+            <ac:grpSpMk id="266" creationId="{B19C63C2-F948-477E-B300-93FA6F70A7EF}"/>
+          </ac:grpSpMkLst>
+        </pc:grpChg>
         <pc:graphicFrameChg chg="add del">
           <ac:chgData name="Andrie de Vries" userId="38bc69793eb5a597" providerId="LiveId" clId="{2CEA7A8A-E1D7-4D57-B7B5-DD3D91B7588E}" dt="2017-12-20T13:05:22.156" v="2229" actId="478"/>
           <ac:graphicFrameMkLst>
@@ -4421,12 +4565,36 @@
             <ac:graphicFrameMk id="253" creationId="{00000000-0000-0000-0000-000000000000}"/>
           </ac:graphicFrameMkLst>
         </pc:graphicFrameChg>
-        <pc:picChg chg="add">
-          <ac:chgData name="Andrie de Vries" userId="38bc69793eb5a597" providerId="LiveId" clId="{2CEA7A8A-E1D7-4D57-B7B5-DD3D91B7588E}" dt="2017-12-20T16:27:21.577" v="2856" actId="1076"/>
+        <pc:picChg chg="add del">
+          <ac:chgData name="Andrie de Vries" userId="38bc69793eb5a597" providerId="LiveId" clId="{2CEA7A8A-E1D7-4D57-B7B5-DD3D91B7588E}" dt="2017-12-21T19:56:19.846" v="5048" actId="478"/>
           <ac:picMkLst>
             <pc:docMk/>
             <pc:sldMk cId="102100164" sldId="257"/>
             <ac:picMk id="158" creationId="{B2D108E3-57EE-4CD8-8953-D79A89AD0DB9}"/>
+          </ac:picMkLst>
+        </pc:picChg>
+        <pc:picChg chg="add del ord">
+          <ac:chgData name="Andrie de Vries" userId="38bc69793eb5a597" providerId="LiveId" clId="{2CEA7A8A-E1D7-4D57-B7B5-DD3D91B7588E}" dt="2017-12-21T19:56:19.846" v="5048" actId="478"/>
+          <ac:picMkLst>
+            <pc:docMk/>
+            <pc:sldMk cId="102100164" sldId="257"/>
+            <ac:picMk id="252" creationId="{A0078014-B43F-4269-BDFA-5AB33A6CDC93}"/>
+          </ac:picMkLst>
+        </pc:picChg>
+        <pc:picChg chg="add ord">
+          <ac:chgData name="Andrie de Vries" userId="38bc69793eb5a597" providerId="LiveId" clId="{2CEA7A8A-E1D7-4D57-B7B5-DD3D91B7588E}" dt="2017-12-21T19:56:24.498" v="5050" actId="167"/>
+          <ac:picMkLst>
+            <pc:docMk/>
+            <pc:sldMk cId="102100164" sldId="257"/>
+            <ac:picMk id="255" creationId="{A2732B0F-0451-4BB4-AC04-BAA84D190514}"/>
+          </ac:picMkLst>
+        </pc:picChg>
+        <pc:picChg chg="del">
+          <ac:chgData name="Andrie de Vries" userId="38bc69793eb5a597" providerId="LiveId" clId="{2CEA7A8A-E1D7-4D57-B7B5-DD3D91B7588E}" dt="2017-12-20T16:27:19.688" v="2855" actId="478"/>
+          <ac:picMkLst>
+            <pc:docMk/>
+            <pc:sldMk cId="102100164" sldId="257"/>
+            <ac:picMk id="1026" creationId="{96B4FD53-9A99-4C89-A0A7-946D9637FA5B}"/>
           </ac:picMkLst>
         </pc:picChg>
         <pc:picChg chg="add mod">
@@ -4435,14 +4603,6 @@
             <pc:docMk/>
             <pc:sldMk cId="102100164" sldId="257"/>
             <ac:picMk id="1026" creationId="{D9A525AE-E545-425F-A2CC-C4E354890FB6}"/>
-          </ac:picMkLst>
-        </pc:picChg>
-        <pc:picChg chg="del">
-          <ac:chgData name="Andrie de Vries" userId="38bc69793eb5a597" providerId="LiveId" clId="{2CEA7A8A-E1D7-4D57-B7B5-DD3D91B7588E}" dt="2017-12-20T16:27:19.688" v="2855" actId="478"/>
-          <ac:picMkLst>
-            <pc:docMk/>
-            <pc:sldMk cId="102100164" sldId="257"/>
-            <ac:picMk id="1026" creationId="{96B4FD53-9A99-4C89-A0A7-946D9637FA5B}"/>
           </ac:picMkLst>
         </pc:picChg>
         <pc:cxnChg chg="add mod">
@@ -7090,7 +7250,7 @@
           </a:ln>
           <a:extLst>
             <a:ext uri="{C572A759-6A51-4108-AA02-DFA0A04FC94B}">
-              <ma14:wrappingTextBoxFlag xmlns="" xmlns:ma14="http://schemas.microsoft.com/office/mac/drawingml/2011/main" val="1"/>
+              <ma14:wrappingTextBoxFlag xmlns:ma14="http://schemas.microsoft.com/office/mac/drawingml/2011/main" xmlns="" val="1"/>
             </a:ext>
           </a:extLst>
         </p:spPr>
@@ -7129,7 +7289,7 @@
           </a:ln>
           <a:extLst>
             <a:ext uri="{C572A759-6A51-4108-AA02-DFA0A04FC94B}">
-              <ma14:wrappingTextBoxFlag xmlns="" xmlns:ma14="http://schemas.microsoft.com/office/mac/drawingml/2011/main" val="1"/>
+              <ma14:wrappingTextBoxFlag xmlns:ma14="http://schemas.microsoft.com/office/mac/drawingml/2011/main" xmlns="" val="1"/>
             </a:ext>
           </a:extLst>
         </p:spPr>
@@ -8047,6 +8207,40 @@
           <a:chExt cx="0" cy="0"/>
         </a:xfrm>
       </p:grpSpPr>
+      <p:pic>
+        <p:nvPicPr>
+          <p:cNvPr id="138" name="pasted-image.pdf" descr="pasted-image.pdf">
+            <a:extLst>
+              <a:ext uri="{FF2B5EF4-FFF2-40B4-BE49-F238E27FC236}">
+                <a16:creationId xmlns:a16="http://schemas.microsoft.com/office/drawing/2014/main" id="{C5CA9C06-B866-43EF-9441-3055FFCDD942}"/>
+              </a:ext>
+            </a:extLst>
+          </p:cNvPr>
+          <p:cNvPicPr>
+            <a:picLocks noChangeAspect="1"/>
+          </p:cNvPicPr>
+          <p:nvPr/>
+        </p:nvPicPr>
+        <p:blipFill rotWithShape="1">
+          <a:blip r:embed="rId2">
+            <a:extLst/>
+          </a:blip>
+          <a:srcRect t="22617" r="188" b="36574"/>
+          <a:stretch/>
+        </p:blipFill>
+        <p:spPr>
+          <a:xfrm>
+            <a:off x="8376725" y="0"/>
+            <a:ext cx="5593275" cy="1221416"/>
+          </a:xfrm>
+          <a:prstGeom prst="rect">
+            <a:avLst/>
+          </a:prstGeom>
+          <a:ln w="12700">
+            <a:miter lim="400000"/>
+          </a:ln>
+        </p:spPr>
+      </p:pic>
       <p:sp>
         <p:nvSpPr>
           <p:cNvPr id="195" name="Rectangle">
@@ -8640,7 +8834,7 @@
           </a:ln>
           <a:extLst>
             <a:ext uri="{C572A759-6A51-4108-AA02-DFA0A04FC94B}">
-              <ma14:wrappingTextBoxFlag xmlns="" xmlns:ma14="http://schemas.microsoft.com/office/mac/drawingml/2011/main" val="1"/>
+              <ma14:wrappingTextBoxFlag xmlns:ma14="http://schemas.microsoft.com/office/mac/drawingml/2011/main" xmlns="" val="1"/>
             </a:ext>
           </a:extLst>
         </p:spPr>
@@ -8738,7 +8932,7 @@
           <a:p>
             <a:r>
               <a:rPr lang="en-GB" dirty="0"/>
-              <a:t>Deep learning with R </a:t>
+              <a:t>Deep Learning with Keras </a:t>
             </a:r>
             <a:r>
               <a:rPr dirty="0"/>
@@ -8810,8 +9004,8 @@
         </p:nvSpPr>
         <p:spPr>
           <a:xfrm>
-            <a:off x="323329" y="1638623"/>
-            <a:ext cx="2952530" cy="1477328"/>
+            <a:off x="323329" y="1640517"/>
+            <a:ext cx="3039556" cy="1495794"/>
           </a:xfrm>
           <a:prstGeom prst="rect">
             <a:avLst/>
@@ -8821,7 +9015,7 @@
           </a:ln>
           <a:extLst>
             <a:ext uri="{C572A759-6A51-4108-AA02-DFA0A04FC94B}">
-              <ma14:wrappingTextBoxFlag xmlns="" xmlns:ma14="http://schemas.microsoft.com/office/mac/drawingml/2011/main" val="1"/>
+              <ma14:wrappingTextBoxFlag xmlns:ma14="http://schemas.microsoft.com/office/mac/drawingml/2011/main" xmlns="" val="1"/>
             </a:ext>
           </a:extLst>
         </p:spPr>
@@ -8833,7 +9027,7 @@
           <a:p>
             <a:pPr>
               <a:lnSpc>
-                <a:spcPct val="80000"/>
+                <a:spcPct val="90000"/>
               </a:lnSpc>
               <a:spcBef>
                 <a:spcPts val="0"/>
@@ -8853,7 +9047,7 @@
             </a:pPr>
             <a:r>
               <a:rPr lang="en-GB" b="0" u="sng" dirty="0">
-                <a:hlinkClick r:id="rId2"/>
+                <a:hlinkClick r:id="rId3"/>
               </a:rPr>
               <a:t>Keras</a:t>
             </a:r>
@@ -8889,7 +9083,7 @@
           <a:p>
             <a:pPr>
               <a:lnSpc>
-                <a:spcPct val="80000"/>
+                <a:spcPct val="90000"/>
               </a:lnSpc>
               <a:spcBef>
                 <a:spcPts val="0"/>
@@ -8912,7 +9106,7 @@
           <a:p>
             <a:pPr>
               <a:lnSpc>
-                <a:spcPct val="80000"/>
+                <a:spcPct val="90000"/>
               </a:lnSpc>
               <a:spcBef>
                 <a:spcPts val="0"/>
@@ -8936,7 +9130,17 @@
             </a:r>
             <a:r>
               <a:rPr lang="en-GB" b="0" dirty="0"/>
-              <a:t> is a lower level mathematical library for building deep neural network architectures. Keras makes it easy to use </a:t>
+              <a:t> is a lower level mathematical library for building deep neural network architectures. The </a:t>
+            </a:r>
+            <a:r>
+              <a:rPr lang="en-GB" b="0" dirty="0">
+                <a:latin typeface="Menlo"/>
+              </a:rPr>
+              <a:t>keras</a:t>
+            </a:r>
+            <a:r>
+              <a:rPr lang="en-GB" b="0" dirty="0"/>
+              <a:t> R package makes it easy to use Keras and </a:t>
             </a:r>
             <a:r>
               <a:rPr lang="en-GB" dirty="0" err="1"/>
@@ -8972,7 +9176,7 @@
           <a:effectLst/>
           <a:extLst>
             <a:ext uri="{C572A759-6A51-4108-AA02-DFA0A04FC94B}">
-              <ma14:wrappingTextBoxFlag xmlns="" xmlns:ma14="http://schemas.microsoft.com/office/mac/drawingml/2011/main" val="1"/>
+              <ma14:wrappingTextBoxFlag xmlns:ma14="http://schemas.microsoft.com/office/mac/drawingml/2011/main" xmlns="" val="1"/>
             </a:ext>
           </a:extLst>
         </p:spPr>
@@ -9107,7 +9311,7 @@
           <p:nvPr/>
         </p:nvPicPr>
         <p:blipFill>
-          <a:blip r:embed="rId3">
+          <a:blip r:embed="rId4">
             <a:extLst/>
           </a:blip>
           <a:stretch>
@@ -9152,7 +9356,7 @@
           </a:ln>
           <a:extLst>
             <a:ext uri="{C572A759-6A51-4108-AA02-DFA0A04FC94B}">
-              <ma14:wrappingTextBoxFlag xmlns="" xmlns:ma14="http://schemas.microsoft.com/office/mac/drawingml/2011/main" val="1"/>
+              <ma14:wrappingTextBoxFlag xmlns:ma14="http://schemas.microsoft.com/office/mac/drawingml/2011/main" xmlns="" val="1"/>
             </a:ext>
           </a:extLst>
         </p:spPr>
@@ -9181,7 +9385,7 @@
             </a:r>
             <a:r>
               <a:rPr dirty="0">
-                <a:hlinkClick r:id="rId4"/>
+                <a:hlinkClick r:id="rId5"/>
               </a:rPr>
               <a:t>CC BY</a:t>
             </a:r>
@@ -9195,7 +9399,7 @@
             </a:r>
             <a:r>
               <a:rPr dirty="0">
-                <a:hlinkClick r:id="rId5"/>
+                <a:hlinkClick r:id="rId6"/>
               </a:rPr>
               <a:t>info@rstudio.com</a:t>
             </a:r>
@@ -9205,7 +9409,7 @@
             </a:r>
             <a:r>
               <a:rPr dirty="0">
-                <a:hlinkClick r:id="rId6"/>
+                <a:hlinkClick r:id="rId7"/>
               </a:rPr>
               <a:t>rstudio.com</a:t>
             </a:r>
@@ -9269,7 +9473,7 @@
           </a:ln>
           <a:extLst>
             <a:ext uri="{C572A759-6A51-4108-AA02-DFA0A04FC94B}">
-              <ma14:wrappingTextBoxFlag xmlns="" xmlns:ma14="http://schemas.microsoft.com/office/mac/drawingml/2011/main" val="1"/>
+              <ma14:wrappingTextBoxFlag xmlns:ma14="http://schemas.microsoft.com/office/mac/drawingml/2011/main" xmlns="" val="1"/>
             </a:ext>
           </a:extLst>
         </p:spPr>
@@ -9358,7 +9562,7 @@
           </a:ln>
           <a:extLst>
             <a:ext uri="{C572A759-6A51-4108-AA02-DFA0A04FC94B}">
-              <ma14:wrappingTextBoxFlag xmlns="" xmlns:ma14="http://schemas.microsoft.com/office/mac/drawingml/2011/main" val="1"/>
+              <ma14:wrappingTextBoxFlag xmlns:ma14="http://schemas.microsoft.com/office/mac/drawingml/2011/main" xmlns="" val="1"/>
             </a:ext>
           </a:extLst>
         </p:spPr>
@@ -9448,7 +9652,7 @@
             </a:avLst>
           </a:prstGeom>
           <a:blipFill>
-            <a:blip r:embed="rId7">
+            <a:blip r:embed="rId8">
               <a:alphaModFix amt="43011"/>
             </a:blip>
           </a:blipFill>
@@ -9501,7 +9705,7 @@
             </a:avLst>
           </a:prstGeom>
           <a:blipFill>
-            <a:blip r:embed="rId7">
+            <a:blip r:embed="rId8">
               <a:alphaModFix amt="43011"/>
             </a:blip>
           </a:blipFill>
@@ -9555,7 +9759,7 @@
           </a:ln>
           <a:extLst>
             <a:ext uri="{C572A759-6A51-4108-AA02-DFA0A04FC94B}">
-              <ma14:wrappingTextBoxFlag xmlns="" xmlns:ma14="http://schemas.microsoft.com/office/mac/drawingml/2011/main" val="1"/>
+              <ma14:wrappingTextBoxFlag xmlns:ma14="http://schemas.microsoft.com/office/mac/drawingml/2011/main" xmlns="" val="1"/>
             </a:ext>
           </a:extLst>
         </p:spPr>
@@ -9609,7 +9813,7 @@
           </a:ln>
           <a:extLst>
             <a:ext uri="{C572A759-6A51-4108-AA02-DFA0A04FC94B}">
-              <ma14:wrappingTextBoxFlag xmlns="" xmlns:ma14="http://schemas.microsoft.com/office/mac/drawingml/2011/main" val="1"/>
+              <ma14:wrappingTextBoxFlag xmlns:ma14="http://schemas.microsoft.com/office/mac/drawingml/2011/main" xmlns="" val="1"/>
             </a:ext>
           </a:extLst>
         </p:spPr>
@@ -9717,7 +9921,7 @@
           </a:ln>
           <a:extLst>
             <a:ext uri="{C572A759-6A51-4108-AA02-DFA0A04FC94B}">
-              <ma14:wrappingTextBoxFlag xmlns="" xmlns:ma14="http://schemas.microsoft.com/office/mac/drawingml/2011/main" val="1"/>
+              <ma14:wrappingTextBoxFlag xmlns:ma14="http://schemas.microsoft.com/office/mac/drawingml/2011/main" xmlns="" val="1"/>
             </a:ext>
           </a:extLst>
         </p:spPr>
@@ -9821,7 +10025,7 @@
           </a:ln>
           <a:extLst>
             <a:ext uri="{C572A759-6A51-4108-AA02-DFA0A04FC94B}">
-              <ma14:wrappingTextBoxFlag xmlns="" xmlns:ma14="http://schemas.microsoft.com/office/mac/drawingml/2011/main" val="1"/>
+              <ma14:wrappingTextBoxFlag xmlns:ma14="http://schemas.microsoft.com/office/mac/drawingml/2011/main" xmlns="" val="1"/>
             </a:ext>
           </a:extLst>
         </p:spPr>
@@ -9872,7 +10076,7 @@
             </a:avLst>
           </a:prstGeom>
           <a:blipFill>
-            <a:blip r:embed="rId7">
+            <a:blip r:embed="rId8">
               <a:alphaModFix amt="43011"/>
             </a:blip>
           </a:blipFill>
@@ -9982,7 +10186,7 @@
           </a:ln>
           <a:extLst>
             <a:ext uri="{C572A759-6A51-4108-AA02-DFA0A04FC94B}">
-              <ma14:wrappingTextBoxFlag xmlns="" xmlns:ma14="http://schemas.microsoft.com/office/mac/drawingml/2011/main" val="1"/>
+              <ma14:wrappingTextBoxFlag xmlns:ma14="http://schemas.microsoft.com/office/mac/drawingml/2011/main" xmlns="" val="1"/>
             </a:ext>
           </a:extLst>
         </p:spPr>
@@ -10067,7 +10271,7 @@
           </a:ln>
           <a:extLst>
             <a:ext uri="{C572A759-6A51-4108-AA02-DFA0A04FC94B}">
-              <ma14:wrappingTextBoxFlag xmlns="" xmlns:ma14="http://schemas.microsoft.com/office/mac/drawingml/2011/main" val="1"/>
+              <ma14:wrappingTextBoxFlag xmlns:ma14="http://schemas.microsoft.com/office/mac/drawingml/2011/main" xmlns="" val="1"/>
             </a:ext>
           </a:extLst>
         </p:spPr>
@@ -10118,7 +10322,7 @@
             </a:avLst>
           </a:prstGeom>
           <a:blipFill>
-            <a:blip r:embed="rId7">
+            <a:blip r:embed="rId8">
               <a:alphaModFix amt="43011"/>
             </a:blip>
           </a:blipFill>
@@ -10228,7 +10432,7 @@
           </a:ln>
           <a:extLst>
             <a:ext uri="{C572A759-6A51-4108-AA02-DFA0A04FC94B}">
-              <ma14:wrappingTextBoxFlag xmlns="" xmlns:ma14="http://schemas.microsoft.com/office/mac/drawingml/2011/main" val="1"/>
+              <ma14:wrappingTextBoxFlag xmlns:ma14="http://schemas.microsoft.com/office/mac/drawingml/2011/main" xmlns="" val="1"/>
             </a:ext>
           </a:extLst>
         </p:spPr>
@@ -10313,7 +10517,7 @@
           </a:ln>
           <a:extLst>
             <a:ext uri="{C572A759-6A51-4108-AA02-DFA0A04FC94B}">
-              <ma14:wrappingTextBoxFlag xmlns="" xmlns:ma14="http://schemas.microsoft.com/office/mac/drawingml/2011/main" val="1"/>
+              <ma14:wrappingTextBoxFlag xmlns:ma14="http://schemas.microsoft.com/office/mac/drawingml/2011/main" xmlns="" val="1"/>
             </a:ext>
           </a:extLst>
         </p:spPr>
@@ -10403,7 +10607,7 @@
         <p:spPr>
           <a:xfrm>
             <a:off x="10393646" y="1523158"/>
-            <a:ext cx="3356007" cy="295466"/>
+            <a:ext cx="3356007" cy="332399"/>
           </a:xfrm>
           <a:prstGeom prst="rect">
             <a:avLst/>
@@ -10413,7 +10617,7 @@
           </a:ln>
           <a:extLst>
             <a:ext uri="{C572A759-6A51-4108-AA02-DFA0A04FC94B}">
-              <ma14:wrappingTextBoxFlag xmlns="" xmlns:ma14="http://schemas.microsoft.com/office/mac/drawingml/2011/main" val="1"/>
+              <ma14:wrappingTextBoxFlag xmlns:ma14="http://schemas.microsoft.com/office/mac/drawingml/2011/main" xmlns="" val="1"/>
             </a:ext>
           </a:extLst>
         </p:spPr>
@@ -10425,7 +10629,7 @@
           <a:p>
             <a:pPr>
               <a:lnSpc>
-                <a:spcPct val="80000"/>
+                <a:spcPct val="90000"/>
               </a:lnSpc>
               <a:spcBef>
                 <a:spcPts val="0"/>
@@ -10445,7 +10649,17 @@
             </a:pPr>
             <a:r>
               <a:rPr lang="en-GB" dirty="0"/>
-              <a:t>The keras package uses the Python keras library.  You can install all the prerequisites directly from R.</a:t>
+              <a:t>The </a:t>
+            </a:r>
+            <a:r>
+              <a:rPr lang="en-GB" dirty="0">
+                <a:latin typeface="Menlo"/>
+              </a:rPr>
+              <a:t>keras</a:t>
+            </a:r>
+            <a:r>
+              <a:rPr lang="en-GB" dirty="0"/>
+              <a:t> R package uses the Python keras library.  You can install all the prerequisites directly from R.</a:t>
             </a:r>
             <a:endParaRPr dirty="0"/>
           </a:p>
@@ -10465,7 +10679,7 @@
         </p:nvSpPr>
         <p:spPr>
           <a:xfrm>
-            <a:off x="10408174" y="2044576"/>
+            <a:off x="10408174" y="2140112"/>
             <a:ext cx="3181876" cy="479538"/>
           </a:xfrm>
           <a:prstGeom prst="rect">
@@ -10482,7 +10696,7 @@
           </a:ln>
           <a:extLst>
             <a:ext uri="{C572A759-6A51-4108-AA02-DFA0A04FC94B}">
-              <ma14:wrappingTextBoxFlag xmlns="" xmlns:ma14="http://schemas.microsoft.com/office/mac/drawingml/2011/main" val="1"/>
+              <ma14:wrappingTextBoxFlag xmlns:ma14="http://schemas.microsoft.com/office/mac/drawingml/2011/main" xmlns="" val="1"/>
             </a:ext>
           </a:extLst>
         </p:spPr>
@@ -10552,8 +10766,8 @@
         </p:nvSpPr>
         <p:spPr>
           <a:xfrm>
-            <a:off x="10366350" y="2620382"/>
-            <a:ext cx="3356007" cy="590931"/>
+            <a:off x="10366350" y="2715918"/>
+            <a:ext cx="3356007" cy="498598"/>
           </a:xfrm>
           <a:prstGeom prst="rect">
             <a:avLst/>
@@ -10563,7 +10777,7 @@
           </a:ln>
           <a:extLst>
             <a:ext uri="{C572A759-6A51-4108-AA02-DFA0A04FC94B}">
-              <ma14:wrappingTextBoxFlag xmlns="" xmlns:ma14="http://schemas.microsoft.com/office/mac/drawingml/2011/main" val="1"/>
+              <ma14:wrappingTextBoxFlag xmlns:ma14="http://schemas.microsoft.com/office/mac/drawingml/2011/main" xmlns="" val="1"/>
             </a:ext>
           </a:extLst>
         </p:spPr>
@@ -10575,7 +10789,7 @@
           <a:p>
             <a:pPr>
               <a:lnSpc>
-                <a:spcPct val="80000"/>
+                <a:spcPct val="90000"/>
               </a:lnSpc>
               <a:spcBef>
                 <a:spcPts val="0"/>
@@ -10595,7 +10809,7 @@
             </a:pPr>
             <a:r>
               <a:rPr lang="en-GB" dirty="0"/>
-              <a:t>This installs the required Python libraries in an Anaconda environment or virtual environment called '</a:t>
+              <a:t>This installs the required libraries in an Anaconda environment or virtual environment '</a:t>
             </a:r>
             <a:r>
               <a:rPr lang="en-GB" dirty="0">
@@ -10617,7 +10831,7 @@
           <a:p>
             <a:pPr>
               <a:lnSpc>
-                <a:spcPct val="80000"/>
+                <a:spcPct val="90000"/>
               </a:lnSpc>
               <a:spcBef>
                 <a:spcPts val="0"/>
@@ -10667,7 +10881,7 @@
           <a:effectLst/>
           <a:extLst>
             <a:ext uri="{C572A759-6A51-4108-AA02-DFA0A04FC94B}">
-              <ma14:wrappingTextBoxFlag xmlns="" xmlns:ma14="http://schemas.microsoft.com/office/mac/drawingml/2011/main" val="1"/>
+              <ma14:wrappingTextBoxFlag xmlns:ma14="http://schemas.microsoft.com/office/mac/drawingml/2011/main" xmlns="" val="1"/>
             </a:ext>
           </a:extLst>
         </p:spPr>
@@ -10717,7 +10931,7 @@
           </a:ln>
           <a:extLst>
             <a:ext uri="{C572A759-6A51-4108-AA02-DFA0A04FC94B}">
-              <ma14:wrappingTextBoxFlag xmlns="" xmlns:ma14="http://schemas.microsoft.com/office/mac/drawingml/2011/main" val="1"/>
+              <ma14:wrappingTextBoxFlag xmlns:ma14="http://schemas.microsoft.com/office/mac/drawingml/2011/main" xmlns="" val="1"/>
             </a:ext>
           </a:extLst>
         </p:spPr>
@@ -11837,7 +12051,7 @@
           <a:effectLst/>
           <a:extLst>
             <a:ext uri="{C572A759-6A51-4108-AA02-DFA0A04FC94B}">
-              <ma14:wrappingTextBoxFlag xmlns="" xmlns:ma14="http://schemas.microsoft.com/office/mac/drawingml/2011/main" val="1"/>
+              <ma14:wrappingTextBoxFlag xmlns:ma14="http://schemas.microsoft.com/office/mac/drawingml/2011/main" xmlns="" val="1"/>
             </a:ext>
           </a:extLst>
         </p:spPr>
@@ -11883,7 +12097,7 @@
           <a:effectLst/>
           <a:extLst>
             <a:ext uri="{C572A759-6A51-4108-AA02-DFA0A04FC94B}">
-              <ma14:wrappingTextBoxFlag xmlns:ma14="http://schemas.microsoft.com/office/mac/drawingml/2011/main" xmlns="" val="1"/>
+              <ma14:wrappingTextBoxFlag xmlns="" xmlns:ma14="http://schemas.microsoft.com/office/mac/drawingml/2011/main" val="1"/>
             </a:ext>
           </a:extLst>
         </p:spPr>
@@ -12010,7 +12224,7 @@
           <a:effectLst/>
           <a:extLst>
             <a:ext uri="{C572A759-6A51-4108-AA02-DFA0A04FC94B}">
-              <ma14:wrappingTextBoxFlag xmlns:ma14="http://schemas.microsoft.com/office/mac/drawingml/2011/main" xmlns="" val="1"/>
+              <ma14:wrappingTextBoxFlag xmlns="" xmlns:ma14="http://schemas.microsoft.com/office/mac/drawingml/2011/main" val="1"/>
             </a:ext>
           </a:extLst>
         </p:spPr>
@@ -12080,7 +12294,7 @@
           <a:effectLst/>
           <a:extLst>
             <a:ext uri="{C572A759-6A51-4108-AA02-DFA0A04FC94B}">
-              <ma14:wrappingTextBoxFlag xmlns="" xmlns:ma14="http://schemas.microsoft.com/office/mac/drawingml/2011/main" val="1"/>
+              <ma14:wrappingTextBoxFlag xmlns:ma14="http://schemas.microsoft.com/office/mac/drawingml/2011/main" xmlns="" val="1"/>
             </a:ext>
           </a:extLst>
         </p:spPr>
@@ -12126,7 +12340,7 @@
           <a:effectLst/>
           <a:extLst>
             <a:ext uri="{C572A759-6A51-4108-AA02-DFA0A04FC94B}">
-              <ma14:wrappingTextBoxFlag xmlns:ma14="http://schemas.microsoft.com/office/mac/drawingml/2011/main" xmlns="" val="1"/>
+              <ma14:wrappingTextBoxFlag xmlns="" xmlns:ma14="http://schemas.microsoft.com/office/mac/drawingml/2011/main" val="1"/>
             </a:ext>
           </a:extLst>
         </p:spPr>
@@ -12289,7 +12503,7 @@
           <a:effectLst/>
           <a:extLst>
             <a:ext uri="{C572A759-6A51-4108-AA02-DFA0A04FC94B}">
-              <ma14:wrappingTextBoxFlag xmlns="" xmlns:ma14="http://schemas.microsoft.com/office/mac/drawingml/2011/main" val="1"/>
+              <ma14:wrappingTextBoxFlag xmlns:ma14="http://schemas.microsoft.com/office/mac/drawingml/2011/main" xmlns="" val="1"/>
             </a:ext>
           </a:extLst>
         </p:spPr>
@@ -12335,7 +12549,7 @@
           <a:effectLst/>
           <a:extLst>
             <a:ext uri="{C572A759-6A51-4108-AA02-DFA0A04FC94B}">
-              <ma14:wrappingTextBoxFlag xmlns:ma14="http://schemas.microsoft.com/office/mac/drawingml/2011/main" xmlns="" val="1"/>
+              <ma14:wrappingTextBoxFlag xmlns="" xmlns:ma14="http://schemas.microsoft.com/office/mac/drawingml/2011/main" val="1"/>
             </a:ext>
           </a:extLst>
         </p:spPr>
@@ -12432,7 +12646,7 @@
           <a:effectLst/>
           <a:extLst>
             <a:ext uri="{C572A759-6A51-4108-AA02-DFA0A04FC94B}">
-              <ma14:wrappingTextBoxFlag xmlns="" xmlns:ma14="http://schemas.microsoft.com/office/mac/drawingml/2011/main" val="1"/>
+              <ma14:wrappingTextBoxFlag xmlns:ma14="http://schemas.microsoft.com/office/mac/drawingml/2011/main" xmlns="" val="1"/>
             </a:ext>
           </a:extLst>
         </p:spPr>
@@ -12478,7 +12692,7 @@
           <a:effectLst/>
           <a:extLst>
             <a:ext uri="{C572A759-6A51-4108-AA02-DFA0A04FC94B}">
-              <ma14:wrappingTextBoxFlag xmlns="" xmlns:ma14="http://schemas.microsoft.com/office/mac/drawingml/2011/main" val="1"/>
+              <ma14:wrappingTextBoxFlag xmlns:ma14="http://schemas.microsoft.com/office/mac/drawingml/2011/main" xmlns="" val="1"/>
             </a:ext>
           </a:extLst>
         </p:spPr>
@@ -12524,7 +12738,7 @@
           <a:effectLst/>
           <a:extLst>
             <a:ext uri="{C572A759-6A51-4108-AA02-DFA0A04FC94B}">
-              <ma14:wrappingTextBoxFlag xmlns:ma14="http://schemas.microsoft.com/office/mac/drawingml/2011/main" xmlns="" val="1"/>
+              <ma14:wrappingTextBoxFlag xmlns="" xmlns:ma14="http://schemas.microsoft.com/office/mac/drawingml/2011/main" val="1"/>
             </a:ext>
           </a:extLst>
         </p:spPr>
@@ -12795,7 +13009,7 @@
           <a:effectLst/>
           <a:extLst>
             <a:ext uri="{C572A759-6A51-4108-AA02-DFA0A04FC94B}">
-              <ma14:wrappingTextBoxFlag xmlns="" xmlns:ma14="http://schemas.microsoft.com/office/mac/drawingml/2011/main" val="1"/>
+              <ma14:wrappingTextBoxFlag xmlns:ma14="http://schemas.microsoft.com/office/mac/drawingml/2011/main" xmlns="" val="1"/>
             </a:ext>
           </a:extLst>
         </p:spPr>
@@ -12841,7 +13055,7 @@
           <a:effectLst/>
           <a:extLst>
             <a:ext uri="{C572A759-6A51-4108-AA02-DFA0A04FC94B}">
-              <ma14:wrappingTextBoxFlag xmlns:ma14="http://schemas.microsoft.com/office/mac/drawingml/2011/main" xmlns="" val="1"/>
+              <ma14:wrappingTextBoxFlag xmlns="" xmlns:ma14="http://schemas.microsoft.com/office/mac/drawingml/2011/main" val="1"/>
             </a:ext>
           </a:extLst>
         </p:spPr>
@@ -13000,7 +13214,7 @@
           <a:effectLst/>
           <a:extLst>
             <a:ext uri="{C572A759-6A51-4108-AA02-DFA0A04FC94B}">
-              <ma14:wrappingTextBoxFlag xmlns:ma14="http://schemas.microsoft.com/office/mac/drawingml/2011/main" xmlns="" val="1"/>
+              <ma14:wrappingTextBoxFlag xmlns="" xmlns:ma14="http://schemas.microsoft.com/office/mac/drawingml/2011/main" val="1"/>
             </a:ext>
           </a:extLst>
         </p:spPr>
@@ -19152,36 +19366,6 @@
           </a:p>
         </p:txBody>
       </p:sp>
-      <p:pic>
-        <p:nvPicPr>
-          <p:cNvPr id="3" name="Picture 2">
-            <a:extLst>
-              <a:ext uri="{FF2B5EF4-FFF2-40B4-BE49-F238E27FC236}">
-                <a16:creationId xmlns:a16="http://schemas.microsoft.com/office/drawing/2014/main" id="{16E49FB6-FB27-4445-92DE-89A7A5389481}"/>
-              </a:ext>
-            </a:extLst>
-          </p:cNvPr>
-          <p:cNvPicPr>
-            <a:picLocks noChangeAspect="1"/>
-          </p:cNvPicPr>
-          <p:nvPr/>
-        </p:nvPicPr>
-        <p:blipFill>
-          <a:blip r:embed="rId8"/>
-          <a:stretch>
-            <a:fillRect/>
-          </a:stretch>
-        </p:blipFill>
-        <p:spPr>
-          <a:xfrm>
-            <a:off x="11621772" y="348905"/>
-            <a:ext cx="1998788" cy="801774"/>
-          </a:xfrm>
-          <a:prstGeom prst="rect">
-            <a:avLst/>
-          </a:prstGeom>
-        </p:spPr>
-      </p:pic>
       <p:sp>
         <p:nvSpPr>
           <p:cNvPr id="4" name="Rectangle 3">
@@ -19196,7 +19380,7 @@
         </p:nvSpPr>
         <p:spPr>
           <a:xfrm>
-            <a:off x="10290007" y="1816268"/>
+            <a:off x="10290007" y="1857212"/>
             <a:ext cx="3432350" cy="261610"/>
           </a:xfrm>
           <a:prstGeom prst="rect">
@@ -19244,7 +19428,7 @@
           <a:effectLst/>
           <a:extLst>
             <a:ext uri="{C572A759-6A51-4108-AA02-DFA0A04FC94B}">
-              <ma14:wrappingTextBoxFlag xmlns="" xmlns:ma14="http://schemas.microsoft.com/office/mac/drawingml/2011/main" val="1"/>
+              <ma14:wrappingTextBoxFlag xmlns:ma14="http://schemas.microsoft.com/office/mac/drawingml/2011/main" xmlns="" val="1"/>
             </a:ext>
           </a:extLst>
         </p:spPr>
@@ -19276,7 +19460,7 @@
         </p:nvSpPr>
         <p:spPr>
           <a:xfrm>
-            <a:off x="11913233" y="2084937"/>
+            <a:off x="11913233" y="2180473"/>
             <a:ext cx="1892300" cy="411673"/>
           </a:xfrm>
           <a:prstGeom prst="wedgeRoundRectCallout">
@@ -19367,7 +19551,7 @@
           <a:effectLst/>
           <a:extLst>
             <a:ext uri="{C572A759-6A51-4108-AA02-DFA0A04FC94B}">
-              <ma14:wrappingTextBoxFlag xmlns="" xmlns:ma14="http://schemas.microsoft.com/office/mac/drawingml/2011/main" val="1"/>
+              <ma14:wrappingTextBoxFlag xmlns:ma14="http://schemas.microsoft.com/office/mac/drawingml/2011/main" xmlns="" val="1"/>
             </a:ext>
           </a:extLst>
         </p:spPr>
@@ -19502,12 +19686,23 @@
           <a:p>
             <a:r>
               <a:rPr lang="en-GB" dirty="0">
+                <a:solidFill>
+                  <a:schemeClr val="bg1">
+                    <a:lumMod val="50000"/>
+                  </a:schemeClr>
+                </a:solidFill>
                 <a:hlinkClick r:id="rId11"/>
               </a:rPr>
               <a:t>https://www.manning.com/books/deep-learning-with-r</a:t>
             </a:r>
             <a:r>
-              <a:rPr lang="en-GB" dirty="0"/>
+              <a:rPr lang="en-GB" dirty="0">
+                <a:solidFill>
+                  <a:schemeClr val="bg1">
+                    <a:lumMod val="50000"/>
+                  </a:schemeClr>
+                </a:solidFill>
+              </a:rPr>
               <a:t> </a:t>
             </a:r>
           </a:p>
@@ -19574,6 +19769,352 @@
           </a:p>
         </p:txBody>
       </p:sp>
+      <p:sp>
+        <p:nvSpPr>
+          <p:cNvPr id="13" name="AutoShape 10" descr="Image result for keras logo svg">
+            <a:extLst>
+              <a:ext uri="{FF2B5EF4-FFF2-40B4-BE49-F238E27FC236}">
+                <a16:creationId xmlns:a16="http://schemas.microsoft.com/office/drawing/2014/main" id="{D84AF96F-57A4-45EA-8BF1-999B6E24B0BC}"/>
+              </a:ext>
+            </a:extLst>
+          </p:cNvPr>
+          <p:cNvSpPr>
+            <a:spLocks noChangeAspect="1" noChangeArrowheads="1"/>
+          </p:cNvSpPr>
+          <p:nvPr/>
+        </p:nvSpPr>
+        <p:spPr bwMode="auto">
+          <a:xfrm>
+            <a:off x="6832600" y="5245100"/>
+            <a:ext cx="304800" cy="304800"/>
+          </a:xfrm>
+          <a:prstGeom prst="rect">
+            <a:avLst/>
+          </a:prstGeom>
+          <a:noFill/>
+          <a:extLst>
+            <a:ext uri="{909E8E84-426E-40DD-AFC4-6F175D3DCCD1}">
+              <a14:hiddenFill xmlns:a14="http://schemas.microsoft.com/office/drawing/2010/main">
+                <a:solidFill>
+                  <a:srgbClr val="FFFFFF"/>
+                </a:solidFill>
+              </a14:hiddenFill>
+            </a:ext>
+          </a:extLst>
+        </p:spPr>
+        <p:txBody>
+          <a:bodyPr vert="horz" wrap="square" lIns="91440" tIns="45720" rIns="91440" bIns="45720" numCol="1" anchor="t" anchorCtr="0" compatLnSpc="1">
+            <a:prstTxWarp prst="textNoShape">
+              <a:avLst/>
+            </a:prstTxWarp>
+          </a:bodyPr>
+          <a:lstStyle/>
+          <a:p>
+            <a:endParaRPr lang="en-GB"/>
+          </a:p>
+        </p:txBody>
+      </p:sp>
+      <p:sp>
+        <p:nvSpPr>
+          <p:cNvPr id="14" name="AutoShape 12" descr="Image result for keras logo svg">
+            <a:extLst>
+              <a:ext uri="{FF2B5EF4-FFF2-40B4-BE49-F238E27FC236}">
+                <a16:creationId xmlns:a16="http://schemas.microsoft.com/office/drawing/2014/main" id="{6E4959B0-73CD-428D-BBD2-AED57E1D5CC7}"/>
+              </a:ext>
+            </a:extLst>
+          </p:cNvPr>
+          <p:cNvSpPr>
+            <a:spLocks noChangeAspect="1" noChangeArrowheads="1"/>
+          </p:cNvSpPr>
+          <p:nvPr/>
+        </p:nvSpPr>
+        <p:spPr bwMode="auto">
+          <a:xfrm>
+            <a:off x="6985000" y="5397500"/>
+            <a:ext cx="304800" cy="304800"/>
+          </a:xfrm>
+          <a:prstGeom prst="rect">
+            <a:avLst/>
+          </a:prstGeom>
+          <a:noFill/>
+          <a:extLst>
+            <a:ext uri="{909E8E84-426E-40DD-AFC4-6F175D3DCCD1}">
+              <a14:hiddenFill xmlns:a14="http://schemas.microsoft.com/office/drawing/2010/main">
+                <a:solidFill>
+                  <a:srgbClr val="FFFFFF"/>
+                </a:solidFill>
+              </a14:hiddenFill>
+            </a:ext>
+          </a:extLst>
+        </p:spPr>
+        <p:txBody>
+          <a:bodyPr vert="horz" wrap="square" lIns="91440" tIns="45720" rIns="91440" bIns="45720" numCol="1" anchor="t" anchorCtr="0" compatLnSpc="1">
+            <a:prstTxWarp prst="textNoShape">
+              <a:avLst/>
+            </a:prstTxWarp>
+          </a:bodyPr>
+          <a:lstStyle/>
+          <a:p>
+            <a:endParaRPr lang="en-GB"/>
+          </a:p>
+        </p:txBody>
+      </p:sp>
+      <p:grpSp>
+        <p:nvGrpSpPr>
+          <p:cNvPr id="158" name="Group 157">
+            <a:extLst>
+              <a:ext uri="{FF2B5EF4-FFF2-40B4-BE49-F238E27FC236}">
+                <a16:creationId xmlns:a16="http://schemas.microsoft.com/office/drawing/2014/main" id="{5ADF2E71-2C2F-4152-B295-CCD099174FFE}"/>
+              </a:ext>
+            </a:extLst>
+          </p:cNvPr>
+          <p:cNvGrpSpPr/>
+          <p:nvPr/>
+        </p:nvGrpSpPr>
+        <p:grpSpPr>
+          <a:xfrm>
+            <a:off x="12041158" y="292206"/>
+            <a:ext cx="1643837" cy="937921"/>
+            <a:chOff x="12041158" y="292206"/>
+            <a:chExt cx="1643837" cy="937921"/>
+          </a:xfrm>
+        </p:grpSpPr>
+        <p:grpSp>
+          <p:nvGrpSpPr>
+            <p:cNvPr id="159" name="Group 158">
+              <a:extLst>
+                <a:ext uri="{FF2B5EF4-FFF2-40B4-BE49-F238E27FC236}">
+                  <a16:creationId xmlns:a16="http://schemas.microsoft.com/office/drawing/2014/main" id="{879C8B74-D4AE-4084-BF3C-DC33ECCB5869}"/>
+                </a:ext>
+              </a:extLst>
+            </p:cNvPr>
+            <p:cNvGrpSpPr/>
+            <p:nvPr/>
+          </p:nvGrpSpPr>
+          <p:grpSpPr>
+            <a:xfrm>
+              <a:off x="12041158" y="325834"/>
+              <a:ext cx="660224" cy="904293"/>
+              <a:chOff x="12041158" y="325834"/>
+              <a:chExt cx="660224" cy="904293"/>
+            </a:xfrm>
+          </p:grpSpPr>
+          <p:pic>
+            <p:nvPicPr>
+              <p:cNvPr id="163" name="Picture 4" descr="Image result for keras logo svg">
+                <a:extLst>
+                  <a:ext uri="{FF2B5EF4-FFF2-40B4-BE49-F238E27FC236}">
+                    <a16:creationId xmlns:a16="http://schemas.microsoft.com/office/drawing/2014/main" id="{A3BB631B-58D3-43B9-A4DA-17669010CA2B}"/>
+                  </a:ext>
+                </a:extLst>
+              </p:cNvPr>
+              <p:cNvPicPr>
+                <a:picLocks noChangeAspect="1" noChangeArrowheads="1"/>
+              </p:cNvPicPr>
+              <p:nvPr/>
+            </p:nvPicPr>
+            <p:blipFill>
+              <a:blip r:embed="rId12">
+                <a:extLst>
+                  <a:ext uri="{28A0092B-C50C-407E-A947-70E740481C1C}">
+                    <a14:useLocalDpi xmlns:a14="http://schemas.microsoft.com/office/drawing/2010/main" val="0"/>
+                  </a:ext>
+                </a:extLst>
+              </a:blip>
+              <a:srcRect/>
+              <a:stretch>
+                <a:fillRect/>
+              </a:stretch>
+            </p:blipFill>
+            <p:spPr bwMode="auto">
+              <a:xfrm>
+                <a:off x="12041158" y="325834"/>
+                <a:ext cx="660224" cy="660224"/>
+              </a:xfrm>
+              <a:prstGeom prst="rect">
+                <a:avLst/>
+              </a:prstGeom>
+              <a:noFill/>
+              <a:extLst>
+                <a:ext uri="{909E8E84-426E-40DD-AFC4-6F175D3DCCD1}">
+                  <a14:hiddenFill xmlns:a14="http://schemas.microsoft.com/office/drawing/2010/main">
+                    <a:solidFill>
+                      <a:srgbClr val="FFFFFF"/>
+                    </a:solidFill>
+                  </a14:hiddenFill>
+                </a:ext>
+              </a:extLst>
+            </p:spPr>
+          </p:pic>
+          <p:sp>
+            <p:nvSpPr>
+              <p:cNvPr id="164" name="Rectangle 163">
+                <a:extLst>
+                  <a:ext uri="{FF2B5EF4-FFF2-40B4-BE49-F238E27FC236}">
+                    <a16:creationId xmlns:a16="http://schemas.microsoft.com/office/drawing/2014/main" id="{68B020E8-9DA4-4B07-B2AE-FAF231D9F749}"/>
+                  </a:ext>
+                </a:extLst>
+              </p:cNvPr>
+              <p:cNvSpPr/>
+              <p:nvPr/>
+            </p:nvSpPr>
+            <p:spPr>
+              <a:xfrm>
+                <a:off x="12041158" y="953128"/>
+                <a:ext cx="660224" cy="276999"/>
+              </a:xfrm>
+              <a:prstGeom prst="rect">
+                <a:avLst/>
+              </a:prstGeom>
+            </p:spPr>
+            <p:txBody>
+              <a:bodyPr wrap="square">
+                <a:spAutoFit/>
+              </a:bodyPr>
+              <a:lstStyle/>
+              <a:p>
+                <a:pPr algn="ctr"/>
+                <a:r>
+                  <a:rPr lang="en-GB" dirty="0">
+                    <a:solidFill>
+                      <a:srgbClr val="D00000"/>
+                    </a:solidFill>
+                    <a:latin typeface="Menlo"/>
+                  </a:rPr>
+                  <a:t>Keras</a:t>
+                </a:r>
+                <a:endParaRPr lang="en-GB" dirty="0">
+                  <a:solidFill>
+                    <a:srgbClr val="D00000"/>
+                  </a:solidFill>
+                </a:endParaRPr>
+              </a:p>
+            </p:txBody>
+          </p:sp>
+        </p:grpSp>
+        <p:grpSp>
+          <p:nvGrpSpPr>
+            <p:cNvPr id="160" name="Group 159">
+              <a:extLst>
+                <a:ext uri="{FF2B5EF4-FFF2-40B4-BE49-F238E27FC236}">
+                  <a16:creationId xmlns:a16="http://schemas.microsoft.com/office/drawing/2014/main" id="{1CA669A3-F83C-4F0E-BEF2-9E9E983067D4}"/>
+                </a:ext>
+              </a:extLst>
+            </p:cNvPr>
+            <p:cNvGrpSpPr/>
+            <p:nvPr/>
+          </p:nvGrpSpPr>
+          <p:grpSpPr>
+            <a:xfrm>
+              <a:off x="12747933" y="292206"/>
+              <a:ext cx="937062" cy="937921"/>
+              <a:chOff x="12747933" y="292206"/>
+              <a:chExt cx="937062" cy="937921"/>
+            </a:xfrm>
+          </p:grpSpPr>
+          <p:pic>
+            <p:nvPicPr>
+              <p:cNvPr id="161" name="Picture 2" descr="Image result for tensorflow logo">
+                <a:extLst>
+                  <a:ext uri="{FF2B5EF4-FFF2-40B4-BE49-F238E27FC236}">
+                    <a16:creationId xmlns:a16="http://schemas.microsoft.com/office/drawing/2014/main" id="{749C31ED-711F-4A4F-A857-453F713D2A60}"/>
+                  </a:ext>
+                </a:extLst>
+              </p:cNvPr>
+              <p:cNvPicPr>
+                <a:picLocks noChangeAspect="1" noChangeArrowheads="1"/>
+              </p:cNvPicPr>
+              <p:nvPr/>
+            </p:nvPicPr>
+            <p:blipFill>
+              <a:blip r:embed="rId13">
+                <a:extLst>
+                  <a:ext uri="{28A0092B-C50C-407E-A947-70E740481C1C}">
+                    <a14:useLocalDpi xmlns:a14="http://schemas.microsoft.com/office/drawing/2010/main" val="0"/>
+                  </a:ext>
+                </a:extLst>
+              </a:blip>
+              <a:srcRect/>
+              <a:stretch>
+                <a:fillRect/>
+              </a:stretch>
+            </p:blipFill>
+            <p:spPr bwMode="auto">
+              <a:xfrm>
+                <a:off x="12876520" y="292206"/>
+                <a:ext cx="679888" cy="727480"/>
+              </a:xfrm>
+              <a:prstGeom prst="rect">
+                <a:avLst/>
+              </a:prstGeom>
+              <a:noFill/>
+              <a:extLst>
+                <a:ext uri="{909E8E84-426E-40DD-AFC4-6F175D3DCCD1}">
+                  <a14:hiddenFill xmlns:a14="http://schemas.microsoft.com/office/drawing/2010/main">
+                    <a:solidFill>
+                      <a:srgbClr val="FFFFFF"/>
+                    </a:solidFill>
+                  </a14:hiddenFill>
+                </a:ext>
+              </a:extLst>
+            </p:spPr>
+          </p:pic>
+          <p:sp>
+            <p:nvSpPr>
+              <p:cNvPr id="162" name="Rectangle 161">
+                <a:extLst>
+                  <a:ext uri="{FF2B5EF4-FFF2-40B4-BE49-F238E27FC236}">
+                    <a16:creationId xmlns:a16="http://schemas.microsoft.com/office/drawing/2014/main" id="{C2AA31C8-0D0C-4DB7-BE9D-9E3C1CBA8F96}"/>
+                  </a:ext>
+                </a:extLst>
+              </p:cNvPr>
+              <p:cNvSpPr/>
+              <p:nvPr/>
+            </p:nvSpPr>
+            <p:spPr>
+              <a:xfrm>
+                <a:off x="12747933" y="953128"/>
+                <a:ext cx="937062" cy="276999"/>
+              </a:xfrm>
+              <a:prstGeom prst="rect">
+                <a:avLst/>
+              </a:prstGeom>
+            </p:spPr>
+            <p:txBody>
+              <a:bodyPr wrap="square">
+                <a:spAutoFit/>
+              </a:bodyPr>
+              <a:lstStyle/>
+              <a:p>
+                <a:pPr algn="ctr"/>
+                <a:r>
+                  <a:rPr lang="en-GB" dirty="0" err="1">
+                    <a:solidFill>
+                      <a:srgbClr val="F26429"/>
+                    </a:solidFill>
+                    <a:latin typeface="Menlo"/>
+                  </a:rPr>
+                  <a:t>Tensor</a:t>
+                </a:r>
+                <a:r>
+                  <a:rPr lang="en-GB" dirty="0" err="1">
+                    <a:solidFill>
+                      <a:srgbClr val="A4A5A7"/>
+                    </a:solidFill>
+                    <a:latin typeface="Menlo"/>
+                  </a:rPr>
+                  <a:t>Flow</a:t>
+                </a:r>
+                <a:endParaRPr lang="en-GB" dirty="0">
+                  <a:solidFill>
+                    <a:srgbClr val="A4A5A7"/>
+                  </a:solidFill>
+                </a:endParaRPr>
+              </a:p>
+            </p:txBody>
+          </p:sp>
+        </p:grpSp>
+      </p:grpSp>
     </p:spTree>
   </p:cSld>
   <p:clrMapOvr>
@@ -19600,6 +20141,40 @@
           <a:chExt cx="0" cy="0"/>
         </a:xfrm>
       </p:grpSpPr>
+      <p:pic>
+        <p:nvPicPr>
+          <p:cNvPr id="255" name="pasted-image.pdf" descr="pasted-image.pdf">
+            <a:extLst>
+              <a:ext uri="{FF2B5EF4-FFF2-40B4-BE49-F238E27FC236}">
+                <a16:creationId xmlns:a16="http://schemas.microsoft.com/office/drawing/2014/main" id="{A2732B0F-0451-4BB4-AC04-BAA84D190514}"/>
+              </a:ext>
+            </a:extLst>
+          </p:cNvPr>
+          <p:cNvPicPr>
+            <a:picLocks noChangeAspect="1"/>
+          </p:cNvPicPr>
+          <p:nvPr/>
+        </p:nvPicPr>
+        <p:blipFill rotWithShape="1">
+          <a:blip r:embed="rId2">
+            <a:extLst/>
+          </a:blip>
+          <a:srcRect t="22617" r="188" b="36574"/>
+          <a:stretch/>
+        </p:blipFill>
+        <p:spPr>
+          <a:xfrm>
+            <a:off x="8376725" y="0"/>
+            <a:ext cx="5593275" cy="1221416"/>
+          </a:xfrm>
+          <a:prstGeom prst="rect">
+            <a:avLst/>
+          </a:prstGeom>
+          <a:ln w="12700">
+            <a:miter lim="400000"/>
+          </a:ln>
+        </p:spPr>
+      </p:pic>
       <p:sp>
         <p:nvSpPr>
           <p:cNvPr id="188" name="Rectangle">
@@ -20136,7 +20711,7 @@
           </a:ln>
           <a:extLst>
             <a:ext uri="{C572A759-6A51-4108-AA02-DFA0A04FC94B}">
-              <ma14:wrappingTextBoxFlag xmlns="" xmlns:ma14="http://schemas.microsoft.com/office/mac/drawingml/2011/main" val="1"/>
+              <ma14:wrappingTextBoxFlag xmlns:ma14="http://schemas.microsoft.com/office/mac/drawingml/2011/main" xmlns="" val="1"/>
             </a:ext>
           </a:extLst>
         </p:spPr>
@@ -20251,48 +20826,6 @@
           </a:p>
         </p:txBody>
       </p:sp>
-      <p:sp>
-        <p:nvSpPr>
-          <p:cNvPr id="199" name="Line"/>
-          <p:cNvSpPr/>
-          <p:nvPr/>
-        </p:nvSpPr>
-        <p:spPr>
-          <a:xfrm>
-            <a:off x="10540889" y="451178"/>
-            <a:ext cx="2067073" cy="0"/>
-          </a:xfrm>
-          <a:prstGeom prst="line">
-            <a:avLst/>
-          </a:prstGeom>
-          <a:ln w="3175">
-            <a:solidFill>
-              <a:srgbClr val="767C85"/>
-            </a:solidFill>
-            <a:miter lim="400000"/>
-          </a:ln>
-        </p:spPr>
-        <p:txBody>
-          <a:bodyPr lIns="54570" tIns="54570" rIns="54570" bIns="54570" anchor="ctr"/>
-          <a:lstStyle/>
-          <a:p>
-            <a:pPr>
-              <a:lnSpc>
-                <a:spcPct val="80000"/>
-              </a:lnSpc>
-              <a:spcBef>
-                <a:spcPts val="600"/>
-              </a:spcBef>
-              <a:defRPr b="0">
-                <a:solidFill>
-                  <a:srgbClr val="000000"/>
-                </a:solidFill>
-              </a:defRPr>
-            </a:pPr>
-            <a:endParaRPr/>
-          </a:p>
-        </p:txBody>
-      </p:sp>
       <p:pic>
         <p:nvPicPr>
           <p:cNvPr id="273" name="pasted-image.pdf" descr="pasted-image.pdf">
@@ -20308,7 +20841,7 @@
           <p:nvPr/>
         </p:nvPicPr>
         <p:blipFill>
-          <a:blip r:embed="rId2">
+          <a:blip r:embed="rId3">
             <a:extLst/>
           </a:blip>
           <a:stretch>
@@ -20353,7 +20886,7 @@
           </a:ln>
           <a:extLst>
             <a:ext uri="{C572A759-6A51-4108-AA02-DFA0A04FC94B}">
-              <ma14:wrappingTextBoxFlag xmlns="" xmlns:ma14="http://schemas.microsoft.com/office/mac/drawingml/2011/main" val="1"/>
+              <ma14:wrappingTextBoxFlag xmlns:ma14="http://schemas.microsoft.com/office/mac/drawingml/2011/main" xmlns="" val="1"/>
             </a:ext>
           </a:extLst>
         </p:spPr>
@@ -20382,7 +20915,7 @@
             </a:r>
             <a:r>
               <a:rPr dirty="0">
-                <a:hlinkClick r:id="rId3"/>
+                <a:hlinkClick r:id="rId4"/>
               </a:rPr>
               <a:t>CC BY</a:t>
             </a:r>
@@ -20396,7 +20929,7 @@
             </a:r>
             <a:r>
               <a:rPr dirty="0">
-                <a:hlinkClick r:id="rId4"/>
+                <a:hlinkClick r:id="rId5"/>
               </a:rPr>
               <a:t>info@rstudio.com</a:t>
             </a:r>
@@ -20406,7 +20939,7 @@
             </a:r>
             <a:r>
               <a:rPr dirty="0">
-                <a:hlinkClick r:id="rId5"/>
+                <a:hlinkClick r:id="rId6"/>
               </a:rPr>
               <a:t>rstudio.com</a:t>
             </a:r>
@@ -20473,7 +21006,7 @@
           <a:effectLst/>
           <a:extLst>
             <a:ext uri="{C572A759-6A51-4108-AA02-DFA0A04FC94B}">
-              <ma14:wrappingTextBoxFlag xmlns="" xmlns:ma14="http://schemas.microsoft.com/office/mac/drawingml/2011/main" val="1"/>
+              <ma14:wrappingTextBoxFlag xmlns:ma14="http://schemas.microsoft.com/office/mac/drawingml/2011/main" xmlns="" val="1"/>
             </a:ext>
           </a:extLst>
         </p:spPr>
@@ -20520,7 +21053,7 @@
           <a:effectLst/>
           <a:extLst>
             <a:ext uri="{C572A759-6A51-4108-AA02-DFA0A04FC94B}">
-              <ma14:wrappingTextBoxFlag xmlns="" xmlns:ma14="http://schemas.microsoft.com/office/mac/drawingml/2011/main" val="1"/>
+              <ma14:wrappingTextBoxFlag xmlns:ma14="http://schemas.microsoft.com/office/mac/drawingml/2011/main" xmlns="" val="1"/>
             </a:ext>
           </a:extLst>
         </p:spPr>
@@ -20567,7 +21100,7 @@
           <a:effectLst/>
           <a:extLst>
             <a:ext uri="{C572A759-6A51-4108-AA02-DFA0A04FC94B}">
-              <ma14:wrappingTextBoxFlag xmlns:ma14="http://schemas.microsoft.com/office/mac/drawingml/2011/main" xmlns="" val="1"/>
+              <ma14:wrappingTextBoxFlag xmlns="" xmlns:ma14="http://schemas.microsoft.com/office/mac/drawingml/2011/main" val="1"/>
             </a:ext>
           </a:extLst>
         </p:spPr>
@@ -27719,7 +28252,7 @@
           <a:effectLst/>
           <a:extLst>
             <a:ext uri="{C572A759-6A51-4108-AA02-DFA0A04FC94B}">
-              <ma14:wrappingTextBoxFlag xmlns:ma14="http://schemas.microsoft.com/office/mac/drawingml/2011/main" xmlns="" val="1"/>
+              <ma14:wrappingTextBoxFlag xmlns="" xmlns:ma14="http://schemas.microsoft.com/office/mac/drawingml/2011/main" val="1"/>
             </a:ext>
           </a:extLst>
         </p:spPr>
@@ -30751,7 +31284,7 @@
           <a:effectLst/>
           <a:extLst>
             <a:ext uri="{C572A759-6A51-4108-AA02-DFA0A04FC94B}">
-              <ma14:wrappingTextBoxFlag xmlns="" xmlns:ma14="http://schemas.microsoft.com/office/mac/drawingml/2011/main" val="1"/>
+              <ma14:wrappingTextBoxFlag xmlns:ma14="http://schemas.microsoft.com/office/mac/drawingml/2011/main" xmlns="" val="1"/>
             </a:ext>
           </a:extLst>
         </p:spPr>
@@ -30798,7 +31331,7 @@
           <a:effectLst/>
           <a:extLst>
             <a:ext uri="{C572A759-6A51-4108-AA02-DFA0A04FC94B}">
-              <ma14:wrappingTextBoxFlag xmlns:ma14="http://schemas.microsoft.com/office/mac/drawingml/2011/main" xmlns="" val="1"/>
+              <ma14:wrappingTextBoxFlag xmlns="" xmlns:ma14="http://schemas.microsoft.com/office/mac/drawingml/2011/main" val="1"/>
             </a:ext>
           </a:extLst>
         </p:spPr>
@@ -32136,7 +32669,7 @@
           <a:effectLst/>
           <a:extLst>
             <a:ext uri="{C572A759-6A51-4108-AA02-DFA0A04FC94B}">
-              <ma14:wrappingTextBoxFlag xmlns="" xmlns:ma14="http://schemas.microsoft.com/office/mac/drawingml/2011/main" val="1"/>
+              <ma14:wrappingTextBoxFlag xmlns:ma14="http://schemas.microsoft.com/office/mac/drawingml/2011/main" xmlns="" val="1"/>
             </a:ext>
           </a:extLst>
         </p:spPr>
@@ -32183,7 +32716,7 @@
           <a:effectLst/>
           <a:extLst>
             <a:ext uri="{C572A759-6A51-4108-AA02-DFA0A04FC94B}">
-              <ma14:wrappingTextBoxFlag xmlns:ma14="http://schemas.microsoft.com/office/mac/drawingml/2011/main" xmlns="" val="1"/>
+              <ma14:wrappingTextBoxFlag xmlns="" xmlns:ma14="http://schemas.microsoft.com/office/mac/drawingml/2011/main" val="1"/>
             </a:ext>
           </a:extLst>
         </p:spPr>
@@ -32332,7 +32865,7 @@
           <a:effectLst/>
           <a:extLst>
             <a:ext uri="{C572A759-6A51-4108-AA02-DFA0A04FC94B}">
-              <ma14:wrappingTextBoxFlag xmlns="" xmlns:ma14="http://schemas.microsoft.com/office/mac/drawingml/2011/main" val="1"/>
+              <ma14:wrappingTextBoxFlag xmlns:ma14="http://schemas.microsoft.com/office/mac/drawingml/2011/main" xmlns="" val="1"/>
             </a:ext>
           </a:extLst>
         </p:spPr>
@@ -32379,7 +32912,7 @@
           <a:effectLst/>
           <a:extLst>
             <a:ext uri="{C572A759-6A51-4108-AA02-DFA0A04FC94B}">
-              <ma14:wrappingTextBoxFlag xmlns:ma14="http://schemas.microsoft.com/office/mac/drawingml/2011/main" xmlns="" val="1"/>
+              <ma14:wrappingTextBoxFlag xmlns="" xmlns:ma14="http://schemas.microsoft.com/office/mac/drawingml/2011/main" val="1"/>
             </a:ext>
           </a:extLst>
         </p:spPr>
@@ -32460,7 +32993,7 @@
           <a:effectLst/>
           <a:extLst>
             <a:ext uri="{C572A759-6A51-4108-AA02-DFA0A04FC94B}">
-              <ma14:wrappingTextBoxFlag xmlns="" xmlns:ma14="http://schemas.microsoft.com/office/mac/drawingml/2011/main" val="1"/>
+              <ma14:wrappingTextBoxFlag xmlns:ma14="http://schemas.microsoft.com/office/mac/drawingml/2011/main" xmlns="" val="1"/>
             </a:ext>
           </a:extLst>
         </p:spPr>
@@ -32507,7 +33040,7 @@
           <a:effectLst/>
           <a:extLst>
             <a:ext uri="{C572A759-6A51-4108-AA02-DFA0A04FC94B}">
-              <ma14:wrappingTextBoxFlag xmlns:ma14="http://schemas.microsoft.com/office/mac/drawingml/2011/main" xmlns="" val="1"/>
+              <ma14:wrappingTextBoxFlag xmlns="" xmlns:ma14="http://schemas.microsoft.com/office/mac/drawingml/2011/main" val="1"/>
             </a:ext>
           </a:extLst>
         </p:spPr>
@@ -32776,7 +33309,7 @@
           </a:ln>
           <a:extLst>
             <a:ext uri="{C572A759-6A51-4108-AA02-DFA0A04FC94B}">
-              <ma14:wrappingTextBoxFlag xmlns="" xmlns:ma14="http://schemas.microsoft.com/office/mac/drawingml/2011/main" val="1"/>
+              <ma14:wrappingTextBoxFlag xmlns:ma14="http://schemas.microsoft.com/office/mac/drawingml/2011/main" xmlns="" val="1"/>
             </a:ext>
           </a:extLst>
         </p:spPr>
@@ -32883,7 +33416,7 @@
           <a:effectLst/>
           <a:extLst>
             <a:ext uri="{C572A759-6A51-4108-AA02-DFA0A04FC94B}">
-              <ma14:wrappingTextBoxFlag xmlns="" xmlns:ma14="http://schemas.microsoft.com/office/mac/drawingml/2011/main" val="1"/>
+              <ma14:wrappingTextBoxFlag xmlns:ma14="http://schemas.microsoft.com/office/mac/drawingml/2011/main" xmlns="" val="1"/>
             </a:ext>
           </a:extLst>
         </p:spPr>
@@ -32930,7 +33463,7 @@
           <a:effectLst/>
           <a:extLst>
             <a:ext uri="{C572A759-6A51-4108-AA02-DFA0A04FC94B}">
-              <ma14:wrappingTextBoxFlag xmlns:ma14="http://schemas.microsoft.com/office/mac/drawingml/2011/main" xmlns="" val="1"/>
+              <ma14:wrappingTextBoxFlag xmlns="" xmlns:ma14="http://schemas.microsoft.com/office/mac/drawingml/2011/main" val="1"/>
             </a:ext>
           </a:extLst>
         </p:spPr>
@@ -33106,7 +33639,7 @@
           <a:effectLst/>
           <a:extLst>
             <a:ext uri="{C572A759-6A51-4108-AA02-DFA0A04FC94B}">
-              <ma14:wrappingTextBoxFlag xmlns="" xmlns:ma14="http://schemas.microsoft.com/office/mac/drawingml/2011/main" val="1"/>
+              <ma14:wrappingTextBoxFlag xmlns:ma14="http://schemas.microsoft.com/office/mac/drawingml/2011/main" xmlns="" val="1"/>
             </a:ext>
           </a:extLst>
         </p:spPr>
@@ -33153,7 +33686,7 @@
           <a:effectLst/>
           <a:extLst>
             <a:ext uri="{C572A759-6A51-4108-AA02-DFA0A04FC94B}">
-              <ma14:wrappingTextBoxFlag xmlns:ma14="http://schemas.microsoft.com/office/mac/drawingml/2011/main" xmlns="" val="1"/>
+              <ma14:wrappingTextBoxFlag xmlns="" xmlns:ma14="http://schemas.microsoft.com/office/mac/drawingml/2011/main" val="1"/>
             </a:ext>
           </a:extLst>
         </p:spPr>
@@ -33435,36 +33968,6 @@
           </a:p>
         </p:txBody>
       </p:sp>
-      <p:pic>
-        <p:nvPicPr>
-          <p:cNvPr id="158" name="Picture 157">
-            <a:extLst>
-              <a:ext uri="{FF2B5EF4-FFF2-40B4-BE49-F238E27FC236}">
-                <a16:creationId xmlns:a16="http://schemas.microsoft.com/office/drawing/2014/main" id="{B2D108E3-57EE-4CD8-8953-D79A89AD0DB9}"/>
-              </a:ext>
-            </a:extLst>
-          </p:cNvPr>
-          <p:cNvPicPr>
-            <a:picLocks noChangeAspect="1"/>
-          </p:cNvPicPr>
-          <p:nvPr/>
-        </p:nvPicPr>
-        <p:blipFill>
-          <a:blip r:embed="rId6"/>
-          <a:stretch>
-            <a:fillRect/>
-          </a:stretch>
-        </p:blipFill>
-        <p:spPr>
-          <a:xfrm>
-            <a:off x="11621772" y="348905"/>
-            <a:ext cx="1998788" cy="801774"/>
-          </a:xfrm>
-          <a:prstGeom prst="rect">
-            <a:avLst/>
-          </a:prstGeom>
-        </p:spPr>
-      </p:pic>
       <p:sp>
         <p:nvSpPr>
           <p:cNvPr id="198" name="Rectangle">
@@ -33550,7 +34053,7 @@
           <a:effectLst/>
           <a:extLst>
             <a:ext uri="{C572A759-6A51-4108-AA02-DFA0A04FC94B}">
-              <ma14:wrappingTextBoxFlag xmlns="" xmlns:ma14="http://schemas.microsoft.com/office/mac/drawingml/2011/main" val="1"/>
+              <ma14:wrappingTextBoxFlag xmlns:ma14="http://schemas.microsoft.com/office/mac/drawingml/2011/main" xmlns="" val="1"/>
             </a:ext>
           </a:extLst>
         </p:spPr>
@@ -33597,7 +34100,7 @@
           <a:effectLst/>
           <a:extLst>
             <a:ext uri="{C572A759-6A51-4108-AA02-DFA0A04FC94B}">
-              <ma14:wrappingTextBoxFlag xmlns:ma14="http://schemas.microsoft.com/office/mac/drawingml/2011/main" xmlns="" val="1"/>
+              <ma14:wrappingTextBoxFlag xmlns="" xmlns:ma14="http://schemas.microsoft.com/office/mac/drawingml/2011/main" val="1"/>
             </a:ext>
           </a:extLst>
         </p:spPr>
@@ -35589,7 +36092,7 @@
           <a:effectLst/>
           <a:extLst>
             <a:ext uri="{C572A759-6A51-4108-AA02-DFA0A04FC94B}">
-              <ma14:wrappingTextBoxFlag xmlns:ma14="http://schemas.microsoft.com/office/mac/drawingml/2011/main" xmlns="" val="1"/>
+              <ma14:wrappingTextBoxFlag xmlns="" xmlns:ma14="http://schemas.microsoft.com/office/mac/drawingml/2011/main" val="1"/>
             </a:ext>
           </a:extLst>
         </p:spPr>
@@ -35954,7 +36457,7 @@
           </a:ln>
           <a:extLst>
             <a:ext uri="{C572A759-6A51-4108-AA02-DFA0A04FC94B}">
-              <ma14:wrappingTextBoxFlag xmlns="" xmlns:ma14="http://schemas.microsoft.com/office/mac/drawingml/2011/main" val="1"/>
+              <ma14:wrappingTextBoxFlag xmlns:ma14="http://schemas.microsoft.com/office/mac/drawingml/2011/main" xmlns="" val="1"/>
             </a:ext>
           </a:extLst>
         </p:spPr>
@@ -36132,7 +36635,7 @@
           </a:ln>
           <a:extLst>
             <a:ext uri="{C572A759-6A51-4108-AA02-DFA0A04FC94B}">
-              <ma14:wrappingTextBoxFlag xmlns="" xmlns:ma14="http://schemas.microsoft.com/office/mac/drawingml/2011/main" val="1"/>
+              <ma14:wrappingTextBoxFlag xmlns:ma14="http://schemas.microsoft.com/office/mac/drawingml/2011/main" xmlns="" val="1"/>
             </a:ext>
           </a:extLst>
         </p:spPr>
@@ -36318,7 +36821,7 @@
           </a:ln>
           <a:extLst>
             <a:ext uri="{C572A759-6A51-4108-AA02-DFA0A04FC94B}">
-              <ma14:wrappingTextBoxFlag xmlns="" xmlns:ma14="http://schemas.microsoft.com/office/mac/drawingml/2011/main" val="1"/>
+              <ma14:wrappingTextBoxFlag xmlns:ma14="http://schemas.microsoft.com/office/mac/drawingml/2011/main" xmlns="" val="1"/>
             </a:ext>
           </a:extLst>
         </p:spPr>
@@ -36374,7 +36877,7 @@
           </a:ln>
           <a:extLst>
             <a:ext uri="{C572A759-6A51-4108-AA02-DFA0A04FC94B}">
-              <ma14:wrappingTextBoxFlag xmlns="" xmlns:ma14="http://schemas.microsoft.com/office/mac/drawingml/2011/main" val="1"/>
+              <ma14:wrappingTextBoxFlag xmlns:ma14="http://schemas.microsoft.com/office/mac/drawingml/2011/main" xmlns="" val="1"/>
             </a:ext>
           </a:extLst>
         </p:spPr>
@@ -36405,6 +36908,262 @@
           </a:p>
         </p:txBody>
       </p:sp>
+      <p:grpSp>
+        <p:nvGrpSpPr>
+          <p:cNvPr id="266" name="Group 265">
+            <a:extLst>
+              <a:ext uri="{FF2B5EF4-FFF2-40B4-BE49-F238E27FC236}">
+                <a16:creationId xmlns:a16="http://schemas.microsoft.com/office/drawing/2014/main" id="{B19C63C2-F948-477E-B300-93FA6F70A7EF}"/>
+              </a:ext>
+            </a:extLst>
+          </p:cNvPr>
+          <p:cNvGrpSpPr/>
+          <p:nvPr/>
+        </p:nvGrpSpPr>
+        <p:grpSpPr>
+          <a:xfrm>
+            <a:off x="12041158" y="292206"/>
+            <a:ext cx="1643837" cy="937921"/>
+            <a:chOff x="12041158" y="292206"/>
+            <a:chExt cx="1643837" cy="937921"/>
+          </a:xfrm>
+        </p:grpSpPr>
+        <p:grpSp>
+          <p:nvGrpSpPr>
+            <p:cNvPr id="267" name="Group 266">
+              <a:extLst>
+                <a:ext uri="{FF2B5EF4-FFF2-40B4-BE49-F238E27FC236}">
+                  <a16:creationId xmlns:a16="http://schemas.microsoft.com/office/drawing/2014/main" id="{230487D5-B647-4B06-84ED-0C140C5C9A45}"/>
+                </a:ext>
+              </a:extLst>
+            </p:cNvPr>
+            <p:cNvGrpSpPr/>
+            <p:nvPr/>
+          </p:nvGrpSpPr>
+          <p:grpSpPr>
+            <a:xfrm>
+              <a:off x="12041158" y="325834"/>
+              <a:ext cx="660224" cy="904293"/>
+              <a:chOff x="12041158" y="325834"/>
+              <a:chExt cx="660224" cy="904293"/>
+            </a:xfrm>
+          </p:grpSpPr>
+          <p:pic>
+            <p:nvPicPr>
+              <p:cNvPr id="271" name="Picture 4" descr="Image result for keras logo svg">
+                <a:extLst>
+                  <a:ext uri="{FF2B5EF4-FFF2-40B4-BE49-F238E27FC236}">
+                    <a16:creationId xmlns:a16="http://schemas.microsoft.com/office/drawing/2014/main" id="{8129CD83-CFBE-4DF5-89F8-0C9B30E850DA}"/>
+                  </a:ext>
+                </a:extLst>
+              </p:cNvPr>
+              <p:cNvPicPr>
+                <a:picLocks noChangeAspect="1" noChangeArrowheads="1"/>
+              </p:cNvPicPr>
+              <p:nvPr/>
+            </p:nvPicPr>
+            <p:blipFill>
+              <a:blip r:embed="rId9">
+                <a:extLst>
+                  <a:ext uri="{28A0092B-C50C-407E-A947-70E740481C1C}">
+                    <a14:useLocalDpi xmlns:a14="http://schemas.microsoft.com/office/drawing/2010/main" val="0"/>
+                  </a:ext>
+                </a:extLst>
+              </a:blip>
+              <a:srcRect/>
+              <a:stretch>
+                <a:fillRect/>
+              </a:stretch>
+            </p:blipFill>
+            <p:spPr bwMode="auto">
+              <a:xfrm>
+                <a:off x="12041158" y="325834"/>
+                <a:ext cx="660224" cy="660224"/>
+              </a:xfrm>
+              <a:prstGeom prst="rect">
+                <a:avLst/>
+              </a:prstGeom>
+              <a:noFill/>
+              <a:extLst>
+                <a:ext uri="{909E8E84-426E-40DD-AFC4-6F175D3DCCD1}">
+                  <a14:hiddenFill xmlns:a14="http://schemas.microsoft.com/office/drawing/2010/main">
+                    <a:solidFill>
+                      <a:srgbClr val="FFFFFF"/>
+                    </a:solidFill>
+                  </a14:hiddenFill>
+                </a:ext>
+              </a:extLst>
+            </p:spPr>
+          </p:pic>
+          <p:sp>
+            <p:nvSpPr>
+              <p:cNvPr id="272" name="Rectangle 271">
+                <a:extLst>
+                  <a:ext uri="{FF2B5EF4-FFF2-40B4-BE49-F238E27FC236}">
+                    <a16:creationId xmlns:a16="http://schemas.microsoft.com/office/drawing/2014/main" id="{8FE3688A-EDDD-496C-8DBA-CC36E3EA00F0}"/>
+                  </a:ext>
+                </a:extLst>
+              </p:cNvPr>
+              <p:cNvSpPr/>
+              <p:nvPr/>
+            </p:nvSpPr>
+            <p:spPr>
+              <a:xfrm>
+                <a:off x="12041158" y="953128"/>
+                <a:ext cx="660224" cy="276999"/>
+              </a:xfrm>
+              <a:prstGeom prst="rect">
+                <a:avLst/>
+              </a:prstGeom>
+            </p:spPr>
+            <p:txBody>
+              <a:bodyPr wrap="square">
+                <a:spAutoFit/>
+              </a:bodyPr>
+              <a:lstStyle/>
+              <a:p>
+                <a:pPr algn="ctr"/>
+                <a:r>
+                  <a:rPr lang="en-GB" dirty="0">
+                    <a:solidFill>
+                      <a:srgbClr val="D00000"/>
+                    </a:solidFill>
+                    <a:latin typeface="Menlo"/>
+                  </a:rPr>
+                  <a:t>Keras</a:t>
+                </a:r>
+                <a:endParaRPr lang="en-GB" dirty="0">
+                  <a:solidFill>
+                    <a:srgbClr val="D00000"/>
+                  </a:solidFill>
+                </a:endParaRPr>
+              </a:p>
+            </p:txBody>
+          </p:sp>
+        </p:grpSp>
+        <p:grpSp>
+          <p:nvGrpSpPr>
+            <p:cNvPr id="268" name="Group 267">
+              <a:extLst>
+                <a:ext uri="{FF2B5EF4-FFF2-40B4-BE49-F238E27FC236}">
+                  <a16:creationId xmlns:a16="http://schemas.microsoft.com/office/drawing/2014/main" id="{9D0D3826-C95E-40FA-BE7D-EAA9646FEC2F}"/>
+                </a:ext>
+              </a:extLst>
+            </p:cNvPr>
+            <p:cNvGrpSpPr/>
+            <p:nvPr/>
+          </p:nvGrpSpPr>
+          <p:grpSpPr>
+            <a:xfrm>
+              <a:off x="12747933" y="292206"/>
+              <a:ext cx="937062" cy="937921"/>
+              <a:chOff x="12747933" y="292206"/>
+              <a:chExt cx="937062" cy="937921"/>
+            </a:xfrm>
+          </p:grpSpPr>
+          <p:pic>
+            <p:nvPicPr>
+              <p:cNvPr id="269" name="Picture 2" descr="Image result for tensorflow logo">
+                <a:extLst>
+                  <a:ext uri="{FF2B5EF4-FFF2-40B4-BE49-F238E27FC236}">
+                    <a16:creationId xmlns:a16="http://schemas.microsoft.com/office/drawing/2014/main" id="{16BF790C-5DA7-4CEC-AC11-FB734BC88B79}"/>
+                  </a:ext>
+                </a:extLst>
+              </p:cNvPr>
+              <p:cNvPicPr>
+                <a:picLocks noChangeAspect="1" noChangeArrowheads="1"/>
+              </p:cNvPicPr>
+              <p:nvPr/>
+            </p:nvPicPr>
+            <p:blipFill>
+              <a:blip r:embed="rId10">
+                <a:extLst>
+                  <a:ext uri="{28A0092B-C50C-407E-A947-70E740481C1C}">
+                    <a14:useLocalDpi xmlns:a14="http://schemas.microsoft.com/office/drawing/2010/main" val="0"/>
+                  </a:ext>
+                </a:extLst>
+              </a:blip>
+              <a:srcRect/>
+              <a:stretch>
+                <a:fillRect/>
+              </a:stretch>
+            </p:blipFill>
+            <p:spPr bwMode="auto">
+              <a:xfrm>
+                <a:off x="12876520" y="292206"/>
+                <a:ext cx="679888" cy="727480"/>
+              </a:xfrm>
+              <a:prstGeom prst="rect">
+                <a:avLst/>
+              </a:prstGeom>
+              <a:noFill/>
+              <a:extLst>
+                <a:ext uri="{909E8E84-426E-40DD-AFC4-6F175D3DCCD1}">
+                  <a14:hiddenFill xmlns:a14="http://schemas.microsoft.com/office/drawing/2010/main">
+                    <a:solidFill>
+                      <a:srgbClr val="FFFFFF"/>
+                    </a:solidFill>
+                  </a14:hiddenFill>
+                </a:ext>
+              </a:extLst>
+            </p:spPr>
+          </p:pic>
+          <p:sp>
+            <p:nvSpPr>
+              <p:cNvPr id="270" name="Rectangle 269">
+                <a:extLst>
+                  <a:ext uri="{FF2B5EF4-FFF2-40B4-BE49-F238E27FC236}">
+                    <a16:creationId xmlns:a16="http://schemas.microsoft.com/office/drawing/2014/main" id="{5D13504D-5553-43F4-8043-4F7F4712D773}"/>
+                  </a:ext>
+                </a:extLst>
+              </p:cNvPr>
+              <p:cNvSpPr/>
+              <p:nvPr/>
+            </p:nvSpPr>
+            <p:spPr>
+              <a:xfrm>
+                <a:off x="12747933" y="953128"/>
+                <a:ext cx="937062" cy="276999"/>
+              </a:xfrm>
+              <a:prstGeom prst="rect">
+                <a:avLst/>
+              </a:prstGeom>
+            </p:spPr>
+            <p:txBody>
+              <a:bodyPr wrap="square">
+                <a:spAutoFit/>
+              </a:bodyPr>
+              <a:lstStyle/>
+              <a:p>
+                <a:pPr algn="ctr"/>
+                <a:r>
+                  <a:rPr lang="en-GB" dirty="0" err="1">
+                    <a:solidFill>
+                      <a:srgbClr val="F26429"/>
+                    </a:solidFill>
+                    <a:latin typeface="Menlo"/>
+                  </a:rPr>
+                  <a:t>Tensor</a:t>
+                </a:r>
+                <a:r>
+                  <a:rPr lang="en-GB" dirty="0" err="1">
+                    <a:solidFill>
+                      <a:srgbClr val="A4A5A7"/>
+                    </a:solidFill>
+                    <a:latin typeface="Menlo"/>
+                  </a:rPr>
+                  <a:t>Flow</a:t>
+                </a:r>
+                <a:endParaRPr lang="en-GB" dirty="0">
+                  <a:solidFill>
+                    <a:srgbClr val="A4A5A7"/>
+                  </a:solidFill>
+                </a:endParaRPr>
+              </a:p>
+            </p:txBody>
+          </p:sp>
+        </p:grpSp>
+      </p:grpSp>
     </p:spTree>
     <p:extLst>
       <p:ext uri="{BB962C8B-B14F-4D97-AF65-F5344CB8AC3E}">

--- a/powerpoints/keras.pptx
+++ b/powerpoints/keras.pptx
@@ -23983,7 +23983,7 @@
       </p:sp>
       <p:sp>
         <p:nvSpPr>
-          <p:cNvPr id="460" name="See ?keras_install for GPU instructions"/>
+          <p:cNvPr id="460" name="See ?install_keras for GPU instructions"/>
           <p:cNvSpPr txBox="1"/>
           <p:nvPr/>
         </p:nvSpPr>
@@ -24030,7 +24030,7 @@
           <a:p>
             <a:pPr/>
             <a:r>
-              <a:t>See ?keras_install for GPU instructions</a:t>
+              <a:t>See ?install_keras for GPU instructions</a:t>
             </a:r>
           </a:p>
         </p:txBody>

--- a/powerpoints/keras.pptx
+++ b/powerpoints/keras.pptx
@@ -16302,38 +16302,9 @@
           </a:p>
         </p:txBody>
       </p:sp>
-      <p:pic>
-        <p:nvPicPr>
-          <p:cNvPr id="344" name="pasted-image.pdf" descr="pasted-image.pdf"/>
-          <p:cNvPicPr>
-            <a:picLocks noChangeAspect="1"/>
-          </p:cNvPicPr>
-          <p:nvPr/>
-        </p:nvPicPr>
-        <p:blipFill>
-          <a:blip r:embed="rId3">
-            <a:extLst/>
-          </a:blip>
-          <a:stretch>
-            <a:fillRect/>
-          </a:stretch>
-        </p:blipFill>
-        <p:spPr>
-          <a:xfrm>
-            <a:off x="238822" y="9978473"/>
-            <a:ext cx="1754523" cy="616479"/>
-          </a:xfrm>
-          <a:prstGeom prst="rect">
-            <a:avLst/>
-          </a:prstGeom>
-          <a:ln w="12700">
-            <a:miter lim="400000"/>
-          </a:ln>
-        </p:spPr>
-      </p:pic>
       <p:sp>
         <p:nvSpPr>
-          <p:cNvPr id="345" name="RStudio® is a trademark of RStudio, Inc.  •  CC BY RStudio •  info@rstudio.com  •  844-448-1212 • rstudio.com •  Learn more at spark.rstudio.com  •  sparklyr  0.5  •  Updated: 2016-12"/>
+          <p:cNvPr id="344" name="RStudio® is a trademark of RStudio, Inc.  •  CC BY RStudio •  info@rstudio.com  •  844-448-1212 • rstudio.com •  Learn more at spark.rstudio.com  •  sparklyr  0.5  •  Updated: 2016-12"/>
           <p:cNvSpPr txBox="1"/>
           <p:nvPr/>
         </p:nvSpPr>
@@ -16382,15 +16353,40 @@
             </a:r>
             <a:r>
               <a:rPr>
+                <a:hlinkClick r:id="rId3" invalidUrl="" action="" tgtFrame="" tooltip="" history="1" highlightClick="0" endSnd="0"/>
+              </a:rPr>
+              <a:t>CC BY SA</a:t>
+            </a:r>
+            <a:r>
+              <a:t>  </a:t>
+            </a:r>
+            <a:r>
+              <a:t>RStudio •  </a:t>
+            </a:r>
+            <a:r>
+              <a:rPr u="sng">
+                <a:solidFill>
+                  <a:srgbClr val="D77A00"/>
+                </a:solidFill>
+                <a:uFill>
+                  <a:solidFill>
+                    <a:srgbClr val="0000FF"/>
+                  </a:solidFill>
+                </a:uFill>
                 <a:hlinkClick r:id="rId4" invalidUrl="" action="" tgtFrame="" tooltip="" history="1" highlightClick="0" endSnd="0"/>
               </a:rPr>
-              <a:t>CC BY SA</a:t>
-            </a:r>
-            <a:r>
+              <a:t>info@rstudio.com</a:t>
+            </a:r>
+            <a:r>
+              <a:rPr>
+                <a:solidFill>
+                  <a:srgbClr val="D77A00"/>
+                </a:solidFill>
+              </a:rPr>
               <a:t>  </a:t>
             </a:r>
             <a:r>
-              <a:t>RStudio •  </a:t>
+              <a:t>•  844-448-1212 • </a:t>
             </a:r>
             <a:r>
               <a:rPr u="sng">
@@ -16404,31 +16400,6 @@
                 </a:uFill>
                 <a:hlinkClick r:id="rId5" invalidUrl="" action="" tgtFrame="" tooltip="" history="1" highlightClick="0" endSnd="0"/>
               </a:rPr>
-              <a:t>info@rstudio.com</a:t>
-            </a:r>
-            <a:r>
-              <a:rPr>
-                <a:solidFill>
-                  <a:srgbClr val="D77A00"/>
-                </a:solidFill>
-              </a:rPr>
-              <a:t>  </a:t>
-            </a:r>
-            <a:r>
-              <a:t>•  844-448-1212 • </a:t>
-            </a:r>
-            <a:r>
-              <a:rPr u="sng">
-                <a:solidFill>
-                  <a:srgbClr val="D77A00"/>
-                </a:solidFill>
-                <a:uFill>
-                  <a:solidFill>
-                    <a:srgbClr val="0000FF"/>
-                  </a:solidFill>
-                </a:uFill>
-                <a:hlinkClick r:id="rId6" invalidUrl="" action="" tgtFrame="" tooltip="" history="1" highlightClick="0" endSnd="0"/>
-              </a:rPr>
               <a:t>rstudio.com</a:t>
             </a:r>
             <a:r>
@@ -16470,7 +16441,7 @@
       </p:sp>
       <p:sp>
         <p:nvSpPr>
-          <p:cNvPr id="346" name="dplyr verb…"/>
+          <p:cNvPr id="345" name="dplyr verb…"/>
           <p:cNvSpPr txBox="1"/>
           <p:nvPr/>
         </p:nvSpPr>
@@ -16563,7 +16534,7 @@
       </p:sp>
       <p:sp>
         <p:nvSpPr>
-          <p:cNvPr id="347" name="Export an R DataFrame…"/>
+          <p:cNvPr id="346" name="Export an R DataFrame…"/>
           <p:cNvSpPr txBox="1"/>
           <p:nvPr/>
         </p:nvSpPr>
@@ -16656,7 +16627,7 @@
       </p:sp>
       <p:sp>
         <p:nvSpPr>
-          <p:cNvPr id="348" name="Arrow"/>
+          <p:cNvPr id="347" name="Arrow"/>
           <p:cNvSpPr/>
           <p:nvPr/>
         </p:nvSpPr>
@@ -16704,7 +16675,7 @@
       </p:sp>
       <p:sp>
         <p:nvSpPr>
-          <p:cNvPr id="349" name="Arrow"/>
+          <p:cNvPr id="348" name="Arrow"/>
           <p:cNvSpPr/>
           <p:nvPr/>
         </p:nvSpPr>
@@ -16752,7 +16723,7 @@
       </p:sp>
       <p:sp>
         <p:nvSpPr>
-          <p:cNvPr id="350" name="Import"/>
+          <p:cNvPr id="349" name="Import"/>
           <p:cNvSpPr txBox="1"/>
           <p:nvPr/>
         </p:nvSpPr>
@@ -16803,7 +16774,7 @@
       </p:sp>
       <p:sp>
         <p:nvSpPr>
-          <p:cNvPr id="351" name="Tidy"/>
+          <p:cNvPr id="350" name="Tidy"/>
           <p:cNvSpPr txBox="1"/>
           <p:nvPr/>
         </p:nvSpPr>
@@ -16854,7 +16825,7 @@
       </p:sp>
       <p:sp>
         <p:nvSpPr>
-          <p:cNvPr id="352" name="dplyr verb…"/>
+          <p:cNvPr id="351" name="dplyr verb…"/>
           <p:cNvSpPr txBox="1"/>
           <p:nvPr/>
         </p:nvSpPr>
@@ -16947,7 +16918,7 @@
       </p:sp>
       <p:sp>
         <p:nvSpPr>
-          <p:cNvPr id="353" name="Tidy"/>
+          <p:cNvPr id="352" name="Tidy"/>
           <p:cNvSpPr txBox="1"/>
           <p:nvPr/>
         </p:nvSpPr>
@@ -16998,7 +16969,7 @@
       </p:sp>
       <p:sp>
         <p:nvSpPr>
-          <p:cNvPr id="354" name="Arrow"/>
+          <p:cNvPr id="353" name="Arrow"/>
           <p:cNvSpPr/>
           <p:nvPr/>
         </p:nvSpPr>
@@ -17046,7 +17017,7 @@
       </p:sp>
       <p:sp>
         <p:nvSpPr>
-          <p:cNvPr id="355" name="dplyr verb…"/>
+          <p:cNvPr id="354" name="dplyr verb…"/>
           <p:cNvSpPr txBox="1"/>
           <p:nvPr/>
         </p:nvSpPr>
@@ -17118,7 +17089,7 @@
       </p:sp>
       <p:sp>
         <p:nvSpPr>
-          <p:cNvPr id="356" name="Tidy"/>
+          <p:cNvPr id="355" name="Tidy"/>
           <p:cNvSpPr txBox="1"/>
           <p:nvPr/>
         </p:nvSpPr>
@@ -17169,7 +17140,7 @@
       </p:sp>
       <p:sp>
         <p:nvSpPr>
-          <p:cNvPr id="357" name="Arrow"/>
+          <p:cNvPr id="356" name="Arrow"/>
           <p:cNvSpPr/>
           <p:nvPr/>
         </p:nvSpPr>
@@ -17217,7 +17188,7 @@
       </p:sp>
       <p:sp>
         <p:nvSpPr>
-          <p:cNvPr id="358" name="dplyr verb…"/>
+          <p:cNvPr id="357" name="dplyr verb…"/>
           <p:cNvSpPr txBox="1"/>
           <p:nvPr/>
         </p:nvSpPr>
@@ -17289,7 +17260,7 @@
       </p:sp>
       <p:sp>
         <p:nvSpPr>
-          <p:cNvPr id="359" name="Tidy"/>
+          <p:cNvPr id="358" name="Tidy"/>
           <p:cNvSpPr txBox="1"/>
           <p:nvPr/>
         </p:nvSpPr>
@@ -17340,7 +17311,7 @@
       </p:sp>
       <p:sp>
         <p:nvSpPr>
-          <p:cNvPr id="360" name="Line"/>
+          <p:cNvPr id="359" name="Line"/>
           <p:cNvSpPr/>
           <p:nvPr/>
         </p:nvSpPr>
@@ -17369,7 +17340,7 @@
       </p:sp>
       <p:sp>
         <p:nvSpPr>
-          <p:cNvPr id="361" name="Thank you for making a new cheatsheet for R! These cheatsheets have an important job:"/>
+          <p:cNvPr id="360" name="Thank you for making a new cheatsheet for R! These cheatsheets have an important job:"/>
           <p:cNvSpPr txBox="1"/>
           <p:nvPr/>
         </p:nvSpPr>
@@ -17433,7 +17404,7 @@
       </p:sp>
       <p:sp>
         <p:nvSpPr>
-          <p:cNvPr id="362" name="ggplot(mpg, aes(hwy, cty)) +…"/>
+          <p:cNvPr id="361" name="ggplot(mpg, aes(hwy, cty)) +…"/>
           <p:cNvSpPr txBox="1"/>
           <p:nvPr/>
         </p:nvSpPr>
@@ -17507,7 +17478,7 @@
       </p:sp>
       <p:sp>
         <p:nvSpPr>
-          <p:cNvPr id="363" name="Thank you for making a new cheatsheet for R! These cheatsheets have an important job:"/>
+          <p:cNvPr id="362" name="Thank you for making a new cheatsheet for R! These cheatsheets have an important job:"/>
           <p:cNvSpPr txBox="1"/>
           <p:nvPr/>
         </p:nvSpPr>
@@ -17571,7 +17542,7 @@
       </p:sp>
       <p:sp>
         <p:nvSpPr>
-          <p:cNvPr id="364" name="SUBTITLE"/>
+          <p:cNvPr id="363" name="SUBTITLE"/>
           <p:cNvSpPr txBox="1"/>
           <p:nvPr/>
         </p:nvSpPr>
@@ -17614,7 +17585,7 @@
       </p:sp>
       <p:sp>
         <p:nvSpPr>
-          <p:cNvPr id="365" name="ggplot(mpg, aes(hwy, cty)) +…"/>
+          <p:cNvPr id="364" name="ggplot(mpg, aes(hwy, cty)) +…"/>
           <p:cNvSpPr txBox="1"/>
           <p:nvPr/>
         </p:nvSpPr>
@@ -18323,7 +18294,7 @@
       </p:sp>
       <p:sp>
         <p:nvSpPr>
-          <p:cNvPr id="366" name="SUBTITLE"/>
+          <p:cNvPr id="365" name="SUBTITLE"/>
           <p:cNvSpPr txBox="1"/>
           <p:nvPr/>
         </p:nvSpPr>
@@ -18366,7 +18337,7 @@
       </p:sp>
       <p:sp>
         <p:nvSpPr>
-          <p:cNvPr id="367" name="every(.x, .p, …) Do all element pass a test?…"/>
+          <p:cNvPr id="366" name="every(.x, .p, …) Do all element pass a test?…"/>
           <p:cNvSpPr txBox="1"/>
           <p:nvPr/>
         </p:nvSpPr>
@@ -18497,7 +18468,7 @@
       </p:sp>
       <p:sp>
         <p:nvSpPr>
-          <p:cNvPr id="368" name="every(.x, .p, …) Do all element pass a test?…"/>
+          <p:cNvPr id="367" name="every(.x, .p, …) Do all element pass a test?…"/>
           <p:cNvSpPr txBox="1"/>
           <p:nvPr/>
         </p:nvSpPr>
@@ -18566,7 +18537,7 @@
       </p:sp>
       <p:sp>
         <p:nvSpPr>
-          <p:cNvPr id="369" name="SUBTITLE"/>
+          <p:cNvPr id="368" name="SUBTITLE"/>
           <p:cNvSpPr txBox="1"/>
           <p:nvPr/>
         </p:nvSpPr>
@@ -18609,7 +18580,7 @@
       </p:sp>
       <p:sp>
         <p:nvSpPr>
-          <p:cNvPr id="370" name="every(.x, .p, …) Do all element pass a test?…"/>
+          <p:cNvPr id="369" name="every(.x, .p, …) Do all element pass a test?…"/>
           <p:cNvSpPr txBox="1"/>
           <p:nvPr/>
         </p:nvSpPr>
@@ -18758,7 +18729,7 @@
       </p:sp>
       <p:sp>
         <p:nvSpPr>
-          <p:cNvPr id="371" name="SUBTITLE"/>
+          <p:cNvPr id="370" name="SUBTITLE"/>
           <p:cNvSpPr txBox="1"/>
           <p:nvPr/>
         </p:nvSpPr>
@@ -18801,7 +18772,7 @@
       </p:sp>
       <p:sp>
         <p:nvSpPr>
-          <p:cNvPr id="372" name="every(.x, .p, …) Do all element pass a test?…"/>
+          <p:cNvPr id="371" name="every(.x, .p, …) Do all element pass a test?…"/>
           <p:cNvSpPr txBox="1"/>
           <p:nvPr/>
         </p:nvSpPr>
@@ -18891,7 +18862,7 @@
       </p:sp>
       <p:sp>
         <p:nvSpPr>
-          <p:cNvPr id="373" name="SUBTITLE"/>
+          <p:cNvPr id="372" name="SUBTITLE"/>
           <p:cNvSpPr txBox="1"/>
           <p:nvPr/>
         </p:nvSpPr>
@@ -18934,7 +18905,7 @@
       </p:sp>
       <p:sp>
         <p:nvSpPr>
-          <p:cNvPr id="374" name="SUBTITLE"/>
+          <p:cNvPr id="373" name="SUBTITLE"/>
           <p:cNvSpPr txBox="1"/>
           <p:nvPr/>
         </p:nvSpPr>
@@ -18977,7 +18948,7 @@
       </p:sp>
       <p:sp>
         <p:nvSpPr>
-          <p:cNvPr id="375" name="every(.x, .p, …) Do all element pass a test?…"/>
+          <p:cNvPr id="374" name="every(.x, .p, …) Do all element pass a test?…"/>
           <p:cNvSpPr txBox="1"/>
           <p:nvPr/>
         </p:nvSpPr>
@@ -19283,7 +19254,7 @@
       </p:sp>
       <p:sp>
         <p:nvSpPr>
-          <p:cNvPr id="376" name="SUBTITLE"/>
+          <p:cNvPr id="375" name="SUBTITLE"/>
           <p:cNvSpPr txBox="1"/>
           <p:nvPr/>
         </p:nvSpPr>
@@ -19326,7 +19297,7 @@
       </p:sp>
       <p:sp>
         <p:nvSpPr>
-          <p:cNvPr id="377" name="every(.x, .p, …) Do all element pass a test?…"/>
+          <p:cNvPr id="376" name="every(.x, .p, …) Do all element pass a test?…"/>
           <p:cNvSpPr txBox="1"/>
           <p:nvPr/>
         </p:nvSpPr>
@@ -19495,7 +19466,7 @@
       </p:sp>
       <p:sp>
         <p:nvSpPr>
-          <p:cNvPr id="378" name="every(.x, .p, …) Do all element pass a test?…"/>
+          <p:cNvPr id="377" name="every(.x, .p, …) Do all element pass a test?…"/>
           <p:cNvSpPr txBox="1"/>
           <p:nvPr/>
         </p:nvSpPr>
@@ -19895,7 +19866,7 @@
       </p:sp>
       <p:sp>
         <p:nvSpPr>
-          <p:cNvPr id="379" name="Rectangle 87"/>
+          <p:cNvPr id="378" name="Rectangle 87"/>
           <p:cNvSpPr/>
           <p:nvPr/>
         </p:nvSpPr>
@@ -19950,7 +19921,7 @@
       </p:sp>
       <p:sp>
         <p:nvSpPr>
-          <p:cNvPr id="380" name="Rectangle 88"/>
+          <p:cNvPr id="379" name="Rectangle 88"/>
           <p:cNvSpPr/>
           <p:nvPr/>
         </p:nvSpPr>
@@ -20005,7 +19976,7 @@
       </p:sp>
       <p:sp>
         <p:nvSpPr>
-          <p:cNvPr id="381" name="Rectangle 89"/>
+          <p:cNvPr id="380" name="Rectangle 89"/>
           <p:cNvSpPr/>
           <p:nvPr/>
         </p:nvSpPr>
@@ -20060,7 +20031,7 @@
       </p:sp>
       <p:sp>
         <p:nvSpPr>
-          <p:cNvPr id="382" name="Rectangle 90"/>
+          <p:cNvPr id="381" name="Rectangle 90"/>
           <p:cNvSpPr/>
           <p:nvPr/>
         </p:nvSpPr>
@@ -20115,7 +20086,7 @@
       </p:sp>
       <p:sp>
         <p:nvSpPr>
-          <p:cNvPr id="383" name="Rectangle 91"/>
+          <p:cNvPr id="382" name="Rectangle 91"/>
           <p:cNvSpPr/>
           <p:nvPr/>
         </p:nvSpPr>
@@ -20170,7 +20141,7 @@
       </p:sp>
       <p:sp>
         <p:nvSpPr>
-          <p:cNvPr id="384" name="Rectangle 92"/>
+          <p:cNvPr id="383" name="Rectangle 92"/>
           <p:cNvSpPr/>
           <p:nvPr/>
         </p:nvSpPr>
@@ -20225,7 +20196,7 @@
       </p:sp>
       <p:sp>
         <p:nvSpPr>
-          <p:cNvPr id="385" name="Rectangle 93"/>
+          <p:cNvPr id="384" name="Rectangle 93"/>
           <p:cNvSpPr/>
           <p:nvPr/>
         </p:nvSpPr>
@@ -20280,7 +20251,7 @@
       </p:sp>
       <p:sp>
         <p:nvSpPr>
-          <p:cNvPr id="386" name="Rectangle 94"/>
+          <p:cNvPr id="385" name="Rectangle 94"/>
           <p:cNvSpPr/>
           <p:nvPr/>
         </p:nvSpPr>
@@ -20335,10 +20306,10 @@
       </p:sp>
       <p:cxnSp>
         <p:nvCxnSpPr>
-          <p:cNvPr id="387" name="Straight Arrow Connector 95"/>
+          <p:cNvPr id="386" name="Straight Arrow Connector 95"/>
           <p:cNvCxnSpPr>
-            <a:stCxn id="386" idx="0"/>
-            <a:endCxn id="382" idx="0"/>
+            <a:stCxn id="385" idx="0"/>
+            <a:endCxn id="381" idx="0"/>
           </p:cNvCxnSpPr>
           <p:nvPr/>
         </p:nvCxnSpPr>
@@ -20359,10 +20330,10 @@
       </p:cxnSp>
       <p:cxnSp>
         <p:nvCxnSpPr>
-          <p:cNvPr id="388" name="Straight Arrow Connector 96"/>
+          <p:cNvPr id="387" name="Straight Arrow Connector 96"/>
           <p:cNvCxnSpPr>
-            <a:stCxn id="385" idx="0"/>
-            <a:endCxn id="382" idx="0"/>
+            <a:stCxn id="384" idx="0"/>
+            <a:endCxn id="381" idx="0"/>
           </p:cNvCxnSpPr>
           <p:nvPr/>
         </p:nvCxnSpPr>
@@ -20383,10 +20354,10 @@
       </p:cxnSp>
       <p:cxnSp>
         <p:nvCxnSpPr>
-          <p:cNvPr id="389" name="Straight Arrow Connector 97"/>
+          <p:cNvPr id="388" name="Straight Arrow Connector 97"/>
           <p:cNvCxnSpPr>
-            <a:stCxn id="385" idx="0"/>
-            <a:endCxn id="383" idx="0"/>
+            <a:stCxn id="384" idx="0"/>
+            <a:endCxn id="382" idx="0"/>
           </p:cNvCxnSpPr>
           <p:nvPr/>
         </p:nvCxnSpPr>
@@ -20407,10 +20378,10 @@
       </p:cxnSp>
       <p:cxnSp>
         <p:nvCxnSpPr>
-          <p:cNvPr id="390" name="Straight Arrow Connector 98"/>
+          <p:cNvPr id="389" name="Straight Arrow Connector 98"/>
           <p:cNvCxnSpPr>
-            <a:stCxn id="385" idx="0"/>
-            <a:endCxn id="384" idx="0"/>
+            <a:stCxn id="384" idx="0"/>
+            <a:endCxn id="383" idx="0"/>
           </p:cNvCxnSpPr>
           <p:nvPr/>
         </p:nvCxnSpPr>
@@ -20431,10 +20402,10 @@
       </p:cxnSp>
       <p:cxnSp>
         <p:nvCxnSpPr>
-          <p:cNvPr id="391" name="Straight Arrow Connector 99"/>
+          <p:cNvPr id="390" name="Straight Arrow Connector 99"/>
           <p:cNvCxnSpPr>
-            <a:stCxn id="386" idx="0"/>
-            <a:endCxn id="384" idx="0"/>
+            <a:stCxn id="385" idx="0"/>
+            <a:endCxn id="383" idx="0"/>
           </p:cNvCxnSpPr>
           <p:nvPr/>
         </p:nvCxnSpPr>
@@ -20455,10 +20426,10 @@
       </p:cxnSp>
       <p:cxnSp>
         <p:nvCxnSpPr>
-          <p:cNvPr id="392" name="Straight Arrow Connector 100"/>
+          <p:cNvPr id="391" name="Straight Arrow Connector 100"/>
           <p:cNvCxnSpPr>
-            <a:stCxn id="386" idx="0"/>
-            <a:endCxn id="383" idx="0"/>
+            <a:stCxn id="385" idx="0"/>
+            <a:endCxn id="382" idx="0"/>
           </p:cNvCxnSpPr>
           <p:nvPr/>
         </p:nvCxnSpPr>
@@ -20479,7 +20450,7 @@
       </p:cxnSp>
       <p:sp>
         <p:nvSpPr>
-          <p:cNvPr id="393" name="Rectangle 117"/>
+          <p:cNvPr id="392" name="Rectangle 117"/>
           <p:cNvSpPr/>
           <p:nvPr/>
         </p:nvSpPr>
@@ -20534,7 +20505,7 @@
       </p:sp>
       <p:sp>
         <p:nvSpPr>
-          <p:cNvPr id="394" name="Rectangle 118"/>
+          <p:cNvPr id="393" name="Rectangle 118"/>
           <p:cNvSpPr/>
           <p:nvPr/>
         </p:nvSpPr>
@@ -20589,7 +20560,7 @@
       </p:sp>
       <p:sp>
         <p:nvSpPr>
-          <p:cNvPr id="395" name="Rectangle 119"/>
+          <p:cNvPr id="394" name="Rectangle 119"/>
           <p:cNvSpPr/>
           <p:nvPr/>
         </p:nvSpPr>
@@ -20644,7 +20615,7 @@
       </p:sp>
       <p:sp>
         <p:nvSpPr>
-          <p:cNvPr id="396" name="Rectangle 120"/>
+          <p:cNvPr id="395" name="Rectangle 120"/>
           <p:cNvSpPr/>
           <p:nvPr/>
         </p:nvSpPr>
@@ -20699,7 +20670,7 @@
       </p:sp>
       <p:sp>
         <p:nvSpPr>
-          <p:cNvPr id="397" name="Rectangle 121"/>
+          <p:cNvPr id="396" name="Rectangle 121"/>
           <p:cNvSpPr/>
           <p:nvPr/>
         </p:nvSpPr>
@@ -20754,7 +20725,7 @@
       </p:sp>
       <p:sp>
         <p:nvSpPr>
-          <p:cNvPr id="398" name="Rectangle 122"/>
+          <p:cNvPr id="397" name="Rectangle 122"/>
           <p:cNvSpPr/>
           <p:nvPr/>
         </p:nvSpPr>
@@ -20809,7 +20780,7 @@
       </p:sp>
       <p:sp>
         <p:nvSpPr>
-          <p:cNvPr id="399" name="Rectangle 123"/>
+          <p:cNvPr id="398" name="Rectangle 123"/>
           <p:cNvSpPr/>
           <p:nvPr/>
         </p:nvSpPr>
@@ -20864,7 +20835,7 @@
       </p:sp>
       <p:sp>
         <p:nvSpPr>
-          <p:cNvPr id="400" name="Rectangle 124"/>
+          <p:cNvPr id="399" name="Rectangle 124"/>
           <p:cNvSpPr/>
           <p:nvPr/>
         </p:nvSpPr>
@@ -20919,7 +20890,7 @@
       </p:sp>
       <p:sp>
         <p:nvSpPr>
-          <p:cNvPr id="401" name="Rectangle 86"/>
+          <p:cNvPr id="400" name="Rectangle 86"/>
           <p:cNvSpPr/>
           <p:nvPr/>
         </p:nvSpPr>
@@ -20974,7 +20945,7 @@
       </p:sp>
       <p:sp>
         <p:nvSpPr>
-          <p:cNvPr id="402" name="Rectangle 101"/>
+          <p:cNvPr id="401" name="Rectangle 101"/>
           <p:cNvSpPr/>
           <p:nvPr/>
         </p:nvSpPr>
@@ -21029,7 +21000,7 @@
       </p:sp>
       <p:sp>
         <p:nvSpPr>
-          <p:cNvPr id="403" name="Rectangle 102"/>
+          <p:cNvPr id="402" name="Rectangle 102"/>
           <p:cNvSpPr/>
           <p:nvPr/>
         </p:nvSpPr>
@@ -21084,7 +21055,7 @@
       </p:sp>
       <p:sp>
         <p:nvSpPr>
-          <p:cNvPr id="404" name="Rectangle 103"/>
+          <p:cNvPr id="403" name="Rectangle 103"/>
           <p:cNvSpPr/>
           <p:nvPr/>
         </p:nvSpPr>
@@ -21139,7 +21110,7 @@
       </p:sp>
       <p:sp>
         <p:nvSpPr>
-          <p:cNvPr id="405" name="Rectangle 104"/>
+          <p:cNvPr id="404" name="Rectangle 104"/>
           <p:cNvSpPr/>
           <p:nvPr/>
         </p:nvSpPr>
@@ -21194,7 +21165,7 @@
       </p:sp>
       <p:sp>
         <p:nvSpPr>
-          <p:cNvPr id="406" name="Rectangle 105"/>
+          <p:cNvPr id="405" name="Rectangle 105"/>
           <p:cNvSpPr/>
           <p:nvPr/>
         </p:nvSpPr>
@@ -21249,10 +21220,10 @@
       </p:sp>
       <p:cxnSp>
         <p:nvCxnSpPr>
-          <p:cNvPr id="407" name="Straight Arrow Connector 106"/>
+          <p:cNvPr id="406" name="Straight Arrow Connector 106"/>
           <p:cNvCxnSpPr>
-            <a:stCxn id="403" idx="0"/>
-            <a:endCxn id="406" idx="0"/>
+            <a:stCxn id="402" idx="0"/>
+            <a:endCxn id="405" idx="0"/>
           </p:cNvCxnSpPr>
           <p:nvPr/>
         </p:nvCxnSpPr>
@@ -21273,10 +21244,10 @@
       </p:cxnSp>
       <p:cxnSp>
         <p:nvCxnSpPr>
-          <p:cNvPr id="408" name="Straight Arrow Connector 107"/>
+          <p:cNvPr id="407" name="Straight Arrow Connector 107"/>
           <p:cNvCxnSpPr>
-            <a:stCxn id="401" idx="0"/>
-            <a:endCxn id="405" idx="0"/>
+            <a:stCxn id="400" idx="0"/>
+            <a:endCxn id="404" idx="0"/>
           </p:cNvCxnSpPr>
           <p:nvPr/>
         </p:nvCxnSpPr>
@@ -21297,7 +21268,7 @@
       </p:cxnSp>
       <p:sp>
         <p:nvSpPr>
-          <p:cNvPr id="409" name="Rectangle 109"/>
+          <p:cNvPr id="408" name="Rectangle 109"/>
           <p:cNvSpPr/>
           <p:nvPr/>
         </p:nvSpPr>
@@ -21352,7 +21323,7 @@
       </p:sp>
       <p:sp>
         <p:nvSpPr>
-          <p:cNvPr id="410" name="Rectangle 110"/>
+          <p:cNvPr id="409" name="Rectangle 110"/>
           <p:cNvSpPr/>
           <p:nvPr/>
         </p:nvSpPr>
@@ -21407,7 +21378,7 @@
       </p:sp>
       <p:sp>
         <p:nvSpPr>
-          <p:cNvPr id="411" name="Rectangle 111"/>
+          <p:cNvPr id="410" name="Rectangle 111"/>
           <p:cNvSpPr/>
           <p:nvPr/>
         </p:nvSpPr>
@@ -21462,7 +21433,7 @@
       </p:sp>
       <p:sp>
         <p:nvSpPr>
-          <p:cNvPr id="412" name="Rectangle 112"/>
+          <p:cNvPr id="411" name="Rectangle 112"/>
           <p:cNvSpPr/>
           <p:nvPr/>
         </p:nvSpPr>
@@ -21517,7 +21488,7 @@
       </p:sp>
       <p:sp>
         <p:nvSpPr>
-          <p:cNvPr id="413" name="Rectangle 113"/>
+          <p:cNvPr id="412" name="Rectangle 113"/>
           <p:cNvSpPr/>
           <p:nvPr/>
         </p:nvSpPr>
@@ -21572,7 +21543,7 @@
       </p:sp>
       <p:sp>
         <p:nvSpPr>
-          <p:cNvPr id="414" name="Rectangle 114"/>
+          <p:cNvPr id="413" name="Rectangle 114"/>
           <p:cNvSpPr/>
           <p:nvPr/>
         </p:nvSpPr>
@@ -21627,7 +21598,7 @@
       </p:sp>
       <p:sp>
         <p:nvSpPr>
-          <p:cNvPr id="415" name="Rectangle 115"/>
+          <p:cNvPr id="414" name="Rectangle 115"/>
           <p:cNvSpPr/>
           <p:nvPr/>
         </p:nvSpPr>
@@ -21682,7 +21653,7 @@
       </p:sp>
       <p:sp>
         <p:nvSpPr>
-          <p:cNvPr id="416" name="Rectangle 116"/>
+          <p:cNvPr id="415" name="Rectangle 116"/>
           <p:cNvSpPr/>
           <p:nvPr/>
         </p:nvSpPr>
@@ -21737,7 +21708,7 @@
       </p:sp>
       <p:sp>
         <p:nvSpPr>
-          <p:cNvPr id="417" name="Rectangle 140"/>
+          <p:cNvPr id="416" name="Rectangle 140"/>
           <p:cNvSpPr/>
           <p:nvPr/>
         </p:nvSpPr>
@@ -21792,7 +21763,7 @@
       </p:sp>
       <p:sp>
         <p:nvSpPr>
-          <p:cNvPr id="418" name="Rectangle 145"/>
+          <p:cNvPr id="417" name="Rectangle 145"/>
           <p:cNvSpPr/>
           <p:nvPr/>
         </p:nvSpPr>
@@ -21847,7 +21818,7 @@
       </p:sp>
       <p:sp>
         <p:nvSpPr>
-          <p:cNvPr id="419" name="Rectangle 146"/>
+          <p:cNvPr id="418" name="Rectangle 146"/>
           <p:cNvSpPr/>
           <p:nvPr/>
         </p:nvSpPr>
@@ -21902,7 +21873,7 @@
       </p:sp>
       <p:sp>
         <p:nvSpPr>
-          <p:cNvPr id="420" name="Rectangle 147"/>
+          <p:cNvPr id="419" name="Rectangle 147"/>
           <p:cNvSpPr/>
           <p:nvPr/>
         </p:nvSpPr>
@@ -21957,7 +21928,7 @@
       </p:sp>
       <p:sp>
         <p:nvSpPr>
-          <p:cNvPr id="421" name="Rectangle 148"/>
+          <p:cNvPr id="420" name="Rectangle 148"/>
           <p:cNvSpPr/>
           <p:nvPr/>
         </p:nvSpPr>
@@ -22012,7 +21983,7 @@
       </p:sp>
       <p:sp>
         <p:nvSpPr>
-          <p:cNvPr id="422" name="Rectangle 150"/>
+          <p:cNvPr id="421" name="Rectangle 150"/>
           <p:cNvSpPr/>
           <p:nvPr/>
         </p:nvSpPr>
@@ -22067,7 +22038,7 @@
       </p:sp>
       <p:sp>
         <p:nvSpPr>
-          <p:cNvPr id="423" name="Rectangle 151"/>
+          <p:cNvPr id="422" name="Rectangle 151"/>
           <p:cNvSpPr/>
           <p:nvPr/>
         </p:nvSpPr>
@@ -22122,7 +22093,7 @@
       </p:sp>
       <p:sp>
         <p:nvSpPr>
-          <p:cNvPr id="424" name="Rectangle 152"/>
+          <p:cNvPr id="423" name="Rectangle 152"/>
           <p:cNvSpPr/>
           <p:nvPr/>
         </p:nvSpPr>
@@ -22177,7 +22148,7 @@
       </p:sp>
       <p:sp>
         <p:nvSpPr>
-          <p:cNvPr id="425" name="Rectangle 153"/>
+          <p:cNvPr id="424" name="Rectangle 153"/>
           <p:cNvSpPr/>
           <p:nvPr/>
         </p:nvSpPr>
@@ -22232,7 +22203,7 @@
       </p:sp>
       <p:sp>
         <p:nvSpPr>
-          <p:cNvPr id="426" name="Rectangle 154"/>
+          <p:cNvPr id="425" name="Rectangle 154"/>
           <p:cNvSpPr/>
           <p:nvPr/>
         </p:nvSpPr>
@@ -22287,7 +22258,7 @@
       </p:sp>
       <p:sp>
         <p:nvSpPr>
-          <p:cNvPr id="427" name="Rectangle 155"/>
+          <p:cNvPr id="426" name="Rectangle 155"/>
           <p:cNvSpPr/>
           <p:nvPr/>
         </p:nvSpPr>
@@ -22342,7 +22313,7 @@
       </p:sp>
       <p:sp>
         <p:nvSpPr>
-          <p:cNvPr id="428" name="Rectangle 156"/>
+          <p:cNvPr id="427" name="Rectangle 156"/>
           <p:cNvSpPr/>
           <p:nvPr/>
         </p:nvSpPr>
@@ -22397,7 +22368,7 @@
       </p:sp>
       <p:grpSp>
         <p:nvGrpSpPr>
-          <p:cNvPr id="431" name="Rectangle 165"/>
+          <p:cNvPr id="430" name="Rectangle 165"/>
           <p:cNvGrpSpPr/>
           <p:nvPr/>
         </p:nvGrpSpPr>
@@ -22411,7 +22382,7 @@
         </p:grpSpPr>
         <p:sp>
           <p:nvSpPr>
-            <p:cNvPr id="429" name="Square"/>
+            <p:cNvPr id="428" name="Square"/>
             <p:cNvSpPr/>
             <p:nvPr/>
           </p:nvSpPr>
@@ -22466,7 +22437,7 @@
         </p:sp>
         <p:sp>
           <p:nvSpPr>
-            <p:cNvPr id="430" name="n"/>
+            <p:cNvPr id="429" name="n"/>
             <p:cNvSpPr txBox="1"/>
             <p:nvPr/>
           </p:nvSpPr>
@@ -22524,7 +22495,7 @@
       </p:grpSp>
       <p:sp>
         <p:nvSpPr>
-          <p:cNvPr id="432" name="Rectangle 167"/>
+          <p:cNvPr id="431" name="Rectangle 167"/>
           <p:cNvSpPr/>
           <p:nvPr/>
         </p:nvSpPr>
@@ -22579,7 +22550,7 @@
       </p:sp>
       <p:sp>
         <p:nvSpPr>
-          <p:cNvPr id="433" name="Rectangle 166"/>
+          <p:cNvPr id="432" name="Rectangle 166"/>
           <p:cNvSpPr/>
           <p:nvPr/>
         </p:nvSpPr>
@@ -22634,7 +22605,7 @@
       </p:sp>
       <p:sp>
         <p:nvSpPr>
-          <p:cNvPr id="434" name="Rectangle 168"/>
+          <p:cNvPr id="433" name="Rectangle 168"/>
           <p:cNvSpPr/>
           <p:nvPr/>
         </p:nvSpPr>
@@ -22689,7 +22660,7 @@
       </p:sp>
       <p:grpSp>
         <p:nvGrpSpPr>
-          <p:cNvPr id="437" name="Rectangle 169"/>
+          <p:cNvPr id="436" name="Rectangle 169"/>
           <p:cNvGrpSpPr/>
           <p:nvPr/>
         </p:nvGrpSpPr>
@@ -22703,7 +22674,7 @@
         </p:grpSpPr>
         <p:sp>
           <p:nvSpPr>
-            <p:cNvPr id="435" name="Square"/>
+            <p:cNvPr id="434" name="Square"/>
             <p:cNvSpPr/>
             <p:nvPr/>
           </p:nvSpPr>
@@ -22758,7 +22729,7 @@
         </p:sp>
         <p:sp>
           <p:nvSpPr>
-            <p:cNvPr id="436" name="x"/>
+            <p:cNvPr id="435" name="x"/>
             <p:cNvSpPr txBox="1"/>
             <p:nvPr/>
           </p:nvSpPr>
@@ -22816,7 +22787,7 @@
       </p:grpSp>
       <p:grpSp>
         <p:nvGrpSpPr>
-          <p:cNvPr id="440" name="Rectangle 170"/>
+          <p:cNvPr id="439" name="Rectangle 170"/>
           <p:cNvGrpSpPr/>
           <p:nvPr/>
         </p:nvGrpSpPr>
@@ -22830,7 +22801,7 @@
         </p:grpSpPr>
         <p:sp>
           <p:nvSpPr>
-            <p:cNvPr id="438" name="Square"/>
+            <p:cNvPr id="437" name="Square"/>
             <p:cNvSpPr/>
             <p:nvPr/>
           </p:nvSpPr>
@@ -22888,7 +22859,7 @@
         </p:sp>
         <p:sp>
           <p:nvSpPr>
-            <p:cNvPr id="439" name="f(x)"/>
+            <p:cNvPr id="438" name="f(x)"/>
             <p:cNvSpPr txBox="1"/>
             <p:nvPr/>
           </p:nvSpPr>
@@ -22946,7 +22917,7 @@
       </p:grpSp>
       <p:grpSp>
         <p:nvGrpSpPr>
-          <p:cNvPr id="443" name="Rectangle 173"/>
+          <p:cNvPr id="442" name="Rectangle 173"/>
           <p:cNvGrpSpPr/>
           <p:nvPr/>
         </p:nvGrpSpPr>
@@ -22960,7 +22931,7 @@
         </p:grpSpPr>
         <p:sp>
           <p:nvSpPr>
-            <p:cNvPr id="441" name="Square"/>
+            <p:cNvPr id="440" name="Square"/>
             <p:cNvSpPr/>
             <p:nvPr/>
           </p:nvSpPr>
@@ -23018,7 +22989,7 @@
         </p:sp>
         <p:sp>
           <p:nvSpPr>
-            <p:cNvPr id="442" name="L2"/>
+            <p:cNvPr id="441" name="L2"/>
             <p:cNvSpPr txBox="1"/>
             <p:nvPr/>
           </p:nvSpPr>
@@ -23076,7 +23047,7 @@
       </p:grpSp>
       <p:grpSp>
         <p:nvGrpSpPr>
-          <p:cNvPr id="446" name="Rectangle 176"/>
+          <p:cNvPr id="445" name="Rectangle 176"/>
           <p:cNvGrpSpPr/>
           <p:nvPr/>
         </p:nvGrpSpPr>
@@ -23090,7 +23061,7 @@
         </p:grpSpPr>
         <p:sp>
           <p:nvSpPr>
-            <p:cNvPr id="444" name="Square"/>
+            <p:cNvPr id="443" name="Square"/>
             <p:cNvSpPr/>
             <p:nvPr/>
           </p:nvSpPr>
@@ -23148,7 +23119,7 @@
         </p:sp>
         <p:sp>
           <p:nvSpPr>
-            <p:cNvPr id="445" name="L1"/>
+            <p:cNvPr id="444" name="L1"/>
             <p:cNvSpPr txBox="1"/>
             <p:nvPr/>
           </p:nvSpPr>
@@ -23206,7 +23177,7 @@
       </p:grpSp>
       <p:sp>
         <p:nvSpPr>
-          <p:cNvPr id="447" name="Rectangle 177"/>
+          <p:cNvPr id="446" name="Rectangle 177"/>
           <p:cNvSpPr/>
           <p:nvPr/>
         </p:nvSpPr>
@@ -23261,7 +23232,7 @@
       </p:sp>
       <p:sp>
         <p:nvSpPr>
-          <p:cNvPr id="448" name="Rectangle 178"/>
+          <p:cNvPr id="447" name="Rectangle 178"/>
           <p:cNvSpPr/>
           <p:nvPr/>
         </p:nvSpPr>
@@ -23316,7 +23287,7 @@
       </p:sp>
       <p:sp>
         <p:nvSpPr>
-          <p:cNvPr id="449" name="Rectangle 179"/>
+          <p:cNvPr id="448" name="Rectangle 179"/>
           <p:cNvSpPr/>
           <p:nvPr/>
         </p:nvSpPr>
@@ -23371,7 +23342,7 @@
       </p:sp>
       <p:sp>
         <p:nvSpPr>
-          <p:cNvPr id="450" name="Rectangle 180"/>
+          <p:cNvPr id="449" name="Rectangle 180"/>
           <p:cNvSpPr/>
           <p:nvPr/>
         </p:nvSpPr>
@@ -23426,7 +23397,7 @@
       </p:sp>
       <p:sp>
         <p:nvSpPr>
-          <p:cNvPr id="451" name="Rectangle 181"/>
+          <p:cNvPr id="450" name="Rectangle 181"/>
           <p:cNvSpPr/>
           <p:nvPr/>
         </p:nvSpPr>
@@ -23481,7 +23452,7 @@
       </p:sp>
       <p:sp>
         <p:nvSpPr>
-          <p:cNvPr id="452" name="Rectangle 182"/>
+          <p:cNvPr id="451" name="Rectangle 182"/>
           <p:cNvSpPr/>
           <p:nvPr/>
         </p:nvSpPr>
@@ -23536,7 +23507,7 @@
       </p:sp>
       <p:sp>
         <p:nvSpPr>
-          <p:cNvPr id="453" name="Rectangle 186"/>
+          <p:cNvPr id="452" name="Rectangle 186"/>
           <p:cNvSpPr/>
           <p:nvPr/>
         </p:nvSpPr>
@@ -23591,7 +23562,7 @@
       </p:sp>
       <p:sp>
         <p:nvSpPr>
-          <p:cNvPr id="454" name="Rectangle 190"/>
+          <p:cNvPr id="453" name="Rectangle 190"/>
           <p:cNvSpPr/>
           <p:nvPr/>
         </p:nvSpPr>
@@ -23646,7 +23617,7 @@
       </p:sp>
       <p:sp>
         <p:nvSpPr>
-          <p:cNvPr id="455" name="Freeform: Shape 8"/>
+          <p:cNvPr id="454" name="Freeform: Shape 8"/>
           <p:cNvSpPr/>
           <p:nvPr/>
         </p:nvSpPr>
@@ -23713,7 +23684,7 @@
       </p:sp>
       <p:sp>
         <p:nvSpPr>
-          <p:cNvPr id="456" name="Freeform: Shape 14"/>
+          <p:cNvPr id="455" name="Freeform: Shape 14"/>
           <p:cNvSpPr/>
           <p:nvPr/>
         </p:nvSpPr>
@@ -23784,7 +23755,7 @@
       </p:sp>
       <p:sp>
         <p:nvSpPr>
-          <p:cNvPr id="457" name="Rectangle 3"/>
+          <p:cNvPr id="456" name="Rectangle 3"/>
           <p:cNvSpPr txBox="1"/>
           <p:nvPr/>
         </p:nvSpPr>
@@ -23829,7 +23800,7 @@
       </p:sp>
       <p:sp>
         <p:nvSpPr>
-          <p:cNvPr id="458" name="SUBTITLE"/>
+          <p:cNvPr id="457" name="SUBTITLE"/>
           <p:cNvSpPr txBox="1"/>
           <p:nvPr/>
         </p:nvSpPr>
@@ -23872,7 +23843,7 @@
       </p:sp>
       <p:sp>
         <p:nvSpPr>
-          <p:cNvPr id="459" name="Shape"/>
+          <p:cNvPr id="458" name="Shape"/>
           <p:cNvSpPr/>
           <p:nvPr/>
         </p:nvSpPr>
@@ -23983,7 +23954,7 @@
       </p:sp>
       <p:sp>
         <p:nvSpPr>
-          <p:cNvPr id="460" name="See ?install_keras for GPU instructions"/>
+          <p:cNvPr id="459" name="See ?install_keras for GPU instructions"/>
           <p:cNvSpPr txBox="1"/>
           <p:nvPr/>
         </p:nvSpPr>
@@ -24037,7 +24008,7 @@
       </p:sp>
       <p:sp>
         <p:nvSpPr>
-          <p:cNvPr id="461" name="SUBTITLE"/>
+          <p:cNvPr id="460" name="SUBTITLE"/>
           <p:cNvSpPr txBox="1"/>
           <p:nvPr/>
         </p:nvSpPr>
@@ -24078,38 +24049,9 @@
           </a:p>
         </p:txBody>
       </p:sp>
-      <p:pic>
-        <p:nvPicPr>
-          <p:cNvPr id="462" name="Picture 2" descr="Picture 2"/>
-          <p:cNvPicPr>
-            <a:picLocks noChangeAspect="1"/>
-          </p:cNvPicPr>
-          <p:nvPr/>
-        </p:nvPicPr>
-        <p:blipFill>
-          <a:blip r:embed="rId7">
-            <a:extLst/>
-          </a:blip>
-          <a:stretch>
-            <a:fillRect/>
-          </a:stretch>
-        </p:blipFill>
-        <p:spPr>
-          <a:xfrm>
-            <a:off x="12503788" y="3681669"/>
-            <a:ext cx="1114089" cy="277285"/>
-          </a:xfrm>
-          <a:prstGeom prst="rect">
-            <a:avLst/>
-          </a:prstGeom>
-          <a:ln w="12700">
-            <a:miter lim="400000"/>
-          </a:ln>
-        </p:spPr>
-      </p:pic>
       <p:sp>
         <p:nvSpPr>
-          <p:cNvPr id="463" name="Rectangle 133"/>
+          <p:cNvPr id="461" name="Rectangle 133"/>
           <p:cNvSpPr txBox="1"/>
           <p:nvPr/>
         </p:nvSpPr>
@@ -24154,7 +24096,7 @@
                     <a:srgbClr val="0000FF"/>
                   </a:solidFill>
                 </a:uFill>
-                <a:hlinkClick r:id="rId8" invalidUrl="" action="" tgtFrame="" tooltip="" history="1" highlightClick="0" endSnd="0"/>
+                <a:hlinkClick r:id="rId6" invalidUrl="" action="" tgtFrame="" tooltip="" history="1" highlightClick="0" endSnd="0"/>
               </a:rPr>
               <a:t>https://keras.rstudio.com</a:t>
             </a:r>
@@ -24166,7 +24108,7 @@
       </p:sp>
       <p:sp>
         <p:nvSpPr>
-          <p:cNvPr id="464" name="Rectangle 135"/>
+          <p:cNvPr id="462" name="Rectangle 135"/>
           <p:cNvSpPr txBox="1"/>
           <p:nvPr/>
         </p:nvSpPr>
@@ -24211,7 +24153,7 @@
                     <a:srgbClr val="0000FF"/>
                   </a:solidFill>
                 </a:uFill>
-                <a:hlinkClick r:id="rId9" invalidUrl="" action="" tgtFrame="" tooltip="" history="1" highlightClick="0" endSnd="0"/>
+                <a:hlinkClick r:id="rId7" invalidUrl="" action="" tgtFrame="" tooltip="" history="1" highlightClick="0" endSnd="0"/>
               </a:rPr>
               <a:t>https://www.manning.com/books/deep-learning-with-r</a:t>
             </a:r>
@@ -24223,7 +24165,7 @@
       </p:sp>
       <p:sp>
         <p:nvSpPr>
-          <p:cNvPr id="465" name="Shape"/>
+          <p:cNvPr id="463" name="Shape"/>
           <p:cNvSpPr/>
           <p:nvPr/>
         </p:nvSpPr>
@@ -24340,7 +24282,7 @@
       </p:sp>
       <p:sp>
         <p:nvSpPr>
-          <p:cNvPr id="466" name="The “Hello, World!” of deep learning"/>
+          <p:cNvPr id="464" name="The “Hello, World!” of deep learning"/>
           <p:cNvSpPr txBox="1"/>
           <p:nvPr/>
         </p:nvSpPr>
@@ -24392,6 +24334,64 @@
           </a:p>
         </p:txBody>
       </p:sp>
+      <p:pic>
+        <p:nvPicPr>
+          <p:cNvPr id="465" name="pasted-image.pdf" descr="pasted-image.pdf"/>
+          <p:cNvPicPr>
+            <a:picLocks noChangeAspect="1"/>
+          </p:cNvPicPr>
+          <p:nvPr/>
+        </p:nvPicPr>
+        <p:blipFill>
+          <a:blip r:embed="rId8">
+            <a:extLst/>
+          </a:blip>
+          <a:stretch>
+            <a:fillRect/>
+          </a:stretch>
+        </p:blipFill>
+        <p:spPr>
+          <a:xfrm>
+            <a:off x="238822" y="9978473"/>
+            <a:ext cx="1754523" cy="616479"/>
+          </a:xfrm>
+          <a:prstGeom prst="rect">
+            <a:avLst/>
+          </a:prstGeom>
+          <a:ln w="12700">
+            <a:miter lim="400000"/>
+          </a:ln>
+        </p:spPr>
+      </p:pic>
+      <p:pic>
+        <p:nvPicPr>
+          <p:cNvPr id="466" name="Picture 2" descr="Picture 2"/>
+          <p:cNvPicPr>
+            <a:picLocks noChangeAspect="1"/>
+          </p:cNvPicPr>
+          <p:nvPr/>
+        </p:nvPicPr>
+        <p:blipFill>
+          <a:blip r:embed="rId9">
+            <a:extLst/>
+          </a:blip>
+          <a:stretch>
+            <a:fillRect/>
+          </a:stretch>
+        </p:blipFill>
+        <p:spPr>
+          <a:xfrm>
+            <a:off x="12503788" y="3681669"/>
+            <a:ext cx="1114089" cy="277285"/>
+          </a:xfrm>
+          <a:prstGeom prst="rect">
+            <a:avLst/>
+          </a:prstGeom>
+          <a:ln w="12700">
+            <a:miter lim="400000"/>
+          </a:ln>
+        </p:spPr>
+      </p:pic>
       <p:grpSp>
         <p:nvGrpSpPr>
           <p:cNvPr id="473" name="Group 157"/>
@@ -25702,38 +25702,9 @@
           </a:p>
         </p:txBody>
       </p:sp>
-      <p:pic>
-        <p:nvPicPr>
-          <p:cNvPr id="498" name="pasted-image.pdf" descr="pasted-image.pdf"/>
-          <p:cNvPicPr>
-            <a:picLocks noChangeAspect="1"/>
-          </p:cNvPicPr>
-          <p:nvPr/>
-        </p:nvPicPr>
-        <p:blipFill>
-          <a:blip r:embed="rId2">
-            <a:extLst/>
-          </a:blip>
-          <a:stretch>
-            <a:fillRect/>
-          </a:stretch>
-        </p:blipFill>
-        <p:spPr>
-          <a:xfrm>
-            <a:off x="238822" y="9978473"/>
-            <a:ext cx="1754523" cy="616479"/>
-          </a:xfrm>
-          <a:prstGeom prst="rect">
-            <a:avLst/>
-          </a:prstGeom>
-          <a:ln w="12700">
-            <a:miter lim="400000"/>
-          </a:ln>
-        </p:spPr>
-      </p:pic>
       <p:sp>
         <p:nvSpPr>
-          <p:cNvPr id="499" name="Rectangle"/>
+          <p:cNvPr id="498" name="Rectangle"/>
           <p:cNvSpPr/>
           <p:nvPr/>
         </p:nvSpPr>
@@ -25790,7 +25761,7 @@
       </p:sp>
       <p:sp>
         <p:nvSpPr>
-          <p:cNvPr id="500" name="Rectangle"/>
+          <p:cNvPr id="499" name="Rectangle"/>
           <p:cNvSpPr/>
           <p:nvPr/>
         </p:nvSpPr>
@@ -25847,7 +25818,7 @@
       </p:sp>
       <p:sp>
         <p:nvSpPr>
-          <p:cNvPr id="501" name="SUBTITLE"/>
+          <p:cNvPr id="500" name="SUBTITLE"/>
           <p:cNvSpPr txBox="1"/>
           <p:nvPr/>
         </p:nvSpPr>
@@ -25890,7 +25861,7 @@
       </p:sp>
       <p:sp>
         <p:nvSpPr>
-          <p:cNvPr id="502" name="SUBTITLE"/>
+          <p:cNvPr id="501" name="SUBTITLE"/>
           <p:cNvSpPr txBox="1"/>
           <p:nvPr/>
         </p:nvSpPr>
@@ -25933,7 +25904,7 @@
       </p:sp>
       <p:sp>
         <p:nvSpPr>
-          <p:cNvPr id="503" name="every(.x, .p, …) Do all element pass a test?…"/>
+          <p:cNvPr id="502" name="every(.x, .p, …) Do all element pass a test?…"/>
           <p:cNvSpPr txBox="1"/>
           <p:nvPr/>
         </p:nvSpPr>
@@ -26403,7 +26374,7 @@
       </p:sp>
       <p:sp>
         <p:nvSpPr>
-          <p:cNvPr id="504" name="Rectangle 30"/>
+          <p:cNvPr id="503" name="Rectangle 30"/>
           <p:cNvSpPr/>
           <p:nvPr/>
         </p:nvSpPr>
@@ -26458,7 +26429,7 @@
       </p:sp>
       <p:sp>
         <p:nvSpPr>
-          <p:cNvPr id="505" name="Rectangle 31"/>
+          <p:cNvPr id="504" name="Rectangle 31"/>
           <p:cNvSpPr/>
           <p:nvPr/>
         </p:nvSpPr>
@@ -26513,7 +26484,7 @@
       </p:sp>
       <p:sp>
         <p:nvSpPr>
-          <p:cNvPr id="506" name="Rectangle 32"/>
+          <p:cNvPr id="505" name="Rectangle 32"/>
           <p:cNvSpPr/>
           <p:nvPr/>
         </p:nvSpPr>
@@ -26568,7 +26539,7 @@
       </p:sp>
       <p:sp>
         <p:nvSpPr>
-          <p:cNvPr id="507" name="Rectangle 33"/>
+          <p:cNvPr id="506" name="Rectangle 33"/>
           <p:cNvSpPr/>
           <p:nvPr/>
         </p:nvSpPr>
@@ -26623,7 +26594,7 @@
       </p:sp>
       <p:sp>
         <p:nvSpPr>
-          <p:cNvPr id="508" name="Rectangle 39"/>
+          <p:cNvPr id="507" name="Rectangle 39"/>
           <p:cNvSpPr/>
           <p:nvPr/>
         </p:nvSpPr>
@@ -26678,7 +26649,7 @@
       </p:sp>
       <p:sp>
         <p:nvSpPr>
-          <p:cNvPr id="509" name="Rectangle 40"/>
+          <p:cNvPr id="508" name="Rectangle 40"/>
           <p:cNvSpPr/>
           <p:nvPr/>
         </p:nvSpPr>
@@ -26733,7 +26704,7 @@
       </p:sp>
       <p:sp>
         <p:nvSpPr>
-          <p:cNvPr id="510" name="Rectangle 41"/>
+          <p:cNvPr id="509" name="Rectangle 41"/>
           <p:cNvSpPr/>
           <p:nvPr/>
         </p:nvSpPr>
@@ -26788,7 +26759,7 @@
       </p:sp>
       <p:sp>
         <p:nvSpPr>
-          <p:cNvPr id="511" name="Rectangle 42"/>
+          <p:cNvPr id="510" name="Rectangle 42"/>
           <p:cNvSpPr/>
           <p:nvPr/>
         </p:nvSpPr>
@@ -26843,7 +26814,7 @@
       </p:sp>
       <p:sp>
         <p:nvSpPr>
-          <p:cNvPr id="512" name="Isosceles Triangle 2"/>
+          <p:cNvPr id="511" name="Isosceles Triangle 2"/>
           <p:cNvSpPr/>
           <p:nvPr/>
         </p:nvSpPr>
@@ -26895,7 +26866,7 @@
       </p:sp>
       <p:grpSp>
         <p:nvGrpSpPr>
-          <p:cNvPr id="527" name="Group 7"/>
+          <p:cNvPr id="526" name="Group 7"/>
           <p:cNvGrpSpPr/>
           <p:nvPr/>
         </p:nvGrpSpPr>
@@ -26909,7 +26880,7 @@
         </p:grpSpPr>
         <p:sp>
           <p:nvSpPr>
-            <p:cNvPr id="513" name="Rectangle 34"/>
+            <p:cNvPr id="512" name="Rectangle 34"/>
             <p:cNvSpPr/>
             <p:nvPr/>
           </p:nvSpPr>
@@ -26967,7 +26938,7 @@
         </p:sp>
         <p:sp>
           <p:nvSpPr>
-            <p:cNvPr id="514" name="Rectangle 35"/>
+            <p:cNvPr id="513" name="Rectangle 35"/>
             <p:cNvSpPr/>
             <p:nvPr/>
           </p:nvSpPr>
@@ -27025,7 +26996,7 @@
         </p:sp>
         <p:sp>
           <p:nvSpPr>
-            <p:cNvPr id="515" name="Rectangle 36"/>
+            <p:cNvPr id="514" name="Rectangle 36"/>
             <p:cNvSpPr/>
             <p:nvPr/>
           </p:nvSpPr>
@@ -27083,7 +27054,7 @@
         </p:sp>
         <p:sp>
           <p:nvSpPr>
-            <p:cNvPr id="516" name="Rectangle 37"/>
+            <p:cNvPr id="515" name="Rectangle 37"/>
             <p:cNvSpPr/>
             <p:nvPr/>
           </p:nvSpPr>
@@ -27141,7 +27112,7 @@
         </p:sp>
         <p:sp>
           <p:nvSpPr>
-            <p:cNvPr id="517" name="Rectangle 45"/>
+            <p:cNvPr id="516" name="Rectangle 45"/>
             <p:cNvSpPr/>
             <p:nvPr/>
           </p:nvSpPr>
@@ -27199,7 +27170,7 @@
         </p:sp>
         <p:sp>
           <p:nvSpPr>
-            <p:cNvPr id="518" name="Rectangle 46"/>
+            <p:cNvPr id="517" name="Rectangle 46"/>
             <p:cNvSpPr/>
             <p:nvPr/>
           </p:nvSpPr>
@@ -27257,7 +27228,7 @@
         </p:sp>
         <p:sp>
           <p:nvSpPr>
-            <p:cNvPr id="519" name="Rectangle 47"/>
+            <p:cNvPr id="518" name="Rectangle 47"/>
             <p:cNvSpPr/>
             <p:nvPr/>
           </p:nvSpPr>
@@ -27315,7 +27286,7 @@
         </p:sp>
         <p:sp>
           <p:nvSpPr>
-            <p:cNvPr id="520" name="Rectangle 48"/>
+            <p:cNvPr id="519" name="Rectangle 48"/>
             <p:cNvSpPr/>
             <p:nvPr/>
           </p:nvSpPr>
@@ -27373,7 +27344,7 @@
         </p:sp>
         <p:sp>
           <p:nvSpPr>
-            <p:cNvPr id="521" name="Rectangle 49"/>
+            <p:cNvPr id="520" name="Rectangle 49"/>
             <p:cNvSpPr/>
             <p:nvPr/>
           </p:nvSpPr>
@@ -27431,7 +27402,7 @@
         </p:sp>
         <p:sp>
           <p:nvSpPr>
-            <p:cNvPr id="522" name="Rectangle 50"/>
+            <p:cNvPr id="521" name="Rectangle 50"/>
             <p:cNvSpPr/>
             <p:nvPr/>
           </p:nvSpPr>
@@ -27489,7 +27460,7 @@
         </p:sp>
         <p:sp>
           <p:nvSpPr>
-            <p:cNvPr id="523" name="Rectangle 51"/>
+            <p:cNvPr id="522" name="Rectangle 51"/>
             <p:cNvSpPr/>
             <p:nvPr/>
           </p:nvSpPr>
@@ -27547,7 +27518,7 @@
         </p:sp>
         <p:sp>
           <p:nvSpPr>
-            <p:cNvPr id="524" name="Rectangle 52"/>
+            <p:cNvPr id="523" name="Rectangle 52"/>
             <p:cNvSpPr/>
             <p:nvPr/>
           </p:nvSpPr>
@@ -27605,7 +27576,7 @@
         </p:sp>
         <p:sp>
           <p:nvSpPr>
-            <p:cNvPr id="525" name="Rectangle 53"/>
+            <p:cNvPr id="524" name="Rectangle 53"/>
             <p:cNvSpPr/>
             <p:nvPr/>
           </p:nvSpPr>
@@ -27663,7 +27634,7 @@
         </p:sp>
         <p:sp>
           <p:nvSpPr>
-            <p:cNvPr id="526" name="Isosceles Triangle 54"/>
+            <p:cNvPr id="525" name="Isosceles Triangle 54"/>
             <p:cNvSpPr/>
             <p:nvPr/>
           </p:nvSpPr>
@@ -27719,7 +27690,7 @@
       </p:grpSp>
       <p:sp>
         <p:nvSpPr>
-          <p:cNvPr id="528" name="Isosceles Triangle 68"/>
+          <p:cNvPr id="527" name="Isosceles Triangle 68"/>
           <p:cNvSpPr/>
           <p:nvPr/>
         </p:nvSpPr>
@@ -27771,7 +27742,7 @@
       </p:sp>
       <p:grpSp>
         <p:nvGrpSpPr>
-          <p:cNvPr id="533" name="Cube 3"/>
+          <p:cNvPr id="532" name="Cube 3"/>
           <p:cNvGrpSpPr/>
           <p:nvPr/>
         </p:nvGrpSpPr>
@@ -27785,7 +27756,7 @@
         </p:grpSpPr>
         <p:sp>
           <p:nvSpPr>
-            <p:cNvPr id="529" name="Shape"/>
+            <p:cNvPr id="528" name="Shape"/>
             <p:cNvSpPr/>
             <p:nvPr/>
           </p:nvSpPr>
@@ -27874,7 +27845,7 @@
         </p:sp>
         <p:sp>
           <p:nvSpPr>
-            <p:cNvPr id="530" name="Shape"/>
+            <p:cNvPr id="529" name="Shape"/>
             <p:cNvSpPr/>
             <p:nvPr/>
           </p:nvSpPr>
@@ -27959,7 +27930,7 @@
         </p:sp>
         <p:sp>
           <p:nvSpPr>
-            <p:cNvPr id="531" name="Shape"/>
+            <p:cNvPr id="530" name="Shape"/>
             <p:cNvSpPr/>
             <p:nvPr/>
           </p:nvSpPr>
@@ -28044,7 +28015,7 @@
         </p:sp>
         <p:sp>
           <p:nvSpPr>
-            <p:cNvPr id="532" name="Shape"/>
+            <p:cNvPr id="531" name="Shape"/>
             <p:cNvSpPr/>
             <p:nvPr/>
           </p:nvSpPr>
@@ -28150,7 +28121,7 @@
       </p:grpSp>
       <p:grpSp>
         <p:nvGrpSpPr>
-          <p:cNvPr id="538" name="Cube 70"/>
+          <p:cNvPr id="537" name="Cube 70"/>
           <p:cNvGrpSpPr/>
           <p:nvPr/>
         </p:nvGrpSpPr>
@@ -28164,7 +28135,7 @@
         </p:grpSpPr>
         <p:sp>
           <p:nvSpPr>
-            <p:cNvPr id="534" name="Shape"/>
+            <p:cNvPr id="533" name="Shape"/>
             <p:cNvSpPr/>
             <p:nvPr/>
           </p:nvSpPr>
@@ -28253,7 +28224,7 @@
         </p:sp>
         <p:sp>
           <p:nvSpPr>
-            <p:cNvPr id="535" name="Shape"/>
+            <p:cNvPr id="534" name="Shape"/>
             <p:cNvSpPr/>
             <p:nvPr/>
           </p:nvSpPr>
@@ -28338,7 +28309,7 @@
         </p:sp>
         <p:sp>
           <p:nvSpPr>
-            <p:cNvPr id="536" name="Shape"/>
+            <p:cNvPr id="535" name="Shape"/>
             <p:cNvSpPr/>
             <p:nvPr/>
           </p:nvSpPr>
@@ -28423,7 +28394,7 @@
         </p:sp>
         <p:sp>
           <p:nvSpPr>
-            <p:cNvPr id="537" name="Shape"/>
+            <p:cNvPr id="536" name="Shape"/>
             <p:cNvSpPr/>
             <p:nvPr/>
           </p:nvSpPr>
@@ -28529,7 +28500,7 @@
       </p:grpSp>
       <p:grpSp>
         <p:nvGrpSpPr>
-          <p:cNvPr id="543" name="Cube 71"/>
+          <p:cNvPr id="542" name="Cube 71"/>
           <p:cNvGrpSpPr/>
           <p:nvPr/>
         </p:nvGrpSpPr>
@@ -28543,7 +28514,7 @@
         </p:grpSpPr>
         <p:sp>
           <p:nvSpPr>
-            <p:cNvPr id="539" name="Shape"/>
+            <p:cNvPr id="538" name="Shape"/>
             <p:cNvSpPr/>
             <p:nvPr/>
           </p:nvSpPr>
@@ -28632,7 +28603,7 @@
         </p:sp>
         <p:sp>
           <p:nvSpPr>
-            <p:cNvPr id="540" name="Shape"/>
+            <p:cNvPr id="539" name="Shape"/>
             <p:cNvSpPr/>
             <p:nvPr/>
           </p:nvSpPr>
@@ -28717,7 +28688,7 @@
         </p:sp>
         <p:sp>
           <p:nvSpPr>
-            <p:cNvPr id="541" name="Shape"/>
+            <p:cNvPr id="540" name="Shape"/>
             <p:cNvSpPr/>
             <p:nvPr/>
           </p:nvSpPr>
@@ -28802,7 +28773,7 @@
         </p:sp>
         <p:sp>
           <p:nvSpPr>
-            <p:cNvPr id="542" name="Shape"/>
+            <p:cNvPr id="541" name="Shape"/>
             <p:cNvSpPr/>
             <p:nvPr/>
           </p:nvSpPr>
@@ -28908,7 +28879,7 @@
       </p:grpSp>
       <p:grpSp>
         <p:nvGrpSpPr>
-          <p:cNvPr id="548" name="Cube 72"/>
+          <p:cNvPr id="547" name="Cube 72"/>
           <p:cNvGrpSpPr/>
           <p:nvPr/>
         </p:nvGrpSpPr>
@@ -28922,7 +28893,7 @@
         </p:grpSpPr>
         <p:sp>
           <p:nvSpPr>
-            <p:cNvPr id="544" name="Shape"/>
+            <p:cNvPr id="543" name="Shape"/>
             <p:cNvSpPr/>
             <p:nvPr/>
           </p:nvSpPr>
@@ -29011,7 +28982,7 @@
         </p:sp>
         <p:sp>
           <p:nvSpPr>
-            <p:cNvPr id="545" name="Shape"/>
+            <p:cNvPr id="544" name="Shape"/>
             <p:cNvSpPr/>
             <p:nvPr/>
           </p:nvSpPr>
@@ -29096,7 +29067,7 @@
         </p:sp>
         <p:sp>
           <p:nvSpPr>
-            <p:cNvPr id="546" name="Shape"/>
+            <p:cNvPr id="545" name="Shape"/>
             <p:cNvSpPr/>
             <p:nvPr/>
           </p:nvSpPr>
@@ -29181,7 +29152,7 @@
         </p:sp>
         <p:sp>
           <p:nvSpPr>
-            <p:cNvPr id="547" name="Shape"/>
+            <p:cNvPr id="546" name="Shape"/>
             <p:cNvSpPr/>
             <p:nvPr/>
           </p:nvSpPr>
@@ -29287,7 +29258,7 @@
       </p:grpSp>
       <p:grpSp>
         <p:nvGrpSpPr>
-          <p:cNvPr id="553" name="Cube 80"/>
+          <p:cNvPr id="552" name="Cube 80"/>
           <p:cNvGrpSpPr/>
           <p:nvPr/>
         </p:nvGrpSpPr>
@@ -29301,7 +29272,7 @@
         </p:grpSpPr>
         <p:sp>
           <p:nvSpPr>
-            <p:cNvPr id="549" name="Shape"/>
+            <p:cNvPr id="548" name="Shape"/>
             <p:cNvSpPr/>
             <p:nvPr/>
           </p:nvSpPr>
@@ -29390,7 +29361,7 @@
         </p:sp>
         <p:sp>
           <p:nvSpPr>
-            <p:cNvPr id="550" name="Shape"/>
+            <p:cNvPr id="549" name="Shape"/>
             <p:cNvSpPr/>
             <p:nvPr/>
           </p:nvSpPr>
@@ -29475,7 +29446,7 @@
         </p:sp>
         <p:sp>
           <p:nvSpPr>
-            <p:cNvPr id="551" name="Shape"/>
+            <p:cNvPr id="550" name="Shape"/>
             <p:cNvSpPr/>
             <p:nvPr/>
           </p:nvSpPr>
@@ -29560,7 +29531,7 @@
         </p:sp>
         <p:sp>
           <p:nvSpPr>
-            <p:cNvPr id="552" name="Shape"/>
+            <p:cNvPr id="551" name="Shape"/>
             <p:cNvSpPr/>
             <p:nvPr/>
           </p:nvSpPr>
@@ -29666,7 +29637,7 @@
       </p:grpSp>
       <p:grpSp>
         <p:nvGrpSpPr>
-          <p:cNvPr id="558" name="Cube 81"/>
+          <p:cNvPr id="557" name="Cube 81"/>
           <p:cNvGrpSpPr/>
           <p:nvPr/>
         </p:nvGrpSpPr>
@@ -29680,7 +29651,7 @@
         </p:grpSpPr>
         <p:sp>
           <p:nvSpPr>
-            <p:cNvPr id="554" name="Shape"/>
+            <p:cNvPr id="553" name="Shape"/>
             <p:cNvSpPr/>
             <p:nvPr/>
           </p:nvSpPr>
@@ -29769,7 +29740,7 @@
         </p:sp>
         <p:sp>
           <p:nvSpPr>
-            <p:cNvPr id="555" name="Shape"/>
+            <p:cNvPr id="554" name="Shape"/>
             <p:cNvSpPr/>
             <p:nvPr/>
           </p:nvSpPr>
@@ -29854,7 +29825,7 @@
         </p:sp>
         <p:sp>
           <p:nvSpPr>
-            <p:cNvPr id="556" name="Shape"/>
+            <p:cNvPr id="555" name="Shape"/>
             <p:cNvSpPr/>
             <p:nvPr/>
           </p:nvSpPr>
@@ -29939,7 +29910,7 @@
         </p:sp>
         <p:sp>
           <p:nvSpPr>
-            <p:cNvPr id="557" name="Shape"/>
+            <p:cNvPr id="556" name="Shape"/>
             <p:cNvSpPr/>
             <p:nvPr/>
           </p:nvSpPr>
@@ -30045,7 +30016,7 @@
       </p:grpSp>
       <p:grpSp>
         <p:nvGrpSpPr>
-          <p:cNvPr id="563" name="Cube 83"/>
+          <p:cNvPr id="562" name="Cube 83"/>
           <p:cNvGrpSpPr/>
           <p:nvPr/>
         </p:nvGrpSpPr>
@@ -30059,7 +30030,7 @@
         </p:grpSpPr>
         <p:sp>
           <p:nvSpPr>
-            <p:cNvPr id="559" name="Shape"/>
+            <p:cNvPr id="558" name="Shape"/>
             <p:cNvSpPr/>
             <p:nvPr/>
           </p:nvSpPr>
@@ -30148,7 +30119,7 @@
         </p:sp>
         <p:sp>
           <p:nvSpPr>
-            <p:cNvPr id="560" name="Shape"/>
+            <p:cNvPr id="559" name="Shape"/>
             <p:cNvSpPr/>
             <p:nvPr/>
           </p:nvSpPr>
@@ -30233,7 +30204,7 @@
         </p:sp>
         <p:sp>
           <p:nvSpPr>
-            <p:cNvPr id="561" name="Shape"/>
+            <p:cNvPr id="560" name="Shape"/>
             <p:cNvSpPr/>
             <p:nvPr/>
           </p:nvSpPr>
@@ -30318,7 +30289,7 @@
         </p:sp>
         <p:sp>
           <p:nvSpPr>
-            <p:cNvPr id="562" name="Shape"/>
+            <p:cNvPr id="561" name="Shape"/>
             <p:cNvSpPr/>
             <p:nvPr/>
           </p:nvSpPr>
@@ -30424,7 +30395,7 @@
       </p:grpSp>
       <p:grpSp>
         <p:nvGrpSpPr>
-          <p:cNvPr id="568" name="Cube 84"/>
+          <p:cNvPr id="567" name="Cube 84"/>
           <p:cNvGrpSpPr/>
           <p:nvPr/>
         </p:nvGrpSpPr>
@@ -30438,7 +30409,7 @@
         </p:grpSpPr>
         <p:sp>
           <p:nvSpPr>
-            <p:cNvPr id="564" name="Shape"/>
+            <p:cNvPr id="563" name="Shape"/>
             <p:cNvSpPr/>
             <p:nvPr/>
           </p:nvSpPr>
@@ -30527,7 +30498,7 @@
         </p:sp>
         <p:sp>
           <p:nvSpPr>
-            <p:cNvPr id="565" name="Shape"/>
+            <p:cNvPr id="564" name="Shape"/>
             <p:cNvSpPr/>
             <p:nvPr/>
           </p:nvSpPr>
@@ -30612,7 +30583,7 @@
         </p:sp>
         <p:sp>
           <p:nvSpPr>
-            <p:cNvPr id="566" name="Shape"/>
+            <p:cNvPr id="565" name="Shape"/>
             <p:cNvSpPr/>
             <p:nvPr/>
           </p:nvSpPr>
@@ -30697,7 +30668,7 @@
         </p:sp>
         <p:sp>
           <p:nvSpPr>
-            <p:cNvPr id="567" name="Shape"/>
+            <p:cNvPr id="566" name="Shape"/>
             <p:cNvSpPr/>
             <p:nvPr/>
           </p:nvSpPr>
@@ -30803,7 +30774,7 @@
       </p:grpSp>
       <p:grpSp>
         <p:nvGrpSpPr>
-          <p:cNvPr id="573" name="Cube 85"/>
+          <p:cNvPr id="572" name="Cube 85"/>
           <p:cNvGrpSpPr/>
           <p:nvPr/>
         </p:nvGrpSpPr>
@@ -30817,7 +30788,7 @@
         </p:grpSpPr>
         <p:sp>
           <p:nvSpPr>
-            <p:cNvPr id="569" name="Shape"/>
+            <p:cNvPr id="568" name="Shape"/>
             <p:cNvSpPr/>
             <p:nvPr/>
           </p:nvSpPr>
@@ -30906,7 +30877,7 @@
         </p:sp>
         <p:sp>
           <p:nvSpPr>
-            <p:cNvPr id="570" name="Shape"/>
+            <p:cNvPr id="569" name="Shape"/>
             <p:cNvSpPr/>
             <p:nvPr/>
           </p:nvSpPr>
@@ -30991,7 +30962,7 @@
         </p:sp>
         <p:sp>
           <p:nvSpPr>
-            <p:cNvPr id="571" name="Shape"/>
+            <p:cNvPr id="570" name="Shape"/>
             <p:cNvSpPr/>
             <p:nvPr/>
           </p:nvSpPr>
@@ -31076,7 +31047,7 @@
         </p:sp>
         <p:sp>
           <p:nvSpPr>
-            <p:cNvPr id="572" name="Shape"/>
+            <p:cNvPr id="571" name="Shape"/>
             <p:cNvSpPr/>
             <p:nvPr/>
           </p:nvSpPr>
@@ -31182,7 +31153,7 @@
       </p:grpSp>
       <p:grpSp>
         <p:nvGrpSpPr>
-          <p:cNvPr id="578" name="Cube 88"/>
+          <p:cNvPr id="577" name="Cube 88"/>
           <p:cNvGrpSpPr/>
           <p:nvPr/>
         </p:nvGrpSpPr>
@@ -31196,7 +31167,7 @@
         </p:grpSpPr>
         <p:sp>
           <p:nvSpPr>
-            <p:cNvPr id="574" name="Shape"/>
+            <p:cNvPr id="573" name="Shape"/>
             <p:cNvSpPr/>
             <p:nvPr/>
           </p:nvSpPr>
@@ -31285,7 +31256,7 @@
         </p:sp>
         <p:sp>
           <p:nvSpPr>
-            <p:cNvPr id="575" name="Shape"/>
+            <p:cNvPr id="574" name="Shape"/>
             <p:cNvSpPr/>
             <p:nvPr/>
           </p:nvSpPr>
@@ -31370,7 +31341,7 @@
         </p:sp>
         <p:sp>
           <p:nvSpPr>
-            <p:cNvPr id="576" name="Shape"/>
+            <p:cNvPr id="575" name="Shape"/>
             <p:cNvSpPr/>
             <p:nvPr/>
           </p:nvSpPr>
@@ -31455,7 +31426,7 @@
         </p:sp>
         <p:sp>
           <p:nvSpPr>
-            <p:cNvPr id="577" name="Shape"/>
+            <p:cNvPr id="576" name="Shape"/>
             <p:cNvSpPr/>
             <p:nvPr/>
           </p:nvSpPr>
@@ -31561,7 +31532,7 @@
       </p:grpSp>
       <p:grpSp>
         <p:nvGrpSpPr>
-          <p:cNvPr id="583" name="Cube 89"/>
+          <p:cNvPr id="582" name="Cube 89"/>
           <p:cNvGrpSpPr/>
           <p:nvPr/>
         </p:nvGrpSpPr>
@@ -31575,7 +31546,7 @@
         </p:grpSpPr>
         <p:sp>
           <p:nvSpPr>
-            <p:cNvPr id="579" name="Shape"/>
+            <p:cNvPr id="578" name="Shape"/>
             <p:cNvSpPr/>
             <p:nvPr/>
           </p:nvSpPr>
@@ -31664,7 +31635,7 @@
         </p:sp>
         <p:sp>
           <p:nvSpPr>
-            <p:cNvPr id="580" name="Shape"/>
+            <p:cNvPr id="579" name="Shape"/>
             <p:cNvSpPr/>
             <p:nvPr/>
           </p:nvSpPr>
@@ -31749,7 +31720,7 @@
         </p:sp>
         <p:sp>
           <p:nvSpPr>
-            <p:cNvPr id="581" name="Shape"/>
+            <p:cNvPr id="580" name="Shape"/>
             <p:cNvSpPr/>
             <p:nvPr/>
           </p:nvSpPr>
@@ -31834,7 +31805,7 @@
         </p:sp>
         <p:sp>
           <p:nvSpPr>
-            <p:cNvPr id="582" name="Shape"/>
+            <p:cNvPr id="581" name="Shape"/>
             <p:cNvSpPr/>
             <p:nvPr/>
           </p:nvSpPr>
@@ -31940,7 +31911,7 @@
       </p:grpSp>
       <p:grpSp>
         <p:nvGrpSpPr>
-          <p:cNvPr id="588" name="Cube 90"/>
+          <p:cNvPr id="587" name="Cube 90"/>
           <p:cNvGrpSpPr/>
           <p:nvPr/>
         </p:nvGrpSpPr>
@@ -31954,7 +31925,7 @@
         </p:grpSpPr>
         <p:sp>
           <p:nvSpPr>
-            <p:cNvPr id="584" name="Shape"/>
+            <p:cNvPr id="583" name="Shape"/>
             <p:cNvSpPr/>
             <p:nvPr/>
           </p:nvSpPr>
@@ -32043,7 +32014,7 @@
         </p:sp>
         <p:sp>
           <p:nvSpPr>
-            <p:cNvPr id="585" name="Shape"/>
+            <p:cNvPr id="584" name="Shape"/>
             <p:cNvSpPr/>
             <p:nvPr/>
           </p:nvSpPr>
@@ -32128,7 +32099,7 @@
         </p:sp>
         <p:sp>
           <p:nvSpPr>
-            <p:cNvPr id="586" name="Shape"/>
+            <p:cNvPr id="585" name="Shape"/>
             <p:cNvSpPr/>
             <p:nvPr/>
           </p:nvSpPr>
@@ -32213,7 +32184,7 @@
         </p:sp>
         <p:sp>
           <p:nvSpPr>
-            <p:cNvPr id="587" name="Shape"/>
+            <p:cNvPr id="586" name="Shape"/>
             <p:cNvSpPr/>
             <p:nvPr/>
           </p:nvSpPr>
@@ -32319,7 +32290,7 @@
       </p:grpSp>
       <p:grpSp>
         <p:nvGrpSpPr>
-          <p:cNvPr id="593" name="Cube 91"/>
+          <p:cNvPr id="592" name="Cube 91"/>
           <p:cNvGrpSpPr/>
           <p:nvPr/>
         </p:nvGrpSpPr>
@@ -32333,7 +32304,7 @@
         </p:grpSpPr>
         <p:sp>
           <p:nvSpPr>
-            <p:cNvPr id="589" name="Shape"/>
+            <p:cNvPr id="588" name="Shape"/>
             <p:cNvSpPr/>
             <p:nvPr/>
           </p:nvSpPr>
@@ -32422,7 +32393,7 @@
         </p:sp>
         <p:sp>
           <p:nvSpPr>
-            <p:cNvPr id="590" name="Shape"/>
+            <p:cNvPr id="589" name="Shape"/>
             <p:cNvSpPr/>
             <p:nvPr/>
           </p:nvSpPr>
@@ -32507,7 +32478,7 @@
         </p:sp>
         <p:sp>
           <p:nvSpPr>
-            <p:cNvPr id="591" name="Shape"/>
+            <p:cNvPr id="590" name="Shape"/>
             <p:cNvSpPr/>
             <p:nvPr/>
           </p:nvSpPr>
@@ -32592,7 +32563,7 @@
         </p:sp>
         <p:sp>
           <p:nvSpPr>
-            <p:cNvPr id="592" name="Shape"/>
+            <p:cNvPr id="591" name="Shape"/>
             <p:cNvSpPr/>
             <p:nvPr/>
           </p:nvSpPr>
@@ -32698,7 +32669,7 @@
       </p:grpSp>
       <p:sp>
         <p:nvSpPr>
-          <p:cNvPr id="594" name="Rectangle 93"/>
+          <p:cNvPr id="593" name="Rectangle 93"/>
           <p:cNvSpPr/>
           <p:nvPr/>
         </p:nvSpPr>
@@ -32753,7 +32724,7 @@
       </p:sp>
       <p:sp>
         <p:nvSpPr>
-          <p:cNvPr id="595" name="Rectangle 94"/>
+          <p:cNvPr id="594" name="Rectangle 94"/>
           <p:cNvSpPr/>
           <p:nvPr/>
         </p:nvSpPr>
@@ -32808,7 +32779,7 @@
       </p:sp>
       <p:sp>
         <p:nvSpPr>
-          <p:cNvPr id="596" name="Rectangle 95"/>
+          <p:cNvPr id="595" name="Rectangle 95"/>
           <p:cNvSpPr/>
           <p:nvPr/>
         </p:nvSpPr>
@@ -32863,7 +32834,7 @@
       </p:sp>
       <p:sp>
         <p:nvSpPr>
-          <p:cNvPr id="597" name="Rectangle 96"/>
+          <p:cNvPr id="596" name="Rectangle 96"/>
           <p:cNvSpPr/>
           <p:nvPr/>
         </p:nvSpPr>
@@ -32918,7 +32889,7 @@
       </p:sp>
       <p:sp>
         <p:nvSpPr>
-          <p:cNvPr id="598" name="Rectangle 97"/>
+          <p:cNvPr id="597" name="Rectangle 97"/>
           <p:cNvSpPr/>
           <p:nvPr/>
         </p:nvSpPr>
@@ -32973,7 +32944,7 @@
       </p:sp>
       <p:sp>
         <p:nvSpPr>
-          <p:cNvPr id="599" name="Rectangle 98"/>
+          <p:cNvPr id="598" name="Rectangle 98"/>
           <p:cNvSpPr/>
           <p:nvPr/>
         </p:nvSpPr>
@@ -33028,7 +32999,7 @@
       </p:sp>
       <p:sp>
         <p:nvSpPr>
-          <p:cNvPr id="600" name="Rectangle 99"/>
+          <p:cNvPr id="599" name="Rectangle 99"/>
           <p:cNvSpPr/>
           <p:nvPr/>
         </p:nvSpPr>
@@ -33083,7 +33054,7 @@
       </p:sp>
       <p:sp>
         <p:nvSpPr>
-          <p:cNvPr id="601" name="Rectangle 100"/>
+          <p:cNvPr id="600" name="Rectangle 100"/>
           <p:cNvSpPr/>
           <p:nvPr/>
         </p:nvSpPr>
@@ -33138,7 +33109,7 @@
       </p:sp>
       <p:sp>
         <p:nvSpPr>
-          <p:cNvPr id="602" name="Rectangle 101"/>
+          <p:cNvPr id="601" name="Rectangle 101"/>
           <p:cNvSpPr/>
           <p:nvPr/>
         </p:nvSpPr>
@@ -33193,7 +33164,7 @@
       </p:sp>
       <p:sp>
         <p:nvSpPr>
-          <p:cNvPr id="603" name="Rectangle 102"/>
+          <p:cNvPr id="602" name="Rectangle 102"/>
           <p:cNvSpPr/>
           <p:nvPr/>
         </p:nvSpPr>
@@ -33248,7 +33219,7 @@
       </p:sp>
       <p:sp>
         <p:nvSpPr>
-          <p:cNvPr id="604" name="Rectangle 103"/>
+          <p:cNvPr id="603" name="Rectangle 103"/>
           <p:cNvSpPr/>
           <p:nvPr/>
         </p:nvSpPr>
@@ -33303,7 +33274,7 @@
       </p:sp>
       <p:sp>
         <p:nvSpPr>
-          <p:cNvPr id="605" name="Rectangle 104"/>
+          <p:cNvPr id="604" name="Rectangle 104"/>
           <p:cNvSpPr/>
           <p:nvPr/>
         </p:nvSpPr>
@@ -33358,7 +33329,7 @@
       </p:sp>
       <p:sp>
         <p:nvSpPr>
-          <p:cNvPr id="606" name="Rectangle 105"/>
+          <p:cNvPr id="605" name="Rectangle 105"/>
           <p:cNvSpPr/>
           <p:nvPr/>
         </p:nvSpPr>
@@ -33413,7 +33384,7 @@
       </p:sp>
       <p:sp>
         <p:nvSpPr>
-          <p:cNvPr id="607" name="Isosceles Triangle 106"/>
+          <p:cNvPr id="606" name="Isosceles Triangle 106"/>
           <p:cNvSpPr/>
           <p:nvPr/>
         </p:nvSpPr>
@@ -33465,7 +33436,7 @@
       </p:sp>
       <p:sp>
         <p:nvSpPr>
-          <p:cNvPr id="608" name="Rectangle 123"/>
+          <p:cNvPr id="607" name="Rectangle 123"/>
           <p:cNvSpPr/>
           <p:nvPr/>
         </p:nvSpPr>
@@ -33520,7 +33491,7 @@
       </p:sp>
       <p:sp>
         <p:nvSpPr>
-          <p:cNvPr id="609" name="Rectangle 124"/>
+          <p:cNvPr id="608" name="Rectangle 124"/>
           <p:cNvSpPr/>
           <p:nvPr/>
         </p:nvSpPr>
@@ -33575,7 +33546,7 @@
       </p:sp>
       <p:sp>
         <p:nvSpPr>
-          <p:cNvPr id="610" name="Rectangle 125"/>
+          <p:cNvPr id="609" name="Rectangle 125"/>
           <p:cNvSpPr/>
           <p:nvPr/>
         </p:nvSpPr>
@@ -33630,7 +33601,7 @@
       </p:sp>
       <p:sp>
         <p:nvSpPr>
-          <p:cNvPr id="611" name="Rectangle 126"/>
+          <p:cNvPr id="610" name="Rectangle 126"/>
           <p:cNvSpPr/>
           <p:nvPr/>
         </p:nvSpPr>
@@ -33685,7 +33656,7 @@
       </p:sp>
       <p:sp>
         <p:nvSpPr>
-          <p:cNvPr id="612" name="Rectangle 128"/>
+          <p:cNvPr id="611" name="Rectangle 128"/>
           <p:cNvSpPr/>
           <p:nvPr/>
         </p:nvSpPr>
@@ -33740,7 +33711,7 @@
       </p:sp>
       <p:sp>
         <p:nvSpPr>
-          <p:cNvPr id="613" name="Rectangle 129"/>
+          <p:cNvPr id="612" name="Rectangle 129"/>
           <p:cNvSpPr/>
           <p:nvPr/>
         </p:nvSpPr>
@@ -33795,7 +33766,7 @@
       </p:sp>
       <p:sp>
         <p:nvSpPr>
-          <p:cNvPr id="614" name="Rectangle 132"/>
+          <p:cNvPr id="613" name="Rectangle 132"/>
           <p:cNvSpPr/>
           <p:nvPr/>
         </p:nvSpPr>
@@ -33850,7 +33821,7 @@
       </p:sp>
       <p:sp>
         <p:nvSpPr>
-          <p:cNvPr id="615" name="Rectangle 133"/>
+          <p:cNvPr id="614" name="Rectangle 133"/>
           <p:cNvSpPr/>
           <p:nvPr/>
         </p:nvSpPr>
@@ -33905,7 +33876,7 @@
       </p:sp>
       <p:sp>
         <p:nvSpPr>
-          <p:cNvPr id="616" name="Rectangle 135"/>
+          <p:cNvPr id="615" name="Rectangle 135"/>
           <p:cNvSpPr/>
           <p:nvPr/>
         </p:nvSpPr>
@@ -33960,7 +33931,7 @@
       </p:sp>
       <p:sp>
         <p:nvSpPr>
-          <p:cNvPr id="617" name="Rectangle 136"/>
+          <p:cNvPr id="616" name="Rectangle 136"/>
           <p:cNvSpPr/>
           <p:nvPr/>
         </p:nvSpPr>
@@ -34015,7 +33986,7 @@
       </p:sp>
       <p:sp>
         <p:nvSpPr>
-          <p:cNvPr id="618" name="Rectangle 137"/>
+          <p:cNvPr id="617" name="Rectangle 137"/>
           <p:cNvSpPr/>
           <p:nvPr/>
         </p:nvSpPr>
@@ -34070,7 +34041,7 @@
       </p:sp>
       <p:sp>
         <p:nvSpPr>
-          <p:cNvPr id="619" name="Rectangle 138"/>
+          <p:cNvPr id="618" name="Rectangle 138"/>
           <p:cNvSpPr/>
           <p:nvPr/>
         </p:nvSpPr>
@@ -34125,7 +34096,7 @@
       </p:sp>
       <p:sp>
         <p:nvSpPr>
-          <p:cNvPr id="620" name="Rectangle 139"/>
+          <p:cNvPr id="619" name="Rectangle 139"/>
           <p:cNvSpPr/>
           <p:nvPr/>
         </p:nvSpPr>
@@ -34180,7 +34151,7 @@
       </p:sp>
       <p:sp>
         <p:nvSpPr>
-          <p:cNvPr id="621" name="Isosceles Triangle 140"/>
+          <p:cNvPr id="620" name="Isosceles Triangle 140"/>
           <p:cNvSpPr/>
           <p:nvPr/>
         </p:nvSpPr>
@@ -34232,7 +34203,7 @@
       </p:sp>
       <p:sp>
         <p:nvSpPr>
-          <p:cNvPr id="622" name="Rectangle 141"/>
+          <p:cNvPr id="621" name="Rectangle 141"/>
           <p:cNvSpPr/>
           <p:nvPr/>
         </p:nvSpPr>
@@ -34287,7 +34258,7 @@
       </p:sp>
       <p:sp>
         <p:nvSpPr>
-          <p:cNvPr id="623" name="Rectangle 142"/>
+          <p:cNvPr id="622" name="Rectangle 142"/>
           <p:cNvSpPr/>
           <p:nvPr/>
         </p:nvSpPr>
@@ -34342,7 +34313,7 @@
       </p:sp>
       <p:sp>
         <p:nvSpPr>
-          <p:cNvPr id="624" name="Rectangle 143"/>
+          <p:cNvPr id="623" name="Rectangle 143"/>
           <p:cNvSpPr/>
           <p:nvPr/>
         </p:nvSpPr>
@@ -34397,7 +34368,7 @@
       </p:sp>
       <p:sp>
         <p:nvSpPr>
-          <p:cNvPr id="625" name="Rectangle 144"/>
+          <p:cNvPr id="624" name="Rectangle 144"/>
           <p:cNvSpPr/>
           <p:nvPr/>
         </p:nvSpPr>
@@ -34452,7 +34423,7 @@
       </p:sp>
       <p:sp>
         <p:nvSpPr>
-          <p:cNvPr id="626" name="Rectangle 145"/>
+          <p:cNvPr id="625" name="Rectangle 145"/>
           <p:cNvSpPr/>
           <p:nvPr/>
         </p:nvSpPr>
@@ -34507,7 +34478,7 @@
       </p:sp>
       <p:sp>
         <p:nvSpPr>
-          <p:cNvPr id="627" name="Rectangle 146"/>
+          <p:cNvPr id="626" name="Rectangle 146"/>
           <p:cNvSpPr/>
           <p:nvPr/>
         </p:nvSpPr>
@@ -34562,7 +34533,7 @@
       </p:sp>
       <p:sp>
         <p:nvSpPr>
-          <p:cNvPr id="628" name="Rectangle 147"/>
+          <p:cNvPr id="627" name="Rectangle 147"/>
           <p:cNvSpPr/>
           <p:nvPr/>
         </p:nvSpPr>
@@ -34617,7 +34588,7 @@
       </p:sp>
       <p:sp>
         <p:nvSpPr>
-          <p:cNvPr id="629" name="Rectangle 148"/>
+          <p:cNvPr id="628" name="Rectangle 148"/>
           <p:cNvSpPr/>
           <p:nvPr/>
         </p:nvSpPr>
@@ -34672,7 +34643,7 @@
       </p:sp>
       <p:sp>
         <p:nvSpPr>
-          <p:cNvPr id="630" name="Rectangle 149"/>
+          <p:cNvPr id="629" name="Rectangle 149"/>
           <p:cNvSpPr/>
           <p:nvPr/>
         </p:nvSpPr>
@@ -34727,7 +34698,7 @@
       </p:sp>
       <p:sp>
         <p:nvSpPr>
-          <p:cNvPr id="631" name="Rectangle 150"/>
+          <p:cNvPr id="630" name="Rectangle 150"/>
           <p:cNvSpPr/>
           <p:nvPr/>
         </p:nvSpPr>
@@ -34782,7 +34753,7 @@
       </p:sp>
       <p:sp>
         <p:nvSpPr>
-          <p:cNvPr id="632" name="Rectangle 151"/>
+          <p:cNvPr id="631" name="Rectangle 151"/>
           <p:cNvSpPr/>
           <p:nvPr/>
         </p:nvSpPr>
@@ -34837,7 +34808,7 @@
       </p:sp>
       <p:sp>
         <p:nvSpPr>
-          <p:cNvPr id="633" name="Rectangle 152"/>
+          <p:cNvPr id="632" name="Rectangle 152"/>
           <p:cNvSpPr/>
           <p:nvPr/>
         </p:nvSpPr>
@@ -34892,7 +34863,7 @@
       </p:sp>
       <p:sp>
         <p:nvSpPr>
-          <p:cNvPr id="634" name="Rectangle 153"/>
+          <p:cNvPr id="633" name="Rectangle 153"/>
           <p:cNvSpPr/>
           <p:nvPr/>
         </p:nvSpPr>
@@ -34947,7 +34918,7 @@
       </p:sp>
       <p:sp>
         <p:nvSpPr>
-          <p:cNvPr id="635" name="Isosceles Triangle 154"/>
+          <p:cNvPr id="634" name="Isosceles Triangle 154"/>
           <p:cNvSpPr/>
           <p:nvPr/>
         </p:nvSpPr>
@@ -34999,7 +34970,7 @@
       </p:sp>
       <p:sp>
         <p:nvSpPr>
-          <p:cNvPr id="636" name="every(.x, .p, …) Do all element pass a test?…"/>
+          <p:cNvPr id="635" name="every(.x, .p, …) Do all element pass a test?…"/>
           <p:cNvSpPr txBox="1"/>
           <p:nvPr/>
         </p:nvSpPr>
@@ -35327,7 +35298,7 @@
       </p:sp>
       <p:sp>
         <p:nvSpPr>
-          <p:cNvPr id="637" name="Rectangle 158"/>
+          <p:cNvPr id="636" name="Rectangle 158"/>
           <p:cNvSpPr/>
           <p:nvPr/>
         </p:nvSpPr>
@@ -35382,7 +35353,7 @@
       </p:sp>
       <p:sp>
         <p:nvSpPr>
-          <p:cNvPr id="638" name="Rectangle 160"/>
+          <p:cNvPr id="637" name="Rectangle 160"/>
           <p:cNvSpPr/>
           <p:nvPr/>
         </p:nvSpPr>
@@ -35437,7 +35408,7 @@
       </p:sp>
       <p:sp>
         <p:nvSpPr>
-          <p:cNvPr id="639" name="Rectangle 161"/>
+          <p:cNvPr id="638" name="Rectangle 161"/>
           <p:cNvSpPr/>
           <p:nvPr/>
         </p:nvSpPr>
@@ -35492,7 +35463,7 @@
       </p:sp>
       <p:sp>
         <p:nvSpPr>
-          <p:cNvPr id="640" name="Rectangle 162"/>
+          <p:cNvPr id="639" name="Rectangle 162"/>
           <p:cNvSpPr/>
           <p:nvPr/>
         </p:nvSpPr>
@@ -35547,7 +35518,7 @@
       </p:sp>
       <p:sp>
         <p:nvSpPr>
-          <p:cNvPr id="641" name="Rectangle 163"/>
+          <p:cNvPr id="640" name="Rectangle 163"/>
           <p:cNvSpPr/>
           <p:nvPr/>
         </p:nvSpPr>
@@ -35602,7 +35573,7 @@
       </p:sp>
       <p:sp>
         <p:nvSpPr>
-          <p:cNvPr id="642" name="Isosceles Triangle 164"/>
+          <p:cNvPr id="641" name="Isosceles Triangle 164"/>
           <p:cNvSpPr/>
           <p:nvPr/>
         </p:nvSpPr>
@@ -35654,7 +35625,7 @@
       </p:sp>
       <p:sp>
         <p:nvSpPr>
-          <p:cNvPr id="643" name="Rectangle 165"/>
+          <p:cNvPr id="642" name="Rectangle 165"/>
           <p:cNvSpPr/>
           <p:nvPr/>
         </p:nvSpPr>
@@ -35709,7 +35680,7 @@
       </p:sp>
       <p:sp>
         <p:nvSpPr>
-          <p:cNvPr id="644" name="Rectangle 166"/>
+          <p:cNvPr id="643" name="Rectangle 166"/>
           <p:cNvSpPr/>
           <p:nvPr/>
         </p:nvSpPr>
@@ -35764,7 +35735,7 @@
       </p:sp>
       <p:sp>
         <p:nvSpPr>
-          <p:cNvPr id="645" name="Rectangle 167"/>
+          <p:cNvPr id="644" name="Rectangle 167"/>
           <p:cNvSpPr/>
           <p:nvPr/>
         </p:nvSpPr>
@@ -35819,7 +35790,7 @@
       </p:sp>
       <p:sp>
         <p:nvSpPr>
-          <p:cNvPr id="646" name="Rectangle 168"/>
+          <p:cNvPr id="645" name="Rectangle 168"/>
           <p:cNvSpPr/>
           <p:nvPr/>
         </p:nvSpPr>
@@ -35874,7 +35845,7 @@
       </p:sp>
       <p:sp>
         <p:nvSpPr>
-          <p:cNvPr id="647" name="Rectangle 169"/>
+          <p:cNvPr id="646" name="Rectangle 169"/>
           <p:cNvSpPr/>
           <p:nvPr/>
         </p:nvSpPr>
@@ -35929,7 +35900,7 @@
       </p:sp>
       <p:sp>
         <p:nvSpPr>
-          <p:cNvPr id="648" name="Isosceles Triangle 170"/>
+          <p:cNvPr id="647" name="Isosceles Triangle 170"/>
           <p:cNvSpPr/>
           <p:nvPr/>
         </p:nvSpPr>
@@ -35981,7 +35952,7 @@
       </p:sp>
       <p:sp>
         <p:nvSpPr>
-          <p:cNvPr id="649" name="Rectangle 171"/>
+          <p:cNvPr id="648" name="Rectangle 171"/>
           <p:cNvSpPr/>
           <p:nvPr/>
         </p:nvSpPr>
@@ -36036,7 +36007,7 @@
       </p:sp>
       <p:sp>
         <p:nvSpPr>
-          <p:cNvPr id="650" name="Rectangle 172"/>
+          <p:cNvPr id="649" name="Rectangle 172"/>
           <p:cNvSpPr/>
           <p:nvPr/>
         </p:nvSpPr>
@@ -36091,7 +36062,7 @@
       </p:sp>
       <p:sp>
         <p:nvSpPr>
-          <p:cNvPr id="651" name="Rectangle 173"/>
+          <p:cNvPr id="650" name="Rectangle 173"/>
           <p:cNvSpPr/>
           <p:nvPr/>
         </p:nvSpPr>
@@ -36146,7 +36117,7 @@
       </p:sp>
       <p:sp>
         <p:nvSpPr>
-          <p:cNvPr id="652" name="Rectangle 174"/>
+          <p:cNvPr id="651" name="Rectangle 174"/>
           <p:cNvSpPr/>
           <p:nvPr/>
         </p:nvSpPr>
@@ -36201,7 +36172,7 @@
       </p:sp>
       <p:sp>
         <p:nvSpPr>
-          <p:cNvPr id="653" name="Rectangle 175"/>
+          <p:cNvPr id="652" name="Rectangle 175"/>
           <p:cNvSpPr/>
           <p:nvPr/>
         </p:nvSpPr>
@@ -36256,7 +36227,7 @@
       </p:sp>
       <p:sp>
         <p:nvSpPr>
-          <p:cNvPr id="654" name="Isosceles Triangle 176"/>
+          <p:cNvPr id="653" name="Isosceles Triangle 176"/>
           <p:cNvSpPr/>
           <p:nvPr/>
         </p:nvSpPr>
@@ -36308,7 +36279,7 @@
       </p:sp>
       <p:sp>
         <p:nvSpPr>
-          <p:cNvPr id="655" name="Rectangle 177"/>
+          <p:cNvPr id="654" name="Rectangle 177"/>
           <p:cNvSpPr/>
           <p:nvPr/>
         </p:nvSpPr>
@@ -36363,7 +36334,7 @@
       </p:sp>
       <p:sp>
         <p:nvSpPr>
-          <p:cNvPr id="656" name="Rectangle 178"/>
+          <p:cNvPr id="655" name="Rectangle 178"/>
           <p:cNvSpPr/>
           <p:nvPr/>
         </p:nvSpPr>
@@ -36418,7 +36389,7 @@
       </p:sp>
       <p:sp>
         <p:nvSpPr>
-          <p:cNvPr id="657" name="Rectangle 179"/>
+          <p:cNvPr id="656" name="Rectangle 179"/>
           <p:cNvSpPr/>
           <p:nvPr/>
         </p:nvSpPr>
@@ -36473,7 +36444,7 @@
       </p:sp>
       <p:sp>
         <p:nvSpPr>
-          <p:cNvPr id="658" name="Rectangle 180"/>
+          <p:cNvPr id="657" name="Rectangle 180"/>
           <p:cNvSpPr/>
           <p:nvPr/>
         </p:nvSpPr>
@@ -36528,7 +36499,7 @@
       </p:sp>
       <p:sp>
         <p:nvSpPr>
-          <p:cNvPr id="659" name="Rectangle 181"/>
+          <p:cNvPr id="658" name="Rectangle 181"/>
           <p:cNvSpPr/>
           <p:nvPr/>
         </p:nvSpPr>
@@ -36583,7 +36554,7 @@
       </p:sp>
       <p:sp>
         <p:nvSpPr>
-          <p:cNvPr id="660" name="Rectangle 182"/>
+          <p:cNvPr id="659" name="Rectangle 182"/>
           <p:cNvSpPr/>
           <p:nvPr/>
         </p:nvSpPr>
@@ -36638,7 +36609,7 @@
       </p:sp>
       <p:sp>
         <p:nvSpPr>
-          <p:cNvPr id="661" name="Rectangle 183"/>
+          <p:cNvPr id="660" name="Rectangle 183"/>
           <p:cNvSpPr/>
           <p:nvPr/>
         </p:nvSpPr>
@@ -36693,7 +36664,7 @@
       </p:sp>
       <p:sp>
         <p:nvSpPr>
-          <p:cNvPr id="662" name="Rectangle 184"/>
+          <p:cNvPr id="661" name="Rectangle 184"/>
           <p:cNvSpPr/>
           <p:nvPr/>
         </p:nvSpPr>
@@ -36748,7 +36719,7 @@
       </p:sp>
       <p:sp>
         <p:nvSpPr>
-          <p:cNvPr id="663" name="Rectangle 185"/>
+          <p:cNvPr id="662" name="Rectangle 185"/>
           <p:cNvSpPr/>
           <p:nvPr/>
         </p:nvSpPr>
@@ -36803,7 +36774,7 @@
       </p:sp>
       <p:sp>
         <p:nvSpPr>
-          <p:cNvPr id="664" name="Isosceles Triangle 186"/>
+          <p:cNvPr id="663" name="Isosceles Triangle 186"/>
           <p:cNvSpPr/>
           <p:nvPr/>
         </p:nvSpPr>
@@ -36855,7 +36826,7 @@
       </p:sp>
       <p:sp>
         <p:nvSpPr>
-          <p:cNvPr id="665" name="Rectangle 188"/>
+          <p:cNvPr id="664" name="Rectangle 188"/>
           <p:cNvSpPr/>
           <p:nvPr/>
         </p:nvSpPr>
@@ -36910,7 +36881,7 @@
       </p:sp>
       <p:sp>
         <p:nvSpPr>
-          <p:cNvPr id="666" name="Rectangle 189"/>
+          <p:cNvPr id="665" name="Rectangle 189"/>
           <p:cNvSpPr/>
           <p:nvPr/>
         </p:nvSpPr>
@@ -36965,7 +36936,7 @@
       </p:sp>
       <p:sp>
         <p:nvSpPr>
-          <p:cNvPr id="667" name="Rectangle 190"/>
+          <p:cNvPr id="666" name="Rectangle 190"/>
           <p:cNvSpPr/>
           <p:nvPr/>
         </p:nvSpPr>
@@ -37020,7 +36991,7 @@
       </p:sp>
       <p:sp>
         <p:nvSpPr>
-          <p:cNvPr id="668" name="Rectangle 191"/>
+          <p:cNvPr id="667" name="Rectangle 191"/>
           <p:cNvSpPr/>
           <p:nvPr/>
         </p:nvSpPr>
@@ -37075,7 +37046,7 @@
       </p:sp>
       <p:sp>
         <p:nvSpPr>
-          <p:cNvPr id="669" name="Basics"/>
+          <p:cNvPr id="668" name="Basics"/>
           <p:cNvSpPr txBox="1"/>
           <p:nvPr/>
         </p:nvSpPr>
@@ -37127,7 +37098,7 @@
       </p:sp>
       <p:sp>
         <p:nvSpPr>
-          <p:cNvPr id="670" name="Line"/>
+          <p:cNvPr id="669" name="Line"/>
           <p:cNvSpPr/>
           <p:nvPr/>
         </p:nvSpPr>
@@ -37156,7 +37127,7 @@
       </p:sp>
       <p:sp>
         <p:nvSpPr>
-          <p:cNvPr id="671" name="Rectangle"/>
+          <p:cNvPr id="670" name="Rectangle"/>
           <p:cNvSpPr/>
           <p:nvPr/>
         </p:nvSpPr>
@@ -37211,7 +37182,7 @@
       </p:sp>
       <p:sp>
         <p:nvSpPr>
-          <p:cNvPr id="672" name="Rectangle"/>
+          <p:cNvPr id="671" name="Rectangle"/>
           <p:cNvSpPr/>
           <p:nvPr/>
         </p:nvSpPr>
@@ -37266,7 +37237,7 @@
       </p:sp>
       <p:sp>
         <p:nvSpPr>
-          <p:cNvPr id="673" name="SUBTITLE"/>
+          <p:cNvPr id="672" name="SUBTITLE"/>
           <p:cNvSpPr txBox="1"/>
           <p:nvPr/>
         </p:nvSpPr>
@@ -37309,7 +37280,7 @@
       </p:sp>
       <p:sp>
         <p:nvSpPr>
-          <p:cNvPr id="674" name="every(.x, .p, …) Do all element pass a test?…"/>
+          <p:cNvPr id="673" name="every(.x, .p, …) Do all element pass a test?…"/>
           <p:cNvSpPr txBox="1"/>
           <p:nvPr/>
         </p:nvSpPr>
@@ -37488,7 +37459,7 @@
       </p:sp>
       <p:sp>
         <p:nvSpPr>
-          <p:cNvPr id="675" name="SUBTITLE"/>
+          <p:cNvPr id="674" name="SUBTITLE"/>
           <p:cNvSpPr txBox="1"/>
           <p:nvPr/>
         </p:nvSpPr>
@@ -37531,7 +37502,7 @@
       </p:sp>
       <p:sp>
         <p:nvSpPr>
-          <p:cNvPr id="676" name="every(.x, .p, …) Do all element pass a test?…"/>
+          <p:cNvPr id="675" name="every(.x, .p, …) Do all element pass a test?…"/>
           <p:cNvSpPr txBox="1"/>
           <p:nvPr/>
         </p:nvSpPr>
@@ -37810,7 +37781,7 @@
       </p:sp>
       <p:sp>
         <p:nvSpPr>
-          <p:cNvPr id="677" name="Rectangle"/>
+          <p:cNvPr id="676" name="Rectangle"/>
           <p:cNvSpPr/>
           <p:nvPr/>
         </p:nvSpPr>
@@ -37865,7 +37836,7 @@
       </p:sp>
       <p:sp>
         <p:nvSpPr>
-          <p:cNvPr id="678" name="SUBTITLE"/>
+          <p:cNvPr id="677" name="SUBTITLE"/>
           <p:cNvSpPr txBox="1"/>
           <p:nvPr/>
         </p:nvSpPr>
@@ -37908,7 +37879,7 @@
       </p:sp>
       <p:sp>
         <p:nvSpPr>
-          <p:cNvPr id="679" name="every(.x, .p, …) Do all element pass a test?…"/>
+          <p:cNvPr id="678" name="every(.x, .p, …) Do all element pass a test?…"/>
           <p:cNvSpPr txBox="1"/>
           <p:nvPr/>
         </p:nvSpPr>
@@ -38162,7 +38133,7 @@
       </p:sp>
       <p:sp>
         <p:nvSpPr>
-          <p:cNvPr id="680" name="Rectangle"/>
+          <p:cNvPr id="679" name="Rectangle"/>
           <p:cNvSpPr/>
           <p:nvPr/>
         </p:nvSpPr>
@@ -38219,7 +38190,7 @@
       </p:sp>
       <p:sp>
         <p:nvSpPr>
-          <p:cNvPr id="681" name="Rectangle"/>
+          <p:cNvPr id="680" name="Rectangle"/>
           <p:cNvSpPr/>
           <p:nvPr/>
         </p:nvSpPr>
@@ -38276,7 +38247,7 @@
       </p:sp>
       <p:sp>
         <p:nvSpPr>
-          <p:cNvPr id="682" name="Rectangle"/>
+          <p:cNvPr id="681" name="Rectangle"/>
           <p:cNvSpPr/>
           <p:nvPr/>
         </p:nvSpPr>
@@ -38333,7 +38304,7 @@
       </p:sp>
       <p:sp>
         <p:nvSpPr>
-          <p:cNvPr id="683" name="Rectangle"/>
+          <p:cNvPr id="682" name="Rectangle"/>
           <p:cNvSpPr/>
           <p:nvPr/>
         </p:nvSpPr>
@@ -38390,7 +38361,7 @@
       </p:sp>
       <p:sp>
         <p:nvSpPr>
-          <p:cNvPr id="684" name="SUBTITLE"/>
+          <p:cNvPr id="683" name="SUBTITLE"/>
           <p:cNvSpPr txBox="1"/>
           <p:nvPr/>
         </p:nvSpPr>
@@ -38433,7 +38404,7 @@
       </p:sp>
       <p:sp>
         <p:nvSpPr>
-          <p:cNvPr id="685" name="every(.x, .p, …) Do all element pass a test?…"/>
+          <p:cNvPr id="684" name="every(.x, .p, …) Do all element pass a test?…"/>
           <p:cNvSpPr txBox="1"/>
           <p:nvPr/>
         </p:nvSpPr>
@@ -38697,7 +38668,7 @@
       </p:sp>
       <p:sp>
         <p:nvSpPr>
-          <p:cNvPr id="686" name="Rectangle 194"/>
+          <p:cNvPr id="685" name="Rectangle 194"/>
           <p:cNvSpPr/>
           <p:nvPr/>
         </p:nvSpPr>
@@ -38752,7 +38723,7 @@
       </p:sp>
       <p:sp>
         <p:nvSpPr>
-          <p:cNvPr id="687" name="Freeform: Shape 195"/>
+          <p:cNvPr id="686" name="Freeform: Shape 195"/>
           <p:cNvSpPr/>
           <p:nvPr/>
         </p:nvSpPr>
@@ -38819,7 +38790,7 @@
       </p:sp>
       <p:grpSp>
         <p:nvGrpSpPr>
-          <p:cNvPr id="690" name="Rectangle 196"/>
+          <p:cNvPr id="689" name="Rectangle 196"/>
           <p:cNvGrpSpPr/>
           <p:nvPr/>
         </p:nvGrpSpPr>
@@ -38833,7 +38804,7 @@
         </p:grpSpPr>
         <p:sp>
           <p:nvSpPr>
-            <p:cNvPr id="688" name="Square"/>
+            <p:cNvPr id="687" name="Square"/>
             <p:cNvSpPr/>
             <p:nvPr/>
           </p:nvSpPr>
@@ -38891,7 +38862,7 @@
         </p:sp>
         <p:sp>
           <p:nvSpPr>
-            <p:cNvPr id="689" name="α"/>
+            <p:cNvPr id="688" name="α"/>
             <p:cNvSpPr txBox="1"/>
             <p:nvPr/>
           </p:nvSpPr>
@@ -38949,7 +38920,7 @@
       </p:grpSp>
       <p:sp>
         <p:nvSpPr>
-          <p:cNvPr id="691" name="Freeform: Shape 199"/>
+          <p:cNvPr id="690" name="Freeform: Shape 199"/>
           <p:cNvSpPr/>
           <p:nvPr/>
         </p:nvSpPr>
@@ -39016,7 +38987,7 @@
       </p:sp>
       <p:sp>
         <p:nvSpPr>
-          <p:cNvPr id="692" name="Rectangle 200"/>
+          <p:cNvPr id="691" name="Rectangle 200"/>
           <p:cNvSpPr/>
           <p:nvPr/>
         </p:nvSpPr>
@@ -39071,7 +39042,7 @@
       </p:sp>
       <p:sp>
         <p:nvSpPr>
-          <p:cNvPr id="693" name="Freeform: Shape 201"/>
+          <p:cNvPr id="692" name="Freeform: Shape 201"/>
           <p:cNvSpPr/>
           <p:nvPr/>
         </p:nvSpPr>
@@ -39138,7 +39109,7 @@
       </p:sp>
       <p:sp>
         <p:nvSpPr>
-          <p:cNvPr id="694" name="Straight Connector 11"/>
+          <p:cNvPr id="693" name="Straight Connector 11"/>
           <p:cNvSpPr/>
           <p:nvPr/>
         </p:nvSpPr>
@@ -39167,7 +39138,7 @@
       </p:sp>
       <p:sp>
         <p:nvSpPr>
-          <p:cNvPr id="695" name="Straight Connector 202"/>
+          <p:cNvPr id="694" name="Straight Connector 202"/>
           <p:cNvSpPr/>
           <p:nvPr/>
         </p:nvSpPr>
@@ -39196,7 +39167,7 @@
       </p:sp>
       <p:sp>
         <p:nvSpPr>
-          <p:cNvPr id="696" name="Rectangle 203"/>
+          <p:cNvPr id="695" name="Rectangle 203"/>
           <p:cNvSpPr/>
           <p:nvPr/>
         </p:nvSpPr>
@@ -39251,7 +39222,7 @@
       </p:sp>
       <p:sp>
         <p:nvSpPr>
-          <p:cNvPr id="697" name="Straight Connector 18"/>
+          <p:cNvPr id="696" name="Straight Connector 18"/>
           <p:cNvSpPr/>
           <p:nvPr/>
         </p:nvSpPr>
@@ -39279,7 +39250,7 @@
       </p:sp>
       <p:sp>
         <p:nvSpPr>
-          <p:cNvPr id="698" name="Rectangle 204"/>
+          <p:cNvPr id="697" name="Rectangle 204"/>
           <p:cNvSpPr/>
           <p:nvPr/>
         </p:nvSpPr>
@@ -39334,7 +39305,7 @@
       </p:sp>
       <p:sp>
         <p:nvSpPr>
-          <p:cNvPr id="699" name="Freeform: Shape 205"/>
+          <p:cNvPr id="698" name="Freeform: Shape 205"/>
           <p:cNvSpPr/>
           <p:nvPr/>
         </p:nvSpPr>
@@ -39405,7 +39376,7 @@
       </p:sp>
       <p:sp>
         <p:nvSpPr>
-          <p:cNvPr id="700" name="SUBTITLE"/>
+          <p:cNvPr id="699" name="SUBTITLE"/>
           <p:cNvSpPr txBox="1"/>
           <p:nvPr/>
         </p:nvSpPr>
@@ -39448,7 +39419,7 @@
       </p:sp>
       <p:sp>
         <p:nvSpPr>
-          <p:cNvPr id="701" name="every(.x, .p, …) Do all element pass a test?…"/>
+          <p:cNvPr id="700" name="every(.x, .p, …) Do all element pass a test?…"/>
           <p:cNvSpPr txBox="1"/>
           <p:nvPr/>
         </p:nvSpPr>
@@ -39610,7 +39581,7 @@
       </p:sp>
       <p:sp>
         <p:nvSpPr>
-          <p:cNvPr id="702" name="SUBTITLE"/>
+          <p:cNvPr id="701" name="SUBTITLE"/>
           <p:cNvSpPr txBox="1"/>
           <p:nvPr/>
         </p:nvSpPr>
@@ -39653,7 +39624,7 @@
       </p:sp>
       <p:sp>
         <p:nvSpPr>
-          <p:cNvPr id="703" name="every(.x, .p, …) Do all element pass a test?…"/>
+          <p:cNvPr id="702" name="every(.x, .p, …) Do all element pass a test?…"/>
           <p:cNvSpPr txBox="1"/>
           <p:nvPr/>
         </p:nvSpPr>
@@ -39740,7 +39711,7 @@
       </p:sp>
       <p:sp>
         <p:nvSpPr>
-          <p:cNvPr id="704" name="SUBTITLE"/>
+          <p:cNvPr id="703" name="SUBTITLE"/>
           <p:cNvSpPr txBox="1"/>
           <p:nvPr/>
         </p:nvSpPr>
@@ -39783,7 +39754,7 @@
       </p:sp>
       <p:sp>
         <p:nvSpPr>
-          <p:cNvPr id="705" name="every(.x, .p, …) Do all element pass a test?…"/>
+          <p:cNvPr id="704" name="every(.x, .p, …) Do all element pass a test?…"/>
           <p:cNvSpPr txBox="1"/>
           <p:nvPr/>
         </p:nvSpPr>
@@ -40070,7 +40041,7 @@
       </p:sp>
       <p:sp>
         <p:nvSpPr>
-          <p:cNvPr id="706" name="Rectangle 227"/>
+          <p:cNvPr id="705" name="Rectangle 227"/>
           <p:cNvSpPr/>
           <p:nvPr/>
         </p:nvSpPr>
@@ -40125,7 +40096,7 @@
       </p:sp>
       <p:sp>
         <p:nvSpPr>
-          <p:cNvPr id="707" name="Rectangle 228"/>
+          <p:cNvPr id="706" name="Rectangle 228"/>
           <p:cNvSpPr/>
           <p:nvPr/>
         </p:nvSpPr>
@@ -40180,7 +40151,7 @@
       </p:sp>
       <p:sp>
         <p:nvSpPr>
-          <p:cNvPr id="708" name="Rectangle 229"/>
+          <p:cNvPr id="707" name="Rectangle 229"/>
           <p:cNvSpPr/>
           <p:nvPr/>
         </p:nvSpPr>
@@ -40235,7 +40206,7 @@
       </p:sp>
       <p:sp>
         <p:nvSpPr>
-          <p:cNvPr id="709" name="Rectangle 230"/>
+          <p:cNvPr id="708" name="Rectangle 230"/>
           <p:cNvSpPr/>
           <p:nvPr/>
         </p:nvSpPr>
@@ -40290,7 +40261,7 @@
       </p:sp>
       <p:sp>
         <p:nvSpPr>
-          <p:cNvPr id="710" name="Rectangle 231"/>
+          <p:cNvPr id="709" name="Rectangle 231"/>
           <p:cNvSpPr/>
           <p:nvPr/>
         </p:nvSpPr>
@@ -40345,7 +40316,7 @@
       </p:sp>
       <p:sp>
         <p:nvSpPr>
-          <p:cNvPr id="711" name="Rectangle 232"/>
+          <p:cNvPr id="710" name="Rectangle 232"/>
           <p:cNvSpPr/>
           <p:nvPr/>
         </p:nvSpPr>
@@ -40400,10 +40371,10 @@
       </p:sp>
       <p:cxnSp>
         <p:nvCxnSpPr>
-          <p:cNvPr id="712" name="Straight Arrow Connector 233"/>
+          <p:cNvPr id="711" name="Straight Arrow Connector 233"/>
           <p:cNvCxnSpPr>
-            <a:stCxn id="708" idx="0"/>
-            <a:endCxn id="711" idx="0"/>
+            <a:stCxn id="707" idx="0"/>
+            <a:endCxn id="710" idx="0"/>
           </p:cNvCxnSpPr>
           <p:nvPr/>
         </p:nvCxnSpPr>
@@ -40424,10 +40395,10 @@
       </p:cxnSp>
       <p:cxnSp>
         <p:nvCxnSpPr>
-          <p:cNvPr id="713" name="Straight Arrow Connector 234"/>
+          <p:cNvPr id="712" name="Straight Arrow Connector 234"/>
           <p:cNvCxnSpPr>
-            <a:stCxn id="706" idx="0"/>
-            <a:endCxn id="710" idx="0"/>
+            <a:stCxn id="705" idx="0"/>
+            <a:endCxn id="709" idx="0"/>
           </p:cNvCxnSpPr>
           <p:nvPr/>
         </p:nvCxnSpPr>
@@ -40448,7 +40419,7 @@
       </p:cxnSp>
       <p:grpSp>
         <p:nvGrpSpPr>
-          <p:cNvPr id="718" name="Cube 235"/>
+          <p:cNvPr id="717" name="Cube 235"/>
           <p:cNvGrpSpPr/>
           <p:nvPr/>
         </p:nvGrpSpPr>
@@ -40462,7 +40433,7 @@
         </p:grpSpPr>
         <p:sp>
           <p:nvSpPr>
-            <p:cNvPr id="714" name="Shape"/>
+            <p:cNvPr id="713" name="Shape"/>
             <p:cNvSpPr/>
             <p:nvPr/>
           </p:nvSpPr>
@@ -40551,7 +40522,7 @@
         </p:sp>
         <p:sp>
           <p:nvSpPr>
-            <p:cNvPr id="715" name="Shape"/>
+            <p:cNvPr id="714" name="Shape"/>
             <p:cNvSpPr/>
             <p:nvPr/>
           </p:nvSpPr>
@@ -40636,7 +40607,7 @@
         </p:sp>
         <p:sp>
           <p:nvSpPr>
-            <p:cNvPr id="716" name="Shape"/>
+            <p:cNvPr id="715" name="Shape"/>
             <p:cNvSpPr/>
             <p:nvPr/>
           </p:nvSpPr>
@@ -40721,7 +40692,7 @@
         </p:sp>
         <p:sp>
           <p:nvSpPr>
-            <p:cNvPr id="717" name="Shape"/>
+            <p:cNvPr id="716" name="Shape"/>
             <p:cNvSpPr/>
             <p:nvPr/>
           </p:nvSpPr>
@@ -40827,7 +40798,7 @@
       </p:grpSp>
       <p:grpSp>
         <p:nvGrpSpPr>
-          <p:cNvPr id="723" name="Cube 236"/>
+          <p:cNvPr id="722" name="Cube 236"/>
           <p:cNvGrpSpPr/>
           <p:nvPr/>
         </p:nvGrpSpPr>
@@ -40841,7 +40812,7 @@
         </p:grpSpPr>
         <p:sp>
           <p:nvSpPr>
-            <p:cNvPr id="719" name="Shape"/>
+            <p:cNvPr id="718" name="Shape"/>
             <p:cNvSpPr/>
             <p:nvPr/>
           </p:nvSpPr>
@@ -40930,7 +40901,7 @@
         </p:sp>
         <p:sp>
           <p:nvSpPr>
-            <p:cNvPr id="720" name="Shape"/>
+            <p:cNvPr id="719" name="Shape"/>
             <p:cNvSpPr/>
             <p:nvPr/>
           </p:nvSpPr>
@@ -41015,7 +40986,7 @@
         </p:sp>
         <p:sp>
           <p:nvSpPr>
-            <p:cNvPr id="721" name="Shape"/>
+            <p:cNvPr id="720" name="Shape"/>
             <p:cNvSpPr/>
             <p:nvPr/>
           </p:nvSpPr>
@@ -41100,7 +41071,7 @@
         </p:sp>
         <p:sp>
           <p:nvSpPr>
-            <p:cNvPr id="722" name="Shape"/>
+            <p:cNvPr id="721" name="Shape"/>
             <p:cNvSpPr/>
             <p:nvPr/>
           </p:nvSpPr>
@@ -41206,7 +41177,7 @@
       </p:grpSp>
       <p:grpSp>
         <p:nvGrpSpPr>
-          <p:cNvPr id="728" name="Cube 237"/>
+          <p:cNvPr id="727" name="Cube 237"/>
           <p:cNvGrpSpPr/>
           <p:nvPr/>
         </p:nvGrpSpPr>
@@ -41220,7 +41191,7 @@
         </p:grpSpPr>
         <p:sp>
           <p:nvSpPr>
-            <p:cNvPr id="724" name="Shape"/>
+            <p:cNvPr id="723" name="Shape"/>
             <p:cNvSpPr/>
             <p:nvPr/>
           </p:nvSpPr>
@@ -41309,7 +41280,7 @@
         </p:sp>
         <p:sp>
           <p:nvSpPr>
-            <p:cNvPr id="725" name="Shape"/>
+            <p:cNvPr id="724" name="Shape"/>
             <p:cNvSpPr/>
             <p:nvPr/>
           </p:nvSpPr>
@@ -41394,7 +41365,7 @@
         </p:sp>
         <p:sp>
           <p:nvSpPr>
-            <p:cNvPr id="726" name="Shape"/>
+            <p:cNvPr id="725" name="Shape"/>
             <p:cNvSpPr/>
             <p:nvPr/>
           </p:nvSpPr>
@@ -41479,7 +41450,7 @@
         </p:sp>
         <p:sp>
           <p:nvSpPr>
-            <p:cNvPr id="727" name="Shape"/>
+            <p:cNvPr id="726" name="Shape"/>
             <p:cNvSpPr/>
             <p:nvPr/>
           </p:nvSpPr>
@@ -41585,7 +41556,7 @@
       </p:grpSp>
       <p:grpSp>
         <p:nvGrpSpPr>
-          <p:cNvPr id="733" name="Cube 238"/>
+          <p:cNvPr id="732" name="Cube 238"/>
           <p:cNvGrpSpPr/>
           <p:nvPr/>
         </p:nvGrpSpPr>
@@ -41599,7 +41570,7 @@
         </p:grpSpPr>
         <p:sp>
           <p:nvSpPr>
-            <p:cNvPr id="729" name="Shape"/>
+            <p:cNvPr id="728" name="Shape"/>
             <p:cNvSpPr/>
             <p:nvPr/>
           </p:nvSpPr>
@@ -41688,7 +41659,7 @@
         </p:sp>
         <p:sp>
           <p:nvSpPr>
-            <p:cNvPr id="730" name="Shape"/>
+            <p:cNvPr id="729" name="Shape"/>
             <p:cNvSpPr/>
             <p:nvPr/>
           </p:nvSpPr>
@@ -41773,7 +41744,7 @@
         </p:sp>
         <p:sp>
           <p:nvSpPr>
-            <p:cNvPr id="731" name="Shape"/>
+            <p:cNvPr id="730" name="Shape"/>
             <p:cNvSpPr/>
             <p:nvPr/>
           </p:nvSpPr>
@@ -41858,7 +41829,7 @@
         </p:sp>
         <p:sp>
           <p:nvSpPr>
-            <p:cNvPr id="732" name="Shape"/>
+            <p:cNvPr id="731" name="Shape"/>
             <p:cNvSpPr/>
             <p:nvPr/>
           </p:nvSpPr>
@@ -41964,7 +41935,7 @@
       </p:grpSp>
       <p:grpSp>
         <p:nvGrpSpPr>
-          <p:cNvPr id="738" name="Cube 239"/>
+          <p:cNvPr id="737" name="Cube 239"/>
           <p:cNvGrpSpPr/>
           <p:nvPr/>
         </p:nvGrpSpPr>
@@ -41978,7 +41949,7 @@
         </p:grpSpPr>
         <p:sp>
           <p:nvSpPr>
-            <p:cNvPr id="734" name="Shape"/>
+            <p:cNvPr id="733" name="Shape"/>
             <p:cNvSpPr/>
             <p:nvPr/>
           </p:nvSpPr>
@@ -42067,7 +42038,7 @@
         </p:sp>
         <p:sp>
           <p:nvSpPr>
-            <p:cNvPr id="735" name="Shape"/>
+            <p:cNvPr id="734" name="Shape"/>
             <p:cNvSpPr/>
             <p:nvPr/>
           </p:nvSpPr>
@@ -42152,7 +42123,7 @@
         </p:sp>
         <p:sp>
           <p:nvSpPr>
-            <p:cNvPr id="736" name="Shape"/>
+            <p:cNvPr id="735" name="Shape"/>
             <p:cNvSpPr/>
             <p:nvPr/>
           </p:nvSpPr>
@@ -42237,7 +42208,7 @@
         </p:sp>
         <p:sp>
           <p:nvSpPr>
-            <p:cNvPr id="737" name="Shape"/>
+            <p:cNvPr id="736" name="Shape"/>
             <p:cNvSpPr/>
             <p:nvPr/>
           </p:nvSpPr>
@@ -42343,7 +42314,7 @@
       </p:grpSp>
       <p:grpSp>
         <p:nvGrpSpPr>
-          <p:cNvPr id="743" name="Cube 240"/>
+          <p:cNvPr id="742" name="Cube 240"/>
           <p:cNvGrpSpPr/>
           <p:nvPr/>
         </p:nvGrpSpPr>
@@ -42357,7 +42328,7 @@
         </p:grpSpPr>
         <p:sp>
           <p:nvSpPr>
-            <p:cNvPr id="739" name="Shape"/>
+            <p:cNvPr id="738" name="Shape"/>
             <p:cNvSpPr/>
             <p:nvPr/>
           </p:nvSpPr>
@@ -42446,7 +42417,7 @@
         </p:sp>
         <p:sp>
           <p:nvSpPr>
-            <p:cNvPr id="740" name="Shape"/>
+            <p:cNvPr id="739" name="Shape"/>
             <p:cNvSpPr/>
             <p:nvPr/>
           </p:nvSpPr>
@@ -42531,7 +42502,7 @@
         </p:sp>
         <p:sp>
           <p:nvSpPr>
-            <p:cNvPr id="741" name="Shape"/>
+            <p:cNvPr id="740" name="Shape"/>
             <p:cNvSpPr/>
             <p:nvPr/>
           </p:nvSpPr>
@@ -42616,7 +42587,7 @@
         </p:sp>
         <p:sp>
           <p:nvSpPr>
-            <p:cNvPr id="742" name="Shape"/>
+            <p:cNvPr id="741" name="Shape"/>
             <p:cNvSpPr/>
             <p:nvPr/>
           </p:nvSpPr>
@@ -42832,7 +42803,7 @@
       </p:sp>
       <p:sp>
         <p:nvSpPr>
-          <p:cNvPr id="746" name="Rectangle 243"/>
+          <p:cNvPr id="745" name="Rectangle 243"/>
           <p:cNvSpPr/>
           <p:nvPr/>
         </p:nvSpPr>
@@ -42887,7 +42858,7 @@
       </p:sp>
       <p:sp>
         <p:nvSpPr>
-          <p:cNvPr id="747" name="Rectangle 244"/>
+          <p:cNvPr id="746" name="Rectangle 244"/>
           <p:cNvSpPr/>
           <p:nvPr/>
         </p:nvSpPr>
@@ -42942,7 +42913,7 @@
       </p:sp>
       <p:sp>
         <p:nvSpPr>
-          <p:cNvPr id="748" name="Rectangle 245"/>
+          <p:cNvPr id="747" name="Rectangle 245"/>
           <p:cNvSpPr/>
           <p:nvPr/>
         </p:nvSpPr>
@@ -42997,7 +42968,7 @@
       </p:sp>
       <p:sp>
         <p:nvSpPr>
-          <p:cNvPr id="749" name="Rectangle 246"/>
+          <p:cNvPr id="748" name="Rectangle 246"/>
           <p:cNvSpPr/>
           <p:nvPr/>
         </p:nvSpPr>
@@ -43052,7 +43023,7 @@
       </p:sp>
       <p:sp>
         <p:nvSpPr>
-          <p:cNvPr id="750" name="Rectangle 247"/>
+          <p:cNvPr id="749" name="Rectangle 247"/>
           <p:cNvSpPr/>
           <p:nvPr/>
         </p:nvSpPr>
@@ -43107,7 +43078,7 @@
       </p:sp>
       <p:sp>
         <p:nvSpPr>
-          <p:cNvPr id="751" name="Rectangle 248"/>
+          <p:cNvPr id="750" name="Rectangle 248"/>
           <p:cNvSpPr/>
           <p:nvPr/>
         </p:nvSpPr>
@@ -43162,7 +43133,7 @@
       </p:sp>
       <p:grpSp>
         <p:nvGrpSpPr>
-          <p:cNvPr id="755" name="Arrow: Curved Down 12"/>
+          <p:cNvPr id="754" name="Arrow: Curved Down 12"/>
           <p:cNvGrpSpPr/>
           <p:nvPr/>
         </p:nvGrpSpPr>
@@ -43176,7 +43147,7 @@
         </p:grpSpPr>
         <p:sp>
           <p:nvSpPr>
-            <p:cNvPr id="752" name="Shape"/>
+            <p:cNvPr id="751" name="Shape"/>
             <p:cNvSpPr/>
             <p:nvPr/>
           </p:nvSpPr>
@@ -43303,7 +43274,7 @@
         </p:sp>
         <p:sp>
           <p:nvSpPr>
-            <p:cNvPr id="753" name="Shape"/>
+            <p:cNvPr id="752" name="Shape"/>
             <p:cNvSpPr/>
             <p:nvPr/>
           </p:nvSpPr>
@@ -43400,7 +43371,7 @@
         </p:sp>
         <p:sp>
           <p:nvSpPr>
-            <p:cNvPr id="754" name="Line"/>
+            <p:cNvPr id="753" name="Line"/>
             <p:cNvSpPr/>
             <p:nvPr/>
           </p:nvSpPr>
@@ -43516,7 +43487,7 @@
       </p:grpSp>
       <p:sp>
         <p:nvSpPr>
-          <p:cNvPr id="756" name="Rectangle"/>
+          <p:cNvPr id="755" name="Rectangle"/>
           <p:cNvSpPr/>
           <p:nvPr/>
         </p:nvSpPr>
@@ -43573,7 +43544,7 @@
       </p:sp>
       <p:sp>
         <p:nvSpPr>
-          <p:cNvPr id="757" name="every(.x, .p, …) Do all element pass a test?…"/>
+          <p:cNvPr id="756" name="every(.x, .p, …) Do all element pass a test?…"/>
           <p:cNvSpPr txBox="1"/>
           <p:nvPr/>
         </p:nvSpPr>
@@ -43902,7 +43873,7 @@
                     <a:srgbClr val="0000FF"/>
                   </a:solidFill>
                 </a:uFill>
-                <a:hlinkClick r:id="rId3" invalidUrl="" action="" tgtFrame="" tooltip="" history="1" highlightClick="0" endSnd="0"/>
+                <a:hlinkClick r:id="rId2" invalidUrl="" action="" tgtFrame="" tooltip="" history="1" highlightClick="0" endSnd="0"/>
               </a:rPr>
               <a:t>ImageNet</a:t>
             </a:r>
@@ -43976,7 +43947,7 @@
       </p:sp>
       <p:sp>
         <p:nvSpPr>
-          <p:cNvPr id="758" name="Thank you for making a new cheatsheet for R! These cheatsheets have an important job:"/>
+          <p:cNvPr id="757" name="Thank you for making a new cheatsheet for R! These cheatsheets have an important job:"/>
           <p:cNvSpPr txBox="1"/>
           <p:nvPr/>
         </p:nvSpPr>
@@ -44028,38 +43999,9 @@
           </a:p>
         </p:txBody>
       </p:sp>
-      <p:pic>
-        <p:nvPicPr>
-          <p:cNvPr id="759" name="Picture 2" descr="Picture 2"/>
-          <p:cNvPicPr>
-            <a:picLocks noChangeAspect="1"/>
-          </p:cNvPicPr>
-          <p:nvPr/>
-        </p:nvPicPr>
-        <p:blipFill>
-          <a:blip r:embed="rId4">
-            <a:extLst/>
-          </a:blip>
-          <a:stretch>
-            <a:fillRect/>
-          </a:stretch>
-        </p:blipFill>
-        <p:spPr>
-          <a:xfrm>
-            <a:off x="10683037" y="6629417"/>
-            <a:ext cx="1184831" cy="163244"/>
-          </a:xfrm>
-          <a:prstGeom prst="rect">
-            <a:avLst/>
-          </a:prstGeom>
-          <a:ln w="12700">
-            <a:miter lim="400000"/>
-          </a:ln>
-        </p:spPr>
-      </p:pic>
       <p:sp>
         <p:nvSpPr>
-          <p:cNvPr id="760" name="Rectangle"/>
+          <p:cNvPr id="758" name="Rectangle"/>
           <p:cNvSpPr/>
           <p:nvPr/>
         </p:nvSpPr>
@@ -44116,7 +44058,7 @@
       </p:sp>
       <p:sp>
         <p:nvSpPr>
-          <p:cNvPr id="761" name="Thank you for making a new cheatsheet for R! These cheatsheets have an important job:"/>
+          <p:cNvPr id="759" name="Thank you for making a new cheatsheet for R! These cheatsheets have an important job:"/>
           <p:cNvSpPr txBox="1"/>
           <p:nvPr/>
         </p:nvSpPr>
@@ -44247,7 +44189,7 @@
       </p:sp>
       <p:sp>
         <p:nvSpPr>
-          <p:cNvPr id="762" name="Basics"/>
+          <p:cNvPr id="760" name="Basics"/>
           <p:cNvSpPr txBox="1"/>
           <p:nvPr/>
         </p:nvSpPr>
@@ -44299,7 +44241,7 @@
       </p:sp>
       <p:sp>
         <p:nvSpPr>
-          <p:cNvPr id="763" name="Basics"/>
+          <p:cNvPr id="761" name="Basics"/>
           <p:cNvSpPr txBox="1"/>
           <p:nvPr/>
         </p:nvSpPr>
@@ -44349,9 +44291,204 @@
           </a:p>
         </p:txBody>
       </p:sp>
+      <p:sp>
+        <p:nvSpPr>
+          <p:cNvPr id="762" name="RStudio® is a trademark of RStudio, Inc.  •  CC BY RStudio •  info@rstudio.com  •  844-448-1212 • rstudio.com •  Learn more at spark.rstudio.com  •  sparklyr  0.5  •  Updated: 2016-12"/>
+          <p:cNvSpPr txBox="1"/>
+          <p:nvPr/>
+        </p:nvSpPr>
+        <p:spPr>
+          <a:xfrm>
+            <a:off x="2353571" y="10340910"/>
+            <a:ext cx="11322668" cy="248841"/>
+          </a:xfrm>
+          <a:prstGeom prst="rect">
+            <a:avLst/>
+          </a:prstGeom>
+          <a:ln w="12700">
+            <a:miter lim="400000"/>
+          </a:ln>
+          <a:extLst>
+            <a:ext uri="{C572A759-6A51-4108-AA02-DFA0A04FC94B}">
+              <ma14:wrappingTextBoxFlag xmlns:ma14="http://schemas.microsoft.com/office/mac/drawingml/2011/main" val="1"/>
+            </a:ext>
+          </a:extLst>
+        </p:spPr>
+        <p:txBody>
+          <a:bodyPr lIns="54569" tIns="54569" rIns="54569" bIns="54569" anchor="ctr">
+            <a:spAutoFit/>
+          </a:bodyPr>
+          <a:lstStyle/>
+          <a:p>
+            <a:pPr algn="r">
+              <a:lnSpc>
+                <a:spcPct val="90000"/>
+              </a:lnSpc>
+              <a:spcBef>
+                <a:spcPts val="0"/>
+              </a:spcBef>
+              <a:defRPr sz="900">
+                <a:solidFill>
+                  <a:srgbClr val="000000"/>
+                </a:solidFill>
+                <a:latin typeface="Source Sans Pro"/>
+                <a:ea typeface="Source Sans Pro"/>
+                <a:cs typeface="Source Sans Pro"/>
+                <a:sym typeface="Source Sans Pro"/>
+              </a:defRPr>
+            </a:pPr>
+            <a:r>
+              <a:t>RStudio® is a trademark of RStudio, Inc.  •  </a:t>
+            </a:r>
+            <a:r>
+              <a:rPr>
+                <a:hlinkClick r:id="rId3" invalidUrl="" action="" tgtFrame="" tooltip="" history="1" highlightClick="0" endSnd="0"/>
+              </a:rPr>
+              <a:t>CC BY SA</a:t>
+            </a:r>
+            <a:r>
+              <a:t>  </a:t>
+            </a:r>
+            <a:r>
+              <a:t>RStudio •  </a:t>
+            </a:r>
+            <a:r>
+              <a:rPr u="sng">
+                <a:solidFill>
+                  <a:srgbClr val="D77A00"/>
+                </a:solidFill>
+                <a:uFill>
+                  <a:solidFill>
+                    <a:srgbClr val="0000FF"/>
+                  </a:solidFill>
+                </a:uFill>
+                <a:hlinkClick r:id="rId4" invalidUrl="" action="" tgtFrame="" tooltip="" history="1" highlightClick="0" endSnd="0"/>
+              </a:rPr>
+              <a:t>info@rstudio.com</a:t>
+            </a:r>
+            <a:r>
+              <a:rPr>
+                <a:solidFill>
+                  <a:srgbClr val="D77A00"/>
+                </a:solidFill>
+              </a:rPr>
+              <a:t>  </a:t>
+            </a:r>
+            <a:r>
+              <a:t>•  844-448-1212 • </a:t>
+            </a:r>
+            <a:r>
+              <a:rPr u="sng">
+                <a:solidFill>
+                  <a:srgbClr val="D77A00"/>
+                </a:solidFill>
+                <a:uFill>
+                  <a:solidFill>
+                    <a:srgbClr val="0000FF"/>
+                  </a:solidFill>
+                </a:uFill>
+                <a:hlinkClick r:id="rId5" invalidUrl="" action="" tgtFrame="" tooltip="" history="1" highlightClick="0" endSnd="0"/>
+              </a:rPr>
+              <a:t>rstudio.com</a:t>
+            </a:r>
+            <a:r>
+              <a:rPr>
+                <a:solidFill>
+                  <a:srgbClr val="D77A00"/>
+                </a:solidFill>
+              </a:rPr>
+              <a:t> </a:t>
+            </a:r>
+            <a:r>
+              <a:t>•  Learn more at </a:t>
+            </a:r>
+            <a:r>
+              <a:rPr b="1"/>
+              <a:t>keras</a:t>
+            </a:r>
+            <a:r>
+              <a:rPr b="1"/>
+              <a:t>.rstudio.com</a:t>
+            </a:r>
+            <a:r>
+              <a:t>  •  </a:t>
+            </a:r>
+            <a:r>
+              <a:t>keras 2.1.2</a:t>
+            </a:r>
+            <a:r>
+              <a:t>  •  Updated: 201</a:t>
+            </a:r>
+            <a:r>
+              <a:t>7</a:t>
+            </a:r>
+            <a:r>
+              <a:t>-12</a:t>
+            </a:r>
+          </a:p>
+        </p:txBody>
+      </p:sp>
+      <p:pic>
+        <p:nvPicPr>
+          <p:cNvPr id="763" name="pasted-image.pdf" descr="pasted-image.pdf"/>
+          <p:cNvPicPr>
+            <a:picLocks noChangeAspect="1"/>
+          </p:cNvPicPr>
+          <p:nvPr/>
+        </p:nvPicPr>
+        <p:blipFill>
+          <a:blip r:embed="rId6">
+            <a:extLst/>
+          </a:blip>
+          <a:stretch>
+            <a:fillRect/>
+          </a:stretch>
+        </p:blipFill>
+        <p:spPr>
+          <a:xfrm>
+            <a:off x="238822" y="9978473"/>
+            <a:ext cx="1754523" cy="616479"/>
+          </a:xfrm>
+          <a:prstGeom prst="rect">
+            <a:avLst/>
+          </a:prstGeom>
+          <a:ln w="12700">
+            <a:miter lim="400000"/>
+          </a:ln>
+        </p:spPr>
+      </p:pic>
+      <p:pic>
+        <p:nvPicPr>
+          <p:cNvPr id="764" name="Picture 2" descr="Picture 2"/>
+          <p:cNvPicPr>
+            <a:picLocks noChangeAspect="1"/>
+          </p:cNvPicPr>
+          <p:nvPr/>
+        </p:nvPicPr>
+        <p:blipFill>
+          <a:blip r:embed="rId7">
+            <a:extLst/>
+          </a:blip>
+          <a:stretch>
+            <a:fillRect/>
+          </a:stretch>
+        </p:blipFill>
+        <p:spPr>
+          <a:xfrm>
+            <a:off x="10683037" y="6629417"/>
+            <a:ext cx="1184831" cy="163244"/>
+          </a:xfrm>
+          <a:prstGeom prst="rect">
+            <a:avLst/>
+          </a:prstGeom>
+          <a:ln w="12700">
+            <a:miter lim="400000"/>
+          </a:ln>
+        </p:spPr>
+      </p:pic>
       <p:grpSp>
         <p:nvGrpSpPr>
-          <p:cNvPr id="770" name="Group 265"/>
+          <p:cNvPr id="771" name="Group 265"/>
           <p:cNvGrpSpPr/>
           <p:nvPr/>
         </p:nvGrpSpPr>
@@ -44365,7 +44502,7 @@
         </p:grpSpPr>
         <p:grpSp>
           <p:nvGrpSpPr>
-            <p:cNvPr id="766" name="Group 266"/>
+            <p:cNvPr id="767" name="Group 266"/>
             <p:cNvGrpSpPr/>
             <p:nvPr/>
           </p:nvGrpSpPr>
@@ -44379,14 +44516,14 @@
           </p:grpSpPr>
           <p:pic>
             <p:nvPicPr>
-              <p:cNvPr id="764" name="Picture 4" descr="Picture 4"/>
+              <p:cNvPr id="765" name="Picture 4" descr="Picture 4"/>
               <p:cNvPicPr>
                 <a:picLocks noChangeAspect="1"/>
               </p:cNvPicPr>
               <p:nvPr/>
             </p:nvPicPr>
             <p:blipFill>
-              <a:blip r:embed="rId5">
+              <a:blip r:embed="rId8">
                 <a:extLst/>
               </a:blip>
               <a:stretch>
@@ -44410,7 +44547,7 @@
           </p:pic>
           <p:sp>
             <p:nvSpPr>
-              <p:cNvPr id="765" name="Rectangle 271"/>
+              <p:cNvPr id="766" name="Rectangle 271"/>
               <p:cNvSpPr txBox="1"/>
               <p:nvPr/>
             </p:nvSpPr>
@@ -44462,7 +44599,7 @@
         </p:grpSp>
         <p:grpSp>
           <p:nvGrpSpPr>
-            <p:cNvPr id="769" name="Group 267"/>
+            <p:cNvPr id="770" name="Group 267"/>
             <p:cNvGrpSpPr/>
             <p:nvPr/>
           </p:nvGrpSpPr>
@@ -44476,14 +44613,14 @@
           </p:grpSpPr>
           <p:pic>
             <p:nvPicPr>
-              <p:cNvPr id="767" name="Picture 2" descr="Picture 2"/>
+              <p:cNvPr id="768" name="Picture 2" descr="Picture 2"/>
               <p:cNvPicPr>
                 <a:picLocks noChangeAspect="1"/>
               </p:cNvPicPr>
               <p:nvPr/>
             </p:nvPicPr>
             <p:blipFill>
-              <a:blip r:embed="rId6">
+              <a:blip r:embed="rId9">
                 <a:extLst/>
               </a:blip>
               <a:stretch>
@@ -44507,7 +44644,7 @@
           </p:pic>
           <p:sp>
             <p:nvSpPr>
-              <p:cNvPr id="768" name="Rectangle 269"/>
+              <p:cNvPr id="769" name="Rectangle 269"/>
               <p:cNvSpPr txBox="1"/>
               <p:nvPr/>
             </p:nvSpPr>
@@ -44564,143 +44701,6 @@
           </p:sp>
         </p:grpSp>
       </p:grpSp>
-      <p:sp>
-        <p:nvSpPr>
-          <p:cNvPr id="771" name="RStudio® is a trademark of RStudio, Inc.  •  CC BY RStudio •  info@rstudio.com  •  844-448-1212 • rstudio.com •  Learn more at spark.rstudio.com  •  sparklyr  0.5  •  Updated: 2016-12"/>
-          <p:cNvSpPr txBox="1"/>
-          <p:nvPr/>
-        </p:nvSpPr>
-        <p:spPr>
-          <a:xfrm>
-            <a:off x="2353571" y="10340910"/>
-            <a:ext cx="11322668" cy="248841"/>
-          </a:xfrm>
-          <a:prstGeom prst="rect">
-            <a:avLst/>
-          </a:prstGeom>
-          <a:ln w="12700">
-            <a:miter lim="400000"/>
-          </a:ln>
-          <a:extLst>
-            <a:ext uri="{C572A759-6A51-4108-AA02-DFA0A04FC94B}">
-              <ma14:wrappingTextBoxFlag xmlns:ma14="http://schemas.microsoft.com/office/mac/drawingml/2011/main" val="1"/>
-            </a:ext>
-          </a:extLst>
-        </p:spPr>
-        <p:txBody>
-          <a:bodyPr lIns="54569" tIns="54569" rIns="54569" bIns="54569" anchor="ctr">
-            <a:spAutoFit/>
-          </a:bodyPr>
-          <a:lstStyle/>
-          <a:p>
-            <a:pPr algn="r">
-              <a:lnSpc>
-                <a:spcPct val="90000"/>
-              </a:lnSpc>
-              <a:spcBef>
-                <a:spcPts val="0"/>
-              </a:spcBef>
-              <a:defRPr sz="900">
-                <a:solidFill>
-                  <a:srgbClr val="000000"/>
-                </a:solidFill>
-                <a:latin typeface="Source Sans Pro"/>
-                <a:ea typeface="Source Sans Pro"/>
-                <a:cs typeface="Source Sans Pro"/>
-                <a:sym typeface="Source Sans Pro"/>
-              </a:defRPr>
-            </a:pPr>
-            <a:r>
-              <a:t>RStudio® is a trademark of RStudio, Inc.  •  </a:t>
-            </a:r>
-            <a:r>
-              <a:rPr>
-                <a:hlinkClick r:id="rId7" invalidUrl="" action="" tgtFrame="" tooltip="" history="1" highlightClick="0" endSnd="0"/>
-              </a:rPr>
-              <a:t>CC BY SA</a:t>
-            </a:r>
-            <a:r>
-              <a:t>  </a:t>
-            </a:r>
-            <a:r>
-              <a:t>RStudio •  </a:t>
-            </a:r>
-            <a:r>
-              <a:rPr u="sng">
-                <a:solidFill>
-                  <a:srgbClr val="D77A00"/>
-                </a:solidFill>
-                <a:uFill>
-                  <a:solidFill>
-                    <a:srgbClr val="0000FF"/>
-                  </a:solidFill>
-                </a:uFill>
-                <a:hlinkClick r:id="rId8" invalidUrl="" action="" tgtFrame="" tooltip="" history="1" highlightClick="0" endSnd="0"/>
-              </a:rPr>
-              <a:t>info@rstudio.com</a:t>
-            </a:r>
-            <a:r>
-              <a:rPr>
-                <a:solidFill>
-                  <a:srgbClr val="D77A00"/>
-                </a:solidFill>
-              </a:rPr>
-              <a:t>  </a:t>
-            </a:r>
-            <a:r>
-              <a:t>•  844-448-1212 • </a:t>
-            </a:r>
-            <a:r>
-              <a:rPr u="sng">
-                <a:solidFill>
-                  <a:srgbClr val="D77A00"/>
-                </a:solidFill>
-                <a:uFill>
-                  <a:solidFill>
-                    <a:srgbClr val="0000FF"/>
-                  </a:solidFill>
-                </a:uFill>
-                <a:hlinkClick r:id="rId9" invalidUrl="" action="" tgtFrame="" tooltip="" history="1" highlightClick="0" endSnd="0"/>
-              </a:rPr>
-              <a:t>rstudio.com</a:t>
-            </a:r>
-            <a:r>
-              <a:rPr>
-                <a:solidFill>
-                  <a:srgbClr val="D77A00"/>
-                </a:solidFill>
-              </a:rPr>
-              <a:t> </a:t>
-            </a:r>
-            <a:r>
-              <a:t>•  Learn more at </a:t>
-            </a:r>
-            <a:r>
-              <a:rPr b="1"/>
-              <a:t>keras</a:t>
-            </a:r>
-            <a:r>
-              <a:rPr b="1"/>
-              <a:t>.rstudio.com</a:t>
-            </a:r>
-            <a:r>
-              <a:t>  •  </a:t>
-            </a:r>
-            <a:r>
-              <a:t>keras 2.1.2</a:t>
-            </a:r>
-            <a:r>
-              <a:t>  •  Updated: 201</a:t>
-            </a:r>
-            <a:r>
-              <a:t>7</a:t>
-            </a:r>
-            <a:r>
-              <a:t>-12</a:t>
-            </a:r>
-          </a:p>
-        </p:txBody>
-      </p:sp>
     </p:spTree>
   </p:cSld>
   <p:clrMapOvr>
